--- a/doc/StationMeteo_Soutenance_Mickael.pptx
+++ b/doc/StationMeteo_Soutenance_Mickael.pptx
@@ -5,10 +5,10 @@
     <p:sldMasterId id="2147483673" r:id="rId1"/>
   </p:sldMasterIdLst>
   <p:notesMasterIdLst>
-    <p:notesMasterId r:id="rId37"/>
+    <p:notesMasterId r:id="rId47"/>
   </p:notesMasterIdLst>
   <p:handoutMasterIdLst>
-    <p:handoutMasterId r:id="rId38"/>
+    <p:handoutMasterId r:id="rId48"/>
   </p:handoutMasterIdLst>
   <p:sldIdLst>
     <p:sldId id="257" r:id="rId2"/>
@@ -30,22 +30,32 @@
     <p:sldId id="276" r:id="rId18"/>
     <p:sldId id="266" r:id="rId19"/>
     <p:sldId id="279" r:id="rId20"/>
-    <p:sldId id="280" r:id="rId21"/>
-    <p:sldId id="281" r:id="rId22"/>
-    <p:sldId id="282" r:id="rId23"/>
-    <p:sldId id="284" r:id="rId24"/>
-    <p:sldId id="283" r:id="rId25"/>
-    <p:sldId id="267" r:id="rId26"/>
-    <p:sldId id="294" r:id="rId27"/>
-    <p:sldId id="296" r:id="rId28"/>
-    <p:sldId id="297" r:id="rId29"/>
-    <p:sldId id="295" r:id="rId30"/>
-    <p:sldId id="291" r:id="rId31"/>
-    <p:sldId id="292" r:id="rId32"/>
-    <p:sldId id="293" r:id="rId33"/>
-    <p:sldId id="269" r:id="rId34"/>
-    <p:sldId id="271" r:id="rId35"/>
-    <p:sldId id="270" r:id="rId36"/>
+    <p:sldId id="299" r:id="rId21"/>
+    <p:sldId id="301" r:id="rId22"/>
+    <p:sldId id="300" r:id="rId23"/>
+    <p:sldId id="302" r:id="rId24"/>
+    <p:sldId id="280" r:id="rId25"/>
+    <p:sldId id="281" r:id="rId26"/>
+    <p:sldId id="282" r:id="rId27"/>
+    <p:sldId id="284" r:id="rId28"/>
+    <p:sldId id="283" r:id="rId29"/>
+    <p:sldId id="267" r:id="rId30"/>
+    <p:sldId id="294" r:id="rId31"/>
+    <p:sldId id="296" r:id="rId32"/>
+    <p:sldId id="297" r:id="rId33"/>
+    <p:sldId id="307" r:id="rId34"/>
+    <p:sldId id="303" r:id="rId35"/>
+    <p:sldId id="304" r:id="rId36"/>
+    <p:sldId id="305" r:id="rId37"/>
+    <p:sldId id="308" r:id="rId38"/>
+    <p:sldId id="306" r:id="rId39"/>
+    <p:sldId id="295" r:id="rId40"/>
+    <p:sldId id="291" r:id="rId41"/>
+    <p:sldId id="292" r:id="rId42"/>
+    <p:sldId id="293" r:id="rId43"/>
+    <p:sldId id="269" r:id="rId44"/>
+    <p:sldId id="271" r:id="rId45"/>
+    <p:sldId id="270" r:id="rId46"/>
   </p:sldIdLst>
   <p:sldSz cx="12192000" cy="6858000"/>
   <p:notesSz cx="6858000" cy="9144000"/>
@@ -11155,6 +11165,30 @@
           </a:p>
           <a:p>
             <a:pPr lvl="1"/>
+            <a:r>
+              <a:rPr lang="fr-FR" dirty="0"/>
+              <a:t>Nombre de réponse maximale viable pour  travailler</a:t>
+            </a:r>
+          </a:p>
+          <a:p>
+            <a:pPr lvl="1"/>
+            <a:r>
+              <a:rPr lang="fr-FR" dirty="0"/>
+              <a:t>Un service gratuit  </a:t>
+            </a:r>
+          </a:p>
+          <a:p>
+            <a:pPr lvl="1"/>
+            <a:endParaRPr lang="fr-FR" dirty="0"/>
+          </a:p>
+          <a:p>
+            <a:pPr marL="274320" lvl="1" indent="0">
+              <a:buNone/>
+            </a:pPr>
+            <a:endParaRPr lang="fr-FR" dirty="0"/>
+          </a:p>
+          <a:p>
+            <a:pPr lvl="1"/>
             <a:endParaRPr lang="fr-FR" dirty="0"/>
           </a:p>
           <a:p>
@@ -11345,6 +11379,2112 @@
       </p:grpSpPr>
       <p:sp>
         <p:nvSpPr>
+          <p:cNvPr id="2" name="Espace réservé de la date 1">
+            <a:extLst>
+              <a:ext uri="{FF2B5EF4-FFF2-40B4-BE49-F238E27FC236}">
+                <a16:creationId xmlns:a16="http://schemas.microsoft.com/office/drawing/2014/main" id="{F25E72A9-A4C8-4B08-9A24-7FB9CCF518A7}"/>
+              </a:ext>
+            </a:extLst>
+          </p:cNvPr>
+          <p:cNvSpPr>
+            <a:spLocks noGrp="1"/>
+          </p:cNvSpPr>
+          <p:nvPr>
+            <p:ph type="dt" sz="half" idx="10"/>
+          </p:nvPr>
+        </p:nvSpPr>
+        <p:spPr/>
+        <p:txBody>
+          <a:bodyPr/>
+          <a:lstStyle/>
+          <a:p>
+            <a:pPr rtl="0"/>
+            <a:fld id="{2BD66AC7-6890-4F0E-B000-A39D822B7C00}" type="datetime1">
+              <a:rPr lang="fr-FR" smtClean="0"/>
+              <a:t>22/06/2021</a:t>
+            </a:fld>
+            <a:endParaRPr lang="en-US"/>
+          </a:p>
+        </p:txBody>
+      </p:sp>
+      <p:graphicFrame>
+        <p:nvGraphicFramePr>
+          <p:cNvPr id="3" name="Tableau 3">
+            <a:extLst>
+              <a:ext uri="{FF2B5EF4-FFF2-40B4-BE49-F238E27FC236}">
+                <a16:creationId xmlns:a16="http://schemas.microsoft.com/office/drawing/2014/main" id="{E7A42634-4AB7-4EC1-A0F3-F834C6251628}"/>
+              </a:ext>
+            </a:extLst>
+          </p:cNvPr>
+          <p:cNvGraphicFramePr>
+            <a:graphicFrameLocks noGrp="1"/>
+          </p:cNvGraphicFramePr>
+          <p:nvPr>
+            <p:extLst>
+              <p:ext uri="{D42A27DB-BD31-4B8C-83A1-F6EECF244321}">
+                <p14:modId xmlns:p14="http://schemas.microsoft.com/office/powerpoint/2010/main" val="2772122104"/>
+              </p:ext>
+            </p:extLst>
+          </p:nvPr>
+        </p:nvGraphicFramePr>
+        <p:xfrm>
+          <a:off x="1475173" y="1034158"/>
+          <a:ext cx="9241654" cy="5288576"/>
+        </p:xfrm>
+        <a:graphic>
+          <a:graphicData uri="http://schemas.openxmlformats.org/drawingml/2006/table">
+            <a:tbl>
+              <a:tblPr firstRow="1" bandRow="1">
+                <a:tableStyleId>{5C22544A-7EE6-4342-B048-85BDC9FD1C3A}</a:tableStyleId>
+              </a:tblPr>
+              <a:tblGrid>
+                <a:gridCol w="1540276">
+                  <a:extLst>
+                    <a:ext uri="{9D8B030D-6E8A-4147-A177-3AD203B41FA5}">
+                      <a16:colId xmlns:a16="http://schemas.microsoft.com/office/drawing/2014/main" val="2833450209"/>
+                    </a:ext>
+                  </a:extLst>
+                </a:gridCol>
+                <a:gridCol w="1540276">
+                  <a:extLst>
+                    <a:ext uri="{9D8B030D-6E8A-4147-A177-3AD203B41FA5}">
+                      <a16:colId xmlns:a16="http://schemas.microsoft.com/office/drawing/2014/main" val="2155564734"/>
+                    </a:ext>
+                  </a:extLst>
+                </a:gridCol>
+                <a:gridCol w="1540276">
+                  <a:extLst>
+                    <a:ext uri="{9D8B030D-6E8A-4147-A177-3AD203B41FA5}">
+                      <a16:colId xmlns:a16="http://schemas.microsoft.com/office/drawing/2014/main" val="1070110226"/>
+                    </a:ext>
+                  </a:extLst>
+                </a:gridCol>
+                <a:gridCol w="1540276">
+                  <a:extLst>
+                    <a:ext uri="{9D8B030D-6E8A-4147-A177-3AD203B41FA5}">
+                      <a16:colId xmlns:a16="http://schemas.microsoft.com/office/drawing/2014/main" val="1983054916"/>
+                    </a:ext>
+                  </a:extLst>
+                </a:gridCol>
+                <a:gridCol w="1575863">
+                  <a:extLst>
+                    <a:ext uri="{9D8B030D-6E8A-4147-A177-3AD203B41FA5}">
+                      <a16:colId xmlns:a16="http://schemas.microsoft.com/office/drawing/2014/main" val="2491461219"/>
+                    </a:ext>
+                  </a:extLst>
+                </a:gridCol>
+                <a:gridCol w="1504687">
+                  <a:extLst>
+                    <a:ext uri="{9D8B030D-6E8A-4147-A177-3AD203B41FA5}">
+                      <a16:colId xmlns:a16="http://schemas.microsoft.com/office/drawing/2014/main" val="195823074"/>
+                    </a:ext>
+                  </a:extLst>
+                </a:gridCol>
+              </a:tblGrid>
+              <a:tr h="566633">
+                <a:tc>
+                  <a:txBody>
+                    <a:bodyPr/>
+                    <a:lstStyle/>
+                    <a:p>
+                      <a:r>
+                        <a:rPr lang="fr-FR" sz="1400" dirty="0"/>
+                        <a:t>APIS:</a:t>
+                      </a:r>
+                      <a:endParaRPr lang="en-US" sz="1400" dirty="0"/>
+                    </a:p>
+                  </a:txBody>
+                  <a:tcPr/>
+                </a:tc>
+                <a:tc>
+                  <a:txBody>
+                    <a:bodyPr/>
+                    <a:lstStyle/>
+                    <a:p>
+                      <a:r>
+                        <a:rPr lang="fr-FR" sz="1400" dirty="0" err="1"/>
+                        <a:t>infoclimat</a:t>
+                      </a:r>
+                      <a:endParaRPr lang="en-US" sz="1400" dirty="0"/>
+                    </a:p>
+                  </a:txBody>
+                  <a:tcPr/>
+                </a:tc>
+                <a:tc>
+                  <a:txBody>
+                    <a:bodyPr/>
+                    <a:lstStyle/>
+                    <a:p>
+                      <a:r>
+                        <a:rPr lang="fr-FR" sz="1400" dirty="0" err="1"/>
+                        <a:t>meteomatics</a:t>
+                      </a:r>
+                      <a:endParaRPr lang="en-US" sz="1400" dirty="0"/>
+                    </a:p>
+                  </a:txBody>
+                  <a:tcPr/>
+                </a:tc>
+                <a:tc>
+                  <a:txBody>
+                    <a:bodyPr/>
+                    <a:lstStyle/>
+                    <a:p>
+                      <a:r>
+                        <a:rPr lang="fr-FR" sz="1400" dirty="0" err="1"/>
+                        <a:t>accuweather</a:t>
+                      </a:r>
+                      <a:endParaRPr lang="en-US" sz="1400" dirty="0"/>
+                    </a:p>
+                  </a:txBody>
+                  <a:tcPr/>
+                </a:tc>
+                <a:tc>
+                  <a:txBody>
+                    <a:bodyPr/>
+                    <a:lstStyle/>
+                    <a:p>
+                      <a:r>
+                        <a:rPr lang="fr-FR" sz="1400" dirty="0" err="1"/>
+                        <a:t>openweathermap</a:t>
+                      </a:r>
+                      <a:endParaRPr lang="fr-FR" sz="1400" dirty="0"/>
+                    </a:p>
+                  </a:txBody>
+                  <a:tcPr>
+                    <a:solidFill>
+                      <a:schemeClr val="accent1"/>
+                    </a:solidFill>
+                  </a:tcPr>
+                </a:tc>
+                <a:tc>
+                  <a:txBody>
+                    <a:bodyPr/>
+                    <a:lstStyle/>
+                    <a:p>
+                      <a:r>
+                        <a:rPr lang="fr-FR" sz="1400" dirty="0" err="1"/>
+                        <a:t>meteoconcept</a:t>
+                      </a:r>
+                      <a:endParaRPr lang="en-US" sz="1400" dirty="0"/>
+                    </a:p>
+                  </a:txBody>
+                  <a:tcPr/>
+                </a:tc>
+                <a:extLst>
+                  <a:ext uri="{0D108BD9-81ED-4DB2-BD59-A6C34878D82A}">
+                    <a16:rowId xmlns:a16="http://schemas.microsoft.com/office/drawing/2014/main" val="1010668616"/>
+                  </a:ext>
+                </a:extLst>
+              </a:tr>
+              <a:tr h="944389">
+                <a:tc>
+                  <a:txBody>
+                    <a:bodyPr/>
+                    <a:lstStyle/>
+                    <a:p>
+                      <a:r>
+                        <a:rPr lang="fr-FR" sz="1400" dirty="0"/>
+                        <a:t>Nombre d’appel serveur autorisé</a:t>
+                      </a:r>
+                      <a:endParaRPr lang="en-US" sz="1400" dirty="0"/>
+                    </a:p>
+                  </a:txBody>
+                  <a:tcPr>
+                    <a:solidFill>
+                      <a:schemeClr val="bg1">
+                        <a:lumMod val="85000"/>
+                      </a:schemeClr>
+                    </a:solidFill>
+                  </a:tcPr>
+                </a:tc>
+                <a:tc>
+                  <a:txBody>
+                    <a:bodyPr/>
+                    <a:lstStyle/>
+                    <a:p>
+                      <a:r>
+                        <a:rPr lang="fr-FR" sz="1400" dirty="0"/>
+                        <a:t>5000/jr</a:t>
+                      </a:r>
+                      <a:endParaRPr lang="en-US" sz="1400" dirty="0"/>
+                    </a:p>
+                  </a:txBody>
+                  <a:tcPr>
+                    <a:solidFill>
+                      <a:schemeClr val="bg1">
+                        <a:lumMod val="85000"/>
+                      </a:schemeClr>
+                    </a:solidFill>
+                  </a:tcPr>
+                </a:tc>
+                <a:tc>
+                  <a:txBody>
+                    <a:bodyPr/>
+                    <a:lstStyle/>
+                    <a:p>
+                      <a:r>
+                        <a:rPr lang="fr-FR" sz="1400" dirty="0"/>
+                        <a:t>1000/14jr</a:t>
+                      </a:r>
+                    </a:p>
+                    <a:p>
+                      <a:r>
+                        <a:rPr lang="fr-FR" sz="1400" dirty="0"/>
+                        <a:t>(version d’essai 14jr )</a:t>
+                      </a:r>
+                      <a:endParaRPr lang="en-US" sz="1400" dirty="0"/>
+                    </a:p>
+                  </a:txBody>
+                  <a:tcPr>
+                    <a:solidFill>
+                      <a:schemeClr val="bg1">
+                        <a:lumMod val="85000"/>
+                      </a:schemeClr>
+                    </a:solidFill>
+                  </a:tcPr>
+                </a:tc>
+                <a:tc>
+                  <a:txBody>
+                    <a:bodyPr/>
+                    <a:lstStyle/>
+                    <a:p>
+                      <a:r>
+                        <a:rPr lang="fr-FR" sz="1400" dirty="0"/>
+                        <a:t>50 appels /jr</a:t>
+                      </a:r>
+                      <a:endParaRPr lang="en-US" sz="1400" dirty="0"/>
+                    </a:p>
+                  </a:txBody>
+                  <a:tcPr>
+                    <a:solidFill>
+                      <a:schemeClr val="bg1">
+                        <a:lumMod val="85000"/>
+                      </a:schemeClr>
+                    </a:solidFill>
+                  </a:tcPr>
+                </a:tc>
+                <a:tc>
+                  <a:txBody>
+                    <a:bodyPr/>
+                    <a:lstStyle/>
+                    <a:p>
+                      <a:r>
+                        <a:rPr lang="fr-FR" sz="1400" dirty="0"/>
+                        <a:t>1000/jr</a:t>
+                      </a:r>
+                    </a:p>
+                  </a:txBody>
+                  <a:tcPr>
+                    <a:solidFill>
+                      <a:schemeClr val="bg1">
+                        <a:lumMod val="85000"/>
+                      </a:schemeClr>
+                    </a:solidFill>
+                  </a:tcPr>
+                </a:tc>
+                <a:tc>
+                  <a:txBody>
+                    <a:bodyPr/>
+                    <a:lstStyle/>
+                    <a:p>
+                      <a:r>
+                        <a:rPr lang="fr-FR" sz="1400" dirty="0"/>
+                        <a:t>500/jr</a:t>
+                      </a:r>
+                      <a:endParaRPr lang="en-US" sz="1400" dirty="0"/>
+                    </a:p>
+                  </a:txBody>
+                  <a:tcPr>
+                    <a:solidFill>
+                      <a:schemeClr val="bg1">
+                        <a:lumMod val="85000"/>
+                      </a:schemeClr>
+                    </a:solidFill>
+                  </a:tcPr>
+                </a:tc>
+                <a:extLst>
+                  <a:ext uri="{0D108BD9-81ED-4DB2-BD59-A6C34878D82A}">
+                    <a16:rowId xmlns:a16="http://schemas.microsoft.com/office/drawing/2014/main" val="3091589803"/>
+                  </a:ext>
+                </a:extLst>
+              </a:tr>
+              <a:tr h="728528">
+                <a:tc>
+                  <a:txBody>
+                    <a:bodyPr/>
+                    <a:lstStyle/>
+                    <a:p>
+                      <a:r>
+                        <a:rPr lang="fr-FR" sz="1400" dirty="0"/>
+                        <a:t> gratuité service</a:t>
+                      </a:r>
+                    </a:p>
+                  </a:txBody>
+                  <a:tcPr>
+                    <a:solidFill>
+                      <a:schemeClr val="bg1">
+                        <a:lumMod val="95000"/>
+                      </a:schemeClr>
+                    </a:solidFill>
+                  </a:tcPr>
+                </a:tc>
+                <a:tc>
+                  <a:txBody>
+                    <a:bodyPr/>
+                    <a:lstStyle/>
+                    <a:p>
+                      <a:r>
+                        <a:rPr lang="fr-FR" sz="1400" dirty="0"/>
+                        <a:t>gratuit</a:t>
+                      </a:r>
+                      <a:endParaRPr lang="en-US" sz="1400" dirty="0"/>
+                    </a:p>
+                  </a:txBody>
+                  <a:tcPr>
+                    <a:solidFill>
+                      <a:schemeClr val="bg1">
+                        <a:lumMod val="95000"/>
+                      </a:schemeClr>
+                    </a:solidFill>
+                  </a:tcPr>
+                </a:tc>
+                <a:tc>
+                  <a:txBody>
+                    <a:bodyPr/>
+                    <a:lstStyle/>
+                    <a:p>
+                      <a:r>
+                        <a:rPr lang="fr-FR" sz="1400" dirty="0"/>
+                        <a:t>Payant (essai 14jr)</a:t>
+                      </a:r>
+                      <a:endParaRPr lang="en-US" sz="1400" dirty="0"/>
+                    </a:p>
+                  </a:txBody>
+                  <a:tcPr>
+                    <a:solidFill>
+                      <a:schemeClr val="bg1">
+                        <a:lumMod val="95000"/>
+                      </a:schemeClr>
+                    </a:solidFill>
+                  </a:tcPr>
+                </a:tc>
+                <a:tc>
+                  <a:txBody>
+                    <a:bodyPr/>
+                    <a:lstStyle/>
+                    <a:p>
+                      <a:r>
+                        <a:rPr lang="fr-FR" sz="1400" dirty="0"/>
+                        <a:t>gratuit</a:t>
+                      </a:r>
+                      <a:endParaRPr lang="en-US" sz="1400" dirty="0"/>
+                    </a:p>
+                  </a:txBody>
+                  <a:tcPr>
+                    <a:solidFill>
+                      <a:schemeClr val="bg1">
+                        <a:lumMod val="95000"/>
+                      </a:schemeClr>
+                    </a:solidFill>
+                  </a:tcPr>
+                </a:tc>
+                <a:tc>
+                  <a:txBody>
+                    <a:bodyPr/>
+                    <a:lstStyle/>
+                    <a:p>
+                      <a:r>
+                        <a:rPr lang="fr-FR" sz="1400" dirty="0"/>
+                        <a:t>gratuit</a:t>
+                      </a:r>
+                      <a:endParaRPr lang="en-US" sz="1400" dirty="0"/>
+                    </a:p>
+                  </a:txBody>
+                  <a:tcPr>
+                    <a:solidFill>
+                      <a:schemeClr val="bg1">
+                        <a:lumMod val="95000"/>
+                      </a:schemeClr>
+                    </a:solidFill>
+                  </a:tcPr>
+                </a:tc>
+                <a:tc>
+                  <a:txBody>
+                    <a:bodyPr/>
+                    <a:lstStyle/>
+                    <a:p>
+                      <a:r>
+                        <a:rPr lang="fr-FR" sz="1400" dirty="0"/>
+                        <a:t>gratuit</a:t>
+                      </a:r>
+                      <a:endParaRPr lang="en-US" sz="1400" dirty="0"/>
+                    </a:p>
+                  </a:txBody>
+                  <a:tcPr>
+                    <a:solidFill>
+                      <a:schemeClr val="bg1">
+                        <a:lumMod val="95000"/>
+                      </a:schemeClr>
+                    </a:solidFill>
+                  </a:tcPr>
+                </a:tc>
+                <a:extLst>
+                  <a:ext uri="{0D108BD9-81ED-4DB2-BD59-A6C34878D82A}">
+                    <a16:rowId xmlns:a16="http://schemas.microsoft.com/office/drawing/2014/main" val="3227354043"/>
+                  </a:ext>
+                </a:extLst>
+              </a:tr>
+              <a:tr h="1376109">
+                <a:tc>
+                  <a:txBody>
+                    <a:bodyPr/>
+                    <a:lstStyle/>
+                    <a:p>
+                      <a:r>
+                        <a:rPr lang="fr-FR" sz="1400" dirty="0"/>
+                        <a:t>Type de recherche(par ville……)</a:t>
+                      </a:r>
+                      <a:endParaRPr lang="en-US" sz="1400" dirty="0"/>
+                    </a:p>
+                  </a:txBody>
+                  <a:tcPr>
+                    <a:solidFill>
+                      <a:schemeClr val="bg1">
+                        <a:lumMod val="85000"/>
+                      </a:schemeClr>
+                    </a:solidFill>
+                  </a:tcPr>
+                </a:tc>
+                <a:tc>
+                  <a:txBody>
+                    <a:bodyPr/>
+                    <a:lstStyle/>
+                    <a:p>
+                      <a:r>
+                        <a:rPr lang="fr-FR" sz="1400" dirty="0"/>
+                        <a:t>Coordonnées géographiques(</a:t>
+                      </a:r>
+                      <a:r>
+                        <a:rPr lang="fr-FR" sz="1400" dirty="0" err="1"/>
+                        <a:t>lat</a:t>
+                      </a:r>
+                      <a:r>
+                        <a:rPr lang="fr-FR" sz="1400" dirty="0"/>
+                        <a:t>-long)</a:t>
+                      </a:r>
+                      <a:endParaRPr lang="en-US" sz="1400" dirty="0"/>
+                    </a:p>
+                  </a:txBody>
+                  <a:tcPr>
+                    <a:solidFill>
+                      <a:schemeClr val="bg1">
+                        <a:lumMod val="85000"/>
+                      </a:schemeClr>
+                    </a:solidFill>
+                  </a:tcPr>
+                </a:tc>
+                <a:tc>
+                  <a:txBody>
+                    <a:bodyPr/>
+                    <a:lstStyle/>
+                    <a:p>
+                      <a:r>
+                        <a:rPr lang="fr-FR" sz="1400" dirty="0"/>
+                        <a:t>Coordonnées géographiques(</a:t>
+                      </a:r>
+                      <a:r>
+                        <a:rPr lang="fr-FR" sz="1400" dirty="0" err="1"/>
+                        <a:t>lat</a:t>
+                      </a:r>
+                      <a:r>
+                        <a:rPr lang="fr-FR" sz="1400" dirty="0"/>
+                        <a:t>-long)</a:t>
+                      </a:r>
+                      <a:endParaRPr lang="en-US" sz="1400" dirty="0"/>
+                    </a:p>
+                  </a:txBody>
+                  <a:tcPr>
+                    <a:solidFill>
+                      <a:schemeClr val="bg1">
+                        <a:lumMod val="85000"/>
+                      </a:schemeClr>
+                    </a:solidFill>
+                  </a:tcPr>
+                </a:tc>
+                <a:tc>
+                  <a:txBody>
+                    <a:bodyPr/>
+                    <a:lstStyle/>
+                    <a:p>
+                      <a:pPr marL="0" marR="0" lvl="0" indent="0" algn="l" defTabSz="914400" rtl="0" eaLnBrk="1" fontAlgn="auto" latinLnBrk="0" hangingPunct="1">
+                        <a:lnSpc>
+                          <a:spcPct val="100000"/>
+                        </a:lnSpc>
+                        <a:spcBef>
+                          <a:spcPts val="0"/>
+                        </a:spcBef>
+                        <a:spcAft>
+                          <a:spcPts val="0"/>
+                        </a:spcAft>
+                        <a:buClrTx/>
+                        <a:buSzTx/>
+                        <a:buFontTx/>
+                        <a:buNone/>
+                        <a:tabLst/>
+                        <a:defRPr/>
+                      </a:pPr>
+                      <a:r>
+                        <a:rPr lang="fr-FR" sz="1400" dirty="0"/>
+                        <a:t>Ville/code postal/coordonnées géographiques(</a:t>
+                      </a:r>
+                      <a:r>
+                        <a:rPr lang="fr-FR" sz="1400" dirty="0" err="1"/>
+                        <a:t>lat</a:t>
+                      </a:r>
+                      <a:r>
+                        <a:rPr lang="fr-FR" sz="1400" dirty="0"/>
+                        <a:t>-long)</a:t>
+                      </a:r>
+                      <a:endParaRPr lang="en-US" sz="1400" dirty="0"/>
+                    </a:p>
+                  </a:txBody>
+                  <a:tcPr>
+                    <a:solidFill>
+                      <a:schemeClr val="bg1">
+                        <a:lumMod val="85000"/>
+                      </a:schemeClr>
+                    </a:solidFill>
+                  </a:tcPr>
+                </a:tc>
+                <a:tc>
+                  <a:txBody>
+                    <a:bodyPr/>
+                    <a:lstStyle/>
+                    <a:p>
+                      <a:r>
+                        <a:rPr lang="fr-FR" sz="1400" dirty="0"/>
+                        <a:t>Ville/code postal/coordonnées géographiques(</a:t>
+                      </a:r>
+                      <a:r>
+                        <a:rPr lang="fr-FR" sz="1400" dirty="0" err="1"/>
+                        <a:t>lat</a:t>
+                      </a:r>
+                      <a:r>
+                        <a:rPr lang="fr-FR" sz="1400" dirty="0"/>
+                        <a:t>-long)</a:t>
+                      </a:r>
+                      <a:endParaRPr lang="en-US" sz="1400" dirty="0"/>
+                    </a:p>
+                  </a:txBody>
+                  <a:tcPr>
+                    <a:solidFill>
+                      <a:schemeClr val="bg1">
+                        <a:lumMod val="85000"/>
+                      </a:schemeClr>
+                    </a:solidFill>
+                  </a:tcPr>
+                </a:tc>
+                <a:tc>
+                  <a:txBody>
+                    <a:bodyPr/>
+                    <a:lstStyle/>
+                    <a:p>
+                      <a:r>
+                        <a:rPr lang="fr-FR" sz="1400" dirty="0"/>
+                        <a:t>ville</a:t>
+                      </a:r>
+                      <a:endParaRPr lang="en-US" sz="1400" dirty="0"/>
+                    </a:p>
+                  </a:txBody>
+                  <a:tcPr>
+                    <a:solidFill>
+                      <a:schemeClr val="bg1">
+                        <a:lumMod val="85000"/>
+                      </a:schemeClr>
+                    </a:solidFill>
+                  </a:tcPr>
+                </a:tc>
+                <a:extLst>
+                  <a:ext uri="{0D108BD9-81ED-4DB2-BD59-A6C34878D82A}">
+                    <a16:rowId xmlns:a16="http://schemas.microsoft.com/office/drawing/2014/main" val="3530081094"/>
+                  </a:ext>
+                </a:extLst>
+              </a:tr>
+              <a:tr h="1160249">
+                <a:tc>
+                  <a:txBody>
+                    <a:bodyPr/>
+                    <a:lstStyle/>
+                    <a:p>
+                      <a:r>
+                        <a:rPr lang="fr-FR" sz="1400" dirty="0"/>
+                        <a:t>Données:</a:t>
+                      </a:r>
+                    </a:p>
+                    <a:p>
+                      <a:r>
+                        <a:rPr lang="fr-FR" sz="1400" dirty="0"/>
+                        <a:t>Température/pression humidité/icone</a:t>
+                      </a:r>
+                      <a:endParaRPr lang="en-US" sz="1400" dirty="0"/>
+                    </a:p>
+                  </a:txBody>
+                  <a:tcPr>
+                    <a:solidFill>
+                      <a:schemeClr val="bg1">
+                        <a:lumMod val="95000"/>
+                      </a:schemeClr>
+                    </a:solidFill>
+                  </a:tcPr>
+                </a:tc>
+                <a:tc>
+                  <a:txBody>
+                    <a:bodyPr/>
+                    <a:lstStyle/>
+                    <a:p>
+                      <a:r>
+                        <a:rPr lang="fr-FR" sz="1400" dirty="0"/>
+                        <a:t>Pas de logo</a:t>
+                      </a:r>
+                      <a:endParaRPr lang="en-US" sz="1400" dirty="0"/>
+                    </a:p>
+                  </a:txBody>
+                  <a:tcPr>
+                    <a:solidFill>
+                      <a:schemeClr val="bg1">
+                        <a:lumMod val="95000"/>
+                      </a:schemeClr>
+                    </a:solidFill>
+                  </a:tcPr>
+                </a:tc>
+                <a:tc>
+                  <a:txBody>
+                    <a:bodyPr/>
+                    <a:lstStyle/>
+                    <a:p>
+                      <a:r>
+                        <a:rPr lang="fr-FR" sz="1400" dirty="0"/>
+                        <a:t>oui</a:t>
+                      </a:r>
+                      <a:endParaRPr lang="en-US" sz="1400" dirty="0"/>
+                    </a:p>
+                  </a:txBody>
+                  <a:tcPr>
+                    <a:solidFill>
+                      <a:schemeClr val="bg1">
+                        <a:lumMod val="95000"/>
+                      </a:schemeClr>
+                    </a:solidFill>
+                  </a:tcPr>
+                </a:tc>
+                <a:tc>
+                  <a:txBody>
+                    <a:bodyPr/>
+                    <a:lstStyle/>
+                    <a:p>
+                      <a:r>
+                        <a:rPr lang="fr-FR" sz="1400" dirty="0"/>
+                        <a:t>oui</a:t>
+                      </a:r>
+                      <a:endParaRPr lang="en-US" sz="1400" dirty="0"/>
+                    </a:p>
+                  </a:txBody>
+                  <a:tcPr>
+                    <a:solidFill>
+                      <a:schemeClr val="bg1">
+                        <a:lumMod val="95000"/>
+                      </a:schemeClr>
+                    </a:solidFill>
+                  </a:tcPr>
+                </a:tc>
+                <a:tc>
+                  <a:txBody>
+                    <a:bodyPr/>
+                    <a:lstStyle/>
+                    <a:p>
+                      <a:r>
+                        <a:rPr lang="fr-FR" sz="1400" dirty="0"/>
+                        <a:t>oui</a:t>
+                      </a:r>
+                      <a:endParaRPr lang="en-US" sz="1400" dirty="0"/>
+                    </a:p>
+                  </a:txBody>
+                  <a:tcPr>
+                    <a:solidFill>
+                      <a:schemeClr val="bg1">
+                        <a:lumMod val="95000"/>
+                      </a:schemeClr>
+                    </a:solidFill>
+                  </a:tcPr>
+                </a:tc>
+                <a:tc>
+                  <a:txBody>
+                    <a:bodyPr/>
+                    <a:lstStyle/>
+                    <a:p>
+                      <a:r>
+                        <a:rPr lang="fr-FR" sz="1400" dirty="0"/>
+                        <a:t>oui</a:t>
+                      </a:r>
+                      <a:endParaRPr lang="en-US" sz="1400" dirty="0"/>
+                    </a:p>
+                  </a:txBody>
+                  <a:tcPr>
+                    <a:solidFill>
+                      <a:schemeClr val="bg1">
+                        <a:lumMod val="95000"/>
+                      </a:schemeClr>
+                    </a:solidFill>
+                  </a:tcPr>
+                </a:tc>
+                <a:extLst>
+                  <a:ext uri="{0D108BD9-81ED-4DB2-BD59-A6C34878D82A}">
+                    <a16:rowId xmlns:a16="http://schemas.microsoft.com/office/drawing/2014/main" val="4129156486"/>
+                  </a:ext>
+                </a:extLst>
+              </a:tr>
+              <a:tr h="512668">
+                <a:tc>
+                  <a:txBody>
+                    <a:bodyPr/>
+                    <a:lstStyle/>
+                    <a:p>
+                      <a:r>
+                        <a:rPr lang="fr-FR" sz="1400" dirty="0" err="1"/>
+                        <a:t>Forecast</a:t>
+                      </a:r>
+                      <a:r>
+                        <a:rPr lang="fr-FR" sz="1400" dirty="0"/>
+                        <a:t> 5 jours</a:t>
+                      </a:r>
+                      <a:endParaRPr lang="en-US" sz="1400" dirty="0"/>
+                    </a:p>
+                  </a:txBody>
+                  <a:tcPr>
+                    <a:solidFill>
+                      <a:schemeClr val="bg1">
+                        <a:lumMod val="85000"/>
+                      </a:schemeClr>
+                    </a:solidFill>
+                  </a:tcPr>
+                </a:tc>
+                <a:tc>
+                  <a:txBody>
+                    <a:bodyPr/>
+                    <a:lstStyle/>
+                    <a:p>
+                      <a:r>
+                        <a:rPr lang="fr-FR" sz="1400" dirty="0"/>
+                        <a:t>oui</a:t>
+                      </a:r>
+                      <a:endParaRPr lang="en-US" sz="1400" dirty="0"/>
+                    </a:p>
+                  </a:txBody>
+                  <a:tcPr>
+                    <a:solidFill>
+                      <a:schemeClr val="bg1">
+                        <a:lumMod val="85000"/>
+                      </a:schemeClr>
+                    </a:solidFill>
+                  </a:tcPr>
+                </a:tc>
+                <a:tc>
+                  <a:txBody>
+                    <a:bodyPr/>
+                    <a:lstStyle/>
+                    <a:p>
+                      <a:r>
+                        <a:rPr lang="fr-FR" sz="1400" dirty="0"/>
+                        <a:t>oui</a:t>
+                      </a:r>
+                      <a:endParaRPr lang="en-US" sz="1400" dirty="0"/>
+                    </a:p>
+                  </a:txBody>
+                  <a:tcPr>
+                    <a:solidFill>
+                      <a:schemeClr val="bg1">
+                        <a:lumMod val="85000"/>
+                      </a:schemeClr>
+                    </a:solidFill>
+                  </a:tcPr>
+                </a:tc>
+                <a:tc>
+                  <a:txBody>
+                    <a:bodyPr/>
+                    <a:lstStyle/>
+                    <a:p>
+                      <a:r>
+                        <a:rPr lang="fr-FR" sz="1400" dirty="0"/>
+                        <a:t>oui</a:t>
+                      </a:r>
+                      <a:endParaRPr lang="en-US" sz="1400" dirty="0"/>
+                    </a:p>
+                  </a:txBody>
+                  <a:tcPr>
+                    <a:solidFill>
+                      <a:schemeClr val="bg1">
+                        <a:lumMod val="85000"/>
+                      </a:schemeClr>
+                    </a:solidFill>
+                  </a:tcPr>
+                </a:tc>
+                <a:tc>
+                  <a:txBody>
+                    <a:bodyPr/>
+                    <a:lstStyle/>
+                    <a:p>
+                      <a:r>
+                        <a:rPr lang="fr-FR" sz="1400" dirty="0"/>
+                        <a:t>oui</a:t>
+                      </a:r>
+                      <a:endParaRPr lang="en-US" sz="1400" dirty="0"/>
+                    </a:p>
+                  </a:txBody>
+                  <a:tcPr>
+                    <a:solidFill>
+                      <a:schemeClr val="bg1">
+                        <a:lumMod val="85000"/>
+                      </a:schemeClr>
+                    </a:solidFill>
+                  </a:tcPr>
+                </a:tc>
+                <a:tc>
+                  <a:txBody>
+                    <a:bodyPr/>
+                    <a:lstStyle/>
+                    <a:p>
+                      <a:r>
+                        <a:rPr lang="fr-FR" sz="1400" dirty="0"/>
+                        <a:t>oui</a:t>
+                      </a:r>
+                      <a:endParaRPr lang="en-US" sz="1400" dirty="0"/>
+                    </a:p>
+                  </a:txBody>
+                  <a:tcPr>
+                    <a:solidFill>
+                      <a:schemeClr val="bg1">
+                        <a:lumMod val="85000"/>
+                      </a:schemeClr>
+                    </a:solidFill>
+                  </a:tcPr>
+                </a:tc>
+                <a:extLst>
+                  <a:ext uri="{0D108BD9-81ED-4DB2-BD59-A6C34878D82A}">
+                    <a16:rowId xmlns:a16="http://schemas.microsoft.com/office/drawing/2014/main" val="4217557654"/>
+                  </a:ext>
+                </a:extLst>
+              </a:tr>
+            </a:tbl>
+          </a:graphicData>
+        </a:graphic>
+      </p:graphicFrame>
+      <p:sp>
+        <p:nvSpPr>
+          <p:cNvPr id="4" name="ZoneTexte 3">
+            <a:extLst>
+              <a:ext uri="{FF2B5EF4-FFF2-40B4-BE49-F238E27FC236}">
+                <a16:creationId xmlns:a16="http://schemas.microsoft.com/office/drawing/2014/main" id="{07A48BC1-9E5F-4443-8916-2319DE665E7F}"/>
+              </a:ext>
+            </a:extLst>
+          </p:cNvPr>
+          <p:cNvSpPr txBox="1"/>
+          <p:nvPr/>
+        </p:nvSpPr>
+        <p:spPr>
+          <a:xfrm>
+            <a:off x="905522" y="535266"/>
+            <a:ext cx="10244831" cy="369332"/>
+          </a:xfrm>
+          <a:prstGeom prst="rect">
+            <a:avLst/>
+          </a:prstGeom>
+          <a:noFill/>
+        </p:spPr>
+        <p:txBody>
+          <a:bodyPr wrap="square" rtlCol="0">
+            <a:spAutoFit/>
+          </a:bodyPr>
+          <a:lstStyle/>
+          <a:p>
+            <a:r>
+              <a:rPr lang="fr-FR" dirty="0"/>
+              <a:t>			Comparaison des apis web trouvées:  </a:t>
+            </a:r>
+            <a:endParaRPr lang="en-US" dirty="0"/>
+          </a:p>
+        </p:txBody>
+      </p:sp>
+    </p:spTree>
+    <p:extLst>
+      <p:ext uri="{BB962C8B-B14F-4D97-AF65-F5344CB8AC3E}">
+        <p14:creationId xmlns:p14="http://schemas.microsoft.com/office/powerpoint/2010/main" val="2842999648"/>
+      </p:ext>
+    </p:extLst>
+  </p:cSld>
+  <p:clrMapOvr>
+    <a:masterClrMapping/>
+  </p:clrMapOvr>
+</p:sld>
+</file>
+
+<file path=ppt/slides/slide21.xml><?xml version="1.0" encoding="utf-8"?>
+<p:sld xmlns:a="http://schemas.openxmlformats.org/drawingml/2006/main" xmlns:r="http://schemas.openxmlformats.org/officeDocument/2006/relationships" xmlns:p="http://schemas.openxmlformats.org/presentationml/2006/main">
+  <p:cSld>
+    <p:spTree>
+      <p:nvGrpSpPr>
+        <p:cNvPr id="1" name=""/>
+        <p:cNvGrpSpPr/>
+        <p:nvPr/>
+      </p:nvGrpSpPr>
+      <p:grpSpPr>
+        <a:xfrm>
+          <a:off x="0" y="0"/>
+          <a:ext cx="0" cy="0"/>
+          <a:chOff x="0" y="0"/>
+          <a:chExt cx="0" cy="0"/>
+        </a:xfrm>
+      </p:grpSpPr>
+      <p:sp>
+        <p:nvSpPr>
+          <p:cNvPr id="2" name="Espace réservé de la date 1">
+            <a:extLst>
+              <a:ext uri="{FF2B5EF4-FFF2-40B4-BE49-F238E27FC236}">
+                <a16:creationId xmlns:a16="http://schemas.microsoft.com/office/drawing/2014/main" id="{8368F992-BB9C-4C25-BA4E-CC5424546B14}"/>
+              </a:ext>
+            </a:extLst>
+          </p:cNvPr>
+          <p:cNvSpPr>
+            <a:spLocks noGrp="1"/>
+          </p:cNvSpPr>
+          <p:nvPr>
+            <p:ph type="dt" sz="half" idx="10"/>
+          </p:nvPr>
+        </p:nvSpPr>
+        <p:spPr/>
+        <p:txBody>
+          <a:bodyPr/>
+          <a:lstStyle/>
+          <a:p>
+            <a:pPr rtl="0"/>
+            <a:fld id="{2BD66AC7-6890-4F0E-B000-A39D822B7C00}" type="datetime1">
+              <a:rPr lang="fr-FR" smtClean="0"/>
+              <a:t>22/06/2021</a:t>
+            </a:fld>
+            <a:endParaRPr lang="en-US"/>
+          </a:p>
+        </p:txBody>
+      </p:sp>
+      <p:graphicFrame>
+        <p:nvGraphicFramePr>
+          <p:cNvPr id="3" name="Tableau 2">
+            <a:extLst>
+              <a:ext uri="{FF2B5EF4-FFF2-40B4-BE49-F238E27FC236}">
+                <a16:creationId xmlns:a16="http://schemas.microsoft.com/office/drawing/2014/main" id="{02F3B1E4-9C60-4A05-A6A0-7674AE352BF2}"/>
+              </a:ext>
+            </a:extLst>
+          </p:cNvPr>
+          <p:cNvGraphicFramePr>
+            <a:graphicFrameLocks noGrp="1"/>
+          </p:cNvGraphicFramePr>
+          <p:nvPr>
+            <p:extLst>
+              <p:ext uri="{D42A27DB-BD31-4B8C-83A1-F6EECF244321}">
+                <p14:modId xmlns:p14="http://schemas.microsoft.com/office/powerpoint/2010/main" val="516800038"/>
+              </p:ext>
+            </p:extLst>
+          </p:nvPr>
+        </p:nvGraphicFramePr>
+        <p:xfrm>
+          <a:off x="1475173" y="1109232"/>
+          <a:ext cx="9241654" cy="5291568"/>
+        </p:xfrm>
+        <a:graphic>
+          <a:graphicData uri="http://schemas.openxmlformats.org/drawingml/2006/table">
+            <a:tbl>
+              <a:tblPr firstRow="1" bandRow="1">
+                <a:tableStyleId>{5C22544A-7EE6-4342-B048-85BDC9FD1C3A}</a:tableStyleId>
+              </a:tblPr>
+              <a:tblGrid>
+                <a:gridCol w="1540276">
+                  <a:extLst>
+                    <a:ext uri="{9D8B030D-6E8A-4147-A177-3AD203B41FA5}">
+                      <a16:colId xmlns:a16="http://schemas.microsoft.com/office/drawing/2014/main" val="3240192661"/>
+                    </a:ext>
+                  </a:extLst>
+                </a:gridCol>
+                <a:gridCol w="1540276">
+                  <a:extLst>
+                    <a:ext uri="{9D8B030D-6E8A-4147-A177-3AD203B41FA5}">
+                      <a16:colId xmlns:a16="http://schemas.microsoft.com/office/drawing/2014/main" val="2251775464"/>
+                    </a:ext>
+                  </a:extLst>
+                </a:gridCol>
+                <a:gridCol w="1540276">
+                  <a:extLst>
+                    <a:ext uri="{9D8B030D-6E8A-4147-A177-3AD203B41FA5}">
+                      <a16:colId xmlns:a16="http://schemas.microsoft.com/office/drawing/2014/main" val="3799859698"/>
+                    </a:ext>
+                  </a:extLst>
+                </a:gridCol>
+                <a:gridCol w="1540276">
+                  <a:extLst>
+                    <a:ext uri="{9D8B030D-6E8A-4147-A177-3AD203B41FA5}">
+                      <a16:colId xmlns:a16="http://schemas.microsoft.com/office/drawing/2014/main" val="4023681584"/>
+                    </a:ext>
+                  </a:extLst>
+                </a:gridCol>
+                <a:gridCol w="1575863">
+                  <a:extLst>
+                    <a:ext uri="{9D8B030D-6E8A-4147-A177-3AD203B41FA5}">
+                      <a16:colId xmlns:a16="http://schemas.microsoft.com/office/drawing/2014/main" val="302933585"/>
+                    </a:ext>
+                  </a:extLst>
+                </a:gridCol>
+                <a:gridCol w="1504687">
+                  <a:extLst>
+                    <a:ext uri="{9D8B030D-6E8A-4147-A177-3AD203B41FA5}">
+                      <a16:colId xmlns:a16="http://schemas.microsoft.com/office/drawing/2014/main" val="1773705038"/>
+                    </a:ext>
+                  </a:extLst>
+                </a:gridCol>
+              </a:tblGrid>
+              <a:tr h="566633">
+                <a:tc>
+                  <a:txBody>
+                    <a:bodyPr/>
+                    <a:lstStyle/>
+                    <a:p>
+                      <a:r>
+                        <a:rPr lang="fr-FR" sz="1400" dirty="0"/>
+                        <a:t>APIS:</a:t>
+                      </a:r>
+                      <a:endParaRPr lang="en-US" sz="1400" dirty="0"/>
+                    </a:p>
+                  </a:txBody>
+                  <a:tcPr/>
+                </a:tc>
+                <a:tc>
+                  <a:txBody>
+                    <a:bodyPr/>
+                    <a:lstStyle/>
+                    <a:p>
+                      <a:r>
+                        <a:rPr lang="fr-FR" sz="1400" dirty="0" err="1"/>
+                        <a:t>infoclimat</a:t>
+                      </a:r>
+                      <a:endParaRPr lang="en-US" sz="1400" dirty="0"/>
+                    </a:p>
+                  </a:txBody>
+                  <a:tcPr/>
+                </a:tc>
+                <a:tc>
+                  <a:txBody>
+                    <a:bodyPr/>
+                    <a:lstStyle/>
+                    <a:p>
+                      <a:r>
+                        <a:rPr lang="fr-FR" sz="1400" dirty="0" err="1"/>
+                        <a:t>meteomatics</a:t>
+                      </a:r>
+                      <a:endParaRPr lang="en-US" sz="1400" dirty="0"/>
+                    </a:p>
+                  </a:txBody>
+                  <a:tcPr/>
+                </a:tc>
+                <a:tc>
+                  <a:txBody>
+                    <a:bodyPr/>
+                    <a:lstStyle/>
+                    <a:p>
+                      <a:r>
+                        <a:rPr lang="fr-FR" sz="1400" dirty="0" err="1"/>
+                        <a:t>accuweather</a:t>
+                      </a:r>
+                      <a:endParaRPr lang="en-US" sz="1400" dirty="0"/>
+                    </a:p>
+                  </a:txBody>
+                  <a:tcPr/>
+                </a:tc>
+                <a:tc>
+                  <a:txBody>
+                    <a:bodyPr/>
+                    <a:lstStyle/>
+                    <a:p>
+                      <a:r>
+                        <a:rPr lang="fr-FR" sz="1400" dirty="0" err="1"/>
+                        <a:t>openweathermap</a:t>
+                      </a:r>
+                      <a:endParaRPr lang="fr-FR" sz="1400" dirty="0"/>
+                    </a:p>
+                  </a:txBody>
+                  <a:tcPr>
+                    <a:solidFill>
+                      <a:schemeClr val="accent1"/>
+                    </a:solidFill>
+                  </a:tcPr>
+                </a:tc>
+                <a:tc>
+                  <a:txBody>
+                    <a:bodyPr/>
+                    <a:lstStyle/>
+                    <a:p>
+                      <a:r>
+                        <a:rPr lang="fr-FR" sz="1400" dirty="0" err="1"/>
+                        <a:t>meteoconcept</a:t>
+                      </a:r>
+                      <a:endParaRPr lang="en-US" sz="1400" dirty="0"/>
+                    </a:p>
+                  </a:txBody>
+                  <a:tcPr/>
+                </a:tc>
+                <a:extLst>
+                  <a:ext uri="{0D108BD9-81ED-4DB2-BD59-A6C34878D82A}">
+                    <a16:rowId xmlns:a16="http://schemas.microsoft.com/office/drawing/2014/main" val="2944910342"/>
+                  </a:ext>
+                </a:extLst>
+              </a:tr>
+              <a:tr h="944389">
+                <a:tc>
+                  <a:txBody>
+                    <a:bodyPr/>
+                    <a:lstStyle/>
+                    <a:p>
+                      <a:r>
+                        <a:rPr lang="fr-FR" sz="1400" dirty="0"/>
+                        <a:t>Nombre d’appel serveur autorisé</a:t>
+                      </a:r>
+                      <a:endParaRPr lang="en-US" sz="1400" dirty="0"/>
+                    </a:p>
+                  </a:txBody>
+                  <a:tcPr>
+                    <a:solidFill>
+                      <a:schemeClr val="bg1">
+                        <a:lumMod val="85000"/>
+                      </a:schemeClr>
+                    </a:solidFill>
+                  </a:tcPr>
+                </a:tc>
+                <a:tc>
+                  <a:txBody>
+                    <a:bodyPr/>
+                    <a:lstStyle/>
+                    <a:p>
+                      <a:r>
+                        <a:rPr lang="fr-FR" sz="1400" dirty="0"/>
+                        <a:t>5000/jr</a:t>
+                      </a:r>
+                      <a:endParaRPr lang="en-US" sz="1400" dirty="0"/>
+                    </a:p>
+                  </a:txBody>
+                  <a:tcPr>
+                    <a:solidFill>
+                      <a:schemeClr val="bg1">
+                        <a:lumMod val="85000"/>
+                      </a:schemeClr>
+                    </a:solidFill>
+                  </a:tcPr>
+                </a:tc>
+                <a:tc>
+                  <a:txBody>
+                    <a:bodyPr/>
+                    <a:lstStyle/>
+                    <a:p>
+                      <a:r>
+                        <a:rPr lang="fr-FR" sz="1400" dirty="0"/>
+                        <a:t>1000/14jr</a:t>
+                      </a:r>
+                    </a:p>
+                    <a:p>
+                      <a:r>
+                        <a:rPr lang="fr-FR" sz="1400" dirty="0"/>
+                        <a:t>(version d’essai 14jr )</a:t>
+                      </a:r>
+                      <a:endParaRPr lang="en-US" sz="1400" dirty="0"/>
+                    </a:p>
+                  </a:txBody>
+                  <a:tcPr>
+                    <a:solidFill>
+                      <a:schemeClr val="bg1">
+                        <a:lumMod val="85000"/>
+                      </a:schemeClr>
+                    </a:solidFill>
+                  </a:tcPr>
+                </a:tc>
+                <a:tc>
+                  <a:txBody>
+                    <a:bodyPr/>
+                    <a:lstStyle/>
+                    <a:p>
+                      <a:r>
+                        <a:rPr lang="fr-FR" sz="1400" dirty="0"/>
+                        <a:t>50 appels /jr</a:t>
+                      </a:r>
+                      <a:endParaRPr lang="en-US" sz="1400" dirty="0"/>
+                    </a:p>
+                  </a:txBody>
+                  <a:tcPr>
+                    <a:solidFill>
+                      <a:schemeClr val="bg1">
+                        <a:lumMod val="85000"/>
+                      </a:schemeClr>
+                    </a:solidFill>
+                  </a:tcPr>
+                </a:tc>
+                <a:tc>
+                  <a:txBody>
+                    <a:bodyPr/>
+                    <a:lstStyle/>
+                    <a:p>
+                      <a:r>
+                        <a:rPr lang="fr-FR" sz="1400" dirty="0"/>
+                        <a:t>1000/jr</a:t>
+                      </a:r>
+                    </a:p>
+                  </a:txBody>
+                  <a:tcPr>
+                    <a:solidFill>
+                      <a:schemeClr val="accent1"/>
+                    </a:solidFill>
+                  </a:tcPr>
+                </a:tc>
+                <a:tc>
+                  <a:txBody>
+                    <a:bodyPr/>
+                    <a:lstStyle/>
+                    <a:p>
+                      <a:r>
+                        <a:rPr lang="fr-FR" sz="1400" dirty="0"/>
+                        <a:t>500/jr</a:t>
+                      </a:r>
+                      <a:endParaRPr lang="en-US" sz="1400" dirty="0"/>
+                    </a:p>
+                  </a:txBody>
+                  <a:tcPr>
+                    <a:solidFill>
+                      <a:schemeClr val="bg1">
+                        <a:lumMod val="85000"/>
+                      </a:schemeClr>
+                    </a:solidFill>
+                  </a:tcPr>
+                </a:tc>
+                <a:extLst>
+                  <a:ext uri="{0D108BD9-81ED-4DB2-BD59-A6C34878D82A}">
+                    <a16:rowId xmlns:a16="http://schemas.microsoft.com/office/drawing/2014/main" val="1998436434"/>
+                  </a:ext>
+                </a:extLst>
+              </a:tr>
+              <a:tr h="728528">
+                <a:tc>
+                  <a:txBody>
+                    <a:bodyPr/>
+                    <a:lstStyle/>
+                    <a:p>
+                      <a:r>
+                        <a:rPr lang="fr-FR" sz="1400" dirty="0"/>
+                        <a:t> gratuité service</a:t>
+                      </a:r>
+                    </a:p>
+                    <a:p>
+                      <a:endParaRPr lang="fr-FR" sz="1400" dirty="0"/>
+                    </a:p>
+                  </a:txBody>
+                  <a:tcPr>
+                    <a:solidFill>
+                      <a:schemeClr val="bg1">
+                        <a:lumMod val="95000"/>
+                      </a:schemeClr>
+                    </a:solidFill>
+                  </a:tcPr>
+                </a:tc>
+                <a:tc>
+                  <a:txBody>
+                    <a:bodyPr/>
+                    <a:lstStyle/>
+                    <a:p>
+                      <a:r>
+                        <a:rPr lang="fr-FR" sz="1400" dirty="0"/>
+                        <a:t>gratuit</a:t>
+                      </a:r>
+                      <a:endParaRPr lang="en-US" sz="1400" dirty="0"/>
+                    </a:p>
+                  </a:txBody>
+                  <a:tcPr>
+                    <a:solidFill>
+                      <a:schemeClr val="bg1">
+                        <a:lumMod val="95000"/>
+                      </a:schemeClr>
+                    </a:solidFill>
+                  </a:tcPr>
+                </a:tc>
+                <a:tc>
+                  <a:txBody>
+                    <a:bodyPr/>
+                    <a:lstStyle/>
+                    <a:p>
+                      <a:r>
+                        <a:rPr lang="fr-FR" sz="1400" dirty="0"/>
+                        <a:t>Payant (essai 14jr)</a:t>
+                      </a:r>
+                      <a:endParaRPr lang="en-US" sz="1400" dirty="0"/>
+                    </a:p>
+                  </a:txBody>
+                  <a:tcPr>
+                    <a:solidFill>
+                      <a:schemeClr val="bg1">
+                        <a:lumMod val="95000"/>
+                      </a:schemeClr>
+                    </a:solidFill>
+                  </a:tcPr>
+                </a:tc>
+                <a:tc>
+                  <a:txBody>
+                    <a:bodyPr/>
+                    <a:lstStyle/>
+                    <a:p>
+                      <a:r>
+                        <a:rPr lang="fr-FR" sz="1400" dirty="0"/>
+                        <a:t>gratuit</a:t>
+                      </a:r>
+                      <a:endParaRPr lang="en-US" sz="1400" dirty="0"/>
+                    </a:p>
+                  </a:txBody>
+                  <a:tcPr>
+                    <a:solidFill>
+                      <a:schemeClr val="bg1">
+                        <a:lumMod val="95000"/>
+                      </a:schemeClr>
+                    </a:solidFill>
+                  </a:tcPr>
+                </a:tc>
+                <a:tc>
+                  <a:txBody>
+                    <a:bodyPr/>
+                    <a:lstStyle/>
+                    <a:p>
+                      <a:r>
+                        <a:rPr lang="fr-FR" sz="1400" dirty="0"/>
+                        <a:t>gratuit</a:t>
+                      </a:r>
+                      <a:endParaRPr lang="en-US" sz="1400" dirty="0"/>
+                    </a:p>
+                  </a:txBody>
+                  <a:tcPr>
+                    <a:solidFill>
+                      <a:schemeClr val="accent1"/>
+                    </a:solidFill>
+                  </a:tcPr>
+                </a:tc>
+                <a:tc>
+                  <a:txBody>
+                    <a:bodyPr/>
+                    <a:lstStyle/>
+                    <a:p>
+                      <a:r>
+                        <a:rPr lang="fr-FR" sz="1400" dirty="0"/>
+                        <a:t>gratuit</a:t>
+                      </a:r>
+                      <a:endParaRPr lang="en-US" sz="1400" dirty="0"/>
+                    </a:p>
+                  </a:txBody>
+                  <a:tcPr>
+                    <a:solidFill>
+                      <a:schemeClr val="bg1">
+                        <a:lumMod val="95000"/>
+                      </a:schemeClr>
+                    </a:solidFill>
+                  </a:tcPr>
+                </a:tc>
+                <a:extLst>
+                  <a:ext uri="{0D108BD9-81ED-4DB2-BD59-A6C34878D82A}">
+                    <a16:rowId xmlns:a16="http://schemas.microsoft.com/office/drawing/2014/main" val="1453746175"/>
+                  </a:ext>
+                </a:extLst>
+              </a:tr>
+              <a:tr h="1376109">
+                <a:tc>
+                  <a:txBody>
+                    <a:bodyPr/>
+                    <a:lstStyle/>
+                    <a:p>
+                      <a:r>
+                        <a:rPr lang="fr-FR" sz="1400" dirty="0"/>
+                        <a:t>Type de recherche(par ville……)</a:t>
+                      </a:r>
+                      <a:endParaRPr lang="en-US" sz="1400" dirty="0"/>
+                    </a:p>
+                  </a:txBody>
+                  <a:tcPr>
+                    <a:solidFill>
+                      <a:schemeClr val="bg1">
+                        <a:lumMod val="85000"/>
+                      </a:schemeClr>
+                    </a:solidFill>
+                  </a:tcPr>
+                </a:tc>
+                <a:tc>
+                  <a:txBody>
+                    <a:bodyPr/>
+                    <a:lstStyle/>
+                    <a:p>
+                      <a:r>
+                        <a:rPr lang="fr-FR" sz="1400" dirty="0"/>
+                        <a:t>Coordonnées géographiques(</a:t>
+                      </a:r>
+                      <a:r>
+                        <a:rPr lang="fr-FR" sz="1400" dirty="0" err="1"/>
+                        <a:t>lat</a:t>
+                      </a:r>
+                      <a:r>
+                        <a:rPr lang="fr-FR" sz="1400" dirty="0"/>
+                        <a:t>-long)</a:t>
+                      </a:r>
+                      <a:endParaRPr lang="en-US" sz="1400" dirty="0"/>
+                    </a:p>
+                  </a:txBody>
+                  <a:tcPr>
+                    <a:solidFill>
+                      <a:schemeClr val="bg1">
+                        <a:lumMod val="85000"/>
+                      </a:schemeClr>
+                    </a:solidFill>
+                  </a:tcPr>
+                </a:tc>
+                <a:tc>
+                  <a:txBody>
+                    <a:bodyPr/>
+                    <a:lstStyle/>
+                    <a:p>
+                      <a:r>
+                        <a:rPr lang="fr-FR" sz="1400" dirty="0"/>
+                        <a:t>Coordonnées géographiques(</a:t>
+                      </a:r>
+                      <a:r>
+                        <a:rPr lang="fr-FR" sz="1400" dirty="0" err="1"/>
+                        <a:t>lat</a:t>
+                      </a:r>
+                      <a:r>
+                        <a:rPr lang="fr-FR" sz="1400" dirty="0"/>
+                        <a:t>-long)</a:t>
+                      </a:r>
+                      <a:endParaRPr lang="en-US" sz="1400" dirty="0"/>
+                    </a:p>
+                  </a:txBody>
+                  <a:tcPr>
+                    <a:solidFill>
+                      <a:schemeClr val="bg1">
+                        <a:lumMod val="85000"/>
+                      </a:schemeClr>
+                    </a:solidFill>
+                  </a:tcPr>
+                </a:tc>
+                <a:tc>
+                  <a:txBody>
+                    <a:bodyPr/>
+                    <a:lstStyle/>
+                    <a:p>
+                      <a:pPr marL="0" marR="0" lvl="0" indent="0" algn="l" defTabSz="914400" rtl="0" eaLnBrk="1" fontAlgn="auto" latinLnBrk="0" hangingPunct="1">
+                        <a:lnSpc>
+                          <a:spcPct val="100000"/>
+                        </a:lnSpc>
+                        <a:spcBef>
+                          <a:spcPts val="0"/>
+                        </a:spcBef>
+                        <a:spcAft>
+                          <a:spcPts val="0"/>
+                        </a:spcAft>
+                        <a:buClrTx/>
+                        <a:buSzTx/>
+                        <a:buFontTx/>
+                        <a:buNone/>
+                        <a:tabLst/>
+                        <a:defRPr/>
+                      </a:pPr>
+                      <a:r>
+                        <a:rPr lang="fr-FR" sz="1400" dirty="0"/>
+                        <a:t>Ville/code postal/coordonnées géographiques(</a:t>
+                      </a:r>
+                      <a:r>
+                        <a:rPr lang="fr-FR" sz="1400" dirty="0" err="1"/>
+                        <a:t>lat</a:t>
+                      </a:r>
+                      <a:r>
+                        <a:rPr lang="fr-FR" sz="1400" dirty="0"/>
+                        <a:t>-long)</a:t>
+                      </a:r>
+                      <a:endParaRPr lang="en-US" sz="1400" dirty="0"/>
+                    </a:p>
+                    <a:p>
+                      <a:endParaRPr lang="en-US" sz="1400" dirty="0"/>
+                    </a:p>
+                  </a:txBody>
+                  <a:tcPr>
+                    <a:solidFill>
+                      <a:schemeClr val="bg1">
+                        <a:lumMod val="85000"/>
+                      </a:schemeClr>
+                    </a:solidFill>
+                  </a:tcPr>
+                </a:tc>
+                <a:tc>
+                  <a:txBody>
+                    <a:bodyPr/>
+                    <a:lstStyle/>
+                    <a:p>
+                      <a:r>
+                        <a:rPr lang="fr-FR" sz="1400" dirty="0"/>
+                        <a:t>Ville/code postal/coordonnées géographiques(</a:t>
+                      </a:r>
+                      <a:r>
+                        <a:rPr lang="fr-FR" sz="1400" dirty="0" err="1"/>
+                        <a:t>lat</a:t>
+                      </a:r>
+                      <a:r>
+                        <a:rPr lang="fr-FR" sz="1400" dirty="0"/>
+                        <a:t>-long)</a:t>
+                      </a:r>
+                      <a:endParaRPr lang="en-US" sz="1400" dirty="0"/>
+                    </a:p>
+                  </a:txBody>
+                  <a:tcPr>
+                    <a:solidFill>
+                      <a:schemeClr val="accent1"/>
+                    </a:solidFill>
+                  </a:tcPr>
+                </a:tc>
+                <a:tc>
+                  <a:txBody>
+                    <a:bodyPr/>
+                    <a:lstStyle/>
+                    <a:p>
+                      <a:r>
+                        <a:rPr lang="fr-FR" sz="1400" dirty="0"/>
+                        <a:t>ville</a:t>
+                      </a:r>
+                      <a:endParaRPr lang="en-US" sz="1400" dirty="0"/>
+                    </a:p>
+                  </a:txBody>
+                  <a:tcPr>
+                    <a:solidFill>
+                      <a:schemeClr val="bg1">
+                        <a:lumMod val="85000"/>
+                      </a:schemeClr>
+                    </a:solidFill>
+                  </a:tcPr>
+                </a:tc>
+                <a:extLst>
+                  <a:ext uri="{0D108BD9-81ED-4DB2-BD59-A6C34878D82A}">
+                    <a16:rowId xmlns:a16="http://schemas.microsoft.com/office/drawing/2014/main" val="1715047256"/>
+                  </a:ext>
+                </a:extLst>
+              </a:tr>
+              <a:tr h="1160249">
+                <a:tc>
+                  <a:txBody>
+                    <a:bodyPr/>
+                    <a:lstStyle/>
+                    <a:p>
+                      <a:r>
+                        <a:rPr lang="fr-FR" sz="1400" dirty="0"/>
+                        <a:t>Données:</a:t>
+                      </a:r>
+                    </a:p>
+                    <a:p>
+                      <a:r>
+                        <a:rPr lang="fr-FR" sz="1400" dirty="0"/>
+                        <a:t>Température/pression humidité/icone</a:t>
+                      </a:r>
+                      <a:endParaRPr lang="en-US" sz="1400" dirty="0"/>
+                    </a:p>
+                  </a:txBody>
+                  <a:tcPr>
+                    <a:solidFill>
+                      <a:schemeClr val="bg1">
+                        <a:lumMod val="95000"/>
+                      </a:schemeClr>
+                    </a:solidFill>
+                  </a:tcPr>
+                </a:tc>
+                <a:tc>
+                  <a:txBody>
+                    <a:bodyPr/>
+                    <a:lstStyle/>
+                    <a:p>
+                      <a:r>
+                        <a:rPr lang="fr-FR" sz="1400" dirty="0"/>
+                        <a:t>Pas de logo</a:t>
+                      </a:r>
+                      <a:endParaRPr lang="en-US" sz="1400" dirty="0"/>
+                    </a:p>
+                  </a:txBody>
+                  <a:tcPr>
+                    <a:solidFill>
+                      <a:schemeClr val="bg1">
+                        <a:lumMod val="95000"/>
+                      </a:schemeClr>
+                    </a:solidFill>
+                  </a:tcPr>
+                </a:tc>
+                <a:tc>
+                  <a:txBody>
+                    <a:bodyPr/>
+                    <a:lstStyle/>
+                    <a:p>
+                      <a:r>
+                        <a:rPr lang="fr-FR" sz="1400" dirty="0"/>
+                        <a:t>oui</a:t>
+                      </a:r>
+                      <a:endParaRPr lang="en-US" sz="1400" dirty="0"/>
+                    </a:p>
+                  </a:txBody>
+                  <a:tcPr>
+                    <a:solidFill>
+                      <a:schemeClr val="bg1">
+                        <a:lumMod val="95000"/>
+                      </a:schemeClr>
+                    </a:solidFill>
+                  </a:tcPr>
+                </a:tc>
+                <a:tc>
+                  <a:txBody>
+                    <a:bodyPr/>
+                    <a:lstStyle/>
+                    <a:p>
+                      <a:r>
+                        <a:rPr lang="fr-FR" sz="1400" dirty="0"/>
+                        <a:t>oui</a:t>
+                      </a:r>
+                      <a:endParaRPr lang="en-US" sz="1400" dirty="0"/>
+                    </a:p>
+                  </a:txBody>
+                  <a:tcPr>
+                    <a:solidFill>
+                      <a:schemeClr val="bg1">
+                        <a:lumMod val="95000"/>
+                      </a:schemeClr>
+                    </a:solidFill>
+                  </a:tcPr>
+                </a:tc>
+                <a:tc>
+                  <a:txBody>
+                    <a:bodyPr/>
+                    <a:lstStyle/>
+                    <a:p>
+                      <a:r>
+                        <a:rPr lang="fr-FR" sz="1400" dirty="0"/>
+                        <a:t>oui</a:t>
+                      </a:r>
+                      <a:endParaRPr lang="en-US" sz="1400" dirty="0"/>
+                    </a:p>
+                  </a:txBody>
+                  <a:tcPr>
+                    <a:solidFill>
+                      <a:schemeClr val="accent1"/>
+                    </a:solidFill>
+                  </a:tcPr>
+                </a:tc>
+                <a:tc>
+                  <a:txBody>
+                    <a:bodyPr/>
+                    <a:lstStyle/>
+                    <a:p>
+                      <a:r>
+                        <a:rPr lang="fr-FR" sz="1400" dirty="0"/>
+                        <a:t>oui</a:t>
+                      </a:r>
+                      <a:endParaRPr lang="en-US" sz="1400" dirty="0"/>
+                    </a:p>
+                  </a:txBody>
+                  <a:tcPr>
+                    <a:solidFill>
+                      <a:schemeClr val="bg1">
+                        <a:lumMod val="95000"/>
+                      </a:schemeClr>
+                    </a:solidFill>
+                  </a:tcPr>
+                </a:tc>
+                <a:extLst>
+                  <a:ext uri="{0D108BD9-81ED-4DB2-BD59-A6C34878D82A}">
+                    <a16:rowId xmlns:a16="http://schemas.microsoft.com/office/drawing/2014/main" val="1870328775"/>
+                  </a:ext>
+                </a:extLst>
+              </a:tr>
+              <a:tr h="512668">
+                <a:tc>
+                  <a:txBody>
+                    <a:bodyPr/>
+                    <a:lstStyle/>
+                    <a:p>
+                      <a:r>
+                        <a:rPr lang="fr-FR" sz="1400" dirty="0" err="1"/>
+                        <a:t>Forecast</a:t>
+                      </a:r>
+                      <a:r>
+                        <a:rPr lang="fr-FR" sz="1400" dirty="0"/>
+                        <a:t> 5 jours</a:t>
+                      </a:r>
+                      <a:endParaRPr lang="en-US" sz="1400" dirty="0"/>
+                    </a:p>
+                  </a:txBody>
+                  <a:tcPr>
+                    <a:solidFill>
+                      <a:schemeClr val="bg1">
+                        <a:lumMod val="85000"/>
+                      </a:schemeClr>
+                    </a:solidFill>
+                  </a:tcPr>
+                </a:tc>
+                <a:tc>
+                  <a:txBody>
+                    <a:bodyPr/>
+                    <a:lstStyle/>
+                    <a:p>
+                      <a:r>
+                        <a:rPr lang="fr-FR" sz="1400" dirty="0"/>
+                        <a:t>oui</a:t>
+                      </a:r>
+                      <a:endParaRPr lang="en-US" sz="1400" dirty="0"/>
+                    </a:p>
+                  </a:txBody>
+                  <a:tcPr>
+                    <a:solidFill>
+                      <a:schemeClr val="bg1">
+                        <a:lumMod val="85000"/>
+                      </a:schemeClr>
+                    </a:solidFill>
+                  </a:tcPr>
+                </a:tc>
+                <a:tc>
+                  <a:txBody>
+                    <a:bodyPr/>
+                    <a:lstStyle/>
+                    <a:p>
+                      <a:r>
+                        <a:rPr lang="fr-FR" sz="1400" dirty="0"/>
+                        <a:t>oui</a:t>
+                      </a:r>
+                      <a:endParaRPr lang="en-US" sz="1400" dirty="0"/>
+                    </a:p>
+                  </a:txBody>
+                  <a:tcPr>
+                    <a:solidFill>
+                      <a:schemeClr val="bg1">
+                        <a:lumMod val="85000"/>
+                      </a:schemeClr>
+                    </a:solidFill>
+                  </a:tcPr>
+                </a:tc>
+                <a:tc>
+                  <a:txBody>
+                    <a:bodyPr/>
+                    <a:lstStyle/>
+                    <a:p>
+                      <a:r>
+                        <a:rPr lang="fr-FR" sz="1400" dirty="0"/>
+                        <a:t>oui</a:t>
+                      </a:r>
+                      <a:endParaRPr lang="en-US" sz="1400" dirty="0"/>
+                    </a:p>
+                  </a:txBody>
+                  <a:tcPr>
+                    <a:solidFill>
+                      <a:schemeClr val="bg1">
+                        <a:lumMod val="85000"/>
+                      </a:schemeClr>
+                    </a:solidFill>
+                  </a:tcPr>
+                </a:tc>
+                <a:tc>
+                  <a:txBody>
+                    <a:bodyPr/>
+                    <a:lstStyle/>
+                    <a:p>
+                      <a:r>
+                        <a:rPr lang="fr-FR" sz="1400" dirty="0"/>
+                        <a:t>oui</a:t>
+                      </a:r>
+                      <a:endParaRPr lang="en-US" sz="1400" dirty="0"/>
+                    </a:p>
+                  </a:txBody>
+                  <a:tcPr>
+                    <a:solidFill>
+                      <a:schemeClr val="accent1"/>
+                    </a:solidFill>
+                  </a:tcPr>
+                </a:tc>
+                <a:tc>
+                  <a:txBody>
+                    <a:bodyPr/>
+                    <a:lstStyle/>
+                    <a:p>
+                      <a:r>
+                        <a:rPr lang="fr-FR" sz="1400" dirty="0"/>
+                        <a:t>oui</a:t>
+                      </a:r>
+                      <a:endParaRPr lang="en-US" sz="1400" dirty="0"/>
+                    </a:p>
+                  </a:txBody>
+                  <a:tcPr>
+                    <a:solidFill>
+                      <a:schemeClr val="bg1">
+                        <a:lumMod val="85000"/>
+                      </a:schemeClr>
+                    </a:solidFill>
+                  </a:tcPr>
+                </a:tc>
+                <a:extLst>
+                  <a:ext uri="{0D108BD9-81ED-4DB2-BD59-A6C34878D82A}">
+                    <a16:rowId xmlns:a16="http://schemas.microsoft.com/office/drawing/2014/main" val="393589623"/>
+                  </a:ext>
+                </a:extLst>
+              </a:tr>
+            </a:tbl>
+          </a:graphicData>
+        </a:graphic>
+      </p:graphicFrame>
+      <p:sp>
+        <p:nvSpPr>
+          <p:cNvPr id="4" name="ZoneTexte 3">
+            <a:extLst>
+              <a:ext uri="{FF2B5EF4-FFF2-40B4-BE49-F238E27FC236}">
+                <a16:creationId xmlns:a16="http://schemas.microsoft.com/office/drawing/2014/main" id="{EA2BF738-43BD-4B51-91C2-4F08D2DA022A}"/>
+              </a:ext>
+            </a:extLst>
+          </p:cNvPr>
+          <p:cNvSpPr txBox="1"/>
+          <p:nvPr/>
+        </p:nvSpPr>
+        <p:spPr>
+          <a:xfrm>
+            <a:off x="1688237" y="497150"/>
+            <a:ext cx="9241654" cy="369332"/>
+          </a:xfrm>
+          <a:prstGeom prst="rect">
+            <a:avLst/>
+          </a:prstGeom>
+          <a:noFill/>
+        </p:spPr>
+        <p:txBody>
+          <a:bodyPr wrap="square" rtlCol="0">
+            <a:spAutoFit/>
+          </a:bodyPr>
+          <a:lstStyle/>
+          <a:p>
+            <a:r>
+              <a:rPr lang="fr-FR" dirty="0">
+                <a:solidFill>
+                  <a:prstClr val="black"/>
+                </a:solidFill>
+              </a:rPr>
+              <a:t>			Comparaison des apis web trouvées:</a:t>
+            </a:r>
+            <a:endParaRPr lang="en-US" dirty="0"/>
+          </a:p>
+        </p:txBody>
+      </p:sp>
+    </p:spTree>
+    <p:extLst>
+      <p:ext uri="{BB962C8B-B14F-4D97-AF65-F5344CB8AC3E}">
+        <p14:creationId xmlns:p14="http://schemas.microsoft.com/office/powerpoint/2010/main" val="3942547921"/>
+      </p:ext>
+    </p:extLst>
+  </p:cSld>
+  <p:clrMapOvr>
+    <a:masterClrMapping/>
+  </p:clrMapOvr>
+</p:sld>
+</file>
+
+<file path=ppt/slides/slide22.xml><?xml version="1.0" encoding="utf-8"?>
+<p:sld xmlns:a="http://schemas.openxmlformats.org/drawingml/2006/main" xmlns:r="http://schemas.openxmlformats.org/officeDocument/2006/relationships" xmlns:p="http://schemas.openxmlformats.org/presentationml/2006/main">
+  <p:cSld>
+    <p:spTree>
+      <p:nvGrpSpPr>
+        <p:cNvPr id="1" name=""/>
+        <p:cNvGrpSpPr/>
+        <p:nvPr/>
+      </p:nvGrpSpPr>
+      <p:grpSpPr>
+        <a:xfrm>
+          <a:off x="0" y="0"/>
+          <a:ext cx="0" cy="0"/>
+          <a:chOff x="0" y="0"/>
+          <a:chExt cx="0" cy="0"/>
+        </a:xfrm>
+      </p:grpSpPr>
+      <p:sp>
+        <p:nvSpPr>
+          <p:cNvPr id="2" name="Espace réservé de la date 1">
+            <a:extLst>
+              <a:ext uri="{FF2B5EF4-FFF2-40B4-BE49-F238E27FC236}">
+                <a16:creationId xmlns:a16="http://schemas.microsoft.com/office/drawing/2014/main" id="{6FBCD744-9291-4845-A1E4-504AB3A1D9AD}"/>
+              </a:ext>
+            </a:extLst>
+          </p:cNvPr>
+          <p:cNvSpPr>
+            <a:spLocks noGrp="1"/>
+          </p:cNvSpPr>
+          <p:nvPr>
+            <p:ph type="dt" sz="half" idx="10"/>
+          </p:nvPr>
+        </p:nvSpPr>
+        <p:spPr/>
+        <p:txBody>
+          <a:bodyPr/>
+          <a:lstStyle/>
+          <a:p>
+            <a:pPr rtl="0"/>
+            <a:fld id="{2BD66AC7-6890-4F0E-B000-A39D822B7C00}" type="datetime1">
+              <a:rPr lang="fr-FR" smtClean="0"/>
+              <a:t>22/06/2021</a:t>
+            </a:fld>
+            <a:endParaRPr lang="en-US"/>
+          </a:p>
+        </p:txBody>
+      </p:sp>
+      <p:sp>
+        <p:nvSpPr>
+          <p:cNvPr id="3" name="ZoneTexte 2">
+            <a:extLst>
+              <a:ext uri="{FF2B5EF4-FFF2-40B4-BE49-F238E27FC236}">
+                <a16:creationId xmlns:a16="http://schemas.microsoft.com/office/drawing/2014/main" id="{EF68D1FE-D4EB-440B-81C6-2E3F50E31843}"/>
+              </a:ext>
+            </a:extLst>
+          </p:cNvPr>
+          <p:cNvSpPr txBox="1"/>
+          <p:nvPr/>
+        </p:nvSpPr>
+        <p:spPr>
+          <a:xfrm>
+            <a:off x="933061" y="839755"/>
+            <a:ext cx="10450286" cy="1200329"/>
+          </a:xfrm>
+          <a:prstGeom prst="rect">
+            <a:avLst/>
+          </a:prstGeom>
+          <a:noFill/>
+        </p:spPr>
+        <p:txBody>
+          <a:bodyPr wrap="square" rtlCol="0">
+            <a:spAutoFit/>
+          </a:bodyPr>
+          <a:lstStyle/>
+          <a:p>
+            <a:r>
+              <a:rPr lang="fr-FR" dirty="0"/>
+              <a:t>Notre choix s’est alors porté sur l’api </a:t>
+            </a:r>
+            <a:r>
+              <a:rPr lang="fr-FR" dirty="0" err="1"/>
+              <a:t>openweathermap</a:t>
+            </a:r>
+            <a:r>
+              <a:rPr lang="fr-FR" dirty="0"/>
+              <a:t>  </a:t>
+            </a:r>
+          </a:p>
+          <a:p>
+            <a:r>
+              <a:rPr lang="fr-FR" dirty="0"/>
+              <a:t>Pour son nombre d’appel  et le fait de  la possibilité de  pouvoir rechercher  la météo par ville.</a:t>
+            </a:r>
+          </a:p>
+          <a:p>
+            <a:endParaRPr lang="en-US" dirty="0"/>
+          </a:p>
+        </p:txBody>
+      </p:sp>
+    </p:spTree>
+    <p:extLst>
+      <p:ext uri="{BB962C8B-B14F-4D97-AF65-F5344CB8AC3E}">
+        <p14:creationId xmlns:p14="http://schemas.microsoft.com/office/powerpoint/2010/main" val="677230494"/>
+      </p:ext>
+    </p:extLst>
+  </p:cSld>
+  <p:clrMapOvr>
+    <a:masterClrMapping/>
+  </p:clrMapOvr>
+</p:sld>
+</file>
+
+<file path=ppt/slides/slide23.xml><?xml version="1.0" encoding="utf-8"?>
+<p:sld xmlns:a="http://schemas.openxmlformats.org/drawingml/2006/main" xmlns:r="http://schemas.openxmlformats.org/officeDocument/2006/relationships" xmlns:p="http://schemas.openxmlformats.org/presentationml/2006/main">
+  <p:cSld>
+    <p:spTree>
+      <p:nvGrpSpPr>
+        <p:cNvPr id="1" name=""/>
+        <p:cNvGrpSpPr/>
+        <p:nvPr/>
+      </p:nvGrpSpPr>
+      <p:grpSpPr>
+        <a:xfrm>
+          <a:off x="0" y="0"/>
+          <a:ext cx="0" cy="0"/>
+          <a:chOff x="0" y="0"/>
+          <a:chExt cx="0" cy="0"/>
+        </a:xfrm>
+      </p:grpSpPr>
+      <p:sp>
+        <p:nvSpPr>
+          <p:cNvPr id="2" name="Espace réservé de la date 1">
+            <a:extLst>
+              <a:ext uri="{FF2B5EF4-FFF2-40B4-BE49-F238E27FC236}">
+                <a16:creationId xmlns:a16="http://schemas.microsoft.com/office/drawing/2014/main" id="{605EC86D-8792-42C4-9427-1CD22ED2BFE6}"/>
+              </a:ext>
+            </a:extLst>
+          </p:cNvPr>
+          <p:cNvSpPr>
+            <a:spLocks noGrp="1"/>
+          </p:cNvSpPr>
+          <p:nvPr>
+            <p:ph type="dt" sz="half" idx="10"/>
+          </p:nvPr>
+        </p:nvSpPr>
+        <p:spPr/>
+        <p:txBody>
+          <a:bodyPr/>
+          <a:lstStyle/>
+          <a:p>
+            <a:pPr rtl="0"/>
+            <a:fld id="{2BD66AC7-6890-4F0E-B000-A39D822B7C00}" type="datetime1">
+              <a:rPr lang="fr-FR" smtClean="0"/>
+              <a:t>22/06/2021</a:t>
+            </a:fld>
+            <a:endParaRPr lang="en-US"/>
+          </a:p>
+        </p:txBody>
+      </p:sp>
+    </p:spTree>
+    <p:extLst>
+      <p:ext uri="{BB962C8B-B14F-4D97-AF65-F5344CB8AC3E}">
+        <p14:creationId xmlns:p14="http://schemas.microsoft.com/office/powerpoint/2010/main" val="1067601400"/>
+      </p:ext>
+    </p:extLst>
+  </p:cSld>
+  <p:clrMapOvr>
+    <a:masterClrMapping/>
+  </p:clrMapOvr>
+</p:sld>
+</file>
+
+<file path=ppt/slides/slide24.xml><?xml version="1.0" encoding="utf-8"?>
+<p:sld xmlns:a="http://schemas.openxmlformats.org/drawingml/2006/main" xmlns:r="http://schemas.openxmlformats.org/officeDocument/2006/relationships" xmlns:p="http://schemas.openxmlformats.org/presentationml/2006/main">
+  <p:cSld>
+    <p:spTree>
+      <p:nvGrpSpPr>
+        <p:cNvPr id="1" name=""/>
+        <p:cNvGrpSpPr/>
+        <p:nvPr/>
+      </p:nvGrpSpPr>
+      <p:grpSpPr>
+        <a:xfrm>
+          <a:off x="0" y="0"/>
+          <a:ext cx="0" cy="0"/>
+          <a:chOff x="0" y="0"/>
+          <a:chExt cx="0" cy="0"/>
+        </a:xfrm>
+      </p:grpSpPr>
+      <p:sp>
+        <p:nvSpPr>
           <p:cNvPr id="2" name="Titre 1">
             <a:extLst>
               <a:ext uri="{FF2B5EF4-FFF2-40B4-BE49-F238E27FC236}">
@@ -11689,7 +13829,7 @@
 </p:sld>
 </file>
 
-<file path=ppt/slides/slide21.xml><?xml version="1.0" encoding="utf-8"?>
+<file path=ppt/slides/slide25.xml><?xml version="1.0" encoding="utf-8"?>
 <p:sld xmlns:a="http://schemas.openxmlformats.org/drawingml/2006/main" xmlns:r="http://schemas.openxmlformats.org/officeDocument/2006/relationships" xmlns:p="http://schemas.openxmlformats.org/presentationml/2006/main">
   <p:cSld>
     <p:spTree>
@@ -12345,1041 +14485,6 @@
 </p:sld>
 </file>
 
-<file path=ppt/slides/slide22.xml><?xml version="1.0" encoding="utf-8"?>
-<p:sld xmlns:a="http://schemas.openxmlformats.org/drawingml/2006/main" xmlns:r="http://schemas.openxmlformats.org/officeDocument/2006/relationships" xmlns:p="http://schemas.openxmlformats.org/presentationml/2006/main">
-  <p:cSld>
-    <p:spTree>
-      <p:nvGrpSpPr>
-        <p:cNvPr id="1" name=""/>
-        <p:cNvGrpSpPr/>
-        <p:nvPr/>
-      </p:nvGrpSpPr>
-      <p:grpSpPr>
-        <a:xfrm>
-          <a:off x="0" y="0"/>
-          <a:ext cx="0" cy="0"/>
-          <a:chOff x="0" y="0"/>
-          <a:chExt cx="0" cy="0"/>
-        </a:xfrm>
-      </p:grpSpPr>
-      <p:sp>
-        <p:nvSpPr>
-          <p:cNvPr id="2" name="Titre 1">
-            <a:extLst>
-              <a:ext uri="{FF2B5EF4-FFF2-40B4-BE49-F238E27FC236}">
-                <a16:creationId xmlns:a16="http://schemas.microsoft.com/office/drawing/2014/main" id="{CB54FB35-62CD-4DC9-A01D-686743CE13DF}"/>
-              </a:ext>
-            </a:extLst>
-          </p:cNvPr>
-          <p:cNvSpPr>
-            <a:spLocks noGrp="1"/>
-          </p:cNvSpPr>
-          <p:nvPr>
-            <p:ph type="title"/>
-          </p:nvPr>
-        </p:nvSpPr>
-        <p:spPr>
-          <a:xfrm>
-            <a:off x="1066800" y="642594"/>
-            <a:ext cx="10058400" cy="544938"/>
-          </a:xfrm>
-        </p:spPr>
-        <p:txBody>
-          <a:bodyPr>
-            <a:normAutofit fontScale="90000"/>
-          </a:bodyPr>
-          <a:lstStyle/>
-          <a:p>
-            <a:r>
-              <a:rPr lang="fr-FR" dirty="0"/>
-              <a:t>Serveur WEB</a:t>
-            </a:r>
-          </a:p>
-        </p:txBody>
-      </p:sp>
-      <p:sp>
-        <p:nvSpPr>
-          <p:cNvPr id="3" name="Espace réservé du contenu 2">
-            <a:extLst>
-              <a:ext uri="{FF2B5EF4-FFF2-40B4-BE49-F238E27FC236}">
-                <a16:creationId xmlns:a16="http://schemas.microsoft.com/office/drawing/2014/main" id="{D8B13C74-0011-4D4B-98AE-E79FD41F1CE1}"/>
-              </a:ext>
-            </a:extLst>
-          </p:cNvPr>
-          <p:cNvSpPr>
-            <a:spLocks noGrp="1"/>
-          </p:cNvSpPr>
-          <p:nvPr>
-            <p:ph idx="1"/>
-          </p:nvPr>
-        </p:nvSpPr>
-        <p:spPr>
-          <a:xfrm>
-            <a:off x="1066800" y="1187532"/>
-            <a:ext cx="10058400" cy="4765212"/>
-          </a:xfrm>
-        </p:spPr>
-        <p:txBody>
-          <a:bodyPr>
-            <a:normAutofit lnSpcReduction="10000"/>
-          </a:bodyPr>
-          <a:lstStyle/>
-          <a:p>
-            <a:r>
-              <a:rPr lang="fr-FR" dirty="0"/>
-              <a:t>Serveur NGINX + App CGI : trop lourd pour ce qu’il y a faire, pas besoin du HTTPS</a:t>
-            </a:r>
-          </a:p>
-          <a:p>
-            <a:r>
-              <a:rPr lang="fr-FR" dirty="0"/>
-              <a:t>HTTP ou TCP</a:t>
-            </a:r>
-          </a:p>
-          <a:p>
-            <a:pPr lvl="1"/>
-            <a:r>
-              <a:rPr lang="fr-FR" dirty="0"/>
-              <a:t>TCP (</a:t>
-            </a:r>
-            <a:r>
-              <a:rPr lang="fr-FR" dirty="0" err="1"/>
-              <a:t>low</a:t>
-            </a:r>
-            <a:r>
-              <a:rPr lang="fr-FR" dirty="0"/>
-              <a:t> </a:t>
-            </a:r>
-            <a:r>
-              <a:rPr lang="fr-FR" dirty="0" err="1"/>
-              <a:t>level</a:t>
-            </a:r>
-            <a:r>
-              <a:rPr lang="fr-FR" dirty="0"/>
-              <a:t>) c’est plus pour une app temp réel : plus complexe coté serveur et client</a:t>
-            </a:r>
-          </a:p>
-          <a:p>
-            <a:pPr lvl="1"/>
-            <a:r>
-              <a:rPr lang="fr-FR" dirty="0"/>
-              <a:t>HTTP (high </a:t>
-            </a:r>
-            <a:r>
-              <a:rPr lang="fr-FR" dirty="0" err="1"/>
-              <a:t>level</a:t>
-            </a:r>
-            <a:r>
-              <a:rPr lang="fr-FR" dirty="0"/>
-              <a:t> surcouche du </a:t>
-            </a:r>
-            <a:r>
-              <a:rPr lang="fr-FR" dirty="0" err="1"/>
-              <a:t>tcp</a:t>
-            </a:r>
-            <a:r>
-              <a:rPr lang="fr-FR" dirty="0"/>
-              <a:t>) c’est pour un service sur requête : </a:t>
-            </a:r>
-          </a:p>
-          <a:p>
-            <a:pPr lvl="2"/>
-            <a:r>
-              <a:rPr lang="fr-FR" dirty="0"/>
-              <a:t>plus simple a mettre en place coté client et serveur</a:t>
-            </a:r>
-          </a:p>
-          <a:p>
-            <a:r>
-              <a:rPr lang="fr-FR" dirty="0"/>
-              <a:t>application autonome + Lib HTTP simple : </a:t>
-            </a:r>
-          </a:p>
-          <a:p>
-            <a:pPr lvl="1"/>
-            <a:r>
-              <a:rPr lang="fr-FR" dirty="0" err="1"/>
-              <a:t>Libuv</a:t>
-            </a:r>
-            <a:r>
-              <a:rPr lang="fr-FR" dirty="0"/>
-              <a:t> : </a:t>
-            </a:r>
-          </a:p>
-          <a:p>
-            <a:pPr lvl="2"/>
-            <a:r>
-              <a:rPr lang="fr-FR" dirty="0"/>
-              <a:t>forte communauté car fait pour </a:t>
-            </a:r>
-            <a:r>
-              <a:rPr lang="fr-FR" dirty="0" err="1"/>
-              <a:t>nodejs</a:t>
-            </a:r>
-            <a:endParaRPr lang="fr-FR" dirty="0"/>
-          </a:p>
-          <a:p>
-            <a:pPr lvl="2"/>
-            <a:r>
-              <a:rPr lang="fr-FR" dirty="0"/>
-              <a:t>fait en C donc </a:t>
-            </a:r>
-            <a:r>
-              <a:rPr lang="fr-FR" dirty="0" err="1"/>
-              <a:t>tres</a:t>
-            </a:r>
-            <a:r>
-              <a:rPr lang="fr-FR" dirty="0"/>
-              <a:t> rapide</a:t>
-            </a:r>
-          </a:p>
-          <a:p>
-            <a:pPr lvl="2"/>
-            <a:r>
-              <a:rPr lang="fr-FR" dirty="0"/>
-              <a:t>disponibilité de package sur </a:t>
-            </a:r>
-            <a:r>
-              <a:rPr lang="fr-FR" dirty="0" err="1"/>
-              <a:t>debian</a:t>
-            </a:r>
-            <a:endParaRPr lang="fr-FR" dirty="0"/>
-          </a:p>
-          <a:p>
-            <a:pPr lvl="1"/>
-            <a:r>
-              <a:rPr lang="fr-FR" dirty="0" err="1"/>
-              <a:t>Uv-cpp</a:t>
-            </a:r>
-            <a:r>
-              <a:rPr lang="fr-FR" dirty="0"/>
-              <a:t> : </a:t>
-            </a:r>
-            <a:r>
-              <a:rPr lang="fr-FR" dirty="0" err="1"/>
-              <a:t>Wrapper</a:t>
-            </a:r>
-            <a:r>
-              <a:rPr lang="fr-FR" dirty="0"/>
-              <a:t> </a:t>
-            </a:r>
-            <a:r>
-              <a:rPr lang="fr-FR" dirty="0" err="1"/>
-              <a:t>cpp</a:t>
-            </a:r>
-            <a:r>
-              <a:rPr lang="fr-FR" dirty="0"/>
-              <a:t> pour </a:t>
-            </a:r>
-            <a:r>
-              <a:rPr lang="fr-FR" dirty="0" err="1"/>
-              <a:t>libuv</a:t>
-            </a:r>
-            <a:endParaRPr lang="fr-FR" dirty="0"/>
-          </a:p>
-          <a:p>
-            <a:pPr lvl="2"/>
-            <a:r>
-              <a:rPr lang="fr-FR" dirty="0"/>
-              <a:t>Disponibilité </a:t>
-            </a:r>
-            <a:r>
-              <a:rPr lang="fr-FR" dirty="0" err="1"/>
-              <a:t>d’example</a:t>
-            </a:r>
-            <a:r>
-              <a:rPr lang="fr-FR" dirty="0"/>
-              <a:t> tout fait</a:t>
-            </a:r>
-          </a:p>
-          <a:p>
-            <a:pPr lvl="2"/>
-            <a:r>
-              <a:rPr lang="fr-FR" dirty="0"/>
-              <a:t>Fonctionnement moderne asynchrone (? Doit on mettre ces termes ou les expliquer)</a:t>
-            </a:r>
-          </a:p>
-          <a:p>
-            <a:pPr lvl="2"/>
-            <a:r>
-              <a:rPr lang="fr-FR" dirty="0"/>
-              <a:t>Fonction lambda pour les callback (? Doit on mettre ces termes ou les expliquer)</a:t>
-            </a:r>
-          </a:p>
-          <a:p>
-            <a:pPr lvl="1"/>
-            <a:r>
-              <a:rPr lang="fr-FR" dirty="0" err="1"/>
-              <a:t>Asio</a:t>
-            </a:r>
-            <a:r>
-              <a:rPr lang="fr-FR" dirty="0"/>
-              <a:t> : </a:t>
-            </a:r>
-          </a:p>
-          <a:p>
-            <a:pPr lvl="2"/>
-            <a:r>
-              <a:rPr lang="fr-FR" dirty="0"/>
-              <a:t>dépendant de boost</a:t>
-            </a:r>
-          </a:p>
-          <a:p>
-            <a:pPr lvl="2"/>
-            <a:r>
-              <a:rPr lang="fr-FR" dirty="0"/>
-              <a:t>Avantage : pas de lib</a:t>
-            </a:r>
-          </a:p>
-          <a:p>
-            <a:pPr lvl="2"/>
-            <a:r>
-              <a:rPr lang="fr-FR" dirty="0"/>
-              <a:t>Con : utilisation abusive des </a:t>
-            </a:r>
-            <a:r>
-              <a:rPr lang="fr-FR" dirty="0" err="1"/>
-              <a:t>templates</a:t>
-            </a:r>
-            <a:r>
-              <a:rPr lang="fr-FR" dirty="0"/>
-              <a:t>, temps de compilation rallongé, usine a gaz. (? Doit on mettre ces termes ou les expliquer, pas très objectif)</a:t>
-            </a:r>
-          </a:p>
-          <a:p>
-            <a:pPr lvl="2"/>
-            <a:endParaRPr lang="fr-FR" dirty="0"/>
-          </a:p>
-        </p:txBody>
-      </p:sp>
-      <p:sp>
-        <p:nvSpPr>
-          <p:cNvPr id="4" name="Espace réservé de la date 3">
-            <a:extLst>
-              <a:ext uri="{FF2B5EF4-FFF2-40B4-BE49-F238E27FC236}">
-                <a16:creationId xmlns:a16="http://schemas.microsoft.com/office/drawing/2014/main" id="{58AACB8E-9EE2-4177-AA39-C3CB77AEE466}"/>
-              </a:ext>
-            </a:extLst>
-          </p:cNvPr>
-          <p:cNvSpPr>
-            <a:spLocks noGrp="1"/>
-          </p:cNvSpPr>
-          <p:nvPr>
-            <p:ph type="dt" sz="half" idx="10"/>
-          </p:nvPr>
-        </p:nvSpPr>
-        <p:spPr/>
-        <p:txBody>
-          <a:bodyPr/>
-          <a:lstStyle/>
-          <a:p>
-            <a:pPr rtl="0"/>
-            <a:fld id="{802FE938-1586-4780-B61A-DD3B60BAB93C}" type="datetime1">
-              <a:rPr lang="fr-FR" smtClean="0"/>
-              <a:t>22/06/2021</a:t>
-            </a:fld>
-            <a:endParaRPr lang="en-US"/>
-          </a:p>
-        </p:txBody>
-      </p:sp>
-    </p:spTree>
-    <p:extLst>
-      <p:ext uri="{BB962C8B-B14F-4D97-AF65-F5344CB8AC3E}">
-        <p14:creationId xmlns:p14="http://schemas.microsoft.com/office/powerpoint/2010/main" val="1188826733"/>
-      </p:ext>
-    </p:extLst>
-  </p:cSld>
-  <p:clrMapOvr>
-    <a:masterClrMapping/>
-  </p:clrMapOvr>
-</p:sld>
-</file>
-
-<file path=ppt/slides/slide23.xml><?xml version="1.0" encoding="utf-8"?>
-<p:sld xmlns:a="http://schemas.openxmlformats.org/drawingml/2006/main" xmlns:r="http://schemas.openxmlformats.org/officeDocument/2006/relationships" xmlns:p="http://schemas.openxmlformats.org/presentationml/2006/main">
-  <p:cSld>
-    <p:spTree>
-      <p:nvGrpSpPr>
-        <p:cNvPr id="1" name=""/>
-        <p:cNvGrpSpPr/>
-        <p:nvPr/>
-      </p:nvGrpSpPr>
-      <p:grpSpPr>
-        <a:xfrm>
-          <a:off x="0" y="0"/>
-          <a:ext cx="0" cy="0"/>
-          <a:chOff x="0" y="0"/>
-          <a:chExt cx="0" cy="0"/>
-        </a:xfrm>
-      </p:grpSpPr>
-      <p:sp>
-        <p:nvSpPr>
-          <p:cNvPr id="2" name="Titre 1">
-            <a:extLst>
-              <a:ext uri="{FF2B5EF4-FFF2-40B4-BE49-F238E27FC236}">
-                <a16:creationId xmlns:a16="http://schemas.microsoft.com/office/drawing/2014/main" id="{CB54FB35-62CD-4DC9-A01D-686743CE13DF}"/>
-              </a:ext>
-            </a:extLst>
-          </p:cNvPr>
-          <p:cNvSpPr>
-            <a:spLocks noGrp="1"/>
-          </p:cNvSpPr>
-          <p:nvPr>
-            <p:ph type="title"/>
-          </p:nvPr>
-        </p:nvSpPr>
-        <p:spPr>
-          <a:xfrm>
-            <a:off x="1066800" y="642594"/>
-            <a:ext cx="10058400" cy="544938"/>
-          </a:xfrm>
-        </p:spPr>
-        <p:txBody>
-          <a:bodyPr>
-            <a:normAutofit fontScale="90000"/>
-          </a:bodyPr>
-          <a:lstStyle/>
-          <a:p>
-            <a:r>
-              <a:rPr lang="fr-FR" dirty="0"/>
-              <a:t>Format de donnée d’échanges</a:t>
-            </a:r>
-          </a:p>
-        </p:txBody>
-      </p:sp>
-      <p:sp>
-        <p:nvSpPr>
-          <p:cNvPr id="3" name="Espace réservé du contenu 2">
-            <a:extLst>
-              <a:ext uri="{FF2B5EF4-FFF2-40B4-BE49-F238E27FC236}">
-                <a16:creationId xmlns:a16="http://schemas.microsoft.com/office/drawing/2014/main" id="{D8B13C74-0011-4D4B-98AE-E79FD41F1CE1}"/>
-              </a:ext>
-            </a:extLst>
-          </p:cNvPr>
-          <p:cNvSpPr>
-            <a:spLocks noGrp="1"/>
-          </p:cNvSpPr>
-          <p:nvPr>
-            <p:ph idx="1"/>
-          </p:nvPr>
-        </p:nvSpPr>
-        <p:spPr>
-          <a:xfrm>
-            <a:off x="1066800" y="1187532"/>
-            <a:ext cx="10058400" cy="4765212"/>
-          </a:xfrm>
-        </p:spPr>
-        <p:txBody>
-          <a:bodyPr>
-            <a:normAutofit lnSpcReduction="10000"/>
-          </a:bodyPr>
-          <a:lstStyle/>
-          <a:p>
-            <a:r>
-              <a:rPr lang="fr-FR" dirty="0"/>
-              <a:t>Qt sait lire facilement du xml et du JSON</a:t>
-            </a:r>
-          </a:p>
-          <a:p>
-            <a:r>
-              <a:rPr lang="fr-FR" dirty="0"/>
-              <a:t>XML :</a:t>
-            </a:r>
-          </a:p>
-          <a:p>
-            <a:pPr lvl="1"/>
-            <a:r>
-              <a:rPr lang="fr-FR" dirty="0"/>
-              <a:t>orienté document</a:t>
-            </a:r>
-          </a:p>
-          <a:p>
-            <a:pPr lvl="1"/>
-            <a:r>
-              <a:rPr lang="fr-FR" dirty="0"/>
-              <a:t>Plus Compliqué a </a:t>
-            </a:r>
-            <a:r>
-              <a:rPr lang="fr-FR" dirty="0" err="1"/>
-              <a:t>génèrer</a:t>
-            </a:r>
-            <a:r>
-              <a:rPr lang="fr-FR" dirty="0"/>
-              <a:t> et a analyser</a:t>
-            </a:r>
-          </a:p>
-          <a:p>
-            <a:pPr lvl="1"/>
-            <a:r>
-              <a:rPr lang="fr-FR" dirty="0"/>
-              <a:t>Trop verbeux =&gt; plus de mémoire</a:t>
-            </a:r>
-          </a:p>
-          <a:p>
-            <a:pPr lvl="1"/>
-            <a:r>
-              <a:rPr lang="fr-FR" dirty="0"/>
-              <a:t>Format ASCII / Texte</a:t>
-            </a:r>
-          </a:p>
-          <a:p>
-            <a:r>
-              <a:rPr lang="fr-FR" dirty="0"/>
-              <a:t>JSON : </a:t>
-            </a:r>
-          </a:p>
-          <a:p>
-            <a:pPr lvl="1"/>
-            <a:r>
-              <a:rPr lang="fr-FR" dirty="0"/>
-              <a:t>Orienté données </a:t>
-            </a:r>
-          </a:p>
-          <a:p>
-            <a:pPr lvl="1"/>
-            <a:r>
-              <a:rPr lang="fr-FR" dirty="0"/>
-              <a:t>Plus facile a générer et a analyser</a:t>
-            </a:r>
-          </a:p>
-          <a:p>
-            <a:pPr lvl="1"/>
-            <a:r>
-              <a:rPr lang="fr-FR" dirty="0"/>
-              <a:t>Format ASCII / Texte</a:t>
-            </a:r>
-          </a:p>
-          <a:p>
-            <a:pPr lvl="1"/>
-            <a:r>
-              <a:rPr lang="fr-FR" dirty="0"/>
-              <a:t>Très peu verbeux, laisse plus la place aux donnée que XML : </a:t>
-            </a:r>
-          </a:p>
-          <a:p>
-            <a:pPr lvl="2"/>
-            <a:r>
-              <a:rPr lang="fr-FR" dirty="0"/>
-              <a:t>Beaucoup moins de mémoire pour plus de données</a:t>
-            </a:r>
-          </a:p>
-          <a:p>
-            <a:r>
-              <a:rPr lang="fr-FR" dirty="0"/>
-              <a:t>BSON :</a:t>
-            </a:r>
-          </a:p>
-          <a:p>
-            <a:pPr lvl="1"/>
-            <a:r>
-              <a:rPr lang="fr-FR" dirty="0"/>
-              <a:t>JSON formaté binaire</a:t>
-            </a:r>
-          </a:p>
-          <a:p>
-            <a:pPr lvl="1"/>
-            <a:r>
-              <a:rPr lang="fr-FR" dirty="0"/>
-              <a:t>Ratio « donnée/empreinte mémoire » maximum</a:t>
-            </a:r>
-          </a:p>
-          <a:p>
-            <a:pPr lvl="2"/>
-            <a:r>
-              <a:rPr lang="fr-FR" dirty="0"/>
-              <a:t>Con : Qt ne sait pas le lire en natif</a:t>
-            </a:r>
-          </a:p>
-          <a:p>
-            <a:pPr lvl="2"/>
-            <a:r>
-              <a:rPr lang="fr-FR" dirty="0"/>
-              <a:t>Pas vraiment utile vu la quantité de donnée a échanger par le réseau dans notre cas</a:t>
-            </a:r>
-          </a:p>
-          <a:p>
-            <a:pPr lvl="2"/>
-            <a:r>
-              <a:rPr lang="fr-FR" dirty="0"/>
-              <a:t>Peu être une voie d’amélioration future</a:t>
-            </a:r>
-          </a:p>
-        </p:txBody>
-      </p:sp>
-      <p:sp>
-        <p:nvSpPr>
-          <p:cNvPr id="4" name="Espace réservé de la date 3">
-            <a:extLst>
-              <a:ext uri="{FF2B5EF4-FFF2-40B4-BE49-F238E27FC236}">
-                <a16:creationId xmlns:a16="http://schemas.microsoft.com/office/drawing/2014/main" id="{58AACB8E-9EE2-4177-AA39-C3CB77AEE466}"/>
-              </a:ext>
-            </a:extLst>
-          </p:cNvPr>
-          <p:cNvSpPr>
-            <a:spLocks noGrp="1"/>
-          </p:cNvSpPr>
-          <p:nvPr>
-            <p:ph type="dt" sz="half" idx="10"/>
-          </p:nvPr>
-        </p:nvSpPr>
-        <p:spPr/>
-        <p:txBody>
-          <a:bodyPr/>
-          <a:lstStyle/>
-          <a:p>
-            <a:pPr rtl="0"/>
-            <a:fld id="{802FE938-1586-4780-B61A-DD3B60BAB93C}" type="datetime1">
-              <a:rPr lang="fr-FR" smtClean="0"/>
-              <a:t>22/06/2021</a:t>
-            </a:fld>
-            <a:endParaRPr lang="en-US"/>
-          </a:p>
-        </p:txBody>
-      </p:sp>
-    </p:spTree>
-    <p:extLst>
-      <p:ext uri="{BB962C8B-B14F-4D97-AF65-F5344CB8AC3E}">
-        <p14:creationId xmlns:p14="http://schemas.microsoft.com/office/powerpoint/2010/main" val="1311477196"/>
-      </p:ext>
-    </p:extLst>
-  </p:cSld>
-  <p:clrMapOvr>
-    <a:masterClrMapping/>
-  </p:clrMapOvr>
-</p:sld>
-</file>
-
-<file path=ppt/slides/slide24.xml><?xml version="1.0" encoding="utf-8"?>
-<p:sld xmlns:a="http://schemas.openxmlformats.org/drawingml/2006/main" xmlns:r="http://schemas.openxmlformats.org/officeDocument/2006/relationships" xmlns:p="http://schemas.openxmlformats.org/presentationml/2006/main">
-  <p:cSld>
-    <p:spTree>
-      <p:nvGrpSpPr>
-        <p:cNvPr id="1" name=""/>
-        <p:cNvGrpSpPr/>
-        <p:nvPr/>
-      </p:nvGrpSpPr>
-      <p:grpSpPr>
-        <a:xfrm>
-          <a:off x="0" y="0"/>
-          <a:ext cx="0" cy="0"/>
-          <a:chOff x="0" y="0"/>
-          <a:chExt cx="0" cy="0"/>
-        </a:xfrm>
-      </p:grpSpPr>
-      <p:sp>
-        <p:nvSpPr>
-          <p:cNvPr id="2" name="Titre 1">
-            <a:extLst>
-              <a:ext uri="{FF2B5EF4-FFF2-40B4-BE49-F238E27FC236}">
-                <a16:creationId xmlns:a16="http://schemas.microsoft.com/office/drawing/2014/main" id="{CB54FB35-62CD-4DC9-A01D-686743CE13DF}"/>
-              </a:ext>
-            </a:extLst>
-          </p:cNvPr>
-          <p:cNvSpPr>
-            <a:spLocks noGrp="1"/>
-          </p:cNvSpPr>
-          <p:nvPr>
-            <p:ph type="title"/>
-          </p:nvPr>
-        </p:nvSpPr>
-        <p:spPr>
-          <a:xfrm>
-            <a:off x="1066800" y="642594"/>
-            <a:ext cx="10058400" cy="544938"/>
-          </a:xfrm>
-        </p:spPr>
-        <p:txBody>
-          <a:bodyPr>
-            <a:normAutofit fontScale="90000"/>
-          </a:bodyPr>
-          <a:lstStyle/>
-          <a:p>
-            <a:r>
-              <a:rPr lang="fr-FR" dirty="0"/>
-              <a:t>App client</a:t>
-            </a:r>
-          </a:p>
-        </p:txBody>
-      </p:sp>
-      <p:sp>
-        <p:nvSpPr>
-          <p:cNvPr id="3" name="Espace réservé du contenu 2">
-            <a:extLst>
-              <a:ext uri="{FF2B5EF4-FFF2-40B4-BE49-F238E27FC236}">
-                <a16:creationId xmlns:a16="http://schemas.microsoft.com/office/drawing/2014/main" id="{D8B13C74-0011-4D4B-98AE-E79FD41F1CE1}"/>
-              </a:ext>
-            </a:extLst>
-          </p:cNvPr>
-          <p:cNvSpPr>
-            <a:spLocks noGrp="1"/>
-          </p:cNvSpPr>
-          <p:nvPr>
-            <p:ph idx="1"/>
-          </p:nvPr>
-        </p:nvSpPr>
-        <p:spPr>
-          <a:xfrm>
-            <a:off x="1066800" y="1187532"/>
-            <a:ext cx="10058400" cy="4765212"/>
-          </a:xfrm>
-        </p:spPr>
-        <p:txBody>
-          <a:bodyPr>
-            <a:normAutofit/>
-          </a:bodyPr>
-          <a:lstStyle/>
-          <a:p>
-            <a:r>
-              <a:rPr lang="fr-FR" dirty="0"/>
-              <a:t>Envoi/Réception requête a un serveur web :</a:t>
-            </a:r>
-          </a:p>
-          <a:p>
-            <a:pPr lvl="1"/>
-            <a:r>
-              <a:rPr lang="fr-FR" dirty="0"/>
-              <a:t>Module QT Network : supporte la communication synchrone / asynchrone</a:t>
-            </a:r>
-          </a:p>
-          <a:p>
-            <a:r>
-              <a:rPr lang="fr-FR" dirty="0"/>
-              <a:t>Support de diffèrent langage français / anglais</a:t>
-            </a:r>
-          </a:p>
-          <a:p>
-            <a:pPr lvl="1"/>
-            <a:r>
-              <a:rPr lang="fr-FR" dirty="0"/>
-              <a:t>Module QT Translator : support facile via </a:t>
-            </a:r>
-            <a:r>
-              <a:rPr lang="fr-FR" dirty="0" err="1"/>
-              <a:t>QtLinguist</a:t>
-            </a:r>
-            <a:r>
-              <a:rPr lang="fr-FR" dirty="0"/>
-              <a:t> (logiciel pour gérer les traductions), très facile a mettre en place</a:t>
-            </a:r>
-          </a:p>
-          <a:p>
-            <a:r>
-              <a:rPr lang="fr-FR" dirty="0"/>
-              <a:t>Affichage de graphique :</a:t>
-            </a:r>
-          </a:p>
-          <a:p>
-            <a:pPr lvl="1"/>
-            <a:r>
-              <a:rPr lang="fr-FR" dirty="0"/>
-              <a:t>QT charts : plein de possibilité mais ne supporte pas tout les styles et après plusieurs test ne semble pas près a tout faire, ex, ne sait pas afficher de gradient, difficulté de placer les labels ou on veut</a:t>
-            </a:r>
-          </a:p>
-          <a:p>
-            <a:pPr lvl="1"/>
-            <a:r>
-              <a:rPr lang="fr-FR" dirty="0"/>
-              <a:t>Création d’un composant perso avec </a:t>
-            </a:r>
-            <a:r>
-              <a:rPr lang="fr-FR" dirty="0" err="1"/>
-              <a:t>QPainter</a:t>
-            </a:r>
-            <a:r>
-              <a:rPr lang="fr-FR" dirty="0"/>
-              <a:t> : avantage on pourra faire ce qu’on veut, peut être difficile a mettre en œuvre</a:t>
-            </a:r>
-          </a:p>
-          <a:p>
-            <a:pPr lvl="1"/>
-            <a:r>
-              <a:rPr lang="fr-FR" dirty="0"/>
-              <a:t>Autre lib a usage plus scientifique QWT : semble capable de tout faire, mais moins joli visuellement</a:t>
-            </a:r>
-          </a:p>
-          <a:p>
-            <a:pPr lvl="1"/>
-            <a:r>
-              <a:rPr lang="fr-FR" dirty="0"/>
-              <a:t>Via un </a:t>
-            </a:r>
-            <a:r>
-              <a:rPr lang="fr-FR" dirty="0" err="1"/>
-              <a:t>Shader</a:t>
-            </a:r>
-            <a:r>
-              <a:rPr lang="fr-FR" dirty="0"/>
-              <a:t>, </a:t>
-            </a:r>
-            <a:r>
-              <a:rPr lang="fr-FR" dirty="0" err="1"/>
-              <a:t>qvec</a:t>
-            </a:r>
-            <a:r>
-              <a:rPr lang="fr-FR" dirty="0"/>
-              <a:t> un </a:t>
-            </a:r>
-            <a:r>
-              <a:rPr lang="fr-FR" dirty="0" err="1"/>
-              <a:t>QOpenglWIdget</a:t>
-            </a:r>
-            <a:r>
-              <a:rPr lang="fr-FR" dirty="0"/>
-              <a:t> : </a:t>
-            </a:r>
-            <a:r>
-              <a:rPr lang="fr-FR" dirty="0" err="1"/>
-              <a:t>nécéssite</a:t>
-            </a:r>
-            <a:r>
-              <a:rPr lang="fr-FR" dirty="0"/>
-              <a:t> un </a:t>
-            </a:r>
-            <a:r>
-              <a:rPr lang="fr-FR" dirty="0" err="1"/>
-              <a:t>gpu</a:t>
-            </a:r>
-            <a:r>
-              <a:rPr lang="fr-FR" dirty="0"/>
-              <a:t> donc une carte 3d avec </a:t>
-            </a:r>
-            <a:r>
-              <a:rPr lang="fr-FR" dirty="0" err="1"/>
-              <a:t>opengl</a:t>
-            </a:r>
-            <a:r>
-              <a:rPr lang="fr-FR" dirty="0"/>
-              <a:t>, supporte les animations poussées temps réel, mais pas de </a:t>
-            </a:r>
-            <a:r>
-              <a:rPr lang="fr-FR" dirty="0" err="1"/>
-              <a:t>débug</a:t>
-            </a:r>
-            <a:r>
-              <a:rPr lang="fr-FR" dirty="0"/>
-              <a:t> pour l’écriture du </a:t>
-            </a:r>
-            <a:r>
-              <a:rPr lang="fr-FR" dirty="0" err="1"/>
-              <a:t>shader</a:t>
-            </a:r>
-            <a:r>
-              <a:rPr lang="fr-FR" dirty="0"/>
-              <a:t> et peut être difficile a mettre en place</a:t>
-            </a:r>
-          </a:p>
-          <a:p>
-            <a:r>
-              <a:rPr lang="fr-FR" dirty="0"/>
-              <a:t>Support des style visuel jour / nuit</a:t>
-            </a:r>
-          </a:p>
-          <a:p>
-            <a:pPr lvl="1"/>
-            <a:r>
-              <a:rPr lang="fr-FR" dirty="0"/>
-              <a:t>QT Style </a:t>
-            </a:r>
-            <a:r>
-              <a:rPr lang="fr-FR" dirty="0" err="1"/>
-              <a:t>sheet</a:t>
-            </a:r>
-            <a:r>
-              <a:rPr lang="fr-FR" dirty="0"/>
-              <a:t> : affecte tout l’application avec une syntaxe similaire au CSS</a:t>
-            </a:r>
-          </a:p>
-          <a:p>
-            <a:pPr lvl="1"/>
-            <a:r>
-              <a:rPr lang="fr-FR" dirty="0"/>
-              <a:t>QT Palette : peut donner une couleur a chaque widget</a:t>
-            </a:r>
-          </a:p>
-          <a:p>
-            <a:r>
-              <a:rPr lang="fr-FR" dirty="0"/>
-              <a:t>Création d’une interface graphique :</a:t>
-            </a:r>
-          </a:p>
-          <a:p>
-            <a:pPr lvl="1"/>
-            <a:r>
-              <a:rPr lang="fr-FR" dirty="0"/>
-              <a:t>Qt avec son designer de composant graphique intégré</a:t>
-            </a:r>
-          </a:p>
-        </p:txBody>
-      </p:sp>
-      <p:sp>
-        <p:nvSpPr>
-          <p:cNvPr id="4" name="Espace réservé de la date 3">
-            <a:extLst>
-              <a:ext uri="{FF2B5EF4-FFF2-40B4-BE49-F238E27FC236}">
-                <a16:creationId xmlns:a16="http://schemas.microsoft.com/office/drawing/2014/main" id="{58AACB8E-9EE2-4177-AA39-C3CB77AEE466}"/>
-              </a:ext>
-            </a:extLst>
-          </p:cNvPr>
-          <p:cNvSpPr>
-            <a:spLocks noGrp="1"/>
-          </p:cNvSpPr>
-          <p:nvPr>
-            <p:ph type="dt" sz="half" idx="10"/>
-          </p:nvPr>
-        </p:nvSpPr>
-        <p:spPr/>
-        <p:txBody>
-          <a:bodyPr/>
-          <a:lstStyle/>
-          <a:p>
-            <a:pPr rtl="0"/>
-            <a:fld id="{802FE938-1586-4780-B61A-DD3B60BAB93C}" type="datetime1">
-              <a:rPr lang="fr-FR" smtClean="0"/>
-              <a:t>22/06/2021</a:t>
-            </a:fld>
-            <a:endParaRPr lang="en-US"/>
-          </a:p>
-        </p:txBody>
-      </p:sp>
-    </p:spTree>
-    <p:extLst>
-      <p:ext uri="{BB962C8B-B14F-4D97-AF65-F5344CB8AC3E}">
-        <p14:creationId xmlns:p14="http://schemas.microsoft.com/office/powerpoint/2010/main" val="1062738418"/>
-      </p:ext>
-    </p:extLst>
-  </p:cSld>
-  <p:clrMapOvr>
-    <a:masterClrMapping/>
-  </p:clrMapOvr>
-</p:sld>
-</file>
-
-<file path=ppt/slides/slide25.xml><?xml version="1.0" encoding="utf-8"?>
-<p:sld xmlns:a="http://schemas.openxmlformats.org/drawingml/2006/main" xmlns:r="http://schemas.openxmlformats.org/officeDocument/2006/relationships" xmlns:p="http://schemas.openxmlformats.org/presentationml/2006/main">
-  <p:cSld>
-    <p:spTree>
-      <p:nvGrpSpPr>
-        <p:cNvPr id="1" name=""/>
-        <p:cNvGrpSpPr/>
-        <p:nvPr/>
-      </p:nvGrpSpPr>
-      <p:grpSpPr>
-        <a:xfrm>
-          <a:off x="0" y="0"/>
-          <a:ext cx="0" cy="0"/>
-          <a:chOff x="0" y="0"/>
-          <a:chExt cx="0" cy="0"/>
-        </a:xfrm>
-      </p:grpSpPr>
-      <p:sp>
-        <p:nvSpPr>
-          <p:cNvPr id="5" name="Titre 4">
-            <a:extLst>
-              <a:ext uri="{FF2B5EF4-FFF2-40B4-BE49-F238E27FC236}">
-                <a16:creationId xmlns:a16="http://schemas.microsoft.com/office/drawing/2014/main" id="{B535D397-2E1B-4C1E-A392-E2A43916D949}"/>
-              </a:ext>
-            </a:extLst>
-          </p:cNvPr>
-          <p:cNvSpPr>
-            <a:spLocks noGrp="1"/>
-          </p:cNvSpPr>
-          <p:nvPr>
-            <p:ph type="ctrTitle"/>
-          </p:nvPr>
-        </p:nvSpPr>
-        <p:spPr/>
-        <p:txBody>
-          <a:bodyPr/>
-          <a:lstStyle/>
-          <a:p>
-            <a:r>
-              <a:rPr lang="fr-FR" dirty="0"/>
-              <a:t>CONCEPTION</a:t>
-            </a:r>
-            <a:br>
-              <a:rPr lang="fr-FR" dirty="0"/>
-            </a:br>
-            <a:r>
-              <a:rPr lang="fr-FR" dirty="0"/>
-              <a:t>MISE AU POINT</a:t>
-            </a:r>
-          </a:p>
-        </p:txBody>
-      </p:sp>
-      <p:sp>
-        <p:nvSpPr>
-          <p:cNvPr id="6" name="Sous-titre 5">
-            <a:extLst>
-              <a:ext uri="{FF2B5EF4-FFF2-40B4-BE49-F238E27FC236}">
-                <a16:creationId xmlns:a16="http://schemas.microsoft.com/office/drawing/2014/main" id="{42DF712F-84EC-48F3-B510-83E590DD97F0}"/>
-              </a:ext>
-            </a:extLst>
-          </p:cNvPr>
-          <p:cNvSpPr>
-            <a:spLocks noGrp="1"/>
-          </p:cNvSpPr>
-          <p:nvPr>
-            <p:ph type="subTitle" idx="1"/>
-          </p:nvPr>
-        </p:nvSpPr>
-        <p:spPr/>
-        <p:txBody>
-          <a:bodyPr/>
-          <a:lstStyle/>
-          <a:p>
-            <a:r>
-              <a:rPr lang="fr-FR" dirty="0"/>
-              <a:t>IMPLEMENTATION ITERATIVE / TESTS / DEBUG / AJOUT DE FONCTIONALITES</a:t>
-            </a:r>
-          </a:p>
-          <a:p>
-            <a:endParaRPr lang="fr-FR" dirty="0"/>
-          </a:p>
-        </p:txBody>
-      </p:sp>
-      <p:sp>
-        <p:nvSpPr>
-          <p:cNvPr id="4" name="Espace réservé de la date 3">
-            <a:extLst>
-              <a:ext uri="{FF2B5EF4-FFF2-40B4-BE49-F238E27FC236}">
-                <a16:creationId xmlns:a16="http://schemas.microsoft.com/office/drawing/2014/main" id="{030B0D3A-6441-43DC-BDBC-2E9EE16205E9}"/>
-              </a:ext>
-            </a:extLst>
-          </p:cNvPr>
-          <p:cNvSpPr>
-            <a:spLocks noGrp="1"/>
-          </p:cNvSpPr>
-          <p:nvPr>
-            <p:ph type="dt" sz="half" idx="10"/>
-          </p:nvPr>
-        </p:nvSpPr>
-        <p:spPr/>
-        <p:txBody>
-          <a:bodyPr/>
-          <a:lstStyle/>
-          <a:p>
-            <a:pPr rtl="0"/>
-            <a:fld id="{802FE938-1586-4780-B61A-DD3B60BAB93C}" type="datetime1">
-              <a:rPr lang="fr-FR" smtClean="0"/>
-              <a:t>22/06/2021</a:t>
-            </a:fld>
-            <a:endParaRPr lang="en-US"/>
-          </a:p>
-        </p:txBody>
-      </p:sp>
-    </p:spTree>
-    <p:extLst>
-      <p:ext uri="{BB962C8B-B14F-4D97-AF65-F5344CB8AC3E}">
-        <p14:creationId xmlns:p14="http://schemas.microsoft.com/office/powerpoint/2010/main" val="4081931665"/>
-      </p:ext>
-    </p:extLst>
-  </p:cSld>
-  <p:clrMapOvr>
-    <a:masterClrMapping/>
-  </p:clrMapOvr>
-</p:sld>
-</file>
-
 <file path=ppt/slides/slide26.xml><?xml version="1.0" encoding="utf-8"?>
 <p:sld xmlns:a="http://schemas.openxmlformats.org/drawingml/2006/main" xmlns:r="http://schemas.openxmlformats.org/officeDocument/2006/relationships" xmlns:p="http://schemas.openxmlformats.org/presentationml/2006/main">
   <p:cSld>
@@ -13399,10 +14504,45 @@
       </p:grpSpPr>
       <p:sp>
         <p:nvSpPr>
+          <p:cNvPr id="2" name="Titre 1">
+            <a:extLst>
+              <a:ext uri="{FF2B5EF4-FFF2-40B4-BE49-F238E27FC236}">
+                <a16:creationId xmlns:a16="http://schemas.microsoft.com/office/drawing/2014/main" id="{CB54FB35-62CD-4DC9-A01D-686743CE13DF}"/>
+              </a:ext>
+            </a:extLst>
+          </p:cNvPr>
+          <p:cNvSpPr>
+            <a:spLocks noGrp="1"/>
+          </p:cNvSpPr>
+          <p:nvPr>
+            <p:ph type="title"/>
+          </p:nvPr>
+        </p:nvSpPr>
+        <p:spPr>
+          <a:xfrm>
+            <a:off x="1066800" y="642594"/>
+            <a:ext cx="10058400" cy="544938"/>
+          </a:xfrm>
+        </p:spPr>
+        <p:txBody>
+          <a:bodyPr>
+            <a:normAutofit fontScale="90000"/>
+          </a:bodyPr>
+          <a:lstStyle/>
+          <a:p>
+            <a:r>
+              <a:rPr lang="fr-FR" dirty="0"/>
+              <a:t>Serveur WEB</a:t>
+            </a:r>
+          </a:p>
+        </p:txBody>
+      </p:sp>
+      <p:sp>
+        <p:nvSpPr>
           <p:cNvPr id="3" name="Espace réservé du contenu 2">
             <a:extLst>
               <a:ext uri="{FF2B5EF4-FFF2-40B4-BE49-F238E27FC236}">
-                <a16:creationId xmlns:a16="http://schemas.microsoft.com/office/drawing/2014/main" id="{5837093E-200E-45C2-A38D-202DB399C72A}"/>
+                <a16:creationId xmlns:a16="http://schemas.microsoft.com/office/drawing/2014/main" id="{D8B13C74-0011-4D4B-98AE-E79FD41F1CE1}"/>
               </a:ext>
             </a:extLst>
           </p:cNvPr>
@@ -13415,166 +14555,241 @@
         </p:nvSpPr>
         <p:spPr>
           <a:xfrm>
-            <a:off x="1066800" y="1300348"/>
-            <a:ext cx="10058400" cy="4652396"/>
+            <a:off x="1066800" y="1187532"/>
+            <a:ext cx="10058400" cy="4765212"/>
           </a:xfrm>
         </p:spPr>
         <p:txBody>
           <a:bodyPr>
-            <a:normAutofit/>
+            <a:normAutofit lnSpcReduction="10000"/>
           </a:bodyPr>
           <a:lstStyle/>
           <a:p>
+            <a:r>
+              <a:rPr lang="fr-FR" dirty="0"/>
+              <a:t>Serveur NGINX + App CGI : trop lourd pour ce qu’il y a faire, pas besoin du HTTPS</a:t>
+            </a:r>
+          </a:p>
+          <a:p>
+            <a:r>
+              <a:rPr lang="fr-FR" dirty="0"/>
+              <a:t>HTTP ou TCP</a:t>
+            </a:r>
+          </a:p>
+          <a:p>
+            <a:pPr lvl="1"/>
+            <a:r>
+              <a:rPr lang="fr-FR" dirty="0"/>
+              <a:t>TCP (</a:t>
+            </a:r>
+            <a:r>
+              <a:rPr lang="fr-FR" dirty="0" err="1"/>
+              <a:t>low</a:t>
+            </a:r>
+            <a:r>
+              <a:rPr lang="fr-FR" dirty="0"/>
+              <a:t> </a:t>
+            </a:r>
+            <a:r>
+              <a:rPr lang="fr-FR" dirty="0" err="1"/>
+              <a:t>level</a:t>
+            </a:r>
+            <a:r>
+              <a:rPr lang="fr-FR" dirty="0"/>
+              <a:t>) c’est plus pour une app temp réel : plus complexe coté serveur et client</a:t>
+            </a:r>
+          </a:p>
+          <a:p>
+            <a:pPr lvl="1"/>
+            <a:r>
+              <a:rPr lang="fr-FR" dirty="0"/>
+              <a:t>HTTP (high </a:t>
+            </a:r>
+            <a:r>
+              <a:rPr lang="fr-FR" dirty="0" err="1"/>
+              <a:t>level</a:t>
+            </a:r>
+            <a:r>
+              <a:rPr lang="fr-FR" dirty="0"/>
+              <a:t> surcouche du </a:t>
+            </a:r>
+            <a:r>
+              <a:rPr lang="fr-FR" dirty="0" err="1"/>
+              <a:t>tcp</a:t>
+            </a:r>
+            <a:r>
+              <a:rPr lang="fr-FR" dirty="0"/>
+              <a:t>) c’est pour un service sur requête : </a:t>
+            </a:r>
+          </a:p>
+          <a:p>
+            <a:pPr lvl="2"/>
+            <a:r>
+              <a:rPr lang="fr-FR" dirty="0"/>
+              <a:t>plus simple a mettre en place coté client et serveur</a:t>
+            </a:r>
+          </a:p>
+          <a:p>
+            <a:r>
+              <a:rPr lang="fr-FR" dirty="0"/>
+              <a:t>application autonome + Lib HTTP simple : </a:t>
+            </a:r>
+          </a:p>
+          <a:p>
+            <a:pPr lvl="1"/>
+            <a:r>
+              <a:rPr lang="fr-FR" dirty="0" err="1"/>
+              <a:t>Libuv</a:t>
+            </a:r>
+            <a:r>
+              <a:rPr lang="fr-FR" dirty="0"/>
+              <a:t> : </a:t>
+            </a:r>
+          </a:p>
+          <a:p>
+            <a:pPr lvl="2"/>
+            <a:r>
+              <a:rPr lang="fr-FR" dirty="0"/>
+              <a:t>forte communauté car fait pour </a:t>
+            </a:r>
+            <a:r>
+              <a:rPr lang="fr-FR" dirty="0" err="1"/>
+              <a:t>nodejs</a:t>
+            </a:r>
+            <a:endParaRPr lang="fr-FR" dirty="0"/>
+          </a:p>
+          <a:p>
+            <a:pPr lvl="2"/>
+            <a:r>
+              <a:rPr lang="fr-FR" dirty="0"/>
+              <a:t>fait en C donc </a:t>
+            </a:r>
+            <a:r>
+              <a:rPr lang="fr-FR" dirty="0" err="1"/>
+              <a:t>tres</a:t>
+            </a:r>
+            <a:r>
+              <a:rPr lang="fr-FR" dirty="0"/>
+              <a:t> rapide</a:t>
+            </a:r>
+          </a:p>
+          <a:p>
+            <a:pPr lvl="2"/>
+            <a:r>
+              <a:rPr lang="fr-FR" dirty="0"/>
+              <a:t>disponibilité de package sur </a:t>
+            </a:r>
+            <a:r>
+              <a:rPr lang="fr-FR" dirty="0" err="1"/>
+              <a:t>debian</a:t>
+            </a:r>
+            <a:endParaRPr lang="fr-FR" dirty="0"/>
+          </a:p>
+          <a:p>
+            <a:pPr lvl="1"/>
+            <a:r>
+              <a:rPr lang="fr-FR" dirty="0" err="1"/>
+              <a:t>Uv-cpp</a:t>
+            </a:r>
+            <a:r>
+              <a:rPr lang="fr-FR" dirty="0"/>
+              <a:t> : </a:t>
+            </a:r>
+            <a:r>
+              <a:rPr lang="fr-FR" dirty="0" err="1"/>
+              <a:t>Wrapper</a:t>
+            </a:r>
+            <a:r>
+              <a:rPr lang="fr-FR" dirty="0"/>
+              <a:t> </a:t>
+            </a:r>
+            <a:r>
+              <a:rPr lang="fr-FR" dirty="0" err="1"/>
+              <a:t>cpp</a:t>
+            </a:r>
+            <a:r>
+              <a:rPr lang="fr-FR" dirty="0"/>
+              <a:t> pour </a:t>
+            </a:r>
+            <a:r>
+              <a:rPr lang="fr-FR" dirty="0" err="1"/>
+              <a:t>libuv</a:t>
+            </a:r>
+            <a:endParaRPr lang="fr-FR" dirty="0"/>
+          </a:p>
+          <a:p>
+            <a:pPr lvl="2"/>
+            <a:r>
+              <a:rPr lang="fr-FR" dirty="0"/>
+              <a:t>Disponibilité </a:t>
+            </a:r>
+            <a:r>
+              <a:rPr lang="fr-FR" dirty="0" err="1"/>
+              <a:t>d’example</a:t>
+            </a:r>
+            <a:r>
+              <a:rPr lang="fr-FR" dirty="0"/>
+              <a:t> tout fait</a:t>
+            </a:r>
+          </a:p>
+          <a:p>
+            <a:pPr lvl="2"/>
+            <a:r>
+              <a:rPr lang="fr-FR" dirty="0"/>
+              <a:t>Fonctionnement moderne asynchrone (? Doit on mettre ces termes ou les expliquer)</a:t>
+            </a:r>
+          </a:p>
+          <a:p>
+            <a:pPr lvl="2"/>
+            <a:r>
+              <a:rPr lang="fr-FR" dirty="0"/>
+              <a:t>Fonction lambda pour les callback (? Doit on mettre ces termes ou les expliquer)</a:t>
+            </a:r>
+          </a:p>
+          <a:p>
+            <a:pPr lvl="1"/>
+            <a:r>
+              <a:rPr lang="fr-FR" dirty="0" err="1"/>
+              <a:t>Asio</a:t>
+            </a:r>
+            <a:r>
+              <a:rPr lang="fr-FR" dirty="0"/>
+              <a:t> : </a:t>
+            </a:r>
+          </a:p>
+          <a:p>
+            <a:pPr lvl="2"/>
+            <a:r>
+              <a:rPr lang="fr-FR" dirty="0"/>
+              <a:t>dépendant de boost</a:t>
+            </a:r>
+          </a:p>
+          <a:p>
+            <a:pPr lvl="2"/>
+            <a:r>
+              <a:rPr lang="fr-FR" dirty="0"/>
+              <a:t>Avantage : pas de lib</a:t>
+            </a:r>
+          </a:p>
+          <a:p>
+            <a:pPr lvl="2"/>
+            <a:r>
+              <a:rPr lang="fr-FR" dirty="0"/>
+              <a:t>Con : utilisation abusive des </a:t>
+            </a:r>
+            <a:r>
+              <a:rPr lang="fr-FR" dirty="0" err="1"/>
+              <a:t>templates</a:t>
+            </a:r>
+            <a:r>
+              <a:rPr lang="fr-FR" dirty="0"/>
+              <a:t>, temps de compilation rallongé, usine a gaz. (? Doit on mettre ces termes ou les expliquer, pas très objectif)</a:t>
+            </a:r>
+          </a:p>
+          <a:p>
             <a:pPr lvl="2"/>
             <a:endParaRPr lang="fr-FR" dirty="0"/>
           </a:p>
-          <a:p>
-            <a:pPr marL="777240" lvl="2" indent="-228600">
-              <a:buFont typeface="+mj-lt"/>
-              <a:buAutoNum type="arabicPeriod"/>
-            </a:pPr>
-            <a:r>
-              <a:rPr lang="fr-FR" dirty="0"/>
-              <a:t>Création d’un projet cross platform UNIX/WINDOWS</a:t>
-            </a:r>
-          </a:p>
-          <a:p>
-            <a:pPr marL="777240" lvl="2" indent="-228600">
-              <a:buFont typeface="+mj-lt"/>
-              <a:buAutoNum type="arabicPeriod"/>
-            </a:pPr>
-            <a:r>
-              <a:rPr lang="fr-FR" dirty="0"/>
-              <a:t>Tester le déploiement coté </a:t>
-            </a:r>
-            <a:r>
-              <a:rPr lang="fr-FR" dirty="0" err="1"/>
-              <a:t>Window</a:t>
-            </a:r>
-            <a:r>
-              <a:rPr lang="fr-FR" dirty="0"/>
-              <a:t> et Linux pour valider la viabilité projet</a:t>
-            </a:r>
-          </a:p>
-          <a:p>
-            <a:pPr marL="777240" lvl="2" indent="-228600">
-              <a:buFont typeface="+mj-lt"/>
-              <a:buAutoNum type="arabicPeriod"/>
-            </a:pPr>
-            <a:r>
-              <a:rPr lang="fr-FR" dirty="0"/>
-              <a:t>Sur Windows :</a:t>
-            </a:r>
-          </a:p>
-          <a:p>
-            <a:pPr marL="822960" lvl="3" indent="0">
-              <a:buNone/>
-            </a:pPr>
-            <a:r>
-              <a:rPr lang="fr-FR" dirty="0"/>
-              <a:t>3.1 Mettre en place les diffèrent modules </a:t>
-            </a:r>
-          </a:p>
-          <a:p>
-            <a:pPr marL="822960" lvl="3" indent="0">
-              <a:buNone/>
-            </a:pPr>
-            <a:r>
-              <a:rPr lang="fr-FR" dirty="0"/>
-              <a:t>3.2 Créer la logique d’interconnexion des différents modules</a:t>
-            </a:r>
-          </a:p>
-          <a:p>
-            <a:pPr marL="822960" lvl="3" indent="0">
-              <a:buNone/>
-            </a:pPr>
-            <a:r>
-              <a:rPr lang="fr-FR" dirty="0"/>
-              <a:t>3.3 Mettre au point les modules possible (le capteur n’est pas dispo sur Windows) avec navigateurs externe en IP locale</a:t>
-            </a:r>
-          </a:p>
-          <a:p>
-            <a:pPr marL="822960" lvl="3" indent="0">
-              <a:buNone/>
-            </a:pPr>
-            <a:r>
-              <a:rPr lang="fr-FR" dirty="0"/>
-              <a:t>3.4 Identifier les cas possible de mise en échec.</a:t>
-            </a:r>
-          </a:p>
-          <a:p>
-            <a:pPr marL="822960" lvl="3" indent="0">
-              <a:buNone/>
-            </a:pPr>
-            <a:r>
-              <a:rPr lang="fr-FR" dirty="0"/>
-              <a:t>3.5 Mettre en place les système de récupération/traitement d’erreurs</a:t>
-            </a:r>
-          </a:p>
-          <a:p>
-            <a:pPr marL="822960" lvl="3" indent="0">
-              <a:buNone/>
-            </a:pPr>
-            <a:r>
-              <a:rPr lang="fr-FR" dirty="0"/>
-              <a:t>3.6 Profilage / analyse des fuites mémoire</a:t>
-            </a:r>
-          </a:p>
-          <a:p>
-            <a:pPr marL="548640" lvl="2" indent="0">
-              <a:buNone/>
-            </a:pPr>
-            <a:r>
-              <a:rPr lang="fr-FR" dirty="0"/>
-              <a:t>4. Sur Linux :</a:t>
-            </a:r>
-          </a:p>
-          <a:p>
-            <a:pPr marL="822960" lvl="3" indent="0">
-              <a:buNone/>
-            </a:pPr>
-            <a:r>
-              <a:rPr lang="fr-FR" dirty="0"/>
-              <a:t>4.1 Mettre au point le module du capteur</a:t>
-            </a:r>
-          </a:p>
-          <a:p>
-            <a:pPr marL="822960" lvl="3" indent="0">
-              <a:buNone/>
-            </a:pPr>
-            <a:r>
-              <a:rPr lang="fr-FR" dirty="0"/>
-              <a:t>4.2 Tester l’accès au données depuis l’extérieur du Raspberry pi</a:t>
-            </a:r>
-          </a:p>
-          <a:p>
-            <a:pPr marL="822960" lvl="3" indent="0">
-              <a:buNone/>
-            </a:pPr>
-            <a:r>
-              <a:rPr lang="fr-FR" dirty="0"/>
-              <a:t>4.3 Tester l’utilisation du serveur via la ligne de commande</a:t>
-            </a:r>
-          </a:p>
-          <a:p>
-            <a:pPr marL="822960" lvl="3" indent="0">
-              <a:buNone/>
-            </a:pPr>
-            <a:r>
-              <a:rPr lang="fr-FR" dirty="0"/>
-              <a:t>4.4 Installer le serveur en tant que service</a:t>
-            </a:r>
-          </a:p>
-          <a:p>
-            <a:pPr lvl="3"/>
-            <a:endParaRPr lang="fr-FR" dirty="0"/>
-          </a:p>
-          <a:p>
-            <a:pPr marL="0" indent="0">
-              <a:buNone/>
-            </a:pPr>
-            <a:endParaRPr lang="fr-FR" dirty="0"/>
-          </a:p>
         </p:txBody>
       </p:sp>
       <p:sp>
@@ -13582,7 +14797,7 @@
           <p:cNvPr id="4" name="Espace réservé de la date 3">
             <a:extLst>
               <a:ext uri="{FF2B5EF4-FFF2-40B4-BE49-F238E27FC236}">
-                <a16:creationId xmlns:a16="http://schemas.microsoft.com/office/drawing/2014/main" id="{60BDC591-8D09-4D49-88A2-408CD1604F69}"/>
+                <a16:creationId xmlns:a16="http://schemas.microsoft.com/office/drawing/2014/main" id="{58AACB8E-9EE2-4177-AA39-C3CB77AEE466}"/>
               </a:ext>
             </a:extLst>
           </p:cNvPr>
@@ -13607,45 +14822,10 @@
           </a:p>
         </p:txBody>
       </p:sp>
-      <p:sp>
-        <p:nvSpPr>
-          <p:cNvPr id="2" name="Titre 1">
-            <a:extLst>
-              <a:ext uri="{FF2B5EF4-FFF2-40B4-BE49-F238E27FC236}">
-                <a16:creationId xmlns:a16="http://schemas.microsoft.com/office/drawing/2014/main" id="{EA53D9FC-3044-40B7-A8EB-EAB80F26D6FE}"/>
-              </a:ext>
-            </a:extLst>
-          </p:cNvPr>
-          <p:cNvSpPr>
-            <a:spLocks noGrp="1"/>
-          </p:cNvSpPr>
-          <p:nvPr>
-            <p:ph type="title"/>
-          </p:nvPr>
-        </p:nvSpPr>
-        <p:spPr>
-          <a:xfrm>
-            <a:off x="1066800" y="642594"/>
-            <a:ext cx="10058400" cy="556814"/>
-          </a:xfrm>
-        </p:spPr>
-        <p:txBody>
-          <a:bodyPr>
-            <a:normAutofit fontScale="90000"/>
-          </a:bodyPr>
-          <a:lstStyle/>
-          <a:p>
-            <a:r>
-              <a:rPr lang="fr-FR" dirty="0"/>
-              <a:t>Conception du Serveur : les grande étapes</a:t>
-            </a:r>
-          </a:p>
-        </p:txBody>
-      </p:sp>
     </p:spTree>
     <p:extLst>
       <p:ext uri="{BB962C8B-B14F-4D97-AF65-F5344CB8AC3E}">
-        <p14:creationId xmlns:p14="http://schemas.microsoft.com/office/powerpoint/2010/main" val="2555099777"/>
+        <p14:creationId xmlns:p14="http://schemas.microsoft.com/office/powerpoint/2010/main" val="1188826733"/>
       </p:ext>
     </p:extLst>
   </p:cSld>
@@ -13677,7 +14857,7 @@
           <p:cNvPr id="2" name="Titre 1">
             <a:extLst>
               <a:ext uri="{FF2B5EF4-FFF2-40B4-BE49-F238E27FC236}">
-                <a16:creationId xmlns:a16="http://schemas.microsoft.com/office/drawing/2014/main" id="{EA53D9FC-3044-40B7-A8EB-EAB80F26D6FE}"/>
+                <a16:creationId xmlns:a16="http://schemas.microsoft.com/office/drawing/2014/main" id="{CB54FB35-62CD-4DC9-A01D-686743CE13DF}"/>
               </a:ext>
             </a:extLst>
           </p:cNvPr>
@@ -13691,18 +14871,18 @@
         <p:spPr>
           <a:xfrm>
             <a:off x="1066800" y="642594"/>
-            <a:ext cx="10058400" cy="556814"/>
+            <a:ext cx="10058400" cy="544938"/>
           </a:xfrm>
         </p:spPr>
         <p:txBody>
           <a:bodyPr>
-            <a:normAutofit/>
+            <a:normAutofit fontScale="90000"/>
           </a:bodyPr>
           <a:lstStyle/>
           <a:p>
             <a:r>
-              <a:rPr lang="fr-FR" sz="2800" dirty="0"/>
-              <a:t>Création d’un projet cross platform UNIX/WINDOWS</a:t>
+              <a:rPr lang="fr-FR" dirty="0"/>
+              <a:t>Format de donnée d’échanges</a:t>
             </a:r>
           </a:p>
         </p:txBody>
@@ -13712,7 +14892,7 @@
           <p:cNvPr id="3" name="Espace réservé du contenu 2">
             <a:extLst>
               <a:ext uri="{FF2B5EF4-FFF2-40B4-BE49-F238E27FC236}">
-                <a16:creationId xmlns:a16="http://schemas.microsoft.com/office/drawing/2014/main" id="{5837093E-200E-45C2-A38D-202DB399C72A}"/>
+                <a16:creationId xmlns:a16="http://schemas.microsoft.com/office/drawing/2014/main" id="{D8B13C74-0011-4D4B-98AE-E79FD41F1CE1}"/>
               </a:ext>
             </a:extLst>
           </p:cNvPr>
@@ -13725,295 +14905,144 @@
         </p:nvSpPr>
         <p:spPr>
           <a:xfrm>
-            <a:off x="1066800" y="1199408"/>
-            <a:ext cx="10058400" cy="5100452"/>
+            <a:off x="1066800" y="1187532"/>
+            <a:ext cx="10058400" cy="4765212"/>
           </a:xfrm>
         </p:spPr>
         <p:txBody>
           <a:bodyPr>
-            <a:normAutofit fontScale="92500" lnSpcReduction="10000"/>
+            <a:normAutofit lnSpcReduction="10000"/>
           </a:bodyPr>
           <a:lstStyle/>
           <a:p>
-            <a:pPr marL="0" indent="0">
-              <a:buNone/>
-            </a:pPr>
-            <a:r>
-              <a:rPr lang="fr-FR" dirty="0"/>
-              <a:t>Utilisation du générateur de projet </a:t>
+            <a:r>
+              <a:rPr lang="fr-FR" dirty="0"/>
+              <a:t>Qt sait lire facilement du xml et du JSON</a:t>
+            </a:r>
+          </a:p>
+          <a:p>
+            <a:r>
+              <a:rPr lang="fr-FR" dirty="0"/>
+              <a:t>XML :</a:t>
+            </a:r>
+          </a:p>
+          <a:p>
+            <a:pPr lvl="1"/>
+            <a:r>
+              <a:rPr lang="fr-FR" dirty="0"/>
+              <a:t>orienté document</a:t>
+            </a:r>
+          </a:p>
+          <a:p>
+            <a:pPr lvl="1"/>
+            <a:r>
+              <a:rPr lang="fr-FR" dirty="0"/>
+              <a:t>Plus Compliqué a </a:t>
             </a:r>
             <a:r>
               <a:rPr lang="fr-FR" dirty="0" err="1"/>
-              <a:t>Cmake</a:t>
-            </a:r>
-            <a:r>
-              <a:rPr lang="fr-FR" dirty="0"/>
-              <a:t>.</a:t>
+              <a:t>génèrer</a:t>
+            </a:r>
+            <a:r>
+              <a:rPr lang="fr-FR" dirty="0"/>
+              <a:t> et a analyser</a:t>
             </a:r>
           </a:p>
           <a:p>
             <a:pPr lvl="1"/>
             <a:r>
               <a:rPr lang="fr-FR" dirty="0"/>
-              <a:t>Utilisation d’un fichier de configuration qui décrit les composant du projet</a:t>
+              <a:t>Trop verbeux =&gt; plus de mémoire</a:t>
             </a:r>
           </a:p>
           <a:p>
             <a:pPr lvl="1"/>
             <a:r>
               <a:rPr lang="fr-FR" dirty="0"/>
-              <a:t>Puis génération avec des fichier projet selon le system visé </a:t>
+              <a:t>Format ASCII / Texte</a:t>
+            </a:r>
+          </a:p>
+          <a:p>
+            <a:r>
+              <a:rPr lang="fr-FR" dirty="0"/>
+              <a:t>JSON : </a:t>
+            </a:r>
+          </a:p>
+          <a:p>
+            <a:pPr lvl="1"/>
+            <a:r>
+              <a:rPr lang="fr-FR" dirty="0"/>
+              <a:t>Orienté données </a:t>
+            </a:r>
+          </a:p>
+          <a:p>
+            <a:pPr lvl="1"/>
+            <a:r>
+              <a:rPr lang="fr-FR" dirty="0"/>
+              <a:t>Plus facile a générer et a analyser</a:t>
+            </a:r>
+          </a:p>
+          <a:p>
+            <a:pPr lvl="1"/>
+            <a:r>
+              <a:rPr lang="fr-FR" dirty="0"/>
+              <a:t>Format ASCII / Texte</a:t>
+            </a:r>
+          </a:p>
+          <a:p>
+            <a:pPr lvl="1"/>
+            <a:r>
+              <a:rPr lang="fr-FR" dirty="0"/>
+              <a:t>Très peu verbeux, laisse plus la place aux donnée que XML : </a:t>
             </a:r>
           </a:p>
           <a:p>
             <a:pPr lvl="2"/>
             <a:r>
               <a:rPr lang="fr-FR" dirty="0"/>
-              <a:t>Ici : Projet VC++ sur Windows ou </a:t>
-            </a:r>
-            <a:r>
-              <a:rPr lang="fr-FR" dirty="0" err="1"/>
-              <a:t>Makefile</a:t>
-            </a:r>
-            <a:r>
-              <a:rPr lang="fr-FR" dirty="0"/>
-              <a:t> pour Unix</a:t>
+              <a:t>Beaucoup moins de mémoire pour plus de données</a:t>
+            </a:r>
+          </a:p>
+          <a:p>
+            <a:r>
+              <a:rPr lang="fr-FR" dirty="0"/>
+              <a:t>BSON :</a:t>
             </a:r>
           </a:p>
           <a:p>
             <a:pPr lvl="1"/>
-            <a:endParaRPr lang="fr-FR" dirty="0"/>
+            <a:r>
+              <a:rPr lang="fr-FR" dirty="0"/>
+              <a:t>JSON formaté binaire</a:t>
+            </a:r>
           </a:p>
           <a:p>
             <a:pPr lvl="1"/>
             <a:r>
               <a:rPr lang="fr-FR" dirty="0"/>
-              <a:t>Ajout dans le projet de tierces parties :</a:t>
+              <a:t>Ratio « donnée/empreinte mémoire » maximum</a:t>
             </a:r>
           </a:p>
           <a:p>
             <a:pPr lvl="2"/>
             <a:r>
               <a:rPr lang="fr-FR" dirty="0"/>
-              <a:t>Du code source du Driver BME 280</a:t>
+              <a:t>Con : Qt ne sait pas le lire en natif</a:t>
             </a:r>
           </a:p>
           <a:p>
             <a:pPr lvl="2"/>
             <a:r>
               <a:rPr lang="fr-FR" dirty="0"/>
-              <a:t>Du code source de </a:t>
-            </a:r>
-            <a:r>
-              <a:rPr lang="fr-FR" dirty="0" err="1"/>
-              <a:t>BuildInc</a:t>
-            </a:r>
-            <a:r>
-              <a:rPr lang="fr-FR" dirty="0"/>
-              <a:t> : petit utilitaire perso qui permet d’</a:t>
-            </a:r>
-            <a:r>
-              <a:rPr lang="fr-FR" dirty="0" err="1"/>
-              <a:t>incrementer</a:t>
-            </a:r>
-            <a:r>
-              <a:rPr lang="fr-FR" dirty="0"/>
-              <a:t> un numéro de </a:t>
-            </a:r>
-            <a:r>
-              <a:rPr lang="fr-FR" dirty="0" err="1"/>
-              <a:t>build</a:t>
-            </a:r>
-            <a:r>
-              <a:rPr lang="fr-FR" dirty="0"/>
-              <a:t> a chaque </a:t>
-            </a:r>
-            <a:r>
-              <a:rPr lang="fr-FR" dirty="0" err="1"/>
-              <a:t>build</a:t>
-            </a:r>
-            <a:endParaRPr lang="fr-FR" dirty="0"/>
+              <a:t>Pas vraiment utile vu la quantité de donnée a échanger par le réseau dans notre cas</a:t>
+            </a:r>
           </a:p>
           <a:p>
             <a:pPr lvl="2"/>
             <a:r>
               <a:rPr lang="fr-FR" dirty="0"/>
-              <a:t>Du code source de </a:t>
-            </a:r>
-            <a:r>
-              <a:rPr lang="fr-FR" dirty="0" err="1"/>
-              <a:t>libuv</a:t>
-            </a:r>
-            <a:r>
-              <a:rPr lang="fr-FR" dirty="0"/>
-              <a:t> : la libraire de communication réseau</a:t>
-            </a:r>
-          </a:p>
-          <a:p>
-            <a:pPr lvl="2"/>
-            <a:r>
-              <a:rPr lang="fr-FR" dirty="0"/>
-              <a:t>Du code source de SQlite3 : </a:t>
-            </a:r>
-            <a:r>
-              <a:rPr lang="fr-FR" dirty="0" err="1"/>
-              <a:t>piltoe</a:t>
-            </a:r>
-            <a:r>
-              <a:rPr lang="fr-FR" dirty="0"/>
-              <a:t> de base de </a:t>
-            </a:r>
-            <a:r>
-              <a:rPr lang="fr-FR" dirty="0" err="1"/>
-              <a:t>donéne</a:t>
-            </a:r>
-            <a:r>
-              <a:rPr lang="fr-FR" dirty="0"/>
-              <a:t> embarquée</a:t>
-            </a:r>
-          </a:p>
-          <a:p>
-            <a:pPr lvl="2"/>
-            <a:r>
-              <a:rPr lang="fr-FR" dirty="0"/>
-              <a:t>Du code source de </a:t>
-            </a:r>
-            <a:r>
-              <a:rPr lang="fr-FR" dirty="0" err="1"/>
-              <a:t>uv_cpp</a:t>
-            </a:r>
-            <a:r>
-              <a:rPr lang="fr-FR" dirty="0"/>
-              <a:t> : le </a:t>
-            </a:r>
-            <a:r>
-              <a:rPr lang="fr-FR" dirty="0" err="1"/>
-              <a:t>wrapper</a:t>
-            </a:r>
-            <a:r>
-              <a:rPr lang="fr-FR" dirty="0"/>
-              <a:t> </a:t>
-            </a:r>
-            <a:r>
-              <a:rPr lang="fr-FR" dirty="0" err="1"/>
-              <a:t>cpp</a:t>
-            </a:r>
-            <a:r>
-              <a:rPr lang="fr-FR" dirty="0"/>
-              <a:t> pour </a:t>
-            </a:r>
-            <a:r>
-              <a:rPr lang="fr-FR" dirty="0" err="1"/>
-              <a:t>libuv</a:t>
-            </a:r>
-            <a:endParaRPr lang="fr-FR" dirty="0"/>
-          </a:p>
-          <a:p>
-            <a:pPr lvl="1"/>
-            <a:r>
-              <a:rPr lang="fr-FR" dirty="0"/>
-              <a:t>Ajout dans le projet du code utile reparti en module :</a:t>
-            </a:r>
-          </a:p>
-          <a:p>
-            <a:pPr lvl="2"/>
-            <a:r>
-              <a:rPr lang="fr-FR" dirty="0"/>
-              <a:t>Un module pour gérer le serveur HTTP : réception / traitement / envoi de requête HTTP</a:t>
-            </a:r>
-          </a:p>
-          <a:p>
-            <a:pPr lvl="2"/>
-            <a:r>
-              <a:rPr lang="fr-FR" dirty="0"/>
-              <a:t>Un module pour gérer le capteur : mesure du capteur et envoi des données mesurées</a:t>
-            </a:r>
-          </a:p>
-          <a:p>
-            <a:pPr lvl="2"/>
-            <a:r>
-              <a:rPr lang="fr-FR" dirty="0"/>
-              <a:t>Un module pour gérer la base de donnée : ajout de donnée / extraction sous forme JSON</a:t>
-            </a:r>
-          </a:p>
-          <a:p>
-            <a:pPr lvl="2"/>
-            <a:r>
-              <a:rPr lang="fr-FR" dirty="0"/>
-              <a:t>Un module pour piloter la mesure et l’inscription dans la base de donnée suivant un </a:t>
-            </a:r>
-            <a:r>
-              <a:rPr lang="fr-FR" dirty="0" err="1"/>
-              <a:t>timer</a:t>
-            </a:r>
-            <a:r>
-              <a:rPr lang="fr-FR" dirty="0"/>
-              <a:t>. Ici toute les heures</a:t>
-            </a:r>
-          </a:p>
-          <a:p>
-            <a:pPr lvl="2"/>
-            <a:r>
-              <a:rPr lang="fr-FR" dirty="0"/>
-              <a:t>Un module pour extraire les infos du serveur : </a:t>
-            </a:r>
-          </a:p>
-          <a:p>
-            <a:pPr lvl="3"/>
-            <a:r>
-              <a:rPr lang="fr-FR" dirty="0"/>
-              <a:t>Infos de l’os : version, </a:t>
-            </a:r>
-            <a:r>
-              <a:rPr lang="fr-FR" dirty="0" err="1"/>
-              <a:t>cpu</a:t>
-            </a:r>
-            <a:endParaRPr lang="fr-FR" dirty="0"/>
-          </a:p>
-          <a:p>
-            <a:pPr lvl="3"/>
-            <a:r>
-              <a:rPr lang="fr-FR" dirty="0"/>
-              <a:t>Infos sur la bd : nombre d’enregistrements, version de la bd, chemin de la bd</a:t>
-            </a:r>
-          </a:p>
-          <a:p>
-            <a:pPr lvl="3"/>
-            <a:r>
-              <a:rPr lang="fr-FR" dirty="0"/>
-              <a:t>Infos sur le serveur : version, ligne de commande utilisé</a:t>
-            </a:r>
-          </a:p>
-          <a:p>
-            <a:pPr lvl="2"/>
-            <a:r>
-              <a:rPr lang="fr-FR" dirty="0"/>
-              <a:t>Ajout du point d’entrée du projet :</a:t>
-            </a:r>
-          </a:p>
-          <a:p>
-            <a:pPr lvl="3"/>
-            <a:r>
-              <a:rPr lang="fr-FR" dirty="0"/>
-              <a:t>Ajout d’une interface de ligne de commande configurable dans la logique des commande UNIX</a:t>
-            </a:r>
-          </a:p>
-          <a:p>
-            <a:pPr lvl="3"/>
-            <a:r>
-              <a:rPr lang="fr-FR" dirty="0"/>
-              <a:t>Ajout du flux logique principal</a:t>
-            </a:r>
-          </a:p>
-          <a:p>
-            <a:pPr lvl="3"/>
-            <a:endParaRPr lang="fr-FR" dirty="0"/>
-          </a:p>
-          <a:p>
-            <a:pPr marL="0" indent="0">
-              <a:buNone/>
-            </a:pPr>
-            <a:endParaRPr lang="fr-FR" dirty="0"/>
+              <a:t>Peu être une voie d’amélioration future</a:t>
+            </a:r>
           </a:p>
         </p:txBody>
       </p:sp>
@@ -14022,7 +15051,7 @@
           <p:cNvPr id="4" name="Espace réservé de la date 3">
             <a:extLst>
               <a:ext uri="{FF2B5EF4-FFF2-40B4-BE49-F238E27FC236}">
-                <a16:creationId xmlns:a16="http://schemas.microsoft.com/office/drawing/2014/main" id="{60BDC591-8D09-4D49-88A2-408CD1604F69}"/>
+                <a16:creationId xmlns:a16="http://schemas.microsoft.com/office/drawing/2014/main" id="{58AACB8E-9EE2-4177-AA39-C3CB77AEE466}"/>
               </a:ext>
             </a:extLst>
           </p:cNvPr>
@@ -14043,14 +15072,14 @@
               <a:rPr lang="fr-FR" smtClean="0"/>
               <a:t>22/06/2021</a:t>
             </a:fld>
-            <a:endParaRPr lang="en-US" dirty="0"/>
+            <a:endParaRPr lang="en-US"/>
           </a:p>
         </p:txBody>
       </p:sp>
     </p:spTree>
     <p:extLst>
       <p:ext uri="{BB962C8B-B14F-4D97-AF65-F5344CB8AC3E}">
-        <p14:creationId xmlns:p14="http://schemas.microsoft.com/office/powerpoint/2010/main" val="2179627063"/>
+        <p14:creationId xmlns:p14="http://schemas.microsoft.com/office/powerpoint/2010/main" val="1311477196"/>
       </p:ext>
     </p:extLst>
   </p:cSld>
@@ -14082,7 +15111,7 @@
           <p:cNvPr id="2" name="Titre 1">
             <a:extLst>
               <a:ext uri="{FF2B5EF4-FFF2-40B4-BE49-F238E27FC236}">
-                <a16:creationId xmlns:a16="http://schemas.microsoft.com/office/drawing/2014/main" id="{7E66DA7D-18FF-43FA-9114-735D5287AF90}"/>
+                <a16:creationId xmlns:a16="http://schemas.microsoft.com/office/drawing/2014/main" id="{CB54FB35-62CD-4DC9-A01D-686743CE13DF}"/>
               </a:ext>
             </a:extLst>
           </p:cNvPr>
@@ -14093,12 +15122,22 @@
             <p:ph type="title"/>
           </p:nvPr>
         </p:nvSpPr>
-        <p:spPr/>
-        <p:txBody>
-          <a:bodyPr/>
+        <p:spPr>
+          <a:xfrm>
+            <a:off x="1066800" y="642594"/>
+            <a:ext cx="10058400" cy="544938"/>
+          </a:xfrm>
+        </p:spPr>
+        <p:txBody>
+          <a:bodyPr>
+            <a:normAutofit fontScale="90000"/>
+          </a:bodyPr>
           <a:lstStyle/>
           <a:p>
-            <a:endParaRPr lang="fr-FR"/>
+            <a:r>
+              <a:rPr lang="fr-FR" dirty="0"/>
+              <a:t>App client</a:t>
+            </a:r>
           </a:p>
         </p:txBody>
       </p:sp>
@@ -14107,7 +15146,7 @@
           <p:cNvPr id="3" name="Espace réservé du contenu 2">
             <a:extLst>
               <a:ext uri="{FF2B5EF4-FFF2-40B4-BE49-F238E27FC236}">
-                <a16:creationId xmlns:a16="http://schemas.microsoft.com/office/drawing/2014/main" id="{6723A642-3FB2-484D-AF95-A8E825D7B1AB}"/>
+                <a16:creationId xmlns:a16="http://schemas.microsoft.com/office/drawing/2014/main" id="{D8B13C74-0011-4D4B-98AE-E79FD41F1CE1}"/>
               </a:ext>
             </a:extLst>
           </p:cNvPr>
@@ -14118,12 +15157,197 @@
             <p:ph idx="1"/>
           </p:nvPr>
         </p:nvSpPr>
-        <p:spPr/>
-        <p:txBody>
-          <a:bodyPr/>
+        <p:spPr>
+          <a:xfrm>
+            <a:off x="1066800" y="1187532"/>
+            <a:ext cx="10058400" cy="4765212"/>
+          </a:xfrm>
+        </p:spPr>
+        <p:txBody>
+          <a:bodyPr>
+            <a:normAutofit/>
+          </a:bodyPr>
           <a:lstStyle/>
           <a:p>
-            <a:endParaRPr lang="fr-FR"/>
+            <a:r>
+              <a:rPr lang="fr-FR" dirty="0"/>
+              <a:t>Envoi/Réception requête a un serveur web :</a:t>
+            </a:r>
+          </a:p>
+          <a:p>
+            <a:pPr lvl="1"/>
+            <a:r>
+              <a:rPr lang="fr-FR" dirty="0"/>
+              <a:t>Module QT Network : supporte la communication synchrone / asynchrone</a:t>
+            </a:r>
+          </a:p>
+          <a:p>
+            <a:r>
+              <a:rPr lang="fr-FR" dirty="0"/>
+              <a:t>Support de diffèrent langage français / anglais</a:t>
+            </a:r>
+          </a:p>
+          <a:p>
+            <a:pPr lvl="1"/>
+            <a:r>
+              <a:rPr lang="fr-FR" dirty="0"/>
+              <a:t>Module QT Translator : support facile via </a:t>
+            </a:r>
+            <a:r>
+              <a:rPr lang="fr-FR" dirty="0" err="1"/>
+              <a:t>QtLinguist</a:t>
+            </a:r>
+            <a:r>
+              <a:rPr lang="fr-FR" dirty="0"/>
+              <a:t> (logiciel pour gérer les traductions), très facile a mettre en place</a:t>
+            </a:r>
+          </a:p>
+          <a:p>
+            <a:r>
+              <a:rPr lang="fr-FR" dirty="0"/>
+              <a:t>Affichage de graphique :</a:t>
+            </a:r>
+          </a:p>
+          <a:p>
+            <a:pPr lvl="1"/>
+            <a:r>
+              <a:rPr lang="fr-FR" dirty="0"/>
+              <a:t>QT charts : plein de possibilité mais ne supporte pas tout les styles et après plusieurs test ne semble pas près a tout faire, ex, ne sait pas afficher de gradient, difficulté de placer les labels ou on veut</a:t>
+            </a:r>
+          </a:p>
+          <a:p>
+            <a:pPr lvl="1"/>
+            <a:r>
+              <a:rPr lang="fr-FR" dirty="0"/>
+              <a:t>Création d’un composant perso avec </a:t>
+            </a:r>
+            <a:r>
+              <a:rPr lang="fr-FR" dirty="0" err="1"/>
+              <a:t>QPainter</a:t>
+            </a:r>
+            <a:r>
+              <a:rPr lang="fr-FR" dirty="0"/>
+              <a:t> : avantage on pourra faire ce qu’on veut, peut être difficile a mettre en œuvre</a:t>
+            </a:r>
+          </a:p>
+          <a:p>
+            <a:pPr lvl="1"/>
+            <a:r>
+              <a:rPr lang="fr-FR" dirty="0"/>
+              <a:t>Autre lib a usage plus scientifique QWT : semble capable de tout faire, mais moins joli visuellement</a:t>
+            </a:r>
+          </a:p>
+          <a:p>
+            <a:pPr lvl="1"/>
+            <a:r>
+              <a:rPr lang="fr-FR" dirty="0"/>
+              <a:t>Via un </a:t>
+            </a:r>
+            <a:r>
+              <a:rPr lang="fr-FR" dirty="0" err="1"/>
+              <a:t>Shader</a:t>
+            </a:r>
+            <a:r>
+              <a:rPr lang="fr-FR" dirty="0"/>
+              <a:t>, </a:t>
+            </a:r>
+            <a:r>
+              <a:rPr lang="fr-FR" dirty="0" err="1"/>
+              <a:t>qvec</a:t>
+            </a:r>
+            <a:r>
+              <a:rPr lang="fr-FR" dirty="0"/>
+              <a:t> un </a:t>
+            </a:r>
+            <a:r>
+              <a:rPr lang="fr-FR" dirty="0" err="1"/>
+              <a:t>QOpenglWIdget</a:t>
+            </a:r>
+            <a:r>
+              <a:rPr lang="fr-FR" dirty="0"/>
+              <a:t> : </a:t>
+            </a:r>
+            <a:r>
+              <a:rPr lang="fr-FR" dirty="0" err="1"/>
+              <a:t>nécéssite</a:t>
+            </a:r>
+            <a:r>
+              <a:rPr lang="fr-FR" dirty="0"/>
+              <a:t> un </a:t>
+            </a:r>
+            <a:r>
+              <a:rPr lang="fr-FR" dirty="0" err="1"/>
+              <a:t>gpu</a:t>
+            </a:r>
+            <a:r>
+              <a:rPr lang="fr-FR" dirty="0"/>
+              <a:t> donc une carte 3d avec </a:t>
+            </a:r>
+            <a:r>
+              <a:rPr lang="fr-FR" dirty="0" err="1"/>
+              <a:t>opengl</a:t>
+            </a:r>
+            <a:r>
+              <a:rPr lang="fr-FR" dirty="0"/>
+              <a:t>, supporte les animations poussées temps réel, mais pas de </a:t>
+            </a:r>
+            <a:r>
+              <a:rPr lang="fr-FR" dirty="0" err="1"/>
+              <a:t>débug</a:t>
+            </a:r>
+            <a:r>
+              <a:rPr lang="fr-FR" dirty="0"/>
+              <a:t> pour l’écriture du </a:t>
+            </a:r>
+            <a:r>
+              <a:rPr lang="fr-FR" dirty="0" err="1"/>
+              <a:t>shader</a:t>
+            </a:r>
+            <a:r>
+              <a:rPr lang="fr-FR" dirty="0"/>
+              <a:t> et peut être difficile a mettre en place</a:t>
+            </a:r>
+          </a:p>
+          <a:p>
+            <a:r>
+              <a:rPr lang="fr-FR" dirty="0"/>
+              <a:t>Support des style visuel jour / nuit</a:t>
+            </a:r>
+          </a:p>
+          <a:p>
+            <a:pPr lvl="1"/>
+            <a:r>
+              <a:rPr lang="fr-FR" dirty="0"/>
+              <a:t>QT Style </a:t>
+            </a:r>
+            <a:r>
+              <a:rPr lang="fr-FR" dirty="0" err="1"/>
+              <a:t>sheet</a:t>
+            </a:r>
+            <a:r>
+              <a:rPr lang="fr-FR" dirty="0"/>
+              <a:t> : affecte tout l’application avec une syntaxe similaire au CSS</a:t>
+            </a:r>
+          </a:p>
+          <a:p>
+            <a:pPr lvl="1"/>
+            <a:r>
+              <a:rPr lang="fr-FR" dirty="0"/>
+              <a:t>QT Palette : peut donner une couleur a chaque widget</a:t>
+            </a:r>
+          </a:p>
+          <a:p>
+            <a:r>
+              <a:rPr lang="fr-FR" dirty="0"/>
+              <a:t>Création d’une interface graphique :</a:t>
+            </a:r>
+          </a:p>
+          <a:p>
+            <a:pPr lvl="1"/>
+            <a:r>
+              <a:rPr lang="fr-FR" dirty="0"/>
+              <a:t>Qt avec son designer de composant graphique intégré</a:t>
+            </a:r>
           </a:p>
         </p:txBody>
       </p:sp>
@@ -14132,7 +15356,7 @@
           <p:cNvPr id="4" name="Espace réservé de la date 3">
             <a:extLst>
               <a:ext uri="{FF2B5EF4-FFF2-40B4-BE49-F238E27FC236}">
-                <a16:creationId xmlns:a16="http://schemas.microsoft.com/office/drawing/2014/main" id="{C69CF264-999B-4AE6-86E6-38F9278562E7}"/>
+                <a16:creationId xmlns:a16="http://schemas.microsoft.com/office/drawing/2014/main" id="{58AACB8E-9EE2-4177-AA39-C3CB77AEE466}"/>
               </a:ext>
             </a:extLst>
           </p:cNvPr>
@@ -14160,7 +15384,7 @@
     </p:spTree>
     <p:extLst>
       <p:ext uri="{BB962C8B-B14F-4D97-AF65-F5344CB8AC3E}">
-        <p14:creationId xmlns:p14="http://schemas.microsoft.com/office/powerpoint/2010/main" val="3371592575"/>
+        <p14:creationId xmlns:p14="http://schemas.microsoft.com/office/powerpoint/2010/main" val="1062738418"/>
       </p:ext>
     </p:extLst>
   </p:cSld>
@@ -14189,10 +15413,10 @@
       </p:grpSpPr>
       <p:sp>
         <p:nvSpPr>
-          <p:cNvPr id="2" name="Titre 1">
-            <a:extLst>
-              <a:ext uri="{FF2B5EF4-FFF2-40B4-BE49-F238E27FC236}">
-                <a16:creationId xmlns:a16="http://schemas.microsoft.com/office/drawing/2014/main" id="{EA53D9FC-3044-40B7-A8EB-EAB80F26D6FE}"/>
+          <p:cNvPr id="5" name="Titre 4">
+            <a:extLst>
+              <a:ext uri="{FF2B5EF4-FFF2-40B4-BE49-F238E27FC236}">
+                <a16:creationId xmlns:a16="http://schemas.microsoft.com/office/drawing/2014/main" id="{B535D397-2E1B-4C1E-A392-E2A43916D949}"/>
               </a:ext>
             </a:extLst>
           </p:cNvPr>
@@ -14200,34 +15424,34 @@
             <a:spLocks noGrp="1"/>
           </p:cNvSpPr>
           <p:nvPr>
-            <p:ph type="title"/>
+            <p:ph type="ctrTitle"/>
           </p:nvPr>
         </p:nvSpPr>
-        <p:spPr>
-          <a:xfrm>
-            <a:off x="1066800" y="642594"/>
-            <a:ext cx="10058400" cy="556814"/>
-          </a:xfrm>
-        </p:spPr>
-        <p:txBody>
-          <a:bodyPr>
-            <a:normAutofit fontScale="90000"/>
-          </a:bodyPr>
+        <p:spPr/>
+        <p:txBody>
+          <a:bodyPr/>
           <a:lstStyle/>
           <a:p>
             <a:r>
               <a:rPr lang="fr-FR" dirty="0"/>
-              <a:t>Conception du Serveur : les grande étapes</a:t>
-            </a:r>
-          </a:p>
-        </p:txBody>
-      </p:sp>
-      <p:sp>
-        <p:nvSpPr>
-          <p:cNvPr id="3" name="Espace réservé du contenu 2">
-            <a:extLst>
-              <a:ext uri="{FF2B5EF4-FFF2-40B4-BE49-F238E27FC236}">
-                <a16:creationId xmlns:a16="http://schemas.microsoft.com/office/drawing/2014/main" id="{5837093E-200E-45C2-A38D-202DB399C72A}"/>
+              <a:t>CONCEPTION</a:t>
+            </a:r>
+            <a:br>
+              <a:rPr lang="fr-FR" dirty="0"/>
+            </a:br>
+            <a:r>
+              <a:rPr lang="fr-FR" dirty="0"/>
+              <a:t>MISE AU POINT</a:t>
+            </a:r>
+          </a:p>
+        </p:txBody>
+      </p:sp>
+      <p:sp>
+        <p:nvSpPr>
+          <p:cNvPr id="6" name="Sous-titre 5">
+            <a:extLst>
+              <a:ext uri="{FF2B5EF4-FFF2-40B4-BE49-F238E27FC236}">
+                <a16:creationId xmlns:a16="http://schemas.microsoft.com/office/drawing/2014/main" id="{42DF712F-84EC-48F3-B510-83E590DD97F0}"/>
               </a:ext>
             </a:extLst>
           </p:cNvPr>
@@ -14235,181 +15459,22 @@
             <a:spLocks noGrp="1"/>
           </p:cNvSpPr>
           <p:nvPr>
-            <p:ph idx="1"/>
+            <p:ph type="subTitle" idx="1"/>
           </p:nvPr>
         </p:nvSpPr>
-        <p:spPr>
-          <a:xfrm>
-            <a:off x="1066800" y="1300348"/>
-            <a:ext cx="10058400" cy="4652396"/>
-          </a:xfrm>
-        </p:spPr>
-        <p:txBody>
-          <a:bodyPr>
-            <a:normAutofit/>
-          </a:bodyPr>
+        <p:spPr/>
+        <p:txBody>
+          <a:bodyPr/>
           <a:lstStyle/>
           <a:p>
-            <a:pPr lvl="2"/>
+            <a:r>
+              <a:rPr lang="fr-FR" dirty="0"/>
+              <a:t>IMPLEMENTATION ITERATIVE / TESTS / DEBUG / AJOUT DE FONCTIONALITES</a:t>
+            </a:r>
+          </a:p>
+          <a:p>
             <a:endParaRPr lang="fr-FR" dirty="0"/>
           </a:p>
-          <a:p>
-            <a:pPr lvl="2"/>
-            <a:r>
-              <a:rPr lang="fr-FR" dirty="0"/>
-              <a:t>Création d’un projet cross platform UNIX/WINDOWS</a:t>
-            </a:r>
-          </a:p>
-          <a:p>
-            <a:pPr lvl="2"/>
-            <a:r>
-              <a:rPr lang="fr-FR" dirty="0"/>
-              <a:t>Mettre en place les diffèrent modules </a:t>
-            </a:r>
-          </a:p>
-          <a:p>
-            <a:pPr lvl="3"/>
-            <a:r>
-              <a:rPr lang="fr-FR" dirty="0"/>
-              <a:t>Serveur HTTP</a:t>
-            </a:r>
-          </a:p>
-          <a:p>
-            <a:pPr lvl="3"/>
-            <a:r>
-              <a:rPr lang="fr-FR" dirty="0"/>
-              <a:t>Base de donnée</a:t>
-            </a:r>
-          </a:p>
-          <a:p>
-            <a:pPr lvl="3"/>
-            <a:r>
-              <a:rPr lang="fr-FR" dirty="0"/>
-              <a:t>Mesure capteur</a:t>
-            </a:r>
-          </a:p>
-          <a:p>
-            <a:pPr lvl="3"/>
-            <a:r>
-              <a:rPr lang="fr-FR" dirty="0"/>
-              <a:t>Historique des mesures</a:t>
-            </a:r>
-          </a:p>
-          <a:p>
-            <a:pPr lvl="3"/>
-            <a:r>
-              <a:rPr lang="fr-FR" dirty="0"/>
-              <a:t>Infos serveur</a:t>
-            </a:r>
-          </a:p>
-          <a:p>
-            <a:pPr lvl="2"/>
-            <a:r>
-              <a:rPr lang="fr-FR" dirty="0"/>
-              <a:t>Créer la logique d’interconnexion des différents modules</a:t>
-            </a:r>
-          </a:p>
-          <a:p>
-            <a:pPr lvl="2"/>
-            <a:r>
-              <a:rPr lang="fr-FR" dirty="0"/>
-              <a:t>Mettre au point les modules possible sous Windows :</a:t>
-            </a:r>
-          </a:p>
-          <a:p>
-            <a:pPr lvl="3"/>
-            <a:r>
-              <a:rPr lang="fr-FR" dirty="0"/>
-              <a:t>Serveur HTTP</a:t>
-            </a:r>
-          </a:p>
-          <a:p>
-            <a:pPr lvl="3"/>
-            <a:r>
-              <a:rPr lang="fr-FR" dirty="0" err="1"/>
-              <a:t>Pilotega</a:t>
-            </a:r>
-            <a:r>
-              <a:rPr lang="fr-FR" dirty="0"/>
-              <a:t> de la </a:t>
-            </a:r>
-            <a:r>
-              <a:rPr lang="fr-FR" dirty="0" err="1"/>
-              <a:t>abse</a:t>
-            </a:r>
-            <a:r>
-              <a:rPr lang="fr-FR" dirty="0"/>
-              <a:t> de donnée</a:t>
-            </a:r>
-          </a:p>
-          <a:p>
-            <a:pPr lvl="3"/>
-            <a:endParaRPr lang="fr-FR" dirty="0"/>
-          </a:p>
-          <a:p>
-            <a:pPr lvl="3"/>
-            <a:endParaRPr lang="fr-FR" dirty="0"/>
-          </a:p>
-          <a:p>
-            <a:pPr lvl="2"/>
-            <a:r>
-              <a:rPr lang="fr-FR" dirty="0"/>
-              <a:t> </a:t>
-            </a:r>
-            <a:r>
-              <a:rPr lang="fr-FR" dirty="0" err="1"/>
-              <a:t>etau</a:t>
-            </a:r>
-            <a:r>
-              <a:rPr lang="fr-FR" dirty="0"/>
-              <a:t> point et </a:t>
-            </a:r>
-            <a:r>
-              <a:rPr lang="fr-FR" dirty="0" err="1"/>
-              <a:t>tetser</a:t>
-            </a:r>
-            <a:r>
-              <a:rPr lang="fr-FR" dirty="0"/>
-              <a:t> les </a:t>
-            </a:r>
-            <a:r>
-              <a:rPr lang="fr-FR" dirty="0" err="1"/>
-              <a:t>different</a:t>
-            </a:r>
-            <a:r>
-              <a:rPr lang="fr-FR" dirty="0"/>
-              <a:t> composant possible </a:t>
-            </a:r>
-            <a:r>
-              <a:rPr lang="fr-FR" dirty="0" err="1"/>
-              <a:t>ctoé</a:t>
-            </a:r>
-            <a:r>
-              <a:rPr lang="fr-FR" dirty="0"/>
-              <a:t> </a:t>
-            </a:r>
-            <a:r>
-              <a:rPr lang="fr-FR" dirty="0" err="1"/>
-              <a:t>window</a:t>
-            </a:r>
-            <a:endParaRPr lang="fr-FR" dirty="0"/>
-          </a:p>
-          <a:p>
-            <a:pPr marL="0" indent="0">
-              <a:buNone/>
-            </a:pPr>
-            <a:endParaRPr lang="fr-FR" dirty="0"/>
-          </a:p>
-          <a:p>
-            <a:pPr lvl="3"/>
-            <a:endParaRPr lang="fr-FR" dirty="0"/>
-          </a:p>
-          <a:p>
-            <a:pPr marL="0" indent="0">
-              <a:buNone/>
-            </a:pPr>
-            <a:endParaRPr lang="fr-FR" dirty="0"/>
-          </a:p>
         </p:txBody>
       </p:sp>
       <p:sp>
@@ -14417,7 +15482,7 @@
           <p:cNvPr id="4" name="Espace réservé de la date 3">
             <a:extLst>
               <a:ext uri="{FF2B5EF4-FFF2-40B4-BE49-F238E27FC236}">
-                <a16:creationId xmlns:a16="http://schemas.microsoft.com/office/drawing/2014/main" id="{60BDC591-8D09-4D49-88A2-408CD1604F69}"/>
+                <a16:creationId xmlns:a16="http://schemas.microsoft.com/office/drawing/2014/main" id="{030B0D3A-6441-43DC-BDBC-2E9EE16205E9}"/>
               </a:ext>
             </a:extLst>
           </p:cNvPr>
@@ -14445,7 +15510,7 @@
     </p:spTree>
     <p:extLst>
       <p:ext uri="{BB962C8B-B14F-4D97-AF65-F5344CB8AC3E}">
-        <p14:creationId xmlns:p14="http://schemas.microsoft.com/office/powerpoint/2010/main" val="2168069617"/>
+        <p14:creationId xmlns:p14="http://schemas.microsoft.com/office/powerpoint/2010/main" val="4081931665"/>
       </p:ext>
     </p:extLst>
   </p:cSld>
@@ -14696,6 +15761,216 @@
       </p:grpSpPr>
       <p:sp>
         <p:nvSpPr>
+          <p:cNvPr id="3" name="Espace réservé du contenu 2">
+            <a:extLst>
+              <a:ext uri="{FF2B5EF4-FFF2-40B4-BE49-F238E27FC236}">
+                <a16:creationId xmlns:a16="http://schemas.microsoft.com/office/drawing/2014/main" id="{5837093E-200E-45C2-A38D-202DB399C72A}"/>
+              </a:ext>
+            </a:extLst>
+          </p:cNvPr>
+          <p:cNvSpPr>
+            <a:spLocks noGrp="1"/>
+          </p:cNvSpPr>
+          <p:nvPr>
+            <p:ph idx="1"/>
+          </p:nvPr>
+        </p:nvSpPr>
+        <p:spPr>
+          <a:xfrm>
+            <a:off x="1066800" y="1300348"/>
+            <a:ext cx="10058400" cy="4652396"/>
+          </a:xfrm>
+        </p:spPr>
+        <p:txBody>
+          <a:bodyPr>
+            <a:normAutofit/>
+          </a:bodyPr>
+          <a:lstStyle/>
+          <a:p>
+            <a:pPr lvl="2"/>
+            <a:endParaRPr lang="fr-FR" dirty="0"/>
+          </a:p>
+          <a:p>
+            <a:pPr marL="777240" lvl="2" indent="-228600">
+              <a:buFont typeface="+mj-lt"/>
+              <a:buAutoNum type="arabicPeriod"/>
+            </a:pPr>
+            <a:r>
+              <a:rPr lang="fr-FR" dirty="0"/>
+              <a:t>Création d’un projet cross platform UNIX/WINDOWS</a:t>
+            </a:r>
+          </a:p>
+          <a:p>
+            <a:pPr marL="777240" lvl="2" indent="-228600">
+              <a:buFont typeface="+mj-lt"/>
+              <a:buAutoNum type="arabicPeriod"/>
+            </a:pPr>
+            <a:r>
+              <a:rPr lang="fr-FR" dirty="0"/>
+              <a:t>Tester le déploiement coté </a:t>
+            </a:r>
+            <a:r>
+              <a:rPr lang="fr-FR" dirty="0" err="1"/>
+              <a:t>Window</a:t>
+            </a:r>
+            <a:r>
+              <a:rPr lang="fr-FR" dirty="0"/>
+              <a:t> et Linux pour valider la viabilité projet</a:t>
+            </a:r>
+          </a:p>
+          <a:p>
+            <a:pPr marL="777240" lvl="2" indent="-228600">
+              <a:buFont typeface="+mj-lt"/>
+              <a:buAutoNum type="arabicPeriod"/>
+            </a:pPr>
+            <a:r>
+              <a:rPr lang="fr-FR" dirty="0"/>
+              <a:t>Sur Windows :</a:t>
+            </a:r>
+          </a:p>
+          <a:p>
+            <a:pPr marL="822960" lvl="3" indent="0">
+              <a:buNone/>
+            </a:pPr>
+            <a:r>
+              <a:rPr lang="fr-FR" dirty="0"/>
+              <a:t>3.1 Mettre en place les diffèrent modules </a:t>
+            </a:r>
+          </a:p>
+          <a:p>
+            <a:pPr marL="822960" lvl="3" indent="0">
+              <a:buNone/>
+            </a:pPr>
+            <a:r>
+              <a:rPr lang="fr-FR" dirty="0"/>
+              <a:t>3.2 Créer la logique d’interconnexion des différents modules</a:t>
+            </a:r>
+          </a:p>
+          <a:p>
+            <a:pPr marL="822960" lvl="3" indent="0">
+              <a:buNone/>
+            </a:pPr>
+            <a:r>
+              <a:rPr lang="fr-FR" dirty="0"/>
+              <a:t>3.3 Mettre au point les modules possible (le capteur n’est pas dispo sur Windows) avec navigateurs externe en IP locale</a:t>
+            </a:r>
+          </a:p>
+          <a:p>
+            <a:pPr marL="822960" lvl="3" indent="0">
+              <a:buNone/>
+            </a:pPr>
+            <a:r>
+              <a:rPr lang="fr-FR" dirty="0"/>
+              <a:t>3.4 Identifier les cas possible de mise en échec.</a:t>
+            </a:r>
+          </a:p>
+          <a:p>
+            <a:pPr marL="822960" lvl="3" indent="0">
+              <a:buNone/>
+            </a:pPr>
+            <a:r>
+              <a:rPr lang="fr-FR" dirty="0"/>
+              <a:t>3.5 Mettre en place les système de récupération/traitement d’erreurs</a:t>
+            </a:r>
+          </a:p>
+          <a:p>
+            <a:pPr marL="822960" lvl="3" indent="0">
+              <a:buNone/>
+            </a:pPr>
+            <a:r>
+              <a:rPr lang="fr-FR" dirty="0"/>
+              <a:t>3.6 Profilage / analyse des fuites mémoire</a:t>
+            </a:r>
+          </a:p>
+          <a:p>
+            <a:pPr marL="548640" lvl="2" indent="0">
+              <a:buNone/>
+            </a:pPr>
+            <a:r>
+              <a:rPr lang="fr-FR" dirty="0"/>
+              <a:t>4. Sur Linux :</a:t>
+            </a:r>
+          </a:p>
+          <a:p>
+            <a:pPr marL="822960" lvl="3" indent="0">
+              <a:buNone/>
+            </a:pPr>
+            <a:r>
+              <a:rPr lang="fr-FR" dirty="0"/>
+              <a:t>4.1 Mettre au point le module du capteur</a:t>
+            </a:r>
+          </a:p>
+          <a:p>
+            <a:pPr marL="822960" lvl="3" indent="0">
+              <a:buNone/>
+            </a:pPr>
+            <a:r>
+              <a:rPr lang="fr-FR" dirty="0"/>
+              <a:t>4.2 Tester l’accès au données depuis l’extérieur du Raspberry pi</a:t>
+            </a:r>
+          </a:p>
+          <a:p>
+            <a:pPr marL="822960" lvl="3" indent="0">
+              <a:buNone/>
+            </a:pPr>
+            <a:r>
+              <a:rPr lang="fr-FR" dirty="0"/>
+              <a:t>4.3 Tester l’utilisation du serveur via la ligne de commande</a:t>
+            </a:r>
+          </a:p>
+          <a:p>
+            <a:pPr marL="822960" lvl="3" indent="0">
+              <a:buNone/>
+            </a:pPr>
+            <a:r>
+              <a:rPr lang="fr-FR" dirty="0"/>
+              <a:t>4.4 Installer le serveur en tant que service</a:t>
+            </a:r>
+          </a:p>
+          <a:p>
+            <a:pPr lvl="3"/>
+            <a:endParaRPr lang="fr-FR" dirty="0"/>
+          </a:p>
+          <a:p>
+            <a:pPr marL="0" indent="0">
+              <a:buNone/>
+            </a:pPr>
+            <a:endParaRPr lang="fr-FR" dirty="0"/>
+          </a:p>
+        </p:txBody>
+      </p:sp>
+      <p:sp>
+        <p:nvSpPr>
+          <p:cNvPr id="4" name="Espace réservé de la date 3">
+            <a:extLst>
+              <a:ext uri="{FF2B5EF4-FFF2-40B4-BE49-F238E27FC236}">
+                <a16:creationId xmlns:a16="http://schemas.microsoft.com/office/drawing/2014/main" id="{60BDC591-8D09-4D49-88A2-408CD1604F69}"/>
+              </a:ext>
+            </a:extLst>
+          </p:cNvPr>
+          <p:cNvSpPr>
+            <a:spLocks noGrp="1"/>
+          </p:cNvSpPr>
+          <p:nvPr>
+            <p:ph type="dt" sz="half" idx="10"/>
+          </p:nvPr>
+        </p:nvSpPr>
+        <p:spPr/>
+        <p:txBody>
+          <a:bodyPr/>
+          <a:lstStyle/>
+          <a:p>
+            <a:pPr rtl="0"/>
+            <a:fld id="{802FE938-1586-4780-B61A-DD3B60BAB93C}" type="datetime1">
+              <a:rPr lang="fr-FR" smtClean="0"/>
+              <a:t>22/06/2021</a:t>
+            </a:fld>
+            <a:endParaRPr lang="en-US"/>
+          </a:p>
+        </p:txBody>
+      </p:sp>
+      <p:sp>
+        <p:nvSpPr>
           <p:cNvPr id="2" name="Titre 1">
             <a:extLst>
               <a:ext uri="{FF2B5EF4-FFF2-40B4-BE49-F238E27FC236}">
@@ -14724,211 +15999,15 @@
           <a:p>
             <a:r>
               <a:rPr lang="fr-FR" dirty="0"/>
-              <a:t>Conception du Serveur : 1 étape</a:t>
-            </a:r>
-          </a:p>
-        </p:txBody>
-      </p:sp>
-      <p:sp>
-        <p:nvSpPr>
-          <p:cNvPr id="3" name="Espace réservé du contenu 2">
-            <a:extLst>
-              <a:ext uri="{FF2B5EF4-FFF2-40B4-BE49-F238E27FC236}">
-                <a16:creationId xmlns:a16="http://schemas.microsoft.com/office/drawing/2014/main" id="{5837093E-200E-45C2-A38D-202DB399C72A}"/>
-              </a:ext>
-            </a:extLst>
-          </p:cNvPr>
-          <p:cNvSpPr>
-            <a:spLocks noGrp="1"/>
-          </p:cNvSpPr>
-          <p:nvPr>
-            <p:ph idx="1"/>
-          </p:nvPr>
-        </p:nvSpPr>
-        <p:spPr>
-          <a:xfrm>
-            <a:off x="1066800" y="1300348"/>
-            <a:ext cx="10058400" cy="4652396"/>
-          </a:xfrm>
-        </p:spPr>
-        <p:txBody>
-          <a:bodyPr>
-            <a:normAutofit/>
-          </a:bodyPr>
-          <a:lstStyle/>
-          <a:p>
-            <a:pPr lvl="2"/>
-            <a:r>
-              <a:rPr lang="fr-FR" dirty="0"/>
-              <a:t>Création d’un projet cross platform UNIX/WINDOWS avec CMAKE </a:t>
-            </a:r>
-          </a:p>
-          <a:p>
-            <a:pPr lvl="3"/>
-            <a:r>
-              <a:rPr lang="fr-FR" dirty="0"/>
-              <a:t>L’idée était de :</a:t>
-            </a:r>
-          </a:p>
-          <a:p>
-            <a:pPr lvl="4"/>
-            <a:r>
-              <a:rPr lang="fr-FR" dirty="0"/>
-              <a:t>faire le plus gros du projet sous </a:t>
-            </a:r>
-            <a:r>
-              <a:rPr lang="fr-FR" dirty="0" err="1"/>
-              <a:t>windows</a:t>
-            </a:r>
-            <a:endParaRPr lang="fr-FR" dirty="0"/>
-          </a:p>
-          <a:p>
-            <a:pPr lvl="4"/>
-            <a:r>
-              <a:rPr lang="fr-FR" dirty="0"/>
-              <a:t>Faire le déploiement, derniers test, et configuration serveurs sur la machine linux</a:t>
-            </a:r>
-          </a:p>
-          <a:p>
-            <a:pPr lvl="3"/>
-            <a:endParaRPr lang="fr-FR" dirty="0"/>
-          </a:p>
-          <a:p>
-            <a:pPr lvl="3"/>
-            <a:r>
-              <a:rPr lang="fr-FR" dirty="0"/>
-              <a:t>Les  + de développer sous Windows : </a:t>
-            </a:r>
-          </a:p>
-          <a:p>
-            <a:pPr lvl="4"/>
-            <a:r>
-              <a:rPr lang="fr-FR" dirty="0"/>
-              <a:t>Pouvoir faciliter la mise au point et le </a:t>
-            </a:r>
-            <a:r>
-              <a:rPr lang="fr-FR" dirty="0" err="1"/>
-              <a:t>debug</a:t>
-            </a:r>
-            <a:r>
-              <a:rPr lang="fr-FR" dirty="0"/>
-              <a:t> avec les outils visuel de </a:t>
-            </a:r>
-            <a:r>
-              <a:rPr lang="fr-FR" dirty="0" err="1"/>
-              <a:t>visual</a:t>
-            </a:r>
-            <a:r>
-              <a:rPr lang="fr-FR" dirty="0"/>
-              <a:t> studio 2019 :</a:t>
-            </a:r>
-          </a:p>
-          <a:p>
-            <a:pPr lvl="5"/>
-            <a:r>
-              <a:rPr lang="fr-FR" dirty="0"/>
-              <a:t>Debugger</a:t>
-            </a:r>
-          </a:p>
-          <a:p>
-            <a:pPr lvl="5"/>
-            <a:r>
-              <a:rPr lang="fr-FR" dirty="0"/>
-              <a:t>Profiler</a:t>
-            </a:r>
-          </a:p>
-          <a:p>
-            <a:pPr lvl="5"/>
-            <a:r>
-              <a:rPr lang="fr-FR" dirty="0"/>
-              <a:t>Analyseur de fuite mémoire</a:t>
-            </a:r>
-          </a:p>
-          <a:p>
-            <a:pPr lvl="5"/>
-            <a:r>
-              <a:rPr lang="fr-FR" dirty="0" err="1"/>
-              <a:t>Refactoring</a:t>
-            </a:r>
-            <a:endParaRPr lang="fr-FR" dirty="0"/>
-          </a:p>
-          <a:p>
-            <a:pPr lvl="5"/>
-            <a:r>
-              <a:rPr lang="fr-FR" dirty="0"/>
-              <a:t>Test du serveur avec Firefox/Chrome</a:t>
-            </a:r>
-          </a:p>
-          <a:p>
-            <a:pPr lvl="5"/>
-            <a:endParaRPr lang="fr-FR" dirty="0"/>
-          </a:p>
-          <a:p>
-            <a:pPr lvl="3"/>
-            <a:r>
-              <a:rPr lang="fr-FR" dirty="0"/>
-              <a:t>Les - de développer sous Windows :</a:t>
-            </a:r>
-          </a:p>
-          <a:p>
-            <a:pPr lvl="4"/>
-            <a:r>
-              <a:rPr lang="fr-FR" dirty="0"/>
-              <a:t>Pas accès au capteur BME280.</a:t>
-            </a:r>
-          </a:p>
-          <a:p>
-            <a:pPr marL="0" indent="0">
-              <a:buNone/>
-            </a:pPr>
-            <a:endParaRPr lang="fr-FR" dirty="0"/>
-          </a:p>
-          <a:p>
-            <a:pPr lvl="3"/>
-            <a:endParaRPr lang="fr-FR" dirty="0"/>
-          </a:p>
-          <a:p>
-            <a:pPr marL="0" indent="0">
-              <a:buNone/>
-            </a:pPr>
-            <a:endParaRPr lang="fr-FR" dirty="0"/>
-          </a:p>
-        </p:txBody>
-      </p:sp>
-      <p:sp>
-        <p:nvSpPr>
-          <p:cNvPr id="4" name="Espace réservé de la date 3">
-            <a:extLst>
-              <a:ext uri="{FF2B5EF4-FFF2-40B4-BE49-F238E27FC236}">
-                <a16:creationId xmlns:a16="http://schemas.microsoft.com/office/drawing/2014/main" id="{60BDC591-8D09-4D49-88A2-408CD1604F69}"/>
-              </a:ext>
-            </a:extLst>
-          </p:cNvPr>
-          <p:cNvSpPr>
-            <a:spLocks noGrp="1"/>
-          </p:cNvSpPr>
-          <p:nvPr>
-            <p:ph type="dt" sz="half" idx="10"/>
-          </p:nvPr>
-        </p:nvSpPr>
-        <p:spPr/>
-        <p:txBody>
-          <a:bodyPr/>
-          <a:lstStyle/>
-          <a:p>
-            <a:pPr rtl="0"/>
-            <a:fld id="{802FE938-1586-4780-B61A-DD3B60BAB93C}" type="datetime1">
-              <a:rPr lang="fr-FR" smtClean="0"/>
-              <a:t>22/06/2021</a:t>
-            </a:fld>
-            <a:endParaRPr lang="en-US"/>
+              <a:t>Conception du Serveur : les grande étapes</a:t>
+            </a:r>
           </a:p>
         </p:txBody>
       </p:sp>
     </p:spTree>
     <p:extLst>
       <p:ext uri="{BB962C8B-B14F-4D97-AF65-F5344CB8AC3E}">
-        <p14:creationId xmlns:p14="http://schemas.microsoft.com/office/powerpoint/2010/main" val="2089308026"/>
+        <p14:creationId xmlns:p14="http://schemas.microsoft.com/office/powerpoint/2010/main" val="2555099777"/>
       </p:ext>
     </p:extLst>
   </p:cSld>
@@ -14979,13 +16058,13 @@
         </p:spPr>
         <p:txBody>
           <a:bodyPr>
-            <a:normAutofit fontScale="90000"/>
+            <a:normAutofit/>
           </a:bodyPr>
           <a:lstStyle/>
           <a:p>
             <a:r>
-              <a:rPr lang="fr-FR" dirty="0"/>
-              <a:t>Conception du Serveur : 2eme étape</a:t>
+              <a:rPr lang="fr-FR" sz="2800" dirty="0"/>
+              <a:t>Création d’un projet cross platform UNIX/WINDOWS</a:t>
             </a:r>
           </a:p>
         </p:txBody>
@@ -15008,13 +16087,13 @@
         </p:nvSpPr>
         <p:spPr>
           <a:xfrm>
-            <a:off x="1066800" y="1300348"/>
-            <a:ext cx="10058400" cy="4652396"/>
+            <a:off x="1066800" y="1199408"/>
+            <a:ext cx="10058400" cy="5100452"/>
           </a:xfrm>
         </p:spPr>
         <p:txBody>
           <a:bodyPr>
-            <a:normAutofit/>
+            <a:normAutofit fontScale="92500" lnSpcReduction="10000"/>
           </a:bodyPr>
           <a:lstStyle/>
           <a:p>
@@ -15023,32 +16102,66 @@
             </a:pPr>
             <a:r>
               <a:rPr lang="fr-FR" dirty="0"/>
-              <a:t>Mise au point sous Windows avec Visual studio :</a:t>
+              <a:t>Utilisation du générateur de projet </a:t>
+            </a:r>
+            <a:r>
+              <a:rPr lang="fr-FR" dirty="0" err="1"/>
+              <a:t>Cmake</a:t>
+            </a:r>
+            <a:r>
+              <a:rPr lang="fr-FR" dirty="0"/>
+              <a:t>.</a:t>
             </a:r>
           </a:p>
           <a:p>
             <a:pPr lvl="1"/>
             <a:r>
               <a:rPr lang="fr-FR" dirty="0"/>
-              <a:t>Création d’un projet cross platform UNIX/WINDOWS avec CMAKE :</a:t>
+              <a:t>Utilisation d’un fichier de configuration qui décrit les composant du projet</a:t>
+            </a:r>
+          </a:p>
+          <a:p>
+            <a:pPr lvl="1"/>
+            <a:r>
+              <a:rPr lang="fr-FR" dirty="0"/>
+              <a:t>Puis génération avec des fichier projet selon le system visé </a:t>
             </a:r>
           </a:p>
           <a:p>
             <a:pPr lvl="2"/>
             <a:r>
               <a:rPr lang="fr-FR" dirty="0"/>
-              <a:t>Ajout dans le projet de tierce partie :</a:t>
-            </a:r>
-          </a:p>
-          <a:p>
-            <a:pPr lvl="3"/>
+              <a:t>Ici : Projet VC++ sur Windows ou </a:t>
+            </a:r>
+            <a:r>
+              <a:rPr lang="fr-FR" dirty="0" err="1"/>
+              <a:t>Makefile</a:t>
+            </a:r>
+            <a:r>
+              <a:rPr lang="fr-FR" dirty="0"/>
+              <a:t> pour Unix</a:t>
+            </a:r>
+          </a:p>
+          <a:p>
+            <a:pPr lvl="1"/>
+            <a:endParaRPr lang="fr-FR" dirty="0"/>
+          </a:p>
+          <a:p>
+            <a:pPr lvl="1"/>
+            <a:r>
+              <a:rPr lang="fr-FR" dirty="0"/>
+              <a:t>Ajout dans le projet de tierces parties :</a:t>
+            </a:r>
+          </a:p>
+          <a:p>
+            <a:pPr lvl="2"/>
             <a:r>
               <a:rPr lang="fr-FR" dirty="0"/>
               <a:t>Du code source du Driver BME 280</a:t>
             </a:r>
           </a:p>
           <a:p>
-            <a:pPr lvl="3"/>
+            <a:pPr lvl="2"/>
             <a:r>
               <a:rPr lang="fr-FR" dirty="0"/>
               <a:t>Du code source de </a:t>
@@ -15059,7 +16172,7 @@
             </a:r>
             <a:r>
               <a:rPr lang="fr-FR" dirty="0"/>
-              <a:t> : petit utilitaire qui permet d’</a:t>
+              <a:t> : petit utilitaire perso qui permet d’</a:t>
             </a:r>
             <a:r>
               <a:rPr lang="fr-FR" dirty="0" err="1"/>
@@ -15084,7 +16197,7 @@
             <a:endParaRPr lang="fr-FR" dirty="0"/>
           </a:p>
           <a:p>
-            <a:pPr lvl="3"/>
+            <a:pPr lvl="2"/>
             <a:r>
               <a:rPr lang="fr-FR" dirty="0"/>
               <a:t>Du code source de </a:t>
@@ -15099,14 +16212,30 @@
             </a:r>
           </a:p>
           <a:p>
-            <a:pPr lvl="3"/>
-            <a:r>
-              <a:rPr lang="fr-FR" dirty="0"/>
-              <a:t>Du code source de SQlite3</a:t>
-            </a:r>
-          </a:p>
-          <a:p>
-            <a:pPr lvl="3"/>
+            <a:pPr lvl="2"/>
+            <a:r>
+              <a:rPr lang="fr-FR" dirty="0"/>
+              <a:t>Du code source de SQlite3 : </a:t>
+            </a:r>
+            <a:r>
+              <a:rPr lang="fr-FR" dirty="0" err="1"/>
+              <a:t>piltoe</a:t>
+            </a:r>
+            <a:r>
+              <a:rPr lang="fr-FR" dirty="0"/>
+              <a:t> de base de </a:t>
+            </a:r>
+            <a:r>
+              <a:rPr lang="fr-FR" dirty="0" err="1"/>
+              <a:t>donéne</a:t>
+            </a:r>
+            <a:r>
+              <a:rPr lang="fr-FR" dirty="0"/>
+              <a:t> embarquée</a:t>
+            </a:r>
+          </a:p>
+          <a:p>
+            <a:pPr lvl="2"/>
             <a:r>
               <a:rPr lang="fr-FR" dirty="0"/>
               <a:t>Du code source de </a:t>
@@ -15142,35 +16271,35 @@
             <a:endParaRPr lang="fr-FR" dirty="0"/>
           </a:p>
           <a:p>
+            <a:pPr lvl="1"/>
+            <a:r>
+              <a:rPr lang="fr-FR" dirty="0"/>
+              <a:t>Ajout dans le projet du code utile reparti en module :</a:t>
+            </a:r>
+          </a:p>
+          <a:p>
             <a:pPr lvl="2"/>
             <a:r>
               <a:rPr lang="fr-FR" dirty="0"/>
-              <a:t>Ajout dans le projet du code utile reparti en module :</a:t>
-            </a:r>
-          </a:p>
-          <a:p>
-            <a:pPr lvl="3"/>
-            <a:r>
-              <a:rPr lang="fr-FR" dirty="0"/>
               <a:t>Un module pour gérer le serveur HTTP : réception / traitement / envoi de requête HTTP</a:t>
             </a:r>
           </a:p>
           <a:p>
-            <a:pPr lvl="3"/>
-            <a:r>
-              <a:rPr lang="fr-FR" dirty="0"/>
-              <a:t>Un module pour gérer le capteur : mesure du capteur et formatage des données mesurées</a:t>
-            </a:r>
-          </a:p>
-          <a:p>
-            <a:pPr lvl="3"/>
+            <a:pPr lvl="2"/>
+            <a:r>
+              <a:rPr lang="fr-FR" dirty="0"/>
+              <a:t>Un module pour gérer le capteur : mesure du capteur et envoi des données mesurées</a:t>
+            </a:r>
+          </a:p>
+          <a:p>
+            <a:pPr lvl="2"/>
             <a:r>
               <a:rPr lang="fr-FR" dirty="0"/>
               <a:t>Un module pour gérer la base de donnée : ajout de donnée / extraction sous forme JSON</a:t>
             </a:r>
           </a:p>
           <a:p>
-            <a:pPr lvl="3"/>
+            <a:pPr lvl="2"/>
             <a:r>
               <a:rPr lang="fr-FR" dirty="0"/>
               <a:t>Un module pour piloter la mesure et l’inscription dans la base de donnée suivant un </a:t>
@@ -15185,14 +16314,14 @@
             </a:r>
           </a:p>
           <a:p>
+            <a:pPr lvl="2"/>
+            <a:r>
+              <a:rPr lang="fr-FR" dirty="0"/>
+              <a:t>Un module pour extraire les infos du serveur : </a:t>
+            </a:r>
+          </a:p>
+          <a:p>
             <a:pPr lvl="3"/>
-            <a:r>
-              <a:rPr lang="fr-FR" dirty="0"/>
-              <a:t>Un module pour extraire les infos du serveur : </a:t>
-            </a:r>
-          </a:p>
-          <a:p>
-            <a:pPr lvl="4"/>
             <a:r>
               <a:rPr lang="fr-FR" dirty="0"/>
               <a:t>Infos de l’os : version, </a:t>
@@ -15204,32 +16333,38 @@
             <a:endParaRPr lang="fr-FR" dirty="0"/>
           </a:p>
           <a:p>
-            <a:pPr lvl="4"/>
+            <a:pPr lvl="3"/>
             <a:r>
               <a:rPr lang="fr-FR" dirty="0"/>
               <a:t>Infos sur la bd : nombre d’enregistrements, version de la bd, chemin de la bd</a:t>
             </a:r>
           </a:p>
           <a:p>
-            <a:pPr lvl="4"/>
+            <a:pPr lvl="3"/>
             <a:r>
               <a:rPr lang="fr-FR" dirty="0"/>
               <a:t>Infos sur le serveur : version, ligne de commande utilisé</a:t>
             </a:r>
           </a:p>
           <a:p>
+            <a:pPr lvl="2"/>
+            <a:r>
+              <a:rPr lang="fr-FR" dirty="0"/>
+              <a:t>Ajout du point d’entrée du projet :</a:t>
+            </a:r>
+          </a:p>
+          <a:p>
             <a:pPr lvl="3"/>
             <a:r>
               <a:rPr lang="fr-FR" dirty="0"/>
-              <a:t>Ajout de l’</a:t>
-            </a:r>
-            <a:r>
-              <a:rPr lang="fr-FR" dirty="0" err="1"/>
-              <a:t>nty</a:t>
-            </a:r>
-            <a:r>
-              <a:rPr lang="fr-FR" dirty="0"/>
-              <a:t> point du projet :</a:t>
+              <a:t>Ajout d’une interface de ligne de commande configurable dans la logique des commande UNIX</a:t>
+            </a:r>
+          </a:p>
+          <a:p>
+            <a:pPr lvl="3"/>
+            <a:r>
+              <a:rPr lang="fr-FR" dirty="0"/>
+              <a:t>Ajout du flux logique principal</a:t>
             </a:r>
           </a:p>
           <a:p>
@@ -15270,14 +16405,14 @@
               <a:rPr lang="fr-FR" smtClean="0"/>
               <a:t>22/06/2021</a:t>
             </a:fld>
-            <a:endParaRPr lang="en-US"/>
+            <a:endParaRPr lang="en-US" dirty="0"/>
           </a:p>
         </p:txBody>
       </p:sp>
     </p:spTree>
     <p:extLst>
       <p:ext uri="{BB962C8B-B14F-4D97-AF65-F5344CB8AC3E}">
-        <p14:creationId xmlns:p14="http://schemas.microsoft.com/office/powerpoint/2010/main" val="1185517342"/>
+        <p14:creationId xmlns:p14="http://schemas.microsoft.com/office/powerpoint/2010/main" val="2179627063"/>
       </p:ext>
     </p:extLst>
   </p:cSld>
@@ -15309,7 +16444,7 @@
           <p:cNvPr id="2" name="Titre 1">
             <a:extLst>
               <a:ext uri="{FF2B5EF4-FFF2-40B4-BE49-F238E27FC236}">
-                <a16:creationId xmlns:a16="http://schemas.microsoft.com/office/drawing/2014/main" id="{EA53D9FC-3044-40B7-A8EB-EAB80F26D6FE}"/>
+                <a16:creationId xmlns:a16="http://schemas.microsoft.com/office/drawing/2014/main" id="{7E66DA7D-18FF-43FA-9114-735D5287AF90}"/>
               </a:ext>
             </a:extLst>
           </p:cNvPr>
@@ -15323,18 +16458,16 @@
         <p:spPr>
           <a:xfrm>
             <a:off x="1066800" y="642594"/>
-            <a:ext cx="10058400" cy="556814"/>
-          </a:xfrm>
-        </p:spPr>
-        <p:txBody>
-          <a:bodyPr>
-            <a:normAutofit fontScale="90000"/>
-          </a:bodyPr>
+            <a:ext cx="10058400" cy="839977"/>
+          </a:xfrm>
+        </p:spPr>
+        <p:txBody>
+          <a:bodyPr/>
           <a:lstStyle/>
           <a:p>
             <a:r>
               <a:rPr lang="fr-FR" dirty="0"/>
-              <a:t>Conception du Serveur</a:t>
+              <a:t>	  Fonctionnalités partie ville :</a:t>
             </a:r>
           </a:p>
         </p:txBody>
@@ -15344,7 +16477,7 @@
           <p:cNvPr id="3" name="Espace réservé du contenu 2">
             <a:extLst>
               <a:ext uri="{FF2B5EF4-FFF2-40B4-BE49-F238E27FC236}">
-                <a16:creationId xmlns:a16="http://schemas.microsoft.com/office/drawing/2014/main" id="{5837093E-200E-45C2-A38D-202DB399C72A}"/>
+                <a16:creationId xmlns:a16="http://schemas.microsoft.com/office/drawing/2014/main" id="{6723A642-3FB2-484D-AF95-A8E825D7B1AB}"/>
               </a:ext>
             </a:extLst>
           </p:cNvPr>
@@ -15355,239 +16488,180 @@
             <p:ph idx="1"/>
           </p:nvPr>
         </p:nvSpPr>
-        <p:spPr>
-          <a:xfrm>
-            <a:off x="1066800" y="1300348"/>
-            <a:ext cx="10058400" cy="4652396"/>
-          </a:xfrm>
-        </p:spPr>
-        <p:txBody>
-          <a:bodyPr>
-            <a:normAutofit lnSpcReduction="10000"/>
-          </a:bodyPr>
+        <p:spPr/>
+        <p:txBody>
+          <a:bodyPr/>
           <a:lstStyle/>
           <a:p>
-            <a:pPr marL="0" indent="0">
+            <a:pPr>
+              <a:lnSpc>
+                <a:spcPct val="100000"/>
+              </a:lnSpc>
+              <a:spcBef>
+                <a:spcPts val="0"/>
+              </a:spcBef>
+              <a:buClrTx/>
+            </a:pPr>
+            <a:endParaRPr lang="fr-FR" sz="1800" dirty="0">
+              <a:solidFill>
+                <a:prstClr val="black"/>
+              </a:solidFill>
+            </a:endParaRPr>
+          </a:p>
+          <a:p>
+            <a:pPr>
+              <a:lnSpc>
+                <a:spcPct val="100000"/>
+              </a:lnSpc>
+              <a:spcBef>
+                <a:spcPts val="0"/>
+              </a:spcBef>
+              <a:buClrTx/>
+            </a:pPr>
+            <a:endParaRPr lang="fr-FR" sz="1800" dirty="0">
+              <a:solidFill>
+                <a:prstClr val="black"/>
+              </a:solidFill>
+            </a:endParaRPr>
+          </a:p>
+          <a:p>
+            <a:pPr>
+              <a:lnSpc>
+                <a:spcPct val="100000"/>
+              </a:lnSpc>
+              <a:spcBef>
+                <a:spcPts val="0"/>
+              </a:spcBef>
+              <a:buClrTx/>
+            </a:pPr>
+            <a:endParaRPr lang="fr-FR" sz="1800" dirty="0">
+              <a:solidFill>
+                <a:prstClr val="black"/>
+              </a:solidFill>
+            </a:endParaRPr>
+          </a:p>
+          <a:p>
+            <a:pPr>
+              <a:lnSpc>
+                <a:spcPct val="100000"/>
+              </a:lnSpc>
+              <a:spcBef>
+                <a:spcPts val="0"/>
+              </a:spcBef>
+              <a:buClrTx/>
+            </a:pPr>
+            <a:r>
+              <a:rPr lang="fr-FR" sz="1800" dirty="0">
+                <a:solidFill>
+                  <a:prstClr val="black"/>
+                </a:solidFill>
+              </a:rPr>
+              <a:t>Pour notre programme nous avons besoin d’ afficher des </a:t>
+            </a:r>
+            <a:r>
+              <a:rPr lang="fr-FR" sz="1800" dirty="0" err="1">
+                <a:solidFill>
+                  <a:prstClr val="black"/>
+                </a:solidFill>
+              </a:rPr>
+              <a:t>previsions</a:t>
+            </a:r>
+            <a:r>
+              <a:rPr lang="fr-FR" sz="1800" dirty="0">
+                <a:solidFill>
+                  <a:prstClr val="black"/>
+                </a:solidFill>
+              </a:rPr>
+              <a:t> sur 5 jour ainsi que des mesures instantanées pour  le jour actuel nous avons  donc opte pour l'utilisation de deux  URLs différentes,</a:t>
+            </a:r>
+          </a:p>
+          <a:p>
+            <a:pPr marL="0" lvl="0" indent="0">
+              <a:lnSpc>
+                <a:spcPct val="100000"/>
+              </a:lnSpc>
+              <a:spcBef>
+                <a:spcPts val="0"/>
+              </a:spcBef>
+              <a:buClrTx/>
               <a:buNone/>
             </a:pPr>
-            <a:r>
-              <a:rPr lang="fr-FR" dirty="0"/>
-              <a:t>Mise au point sous Windows avec Visual studio :</a:t>
-            </a:r>
-          </a:p>
-          <a:p>
-            <a:pPr lvl="1"/>
-            <a:r>
-              <a:rPr lang="fr-FR" dirty="0"/>
-              <a:t>Création d’un projet cross platform UNIX/WINDOWS avec CMAKE :</a:t>
-            </a:r>
-          </a:p>
-          <a:p>
-            <a:pPr lvl="2"/>
-            <a:r>
-              <a:rPr lang="fr-FR" dirty="0"/>
-              <a:t>Ajout dans le projet de tierce partie :</a:t>
-            </a:r>
-          </a:p>
-          <a:p>
-            <a:pPr lvl="3"/>
-            <a:r>
-              <a:rPr lang="fr-FR" dirty="0"/>
-              <a:t>Du code source du Driver BME 280</a:t>
-            </a:r>
-          </a:p>
-          <a:p>
-            <a:pPr lvl="3"/>
-            <a:r>
-              <a:rPr lang="fr-FR" dirty="0"/>
-              <a:t>Du code source de </a:t>
-            </a:r>
-            <a:r>
-              <a:rPr lang="fr-FR" dirty="0" err="1"/>
-              <a:t>BuildInc</a:t>
-            </a:r>
-            <a:r>
-              <a:rPr lang="fr-FR" dirty="0"/>
-              <a:t> : petit utilitaire qui permet d’</a:t>
-            </a:r>
-            <a:r>
-              <a:rPr lang="fr-FR" dirty="0" err="1"/>
-              <a:t>incrementer</a:t>
-            </a:r>
-            <a:r>
-              <a:rPr lang="fr-FR" dirty="0"/>
-              <a:t> un numéro de </a:t>
-            </a:r>
-            <a:r>
-              <a:rPr lang="fr-FR" dirty="0" err="1"/>
-              <a:t>build</a:t>
-            </a:r>
-            <a:r>
-              <a:rPr lang="fr-FR" dirty="0"/>
-              <a:t> a chaque </a:t>
-            </a:r>
-            <a:r>
-              <a:rPr lang="fr-FR" dirty="0" err="1"/>
-              <a:t>build</a:t>
-            </a:r>
-            <a:endParaRPr lang="fr-FR" dirty="0"/>
-          </a:p>
-          <a:p>
-            <a:pPr lvl="3"/>
-            <a:r>
-              <a:rPr lang="fr-FR" dirty="0"/>
-              <a:t>Du code source de </a:t>
-            </a:r>
-            <a:r>
-              <a:rPr lang="fr-FR" dirty="0" err="1"/>
-              <a:t>libuv</a:t>
-            </a:r>
-            <a:r>
-              <a:rPr lang="fr-FR" dirty="0"/>
-              <a:t> : la libraire de communication réseau</a:t>
-            </a:r>
-          </a:p>
-          <a:p>
-            <a:pPr lvl="3"/>
-            <a:r>
-              <a:rPr lang="fr-FR" dirty="0"/>
-              <a:t>Du code source de SQlite3</a:t>
-            </a:r>
-          </a:p>
-          <a:p>
-            <a:pPr lvl="3"/>
-            <a:r>
-              <a:rPr lang="fr-FR" dirty="0"/>
-              <a:t>Du code source de </a:t>
-            </a:r>
-            <a:r>
-              <a:rPr lang="fr-FR" dirty="0" err="1"/>
-              <a:t>uv_cpp</a:t>
-            </a:r>
-            <a:r>
-              <a:rPr lang="fr-FR" dirty="0"/>
-              <a:t> : le </a:t>
-            </a:r>
-            <a:r>
-              <a:rPr lang="fr-FR" dirty="0" err="1"/>
-              <a:t>wrapper</a:t>
-            </a:r>
-            <a:r>
-              <a:rPr lang="fr-FR" dirty="0"/>
-              <a:t> </a:t>
-            </a:r>
-            <a:r>
-              <a:rPr lang="fr-FR" dirty="0" err="1"/>
-              <a:t>cpp</a:t>
-            </a:r>
-            <a:r>
-              <a:rPr lang="fr-FR" dirty="0"/>
-              <a:t> pour </a:t>
-            </a:r>
-            <a:r>
-              <a:rPr lang="fr-FR" dirty="0" err="1"/>
-              <a:t>libuv</a:t>
-            </a:r>
-            <a:endParaRPr lang="fr-FR" dirty="0"/>
-          </a:p>
-          <a:p>
-            <a:pPr lvl="2"/>
-            <a:r>
-              <a:rPr lang="fr-FR" dirty="0"/>
-              <a:t>Ajout dans le projet du code utile reparti en module :</a:t>
-            </a:r>
-          </a:p>
-          <a:p>
-            <a:pPr lvl="3"/>
-            <a:r>
-              <a:rPr lang="fr-FR" dirty="0"/>
-              <a:t>Un module pour gérer le serveur HTTP : réception / traitement / envoi de requête HTTP</a:t>
-            </a:r>
-          </a:p>
-          <a:p>
-            <a:pPr lvl="3"/>
-            <a:r>
-              <a:rPr lang="fr-FR" dirty="0"/>
-              <a:t>Un module pour gérer le capteur : mesure du capteur et formatage des données mesurées</a:t>
-            </a:r>
-          </a:p>
-          <a:p>
-            <a:pPr lvl="3"/>
-            <a:r>
-              <a:rPr lang="fr-FR" dirty="0"/>
-              <a:t>Un module pour gérer la base de donnée : ajout de donnée / extraction sous forme JSON</a:t>
-            </a:r>
-          </a:p>
-          <a:p>
-            <a:pPr lvl="3"/>
-            <a:r>
-              <a:rPr lang="fr-FR" dirty="0"/>
-              <a:t>Un module pour piloter la mesure et l’inscription dans la base de donnée suivant un </a:t>
-            </a:r>
-            <a:r>
-              <a:rPr lang="fr-FR" dirty="0" err="1"/>
-              <a:t>timer</a:t>
-            </a:r>
-            <a:r>
-              <a:rPr lang="fr-FR" dirty="0"/>
-              <a:t>. Ici toute les heures</a:t>
-            </a:r>
-          </a:p>
-          <a:p>
-            <a:pPr lvl="3"/>
-            <a:r>
-              <a:rPr lang="fr-FR" dirty="0"/>
-              <a:t>Un module pour extraire les infos du serveur : </a:t>
-            </a:r>
-          </a:p>
-          <a:p>
-            <a:pPr lvl="4"/>
-            <a:r>
-              <a:rPr lang="fr-FR" dirty="0"/>
-              <a:t>Infos de l’os : version, </a:t>
-            </a:r>
-            <a:r>
-              <a:rPr lang="fr-FR" dirty="0" err="1"/>
-              <a:t>cpu</a:t>
-            </a:r>
-            <a:endParaRPr lang="fr-FR" dirty="0"/>
-          </a:p>
-          <a:p>
-            <a:pPr lvl="4"/>
-            <a:r>
-              <a:rPr lang="fr-FR" dirty="0"/>
-              <a:t>Infos sur la bd : nombre d’enregistrements, version de la bd, chemin de la bd</a:t>
-            </a:r>
-          </a:p>
-          <a:p>
-            <a:pPr lvl="4"/>
-            <a:r>
-              <a:rPr lang="fr-FR" dirty="0"/>
-              <a:t>Infos sur le serveur : version, ligne de commande utilisé</a:t>
-            </a:r>
-          </a:p>
-          <a:p>
-            <a:pPr lvl="3"/>
-            <a:r>
-              <a:rPr lang="fr-FR" dirty="0"/>
-              <a:t>Ajout du point d’entrée du projet :</a:t>
-            </a:r>
-          </a:p>
-          <a:p>
-            <a:pPr lvl="4"/>
-            <a:r>
-              <a:rPr lang="fr-FR" dirty="0"/>
-              <a:t>Ajout d’une interface de ligne de commande configurable dans la logique des commande UNIX</a:t>
-            </a:r>
-          </a:p>
-          <a:p>
-            <a:pPr lvl="3"/>
-            <a:endParaRPr lang="fr-FR" dirty="0"/>
-          </a:p>
-          <a:p>
-            <a:pPr marL="0" indent="0">
+            <a:endParaRPr lang="fr-FR" sz="1800" dirty="0">
+              <a:solidFill>
+                <a:prstClr val="black"/>
+              </a:solidFill>
+            </a:endParaRPr>
+          </a:p>
+          <a:p>
+            <a:pPr marL="0" lvl="0" indent="0">
+              <a:lnSpc>
+                <a:spcPct val="100000"/>
+              </a:lnSpc>
+              <a:spcBef>
+                <a:spcPts val="0"/>
+              </a:spcBef>
+              <a:buClrTx/>
               <a:buNone/>
             </a:pPr>
+            <a:r>
+              <a:rPr lang="fr-FR" sz="1800" dirty="0">
+                <a:solidFill>
+                  <a:prstClr val="black"/>
+                </a:solidFill>
+              </a:rPr>
+              <a:t>Une qui nous donne  des mesures en temps </a:t>
+            </a:r>
+            <a:r>
+              <a:rPr lang="fr-FR" sz="1800" dirty="0" err="1">
+                <a:solidFill>
+                  <a:prstClr val="black"/>
+                </a:solidFill>
+              </a:rPr>
+              <a:t>reel</a:t>
+            </a:r>
+            <a:r>
+              <a:rPr lang="fr-FR" sz="1800" dirty="0">
+                <a:solidFill>
+                  <a:prstClr val="black"/>
+                </a:solidFill>
+              </a:rPr>
+              <a:t>  et une des prévisions  sur  5 jours </a:t>
+            </a:r>
+          </a:p>
+          <a:p>
+            <a:pPr marL="0" lvl="0" indent="0">
+              <a:lnSpc>
+                <a:spcPct val="100000"/>
+              </a:lnSpc>
+              <a:spcBef>
+                <a:spcPts val="0"/>
+              </a:spcBef>
+              <a:buClrTx/>
+              <a:buNone/>
+            </a:pPr>
+            <a:endParaRPr lang="fr-FR" sz="1800" dirty="0">
+              <a:solidFill>
+                <a:prstClr val="black"/>
+              </a:solidFill>
+            </a:endParaRPr>
+          </a:p>
+          <a:p>
+            <a:pPr>
+              <a:lnSpc>
+                <a:spcPct val="100000"/>
+              </a:lnSpc>
+              <a:spcBef>
+                <a:spcPts val="0"/>
+              </a:spcBef>
+              <a:buClrTx/>
+            </a:pPr>
+            <a:endParaRPr lang="fr-FR" sz="1800" dirty="0">
+              <a:solidFill>
+                <a:prstClr val="black"/>
+              </a:solidFill>
+            </a:endParaRPr>
+          </a:p>
+          <a:p>
             <a:endParaRPr lang="fr-FR" dirty="0"/>
           </a:p>
         </p:txBody>
@@ -15597,7 +16671,7 @@
           <p:cNvPr id="4" name="Espace réservé de la date 3">
             <a:extLst>
               <a:ext uri="{FF2B5EF4-FFF2-40B4-BE49-F238E27FC236}">
-                <a16:creationId xmlns:a16="http://schemas.microsoft.com/office/drawing/2014/main" id="{60BDC591-8D09-4D49-88A2-408CD1604F69}"/>
+                <a16:creationId xmlns:a16="http://schemas.microsoft.com/office/drawing/2014/main" id="{C69CF264-999B-4AE6-86E6-38F9278562E7}"/>
               </a:ext>
             </a:extLst>
           </p:cNvPr>
@@ -15622,10 +16696,58 @@
           </a:p>
         </p:txBody>
       </p:sp>
+      <p:sp>
+        <p:nvSpPr>
+          <p:cNvPr id="6" name="ZoneTexte 5">
+            <a:extLst>
+              <a:ext uri="{FF2B5EF4-FFF2-40B4-BE49-F238E27FC236}">
+                <a16:creationId xmlns:a16="http://schemas.microsoft.com/office/drawing/2014/main" id="{A5BC0ACF-C29E-41B2-A840-DE21FA9E6545}"/>
+              </a:ext>
+            </a:extLst>
+          </p:cNvPr>
+          <p:cNvSpPr txBox="1"/>
+          <p:nvPr/>
+        </p:nvSpPr>
+        <p:spPr>
+          <a:xfrm>
+            <a:off x="3021070" y="1825361"/>
+            <a:ext cx="8265111" cy="461665"/>
+          </a:xfrm>
+          <a:prstGeom prst="rect">
+            <a:avLst/>
+          </a:prstGeom>
+          <a:noFill/>
+        </p:spPr>
+        <p:txBody>
+          <a:bodyPr wrap="square" rtlCol="0">
+            <a:spAutoFit/>
+          </a:bodyPr>
+          <a:lstStyle/>
+          <a:p>
+            <a:r>
+              <a:rPr lang="fr-FR" sz="2400" dirty="0" err="1"/>
+              <a:t>Forecast</a:t>
+            </a:r>
+            <a:r>
+              <a:rPr lang="fr-FR" sz="2400" dirty="0"/>
+              <a:t> et mesures instantanées</a:t>
+            </a:r>
+            <a:r>
+              <a:rPr lang="fr-FR" sz="2400" b="1" dirty="0"/>
+              <a:t>:</a:t>
+            </a:r>
+            <a:r>
+              <a:rPr lang="fr-FR" sz="2400" dirty="0"/>
+              <a:t>	</a:t>
+            </a:r>
+            <a:endParaRPr lang="en-US" sz="2400" dirty="0"/>
+          </a:p>
+        </p:txBody>
+      </p:sp>
     </p:spTree>
     <p:extLst>
       <p:ext uri="{BB962C8B-B14F-4D97-AF65-F5344CB8AC3E}">
-        <p14:creationId xmlns:p14="http://schemas.microsoft.com/office/powerpoint/2010/main" val="3877532116"/>
+        <p14:creationId xmlns:p14="http://schemas.microsoft.com/office/powerpoint/2010/main" val="3371592575"/>
       </p:ext>
     </p:extLst>
   </p:cSld>
@@ -15654,10 +16776,10 @@
       </p:grpSpPr>
       <p:sp>
         <p:nvSpPr>
-          <p:cNvPr id="5" name="Titre 4">
-            <a:extLst>
-              <a:ext uri="{FF2B5EF4-FFF2-40B4-BE49-F238E27FC236}">
-                <a16:creationId xmlns:a16="http://schemas.microsoft.com/office/drawing/2014/main" id="{B535D397-2E1B-4C1E-A392-E2A43916D949}"/>
+          <p:cNvPr id="2" name="Titre 1">
+            <a:extLst>
+              <a:ext uri="{FF2B5EF4-FFF2-40B4-BE49-F238E27FC236}">
+                <a16:creationId xmlns:a16="http://schemas.microsoft.com/office/drawing/2014/main" id="{FC06F74D-5B9E-4B54-867B-3886887367AA}"/>
               </a:ext>
             </a:extLst>
           </p:cNvPr>
@@ -15665,7 +16787,7 @@
             <a:spLocks noGrp="1"/>
           </p:cNvSpPr>
           <p:nvPr>
-            <p:ph type="ctrTitle"/>
+            <p:ph type="title"/>
           </p:nvPr>
         </p:nvSpPr>
         <p:spPr/>
@@ -15675,17 +16797,18 @@
           <a:p>
             <a:r>
               <a:rPr lang="fr-FR" dirty="0"/>
-              <a:t>LA FINITION</a:t>
-            </a:r>
-          </a:p>
-        </p:txBody>
-      </p:sp>
-      <p:sp>
-        <p:nvSpPr>
-          <p:cNvPr id="6" name="Sous-titre 5">
-            <a:extLst>
-              <a:ext uri="{FF2B5EF4-FFF2-40B4-BE49-F238E27FC236}">
-                <a16:creationId xmlns:a16="http://schemas.microsoft.com/office/drawing/2014/main" id="{42DF712F-84EC-48F3-B510-83E590DD97F0}"/>
+              <a:t>Fonctionnalité :changement de ville</a:t>
+            </a:r>
+            <a:endParaRPr lang="en-US" dirty="0"/>
+          </a:p>
+        </p:txBody>
+      </p:sp>
+      <p:sp>
+        <p:nvSpPr>
+          <p:cNvPr id="3" name="Espace réservé du contenu 2">
+            <a:extLst>
+              <a:ext uri="{FF2B5EF4-FFF2-40B4-BE49-F238E27FC236}">
+                <a16:creationId xmlns:a16="http://schemas.microsoft.com/office/drawing/2014/main" id="{1682D351-0804-4D8E-9613-77DAD2AEF7BF}"/>
               </a:ext>
             </a:extLst>
           </p:cNvPr>
@@ -15693,18 +16816,44 @@
             <a:spLocks noGrp="1"/>
           </p:cNvSpPr>
           <p:nvPr>
-            <p:ph type="subTitle" idx="1"/>
+            <p:ph idx="1"/>
           </p:nvPr>
         </p:nvSpPr>
-        <p:spPr/>
+        <p:spPr>
+          <a:xfrm>
+            <a:off x="1066800" y="2245995"/>
+            <a:ext cx="10058400" cy="3849624"/>
+          </a:xfrm>
+        </p:spPr>
         <p:txBody>
           <a:bodyPr/>
           <a:lstStyle/>
           <a:p>
-            <a:r>
-              <a:rPr lang="fr-FR" dirty="0"/>
-              <a:t>DESIGN / OPTIMISATION / SIMPLIFCATION</a:t>
-            </a:r>
+            <a:pPr marL="0" indent="0">
+              <a:buNone/>
+            </a:pPr>
+            <a:r>
+              <a:rPr lang="fr-FR" dirty="0"/>
+              <a:t>Grace  au paramètre de changement de ville disponible dans notre url .</a:t>
+            </a:r>
+          </a:p>
+          <a:p>
+            <a:pPr marL="0" indent="0">
+              <a:buNone/>
+            </a:pPr>
+            <a:r>
+              <a:rPr lang="fr-FR" dirty="0"/>
+              <a:t>Nous avons  rajoute une option de changement de  ville  dans notre programme qui </a:t>
+            </a:r>
+            <a:r>
+              <a:rPr lang="fr-FR" dirty="0" err="1"/>
+              <a:t>vienda</a:t>
+            </a:r>
+            <a:r>
+              <a:rPr lang="fr-FR" dirty="0"/>
+              <a:t> changer la ville recherche dans l’adresse url afin d’en afficher les mesures</a:t>
+            </a:r>
+            <a:endParaRPr lang="en-US" dirty="0"/>
           </a:p>
         </p:txBody>
       </p:sp>
@@ -15713,7 +16862,7 @@
           <p:cNvPr id="4" name="Espace réservé de la date 3">
             <a:extLst>
               <a:ext uri="{FF2B5EF4-FFF2-40B4-BE49-F238E27FC236}">
-                <a16:creationId xmlns:a16="http://schemas.microsoft.com/office/drawing/2014/main" id="{030B0D3A-6441-43DC-BDBC-2E9EE16205E9}"/>
+                <a16:creationId xmlns:a16="http://schemas.microsoft.com/office/drawing/2014/main" id="{6B3AD7D1-CE65-4130-9F16-4C48F896C6EB}"/>
               </a:ext>
             </a:extLst>
           </p:cNvPr>
@@ -15732,16 +16881,46 @@
             <a:pPr rtl="0"/>
             <a:fld id="{802FE938-1586-4780-B61A-DD3B60BAB93C}" type="datetime1">
               <a:rPr lang="fr-FR" smtClean="0"/>
-              <a:t>22/06/2021</a:t>
+              <a:t>23/06/2021</a:t>
             </a:fld>
             <a:endParaRPr lang="en-US"/>
           </a:p>
         </p:txBody>
       </p:sp>
+      <p:pic>
+        <p:nvPicPr>
+          <p:cNvPr id="5" name="Image 4">
+            <a:extLst>
+              <a:ext uri="{FF2B5EF4-FFF2-40B4-BE49-F238E27FC236}">
+                <a16:creationId xmlns:a16="http://schemas.microsoft.com/office/drawing/2014/main" id="{17DAF447-E8B7-409E-9509-B2EFA9555BE7}"/>
+              </a:ext>
+            </a:extLst>
+          </p:cNvPr>
+          <p:cNvPicPr>
+            <a:picLocks noChangeAspect="1"/>
+          </p:cNvPicPr>
+          <p:nvPr/>
+        </p:nvPicPr>
+        <p:blipFill>
+          <a:blip r:embed="rId2"/>
+          <a:stretch>
+            <a:fillRect/>
+          </a:stretch>
+        </p:blipFill>
+        <p:spPr>
+          <a:xfrm>
+            <a:off x="4257906" y="3885057"/>
+            <a:ext cx="3800475" cy="285750"/>
+          </a:xfrm>
+          <a:prstGeom prst="rect">
+            <a:avLst/>
+          </a:prstGeom>
+        </p:spPr>
+      </p:pic>
     </p:spTree>
     <p:extLst>
       <p:ext uri="{BB962C8B-B14F-4D97-AF65-F5344CB8AC3E}">
-        <p14:creationId xmlns:p14="http://schemas.microsoft.com/office/powerpoint/2010/main" val="1130815813"/>
+        <p14:creationId xmlns:p14="http://schemas.microsoft.com/office/powerpoint/2010/main" val="2019531240"/>
       </p:ext>
     </p:extLst>
   </p:cSld>
@@ -15770,10 +16949,10 @@
       </p:grpSpPr>
       <p:sp>
         <p:nvSpPr>
-          <p:cNvPr id="5" name="Titre 4">
-            <a:extLst>
-              <a:ext uri="{FF2B5EF4-FFF2-40B4-BE49-F238E27FC236}">
-                <a16:creationId xmlns:a16="http://schemas.microsoft.com/office/drawing/2014/main" id="{B535D397-2E1B-4C1E-A392-E2A43916D949}"/>
+          <p:cNvPr id="2" name="Titre 1">
+            <a:extLst>
+              <a:ext uri="{FF2B5EF4-FFF2-40B4-BE49-F238E27FC236}">
+                <a16:creationId xmlns:a16="http://schemas.microsoft.com/office/drawing/2014/main" id="{5C705894-634C-4D43-86CC-728BE73B0FCF}"/>
               </a:ext>
             </a:extLst>
           </p:cNvPr>
@@ -15781,7 +16960,7 @@
             <a:spLocks noGrp="1"/>
           </p:cNvSpPr>
           <p:nvPr>
-            <p:ph type="ctrTitle"/>
+            <p:ph type="title"/>
           </p:nvPr>
         </p:nvSpPr>
         <p:spPr/>
@@ -15791,17 +16970,18 @@
           <a:p>
             <a:r>
               <a:rPr lang="fr-FR" dirty="0"/>
-              <a:t>DEMONSTRATION</a:t>
-            </a:r>
-          </a:p>
-        </p:txBody>
-      </p:sp>
-      <p:sp>
-        <p:nvSpPr>
-          <p:cNvPr id="6" name="Sous-titre 5">
-            <a:extLst>
-              <a:ext uri="{FF2B5EF4-FFF2-40B4-BE49-F238E27FC236}">
-                <a16:creationId xmlns:a16="http://schemas.microsoft.com/office/drawing/2014/main" id="{42DF712F-84EC-48F3-B510-83E590DD97F0}"/>
+              <a:t>			</a:t>
+            </a:r>
+            <a:endParaRPr lang="en-US" dirty="0"/>
+          </a:p>
+        </p:txBody>
+      </p:sp>
+      <p:sp>
+        <p:nvSpPr>
+          <p:cNvPr id="3" name="Espace réservé du contenu 2">
+            <a:extLst>
+              <a:ext uri="{FF2B5EF4-FFF2-40B4-BE49-F238E27FC236}">
+                <a16:creationId xmlns:a16="http://schemas.microsoft.com/office/drawing/2014/main" id="{A92C99E3-2AE4-4202-B09D-98788D698EE2}"/>
               </a:ext>
             </a:extLst>
           </p:cNvPr>
@@ -15809,17 +16989,196 @@
             <a:spLocks noGrp="1"/>
           </p:cNvSpPr>
           <p:nvPr>
-            <p:ph type="subTitle" idx="1"/>
+            <p:ph idx="1"/>
           </p:nvPr>
         </p:nvSpPr>
-        <p:spPr/>
+        <p:spPr>
+          <a:xfrm>
+            <a:off x="1066800" y="1750688"/>
+            <a:ext cx="10058400" cy="3849624"/>
+          </a:xfrm>
+        </p:spPr>
         <p:txBody>
           <a:bodyPr/>
           <a:lstStyle/>
           <a:p>
-            <a:r>
-              <a:rPr lang="fr-FR" dirty="0"/>
-              <a:t>DEMO DU LOGICIEL FINI</a:t>
+            <a:pPr>
+              <a:lnSpc>
+                <a:spcPct val="100000"/>
+              </a:lnSpc>
+              <a:spcBef>
+                <a:spcPts val="0"/>
+              </a:spcBef>
+              <a:buClrTx/>
+            </a:pPr>
+            <a:endParaRPr lang="fr-FR" sz="1600" dirty="0">
+              <a:solidFill>
+                <a:prstClr val="black"/>
+              </a:solidFill>
+            </a:endParaRPr>
+          </a:p>
+          <a:p>
+            <a:pPr>
+              <a:lnSpc>
+                <a:spcPct val="100000"/>
+              </a:lnSpc>
+              <a:spcBef>
+                <a:spcPts val="0"/>
+              </a:spcBef>
+              <a:buClrTx/>
+            </a:pPr>
+            <a:endParaRPr lang="fr-FR" sz="1600" dirty="0">
+              <a:solidFill>
+                <a:prstClr val="black"/>
+              </a:solidFill>
+            </a:endParaRPr>
+          </a:p>
+          <a:p>
+            <a:pPr algn="ctr">
+              <a:lnSpc>
+                <a:spcPct val="100000"/>
+              </a:lnSpc>
+              <a:spcBef>
+                <a:spcPts val="0"/>
+              </a:spcBef>
+              <a:buClrTx/>
+            </a:pPr>
+            <a:endParaRPr lang="fr-FR" sz="1600" dirty="0">
+              <a:solidFill>
+                <a:prstClr val="black"/>
+              </a:solidFill>
+            </a:endParaRPr>
+          </a:p>
+          <a:p>
+            <a:pPr marL="0" indent="0" algn="ctr">
+              <a:lnSpc>
+                <a:spcPct val="100000"/>
+              </a:lnSpc>
+              <a:spcBef>
+                <a:spcPts val="0"/>
+              </a:spcBef>
+              <a:buClrTx/>
+              <a:buNone/>
+            </a:pPr>
+            <a:r>
+              <a:rPr lang="fr-FR" sz="1600" dirty="0">
+                <a:solidFill>
+                  <a:prstClr val="black"/>
+                </a:solidFill>
+              </a:rPr>
+              <a:t>L’api que nous avons choisi  nous renvoie des codes icones</a:t>
+            </a:r>
+          </a:p>
+          <a:p>
+            <a:pPr marL="0" indent="0" algn="ctr">
+              <a:lnSpc>
+                <a:spcPct val="100000"/>
+              </a:lnSpc>
+              <a:spcBef>
+                <a:spcPts val="0"/>
+              </a:spcBef>
+              <a:buClrTx/>
+              <a:buNone/>
+            </a:pPr>
+            <a:r>
+              <a:rPr lang="fr-FR" sz="1600" dirty="0">
+                <a:solidFill>
+                  <a:prstClr val="black"/>
+                </a:solidFill>
+              </a:rPr>
+              <a:t> et des descriptions afin  de connaitre le temps  </a:t>
+            </a:r>
+            <a:r>
+              <a:rPr lang="fr-FR" sz="1600" dirty="0" err="1">
+                <a:solidFill>
+                  <a:prstClr val="black"/>
+                </a:solidFill>
+              </a:rPr>
+              <a:t>quil</a:t>
+            </a:r>
+            <a:r>
+              <a:rPr lang="fr-FR" sz="1600" dirty="0">
+                <a:solidFill>
+                  <a:prstClr val="black"/>
+                </a:solidFill>
+              </a:rPr>
+              <a:t> fait </a:t>
+            </a:r>
+          </a:p>
+          <a:p>
+            <a:pPr marL="0" indent="0" algn="ctr">
+              <a:lnSpc>
+                <a:spcPct val="100000"/>
+              </a:lnSpc>
+              <a:spcBef>
+                <a:spcPts val="0"/>
+              </a:spcBef>
+              <a:buClrTx/>
+              <a:buNone/>
+            </a:pPr>
+            <a:r>
+              <a:rPr lang="fr-FR" sz="1600" dirty="0">
+                <a:solidFill>
+                  <a:prstClr val="black"/>
+                </a:solidFill>
+              </a:rPr>
+              <a:t>	durant chacune de ses mesures (couvert ensoleillé…)</a:t>
+            </a:r>
+          </a:p>
+          <a:p>
+            <a:pPr marL="0" indent="0" algn="ctr">
+              <a:lnSpc>
+                <a:spcPct val="100000"/>
+              </a:lnSpc>
+              <a:spcBef>
+                <a:spcPts val="0"/>
+              </a:spcBef>
+              <a:buClrTx/>
+              <a:buNone/>
+            </a:pPr>
+            <a:r>
+              <a:rPr lang="fr-FR" sz="1600" dirty="0">
+                <a:solidFill>
+                  <a:prstClr val="black"/>
+                </a:solidFill>
+              </a:rPr>
+              <a:t>Nous avons donc </a:t>
+            </a:r>
+            <a:r>
+              <a:rPr lang="fr-FR" sz="1600" dirty="0" err="1">
+                <a:solidFill>
+                  <a:prstClr val="black"/>
+                </a:solidFill>
+              </a:rPr>
+              <a:t>recuperer</a:t>
+            </a:r>
+            <a:r>
+              <a:rPr lang="fr-FR" sz="1600" dirty="0">
+                <a:solidFill>
+                  <a:prstClr val="black"/>
+                </a:solidFill>
+              </a:rPr>
+              <a:t> des icones</a:t>
+            </a:r>
+          </a:p>
+          <a:p>
+            <a:pPr marL="0" indent="0" algn="ctr">
+              <a:lnSpc>
+                <a:spcPct val="100000"/>
+              </a:lnSpc>
+              <a:spcBef>
+                <a:spcPts val="0"/>
+              </a:spcBef>
+              <a:buClrTx/>
+              <a:buNone/>
+            </a:pPr>
+            <a:r>
+              <a:rPr lang="fr-FR" sz="1600" dirty="0">
+                <a:solidFill>
+                  <a:prstClr val="black"/>
+                </a:solidFill>
+              </a:rPr>
+              <a:t> puis les avons lie a ces codes au niveau du  programme  afin  de le utiliser .</a:t>
             </a:r>
           </a:p>
         </p:txBody>
@@ -15829,7 +17188,7 @@
           <p:cNvPr id="4" name="Espace réservé de la date 3">
             <a:extLst>
               <a:ext uri="{FF2B5EF4-FFF2-40B4-BE49-F238E27FC236}">
-                <a16:creationId xmlns:a16="http://schemas.microsoft.com/office/drawing/2014/main" id="{030B0D3A-6441-43DC-BDBC-2E9EE16205E9}"/>
+                <a16:creationId xmlns:a16="http://schemas.microsoft.com/office/drawing/2014/main" id="{1C1A01F6-5CA0-498E-A66C-7A000DB6567A}"/>
               </a:ext>
             </a:extLst>
           </p:cNvPr>
@@ -15854,10 +17213,190 @@
           </a:p>
         </p:txBody>
       </p:sp>
+      <p:pic>
+        <p:nvPicPr>
+          <p:cNvPr id="6" name="Image 5">
+            <a:extLst>
+              <a:ext uri="{FF2B5EF4-FFF2-40B4-BE49-F238E27FC236}">
+                <a16:creationId xmlns:a16="http://schemas.microsoft.com/office/drawing/2014/main" id="{35C8FCAA-DABB-4D65-874E-303855DFEF2C}"/>
+              </a:ext>
+            </a:extLst>
+          </p:cNvPr>
+          <p:cNvPicPr>
+            <a:picLocks noChangeAspect="1"/>
+          </p:cNvPicPr>
+          <p:nvPr/>
+        </p:nvPicPr>
+        <p:blipFill>
+          <a:blip r:embed="rId2">
+            <a:extLst>
+              <a:ext uri="{28A0092B-C50C-407E-A947-70E740481C1C}">
+                <a14:useLocalDpi xmlns:a14="http://schemas.microsoft.com/office/drawing/2010/main" val="0"/>
+              </a:ext>
+            </a:extLst>
+          </a:blip>
+          <a:stretch>
+            <a:fillRect/>
+          </a:stretch>
+        </p:blipFill>
+        <p:spPr>
+          <a:xfrm>
+            <a:off x="9510631" y="1466725"/>
+            <a:ext cx="1609843" cy="1609843"/>
+          </a:xfrm>
+          <a:prstGeom prst="rect">
+            <a:avLst/>
+          </a:prstGeom>
+        </p:spPr>
+      </p:pic>
+      <p:pic>
+        <p:nvPicPr>
+          <p:cNvPr id="8" name="Image 7" descr="Une image contenant texte, signe, graphiques vectoriels&#10;&#10;Description générée automatiquement">
+            <a:extLst>
+              <a:ext uri="{FF2B5EF4-FFF2-40B4-BE49-F238E27FC236}">
+                <a16:creationId xmlns:a16="http://schemas.microsoft.com/office/drawing/2014/main" id="{2954B670-1432-4971-878C-1614247F1569}"/>
+              </a:ext>
+            </a:extLst>
+          </p:cNvPr>
+          <p:cNvPicPr>
+            <a:picLocks noChangeAspect="1"/>
+          </p:cNvPicPr>
+          <p:nvPr/>
+        </p:nvPicPr>
+        <p:blipFill>
+          <a:blip r:embed="rId3">
+            <a:extLst>
+              <a:ext uri="{28A0092B-C50C-407E-A947-70E740481C1C}">
+                <a14:useLocalDpi xmlns:a14="http://schemas.microsoft.com/office/drawing/2010/main" val="0"/>
+              </a:ext>
+            </a:extLst>
+          </a:blip>
+          <a:stretch>
+            <a:fillRect/>
+          </a:stretch>
+        </p:blipFill>
+        <p:spPr>
+          <a:xfrm>
+            <a:off x="896357" y="4104036"/>
+            <a:ext cx="1772575" cy="1780239"/>
+          </a:xfrm>
+          <a:prstGeom prst="rect">
+            <a:avLst/>
+          </a:prstGeom>
+        </p:spPr>
+      </p:pic>
+      <p:pic>
+        <p:nvPicPr>
+          <p:cNvPr id="10" name="Image 9">
+            <a:extLst>
+              <a:ext uri="{FF2B5EF4-FFF2-40B4-BE49-F238E27FC236}">
+                <a16:creationId xmlns:a16="http://schemas.microsoft.com/office/drawing/2014/main" id="{EA16224B-6756-4CB4-B934-5116C998389D}"/>
+              </a:ext>
+            </a:extLst>
+          </p:cNvPr>
+          <p:cNvPicPr>
+            <a:picLocks noChangeAspect="1"/>
+          </p:cNvPicPr>
+          <p:nvPr/>
+        </p:nvPicPr>
+        <p:blipFill>
+          <a:blip r:embed="rId4">
+            <a:extLst>
+              <a:ext uri="{28A0092B-C50C-407E-A947-70E740481C1C}">
+                <a14:useLocalDpi xmlns:a14="http://schemas.microsoft.com/office/drawing/2010/main" val="0"/>
+              </a:ext>
+            </a:extLst>
+          </a:blip>
+          <a:stretch>
+            <a:fillRect/>
+          </a:stretch>
+        </p:blipFill>
+        <p:spPr>
+          <a:xfrm>
+            <a:off x="1151425" y="1577284"/>
+            <a:ext cx="1588528" cy="1588528"/>
+          </a:xfrm>
+          <a:prstGeom prst="rect">
+            <a:avLst/>
+          </a:prstGeom>
+        </p:spPr>
+      </p:pic>
+      <p:pic>
+        <p:nvPicPr>
+          <p:cNvPr id="12" name="Image 11">
+            <a:extLst>
+              <a:ext uri="{FF2B5EF4-FFF2-40B4-BE49-F238E27FC236}">
+                <a16:creationId xmlns:a16="http://schemas.microsoft.com/office/drawing/2014/main" id="{D69845D6-7C16-402B-8D4C-8DD5E232276C}"/>
+              </a:ext>
+            </a:extLst>
+          </p:cNvPr>
+          <p:cNvPicPr>
+            <a:picLocks noChangeAspect="1"/>
+          </p:cNvPicPr>
+          <p:nvPr/>
+        </p:nvPicPr>
+        <p:blipFill>
+          <a:blip r:embed="rId5">
+            <a:extLst>
+              <a:ext uri="{28A0092B-C50C-407E-A947-70E740481C1C}">
+                <a14:useLocalDpi xmlns:a14="http://schemas.microsoft.com/office/drawing/2010/main" val="0"/>
+              </a:ext>
+            </a:extLst>
+          </a:blip>
+          <a:stretch>
+            <a:fillRect/>
+          </a:stretch>
+        </p:blipFill>
+        <p:spPr>
+          <a:xfrm>
+            <a:off x="9429264" y="3956673"/>
+            <a:ext cx="1772575" cy="1772575"/>
+          </a:xfrm>
+          <a:prstGeom prst="rect">
+            <a:avLst/>
+          </a:prstGeom>
+        </p:spPr>
+      </p:pic>
+      <p:sp>
+        <p:nvSpPr>
+          <p:cNvPr id="15" name="ZoneTexte 14">
+            <a:extLst>
+              <a:ext uri="{FF2B5EF4-FFF2-40B4-BE49-F238E27FC236}">
+                <a16:creationId xmlns:a16="http://schemas.microsoft.com/office/drawing/2014/main" id="{F6B3B7BF-59B2-4236-8F00-00463E4A86D1}"/>
+              </a:ext>
+            </a:extLst>
+          </p:cNvPr>
+          <p:cNvSpPr txBox="1"/>
+          <p:nvPr/>
+        </p:nvSpPr>
+        <p:spPr>
+          <a:xfrm>
+            <a:off x="3045041" y="642594"/>
+            <a:ext cx="5948039" cy="523220"/>
+          </a:xfrm>
+          <a:prstGeom prst="rect">
+            <a:avLst/>
+          </a:prstGeom>
+          <a:noFill/>
+        </p:spPr>
+        <p:txBody>
+          <a:bodyPr wrap="square" rtlCol="0">
+            <a:spAutoFit/>
+          </a:bodyPr>
+          <a:lstStyle/>
+          <a:p>
+            <a:r>
+              <a:rPr lang="fr-FR" sz="2800" dirty="0"/>
+              <a:t>     Fonctionnalité : logos/icones </a:t>
+            </a:r>
+            <a:endParaRPr lang="en-US" sz="2800" dirty="0"/>
+          </a:p>
+        </p:txBody>
+      </p:sp>
     </p:spTree>
     <p:extLst>
       <p:ext uri="{BB962C8B-B14F-4D97-AF65-F5344CB8AC3E}">
-        <p14:creationId xmlns:p14="http://schemas.microsoft.com/office/powerpoint/2010/main" val="962287830"/>
+        <p14:creationId xmlns:p14="http://schemas.microsoft.com/office/powerpoint/2010/main" val="2464873674"/>
       </p:ext>
     </p:extLst>
   </p:cSld>
@@ -15886,68 +17425,10 @@
       </p:grpSpPr>
       <p:sp>
         <p:nvSpPr>
-          <p:cNvPr id="5" name="Titre 4">
-            <a:extLst>
-              <a:ext uri="{FF2B5EF4-FFF2-40B4-BE49-F238E27FC236}">
-                <a16:creationId xmlns:a16="http://schemas.microsoft.com/office/drawing/2014/main" id="{B535D397-2E1B-4C1E-A392-E2A43916D949}"/>
-              </a:ext>
-            </a:extLst>
-          </p:cNvPr>
-          <p:cNvSpPr>
-            <a:spLocks noGrp="1"/>
-          </p:cNvSpPr>
-          <p:nvPr>
-            <p:ph type="ctrTitle"/>
-          </p:nvPr>
-        </p:nvSpPr>
-        <p:spPr/>
-        <p:txBody>
-          <a:bodyPr/>
-          <a:lstStyle/>
-          <a:p>
-            <a:r>
-              <a:rPr lang="fr-FR" dirty="0"/>
-              <a:t>CONCLUSION</a:t>
-            </a:r>
-          </a:p>
-        </p:txBody>
-      </p:sp>
-      <p:sp>
-        <p:nvSpPr>
-          <p:cNvPr id="6" name="Sous-titre 5">
-            <a:extLst>
-              <a:ext uri="{FF2B5EF4-FFF2-40B4-BE49-F238E27FC236}">
-                <a16:creationId xmlns:a16="http://schemas.microsoft.com/office/drawing/2014/main" id="{42DF712F-84EC-48F3-B510-83E590DD97F0}"/>
-              </a:ext>
-            </a:extLst>
-          </p:cNvPr>
-          <p:cNvSpPr>
-            <a:spLocks noGrp="1"/>
-          </p:cNvSpPr>
-          <p:nvPr>
-            <p:ph type="subTitle" idx="1"/>
-          </p:nvPr>
-        </p:nvSpPr>
-        <p:spPr/>
-        <p:txBody>
-          <a:bodyPr>
-            <a:normAutofit fontScale="92500"/>
-          </a:bodyPr>
-          <a:lstStyle/>
-          <a:p>
-            <a:r>
-              <a:rPr lang="fr-FR" dirty="0"/>
-              <a:t>PROBLEMES RENCONTRES / EVOLUTIONS POSSIBLES / APPORTS PERSONNELS </a:t>
-            </a:r>
-          </a:p>
-        </p:txBody>
-      </p:sp>
-      <p:sp>
-        <p:nvSpPr>
-          <p:cNvPr id="4" name="Espace réservé de la date 3">
-            <a:extLst>
-              <a:ext uri="{FF2B5EF4-FFF2-40B4-BE49-F238E27FC236}">
-                <a16:creationId xmlns:a16="http://schemas.microsoft.com/office/drawing/2014/main" id="{030B0D3A-6441-43DC-BDBC-2E9EE16205E9}"/>
+          <p:cNvPr id="2" name="Espace réservé de la date 1">
+            <a:extLst>
+              <a:ext uri="{FF2B5EF4-FFF2-40B4-BE49-F238E27FC236}">
+                <a16:creationId xmlns:a16="http://schemas.microsoft.com/office/drawing/2014/main" id="{23A383CC-876A-4EAD-BD24-7812EFEF61D1}"/>
               </a:ext>
             </a:extLst>
           </p:cNvPr>
@@ -15964,6 +17445,348 @@
           <a:lstStyle/>
           <a:p>
             <a:pPr rtl="0"/>
+            <a:fld id="{2BD66AC7-6890-4F0E-B000-A39D822B7C00}" type="datetime1">
+              <a:rPr lang="fr-FR" smtClean="0"/>
+              <a:t>22/06/2021</a:t>
+            </a:fld>
+            <a:endParaRPr lang="en-US"/>
+          </a:p>
+        </p:txBody>
+      </p:sp>
+      <p:sp>
+        <p:nvSpPr>
+          <p:cNvPr id="5" name="ZoneTexte 4">
+            <a:extLst>
+              <a:ext uri="{FF2B5EF4-FFF2-40B4-BE49-F238E27FC236}">
+                <a16:creationId xmlns:a16="http://schemas.microsoft.com/office/drawing/2014/main" id="{630A75B3-2574-4629-BADA-7580092F65B0}"/>
+              </a:ext>
+            </a:extLst>
+          </p:cNvPr>
+          <p:cNvSpPr txBox="1"/>
+          <p:nvPr/>
+        </p:nvSpPr>
+        <p:spPr>
+          <a:xfrm>
+            <a:off x="1740023" y="2405848"/>
+            <a:ext cx="9792070" cy="923330"/>
+          </a:xfrm>
+          <a:prstGeom prst="rect">
+            <a:avLst/>
+          </a:prstGeom>
+          <a:noFill/>
+        </p:spPr>
+        <p:txBody>
+          <a:bodyPr wrap="square" rtlCol="0">
+            <a:spAutoFit/>
+          </a:bodyPr>
+          <a:lstStyle/>
+          <a:p>
+            <a:r>
+              <a:rPr lang="fr-FR" dirty="0"/>
+              <a:t>Notre API nous permet de modifier la langue des descriptions </a:t>
+            </a:r>
+            <a:r>
+              <a:rPr lang="fr-FR" dirty="0" err="1"/>
+              <a:t>meteo</a:t>
+            </a:r>
+            <a:r>
+              <a:rPr lang="fr-FR" dirty="0"/>
+              <a:t>  reçues,</a:t>
+            </a:r>
+          </a:p>
+          <a:p>
+            <a:r>
+              <a:rPr lang="fr-FR" dirty="0"/>
+              <a:t>Nous avons donc utilisé cette fonction dans notre  programme </a:t>
+            </a:r>
+          </a:p>
+          <a:p>
+            <a:r>
+              <a:rPr lang="fr-FR" dirty="0"/>
+              <a:t>Cette fonction sera utilise lorsque nous modifierons la langue dans les </a:t>
+            </a:r>
+            <a:r>
+              <a:rPr lang="fr-FR" dirty="0" err="1"/>
+              <a:t>parametre</a:t>
+            </a:r>
+            <a:endParaRPr lang="en-US" dirty="0"/>
+          </a:p>
+        </p:txBody>
+      </p:sp>
+      <p:pic>
+        <p:nvPicPr>
+          <p:cNvPr id="6" name="Image 5">
+            <a:extLst>
+              <a:ext uri="{FF2B5EF4-FFF2-40B4-BE49-F238E27FC236}">
+                <a16:creationId xmlns:a16="http://schemas.microsoft.com/office/drawing/2014/main" id="{CC62729A-65EB-412F-82FB-BCA41BAB654F}"/>
+              </a:ext>
+            </a:extLst>
+          </p:cNvPr>
+          <p:cNvPicPr>
+            <a:picLocks noChangeAspect="1"/>
+          </p:cNvPicPr>
+          <p:nvPr/>
+        </p:nvPicPr>
+        <p:blipFill>
+          <a:blip r:embed="rId2"/>
+          <a:stretch>
+            <a:fillRect/>
+          </a:stretch>
+        </p:blipFill>
+        <p:spPr>
+          <a:xfrm>
+            <a:off x="3420124" y="3371480"/>
+            <a:ext cx="965446" cy="1238250"/>
+          </a:xfrm>
+          <a:prstGeom prst="rect">
+            <a:avLst/>
+          </a:prstGeom>
+        </p:spPr>
+      </p:pic>
+      <p:pic>
+        <p:nvPicPr>
+          <p:cNvPr id="8" name="Image 7">
+            <a:extLst>
+              <a:ext uri="{FF2B5EF4-FFF2-40B4-BE49-F238E27FC236}">
+                <a16:creationId xmlns:a16="http://schemas.microsoft.com/office/drawing/2014/main" id="{5E202826-23EB-4106-B8AE-9A6C7EB4486C}"/>
+              </a:ext>
+            </a:extLst>
+          </p:cNvPr>
+          <p:cNvPicPr>
+            <a:picLocks noChangeAspect="1"/>
+          </p:cNvPicPr>
+          <p:nvPr/>
+        </p:nvPicPr>
+        <p:blipFill>
+          <a:blip r:embed="rId3"/>
+          <a:stretch>
+            <a:fillRect/>
+          </a:stretch>
+        </p:blipFill>
+        <p:spPr>
+          <a:xfrm>
+            <a:off x="7148003" y="3352430"/>
+            <a:ext cx="914400" cy="1257300"/>
+          </a:xfrm>
+          <a:prstGeom prst="rect">
+            <a:avLst/>
+          </a:prstGeom>
+        </p:spPr>
+      </p:pic>
+      <p:sp>
+        <p:nvSpPr>
+          <p:cNvPr id="9" name="ZoneTexte 8">
+            <a:extLst>
+              <a:ext uri="{FF2B5EF4-FFF2-40B4-BE49-F238E27FC236}">
+                <a16:creationId xmlns:a16="http://schemas.microsoft.com/office/drawing/2014/main" id="{4FB499BC-08FA-4DB4-9EAB-674B335050A5}"/>
+              </a:ext>
+            </a:extLst>
+          </p:cNvPr>
+          <p:cNvSpPr txBox="1"/>
+          <p:nvPr/>
+        </p:nvSpPr>
+        <p:spPr>
+          <a:xfrm>
+            <a:off x="2414726" y="843379"/>
+            <a:ext cx="7253056" cy="553998"/>
+          </a:xfrm>
+          <a:prstGeom prst="rect">
+            <a:avLst/>
+          </a:prstGeom>
+          <a:noFill/>
+        </p:spPr>
+        <p:txBody>
+          <a:bodyPr wrap="square" rtlCol="0">
+            <a:spAutoFit/>
+          </a:bodyPr>
+          <a:lstStyle/>
+          <a:p>
+            <a:r>
+              <a:rPr lang="fr-FR" sz="3000" dirty="0"/>
+              <a:t>Fonction changement de langue:</a:t>
+            </a:r>
+            <a:endParaRPr lang="en-US" sz="3000" dirty="0"/>
+          </a:p>
+        </p:txBody>
+      </p:sp>
+      <p:pic>
+        <p:nvPicPr>
+          <p:cNvPr id="11" name="Image 10">
+            <a:extLst>
+              <a:ext uri="{FF2B5EF4-FFF2-40B4-BE49-F238E27FC236}">
+                <a16:creationId xmlns:a16="http://schemas.microsoft.com/office/drawing/2014/main" id="{2C2E19F8-4D5B-46B4-AE0A-60A11DA6D9FE}"/>
+              </a:ext>
+            </a:extLst>
+          </p:cNvPr>
+          <p:cNvPicPr>
+            <a:picLocks noChangeAspect="1"/>
+          </p:cNvPicPr>
+          <p:nvPr/>
+        </p:nvPicPr>
+        <p:blipFill>
+          <a:blip r:embed="rId4"/>
+          <a:stretch>
+            <a:fillRect/>
+          </a:stretch>
+        </p:blipFill>
+        <p:spPr>
+          <a:xfrm>
+            <a:off x="4300537" y="5519168"/>
+            <a:ext cx="3590925" cy="228600"/>
+          </a:xfrm>
+          <a:prstGeom prst="rect">
+            <a:avLst/>
+          </a:prstGeom>
+        </p:spPr>
+      </p:pic>
+      <p:pic>
+        <p:nvPicPr>
+          <p:cNvPr id="12" name="Image 11">
+            <a:extLst>
+              <a:ext uri="{FF2B5EF4-FFF2-40B4-BE49-F238E27FC236}">
+                <a16:creationId xmlns:a16="http://schemas.microsoft.com/office/drawing/2014/main" id="{95B0ABB3-8A77-45A4-97C9-8C3D01966524}"/>
+              </a:ext>
+            </a:extLst>
+          </p:cNvPr>
+          <p:cNvPicPr>
+            <a:picLocks noChangeAspect="1"/>
+          </p:cNvPicPr>
+          <p:nvPr/>
+        </p:nvPicPr>
+        <p:blipFill>
+          <a:blip r:embed="rId5"/>
+          <a:stretch>
+            <a:fillRect/>
+          </a:stretch>
+        </p:blipFill>
+        <p:spPr>
+          <a:xfrm>
+            <a:off x="4293138" y="5795852"/>
+            <a:ext cx="3590925" cy="218770"/>
+          </a:xfrm>
+          <a:prstGeom prst="rect">
+            <a:avLst/>
+          </a:prstGeom>
+        </p:spPr>
+      </p:pic>
+    </p:spTree>
+    <p:extLst>
+      <p:ext uri="{BB962C8B-B14F-4D97-AF65-F5344CB8AC3E}">
+        <p14:creationId xmlns:p14="http://schemas.microsoft.com/office/powerpoint/2010/main" val="1430933934"/>
+      </p:ext>
+    </p:extLst>
+  </p:cSld>
+  <p:clrMapOvr>
+    <a:masterClrMapping/>
+  </p:clrMapOvr>
+</p:sld>
+</file>
+
+<file path=ppt/slides/slide36.xml><?xml version="1.0" encoding="utf-8"?>
+<p:sld xmlns:a="http://schemas.openxmlformats.org/drawingml/2006/main" xmlns:r="http://schemas.openxmlformats.org/officeDocument/2006/relationships" xmlns:p="http://schemas.openxmlformats.org/presentationml/2006/main">
+  <p:cSld>
+    <p:spTree>
+      <p:nvGrpSpPr>
+        <p:cNvPr id="1" name=""/>
+        <p:cNvGrpSpPr/>
+        <p:nvPr/>
+      </p:nvGrpSpPr>
+      <p:grpSpPr>
+        <a:xfrm>
+          <a:off x="0" y="0"/>
+          <a:ext cx="0" cy="0"/>
+          <a:chOff x="0" y="0"/>
+          <a:chExt cx="0" cy="0"/>
+        </a:xfrm>
+      </p:grpSpPr>
+      <p:sp>
+        <p:nvSpPr>
+          <p:cNvPr id="2" name="Titre 1">
+            <a:extLst>
+              <a:ext uri="{FF2B5EF4-FFF2-40B4-BE49-F238E27FC236}">
+                <a16:creationId xmlns:a16="http://schemas.microsoft.com/office/drawing/2014/main" id="{474F9FEC-3988-4850-8F94-B78D74427A79}"/>
+              </a:ext>
+            </a:extLst>
+          </p:cNvPr>
+          <p:cNvSpPr>
+            <a:spLocks noGrp="1"/>
+          </p:cNvSpPr>
+          <p:nvPr>
+            <p:ph type="title"/>
+          </p:nvPr>
+        </p:nvSpPr>
+        <p:spPr/>
+        <p:txBody>
+          <a:bodyPr/>
+          <a:lstStyle/>
+          <a:p>
+            <a:r>
+              <a:rPr lang="fr-FR" dirty="0"/>
+              <a:t> 		</a:t>
+            </a:r>
+            <a:r>
+              <a:rPr lang="fr-FR" dirty="0" err="1"/>
+              <a:t>temperatures</a:t>
+            </a:r>
+            <a:r>
+              <a:rPr lang="fr-FR" dirty="0"/>
+              <a:t> min/max:</a:t>
+            </a:r>
+            <a:endParaRPr lang="en-US" dirty="0"/>
+          </a:p>
+        </p:txBody>
+      </p:sp>
+      <p:sp>
+        <p:nvSpPr>
+          <p:cNvPr id="3" name="Espace réservé du contenu 2">
+            <a:extLst>
+              <a:ext uri="{FF2B5EF4-FFF2-40B4-BE49-F238E27FC236}">
+                <a16:creationId xmlns:a16="http://schemas.microsoft.com/office/drawing/2014/main" id="{27A2D316-F71D-4E30-94F2-5A70458CC373}"/>
+              </a:ext>
+            </a:extLst>
+          </p:cNvPr>
+          <p:cNvSpPr>
+            <a:spLocks noGrp="1"/>
+          </p:cNvSpPr>
+          <p:nvPr>
+            <p:ph idx="1"/>
+          </p:nvPr>
+        </p:nvSpPr>
+        <p:spPr/>
+        <p:txBody>
+          <a:bodyPr/>
+          <a:lstStyle/>
+          <a:p>
+            <a:r>
+              <a:rPr lang="fr-FR" dirty="0"/>
+              <a:t>Afin d’afficher des mesures  les plus précises au niveau des prévisions nous avons optes pour l’affichage de la température minimale et de la maximale plutôt qu’une moyenne journalière</a:t>
+            </a:r>
+            <a:endParaRPr lang="en-US" dirty="0"/>
+          </a:p>
+        </p:txBody>
+      </p:sp>
+      <p:sp>
+        <p:nvSpPr>
+          <p:cNvPr id="4" name="Espace réservé de la date 3">
+            <a:extLst>
+              <a:ext uri="{FF2B5EF4-FFF2-40B4-BE49-F238E27FC236}">
+                <a16:creationId xmlns:a16="http://schemas.microsoft.com/office/drawing/2014/main" id="{7C3E9339-A82B-41AF-AC50-A6CB9A65C8A7}"/>
+              </a:ext>
+            </a:extLst>
+          </p:cNvPr>
+          <p:cNvSpPr>
+            <a:spLocks noGrp="1"/>
+          </p:cNvSpPr>
+          <p:nvPr>
+            <p:ph type="dt" sz="half" idx="10"/>
+          </p:nvPr>
+        </p:nvSpPr>
+        <p:spPr/>
+        <p:txBody>
+          <a:bodyPr/>
+          <a:lstStyle/>
+          <a:p>
+            <a:pPr rtl="0"/>
             <a:fld id="{802FE938-1586-4780-B61A-DD3B60BAB93C}" type="datetime1">
               <a:rPr lang="fr-FR" smtClean="0"/>
               <a:t>22/06/2021</a:t>
@@ -15972,10 +17795,649 @@
           </a:p>
         </p:txBody>
       </p:sp>
+      <p:pic>
+        <p:nvPicPr>
+          <p:cNvPr id="6" name="Image 5">
+            <a:extLst>
+              <a:ext uri="{FF2B5EF4-FFF2-40B4-BE49-F238E27FC236}">
+                <a16:creationId xmlns:a16="http://schemas.microsoft.com/office/drawing/2014/main" id="{E364F912-67F5-49B5-9BF9-E2C1E8582034}"/>
+              </a:ext>
+            </a:extLst>
+          </p:cNvPr>
+          <p:cNvPicPr>
+            <a:picLocks noChangeAspect="1"/>
+          </p:cNvPicPr>
+          <p:nvPr/>
+        </p:nvPicPr>
+        <p:blipFill>
+          <a:blip r:embed="rId2"/>
+          <a:stretch>
+            <a:fillRect/>
+          </a:stretch>
+        </p:blipFill>
+        <p:spPr>
+          <a:xfrm>
+            <a:off x="5068502" y="3017714"/>
+            <a:ext cx="1238250" cy="2828925"/>
+          </a:xfrm>
+          <a:prstGeom prst="rect">
+            <a:avLst/>
+          </a:prstGeom>
+        </p:spPr>
+      </p:pic>
+      <p:sp>
+        <p:nvSpPr>
+          <p:cNvPr id="7" name="ZoneTexte 6">
+            <a:extLst>
+              <a:ext uri="{FF2B5EF4-FFF2-40B4-BE49-F238E27FC236}">
+                <a16:creationId xmlns:a16="http://schemas.microsoft.com/office/drawing/2014/main" id="{D245B6F6-6D13-415A-AB73-94DAC14A56EB}"/>
+              </a:ext>
+            </a:extLst>
+          </p:cNvPr>
+          <p:cNvSpPr txBox="1"/>
+          <p:nvPr/>
+        </p:nvSpPr>
+        <p:spPr>
+          <a:xfrm>
+            <a:off x="3657600" y="3017714"/>
+            <a:ext cx="1410902" cy="646331"/>
+          </a:xfrm>
+          <a:prstGeom prst="rect">
+            <a:avLst/>
+          </a:prstGeom>
+          <a:noFill/>
+        </p:spPr>
+        <p:txBody>
+          <a:bodyPr wrap="square" rtlCol="0">
+            <a:spAutoFit/>
+          </a:bodyPr>
+          <a:lstStyle/>
+          <a:p>
+            <a:r>
+              <a:rPr lang="fr-FR" dirty="0"/>
+              <a:t>Minimale:</a:t>
+            </a:r>
+          </a:p>
+          <a:p>
+            <a:r>
+              <a:rPr lang="fr-FR" dirty="0"/>
+              <a:t>Maximale:</a:t>
+            </a:r>
+            <a:endParaRPr lang="en-US" dirty="0"/>
+          </a:p>
+        </p:txBody>
+      </p:sp>
     </p:spTree>
     <p:extLst>
       <p:ext uri="{BB962C8B-B14F-4D97-AF65-F5344CB8AC3E}">
-        <p14:creationId xmlns:p14="http://schemas.microsoft.com/office/powerpoint/2010/main" val="2085507041"/>
+        <p14:creationId xmlns:p14="http://schemas.microsoft.com/office/powerpoint/2010/main" val="2941854841"/>
+      </p:ext>
+    </p:extLst>
+  </p:cSld>
+  <p:clrMapOvr>
+    <a:masterClrMapping/>
+  </p:clrMapOvr>
+</p:sld>
+</file>
+
+<file path=ppt/slides/slide37.xml><?xml version="1.0" encoding="utf-8"?>
+<p:sld xmlns:a="http://schemas.openxmlformats.org/drawingml/2006/main" xmlns:r="http://schemas.openxmlformats.org/officeDocument/2006/relationships" xmlns:p="http://schemas.openxmlformats.org/presentationml/2006/main">
+  <p:cSld>
+    <p:spTree>
+      <p:nvGrpSpPr>
+        <p:cNvPr id="1" name=""/>
+        <p:cNvGrpSpPr/>
+        <p:nvPr/>
+      </p:nvGrpSpPr>
+      <p:grpSpPr>
+        <a:xfrm>
+          <a:off x="0" y="0"/>
+          <a:ext cx="0" cy="0"/>
+          <a:chOff x="0" y="0"/>
+          <a:chExt cx="0" cy="0"/>
+        </a:xfrm>
+      </p:grpSpPr>
+      <p:sp>
+        <p:nvSpPr>
+          <p:cNvPr id="2" name="Titre 1">
+            <a:extLst>
+              <a:ext uri="{FF2B5EF4-FFF2-40B4-BE49-F238E27FC236}">
+                <a16:creationId xmlns:a16="http://schemas.microsoft.com/office/drawing/2014/main" id="{BFA6ACC6-2C7F-47F6-B26A-F09E26834664}"/>
+              </a:ext>
+            </a:extLst>
+          </p:cNvPr>
+          <p:cNvSpPr>
+            <a:spLocks noGrp="1"/>
+          </p:cNvSpPr>
+          <p:nvPr>
+            <p:ph type="title"/>
+          </p:nvPr>
+        </p:nvSpPr>
+        <p:spPr/>
+        <p:txBody>
+          <a:bodyPr/>
+          <a:lstStyle/>
+          <a:p>
+            <a:r>
+              <a:rPr lang="fr-FR" dirty="0"/>
+              <a:t>    </a:t>
+            </a:r>
+            <a:endParaRPr lang="en-US" dirty="0"/>
+          </a:p>
+        </p:txBody>
+      </p:sp>
+      <p:sp>
+        <p:nvSpPr>
+          <p:cNvPr id="3" name="Espace réservé du contenu 2">
+            <a:extLst>
+              <a:ext uri="{FF2B5EF4-FFF2-40B4-BE49-F238E27FC236}">
+                <a16:creationId xmlns:a16="http://schemas.microsoft.com/office/drawing/2014/main" id="{A268363A-8835-46D0-9E25-A5A6E7BED0AC}"/>
+              </a:ext>
+            </a:extLst>
+          </p:cNvPr>
+          <p:cNvSpPr>
+            <a:spLocks noGrp="1"/>
+          </p:cNvSpPr>
+          <p:nvPr>
+            <p:ph idx="1"/>
+          </p:nvPr>
+        </p:nvSpPr>
+        <p:spPr/>
+        <p:txBody>
+          <a:bodyPr/>
+          <a:lstStyle/>
+          <a:p>
+            <a:endParaRPr lang="en-US" dirty="0"/>
+          </a:p>
+        </p:txBody>
+      </p:sp>
+      <p:sp>
+        <p:nvSpPr>
+          <p:cNvPr id="4" name="Espace réservé de la date 3">
+            <a:extLst>
+              <a:ext uri="{FF2B5EF4-FFF2-40B4-BE49-F238E27FC236}">
+                <a16:creationId xmlns:a16="http://schemas.microsoft.com/office/drawing/2014/main" id="{F55E3828-2F95-4D98-A2A9-3D58FDE4383C}"/>
+              </a:ext>
+            </a:extLst>
+          </p:cNvPr>
+          <p:cNvSpPr>
+            <a:spLocks noGrp="1"/>
+          </p:cNvSpPr>
+          <p:nvPr>
+            <p:ph type="dt" sz="half" idx="10"/>
+          </p:nvPr>
+        </p:nvSpPr>
+        <p:spPr/>
+        <p:txBody>
+          <a:bodyPr/>
+          <a:lstStyle/>
+          <a:p>
+            <a:pPr rtl="0"/>
+            <a:fld id="{802FE938-1586-4780-B61A-DD3B60BAB93C}" type="datetime1">
+              <a:rPr lang="fr-FR" smtClean="0"/>
+              <a:t>23/06/2021</a:t>
+            </a:fld>
+            <a:endParaRPr lang="en-US"/>
+          </a:p>
+        </p:txBody>
+      </p:sp>
+    </p:spTree>
+    <p:extLst>
+      <p:ext uri="{BB962C8B-B14F-4D97-AF65-F5344CB8AC3E}">
+        <p14:creationId xmlns:p14="http://schemas.microsoft.com/office/powerpoint/2010/main" val="3816100659"/>
+      </p:ext>
+    </p:extLst>
+  </p:cSld>
+  <p:clrMapOvr>
+    <a:masterClrMapping/>
+  </p:clrMapOvr>
+</p:sld>
+</file>
+
+<file path=ppt/slides/slide38.xml><?xml version="1.0" encoding="utf-8"?>
+<p:sld xmlns:a="http://schemas.openxmlformats.org/drawingml/2006/main" xmlns:r="http://schemas.openxmlformats.org/officeDocument/2006/relationships" xmlns:p="http://schemas.openxmlformats.org/presentationml/2006/main">
+  <p:cSld>
+    <p:spTree>
+      <p:nvGrpSpPr>
+        <p:cNvPr id="1" name=""/>
+        <p:cNvGrpSpPr/>
+        <p:nvPr/>
+      </p:nvGrpSpPr>
+      <p:grpSpPr>
+        <a:xfrm>
+          <a:off x="0" y="0"/>
+          <a:ext cx="0" cy="0"/>
+          <a:chOff x="0" y="0"/>
+          <a:chExt cx="0" cy="0"/>
+        </a:xfrm>
+      </p:grpSpPr>
+      <p:sp>
+        <p:nvSpPr>
+          <p:cNvPr id="2" name="Titre 1">
+            <a:extLst>
+              <a:ext uri="{FF2B5EF4-FFF2-40B4-BE49-F238E27FC236}">
+                <a16:creationId xmlns:a16="http://schemas.microsoft.com/office/drawing/2014/main" id="{3ADA377F-A30B-44CB-8261-D5D5F3BA2FB4}"/>
+              </a:ext>
+            </a:extLst>
+          </p:cNvPr>
+          <p:cNvSpPr>
+            <a:spLocks noGrp="1"/>
+          </p:cNvSpPr>
+          <p:nvPr>
+            <p:ph type="title"/>
+          </p:nvPr>
+        </p:nvSpPr>
+        <p:spPr/>
+        <p:txBody>
+          <a:bodyPr/>
+          <a:lstStyle/>
+          <a:p>
+            <a:r>
+              <a:rPr lang="fr-FR" dirty="0"/>
+              <a:t>			Affichage jour:</a:t>
+            </a:r>
+            <a:endParaRPr lang="en-US" dirty="0"/>
+          </a:p>
+        </p:txBody>
+      </p:sp>
+      <p:sp>
+        <p:nvSpPr>
+          <p:cNvPr id="3" name="Espace réservé du contenu 2">
+            <a:extLst>
+              <a:ext uri="{FF2B5EF4-FFF2-40B4-BE49-F238E27FC236}">
+                <a16:creationId xmlns:a16="http://schemas.microsoft.com/office/drawing/2014/main" id="{121191D1-0818-4113-8C4B-77075C31981F}"/>
+              </a:ext>
+            </a:extLst>
+          </p:cNvPr>
+          <p:cNvSpPr>
+            <a:spLocks noGrp="1"/>
+          </p:cNvSpPr>
+          <p:nvPr>
+            <p:ph idx="1"/>
+          </p:nvPr>
+        </p:nvSpPr>
+        <p:spPr/>
+        <p:txBody>
+          <a:bodyPr/>
+          <a:lstStyle/>
+          <a:p>
+            <a:pPr marL="0" indent="0">
+              <a:buNone/>
+            </a:pPr>
+            <a:r>
+              <a:rPr lang="fr-FR" dirty="0"/>
+              <a:t> Dans les infos renvoyées par l’api nous avons bien sur la date de chaque mesures qui nous est transmise</a:t>
+            </a:r>
+          </a:p>
+          <a:p>
+            <a:pPr marL="0" indent="0">
+              <a:buNone/>
+            </a:pPr>
+            <a:r>
+              <a:rPr lang="fr-FR" dirty="0"/>
+              <a:t>Grace a elles ci et a la fonction </a:t>
+            </a:r>
+            <a:r>
+              <a:rPr lang="fr-FR" dirty="0" err="1"/>
+              <a:t>Qdate</a:t>
+            </a:r>
+            <a:r>
+              <a:rPr lang="fr-FR" dirty="0"/>
+              <a:t> nous avons eu la possibilité d’afficher le jour correspondant et a le traduire selon la langue sélectionnée</a:t>
+            </a:r>
+            <a:endParaRPr lang="en-US" dirty="0"/>
+          </a:p>
+        </p:txBody>
+      </p:sp>
+      <p:sp>
+        <p:nvSpPr>
+          <p:cNvPr id="4" name="Espace réservé de la date 3">
+            <a:extLst>
+              <a:ext uri="{FF2B5EF4-FFF2-40B4-BE49-F238E27FC236}">
+                <a16:creationId xmlns:a16="http://schemas.microsoft.com/office/drawing/2014/main" id="{81B96284-0688-44A3-B2A8-8843A7A4F3F3}"/>
+              </a:ext>
+            </a:extLst>
+          </p:cNvPr>
+          <p:cNvSpPr>
+            <a:spLocks noGrp="1"/>
+          </p:cNvSpPr>
+          <p:nvPr>
+            <p:ph type="dt" sz="half" idx="10"/>
+          </p:nvPr>
+        </p:nvSpPr>
+        <p:spPr/>
+        <p:txBody>
+          <a:bodyPr/>
+          <a:lstStyle/>
+          <a:p>
+            <a:pPr rtl="0"/>
+            <a:fld id="{802FE938-1586-4780-B61A-DD3B60BAB93C}" type="datetime1">
+              <a:rPr lang="fr-FR" smtClean="0"/>
+              <a:t>23/06/2021</a:t>
+            </a:fld>
+            <a:endParaRPr lang="en-US"/>
+          </a:p>
+        </p:txBody>
+      </p:sp>
+      <p:pic>
+        <p:nvPicPr>
+          <p:cNvPr id="8" name="Image 7">
+            <a:extLst>
+              <a:ext uri="{FF2B5EF4-FFF2-40B4-BE49-F238E27FC236}">
+                <a16:creationId xmlns:a16="http://schemas.microsoft.com/office/drawing/2014/main" id="{4A4796EC-B2EC-42FF-BA60-72E3822FA8A9}"/>
+              </a:ext>
+            </a:extLst>
+          </p:cNvPr>
+          <p:cNvPicPr>
+            <a:picLocks noChangeAspect="1"/>
+          </p:cNvPicPr>
+          <p:nvPr/>
+        </p:nvPicPr>
+        <p:blipFill>
+          <a:blip r:embed="rId2"/>
+          <a:stretch>
+            <a:fillRect/>
+          </a:stretch>
+        </p:blipFill>
+        <p:spPr>
+          <a:xfrm>
+            <a:off x="3081337" y="3082309"/>
+            <a:ext cx="6029325" cy="3238500"/>
+          </a:xfrm>
+          <a:prstGeom prst="rect">
+            <a:avLst/>
+          </a:prstGeom>
+        </p:spPr>
+      </p:pic>
+    </p:spTree>
+    <p:extLst>
+      <p:ext uri="{BB962C8B-B14F-4D97-AF65-F5344CB8AC3E}">
+        <p14:creationId xmlns:p14="http://schemas.microsoft.com/office/powerpoint/2010/main" val="2909718973"/>
+      </p:ext>
+    </p:extLst>
+  </p:cSld>
+  <p:clrMapOvr>
+    <a:masterClrMapping/>
+  </p:clrMapOvr>
+</p:sld>
+</file>
+
+<file path=ppt/slides/slide39.xml><?xml version="1.0" encoding="utf-8"?>
+<p:sld xmlns:a="http://schemas.openxmlformats.org/drawingml/2006/main" xmlns:r="http://schemas.openxmlformats.org/officeDocument/2006/relationships" xmlns:p="http://schemas.openxmlformats.org/presentationml/2006/main">
+  <p:cSld>
+    <p:spTree>
+      <p:nvGrpSpPr>
+        <p:cNvPr id="1" name=""/>
+        <p:cNvGrpSpPr/>
+        <p:nvPr/>
+      </p:nvGrpSpPr>
+      <p:grpSpPr>
+        <a:xfrm>
+          <a:off x="0" y="0"/>
+          <a:ext cx="0" cy="0"/>
+          <a:chOff x="0" y="0"/>
+          <a:chExt cx="0" cy="0"/>
+        </a:xfrm>
+      </p:grpSpPr>
+      <p:sp>
+        <p:nvSpPr>
+          <p:cNvPr id="2" name="Titre 1">
+            <a:extLst>
+              <a:ext uri="{FF2B5EF4-FFF2-40B4-BE49-F238E27FC236}">
+                <a16:creationId xmlns:a16="http://schemas.microsoft.com/office/drawing/2014/main" id="{EA53D9FC-3044-40B7-A8EB-EAB80F26D6FE}"/>
+              </a:ext>
+            </a:extLst>
+          </p:cNvPr>
+          <p:cNvSpPr>
+            <a:spLocks noGrp="1"/>
+          </p:cNvSpPr>
+          <p:nvPr>
+            <p:ph type="title"/>
+          </p:nvPr>
+        </p:nvSpPr>
+        <p:spPr>
+          <a:xfrm>
+            <a:off x="1066800" y="642594"/>
+            <a:ext cx="10058400" cy="556814"/>
+          </a:xfrm>
+        </p:spPr>
+        <p:txBody>
+          <a:bodyPr>
+            <a:normAutofit fontScale="90000"/>
+          </a:bodyPr>
+          <a:lstStyle/>
+          <a:p>
+            <a:r>
+              <a:rPr lang="fr-FR" dirty="0"/>
+              <a:t>Conception du Serveur : les grande étapes</a:t>
+            </a:r>
+          </a:p>
+        </p:txBody>
+      </p:sp>
+      <p:sp>
+        <p:nvSpPr>
+          <p:cNvPr id="3" name="Espace réservé du contenu 2">
+            <a:extLst>
+              <a:ext uri="{FF2B5EF4-FFF2-40B4-BE49-F238E27FC236}">
+                <a16:creationId xmlns:a16="http://schemas.microsoft.com/office/drawing/2014/main" id="{5837093E-200E-45C2-A38D-202DB399C72A}"/>
+              </a:ext>
+            </a:extLst>
+          </p:cNvPr>
+          <p:cNvSpPr>
+            <a:spLocks noGrp="1"/>
+          </p:cNvSpPr>
+          <p:nvPr>
+            <p:ph idx="1"/>
+          </p:nvPr>
+        </p:nvSpPr>
+        <p:spPr>
+          <a:xfrm>
+            <a:off x="1066800" y="1300348"/>
+            <a:ext cx="10058400" cy="4652396"/>
+          </a:xfrm>
+        </p:spPr>
+        <p:txBody>
+          <a:bodyPr>
+            <a:normAutofit/>
+          </a:bodyPr>
+          <a:lstStyle/>
+          <a:p>
+            <a:pPr lvl="2"/>
+            <a:endParaRPr lang="fr-FR" dirty="0"/>
+          </a:p>
+          <a:p>
+            <a:pPr lvl="2"/>
+            <a:r>
+              <a:rPr lang="fr-FR" dirty="0"/>
+              <a:t>Création d’un projet cross platform UNIX/WINDOWS</a:t>
+            </a:r>
+          </a:p>
+          <a:p>
+            <a:pPr lvl="2"/>
+            <a:r>
+              <a:rPr lang="fr-FR" dirty="0"/>
+              <a:t>Mettre en place les diffèrent modules </a:t>
+            </a:r>
+          </a:p>
+          <a:p>
+            <a:pPr lvl="3"/>
+            <a:r>
+              <a:rPr lang="fr-FR" dirty="0"/>
+              <a:t>Serveur HTTP</a:t>
+            </a:r>
+          </a:p>
+          <a:p>
+            <a:pPr lvl="3"/>
+            <a:r>
+              <a:rPr lang="fr-FR" dirty="0"/>
+              <a:t>Base de donnée</a:t>
+            </a:r>
+          </a:p>
+          <a:p>
+            <a:pPr lvl="3"/>
+            <a:r>
+              <a:rPr lang="fr-FR" dirty="0"/>
+              <a:t>Mesure capteur</a:t>
+            </a:r>
+          </a:p>
+          <a:p>
+            <a:pPr lvl="3"/>
+            <a:r>
+              <a:rPr lang="fr-FR" dirty="0"/>
+              <a:t>Historique des mesures</a:t>
+            </a:r>
+          </a:p>
+          <a:p>
+            <a:pPr lvl="3"/>
+            <a:r>
+              <a:rPr lang="fr-FR" dirty="0"/>
+              <a:t>Infos serveur</a:t>
+            </a:r>
+          </a:p>
+          <a:p>
+            <a:pPr lvl="2"/>
+            <a:r>
+              <a:rPr lang="fr-FR" dirty="0"/>
+              <a:t>Créer la logique d’interconnexion des différents modules</a:t>
+            </a:r>
+          </a:p>
+          <a:p>
+            <a:pPr lvl="2"/>
+            <a:r>
+              <a:rPr lang="fr-FR" dirty="0"/>
+              <a:t>Mettre au point les modules possible sous Windows :</a:t>
+            </a:r>
+          </a:p>
+          <a:p>
+            <a:pPr lvl="3"/>
+            <a:r>
+              <a:rPr lang="fr-FR" dirty="0"/>
+              <a:t>Serveur HTTP</a:t>
+            </a:r>
+          </a:p>
+          <a:p>
+            <a:pPr lvl="3"/>
+            <a:r>
+              <a:rPr lang="fr-FR" dirty="0" err="1"/>
+              <a:t>Pilotega</a:t>
+            </a:r>
+            <a:r>
+              <a:rPr lang="fr-FR" dirty="0"/>
+              <a:t> de la </a:t>
+            </a:r>
+            <a:r>
+              <a:rPr lang="fr-FR" dirty="0" err="1"/>
+              <a:t>abse</a:t>
+            </a:r>
+            <a:r>
+              <a:rPr lang="fr-FR" dirty="0"/>
+              <a:t> de donnée</a:t>
+            </a:r>
+          </a:p>
+          <a:p>
+            <a:pPr lvl="3"/>
+            <a:endParaRPr lang="fr-FR" dirty="0"/>
+          </a:p>
+          <a:p>
+            <a:pPr lvl="3"/>
+            <a:endParaRPr lang="fr-FR" dirty="0"/>
+          </a:p>
+          <a:p>
+            <a:pPr lvl="2"/>
+            <a:r>
+              <a:rPr lang="fr-FR" dirty="0"/>
+              <a:t> </a:t>
+            </a:r>
+            <a:r>
+              <a:rPr lang="fr-FR" dirty="0" err="1"/>
+              <a:t>etau</a:t>
+            </a:r>
+            <a:r>
+              <a:rPr lang="fr-FR" dirty="0"/>
+              <a:t> point et </a:t>
+            </a:r>
+            <a:r>
+              <a:rPr lang="fr-FR" dirty="0" err="1"/>
+              <a:t>tetser</a:t>
+            </a:r>
+            <a:r>
+              <a:rPr lang="fr-FR" dirty="0"/>
+              <a:t> les </a:t>
+            </a:r>
+            <a:r>
+              <a:rPr lang="fr-FR" dirty="0" err="1"/>
+              <a:t>different</a:t>
+            </a:r>
+            <a:r>
+              <a:rPr lang="fr-FR" dirty="0"/>
+              <a:t> composant possible </a:t>
+            </a:r>
+            <a:r>
+              <a:rPr lang="fr-FR" dirty="0" err="1"/>
+              <a:t>ctoé</a:t>
+            </a:r>
+            <a:r>
+              <a:rPr lang="fr-FR" dirty="0"/>
+              <a:t> </a:t>
+            </a:r>
+            <a:r>
+              <a:rPr lang="fr-FR" dirty="0" err="1"/>
+              <a:t>window</a:t>
+            </a:r>
+            <a:endParaRPr lang="fr-FR" dirty="0"/>
+          </a:p>
+          <a:p>
+            <a:pPr marL="0" indent="0">
+              <a:buNone/>
+            </a:pPr>
+            <a:endParaRPr lang="fr-FR" dirty="0"/>
+          </a:p>
+          <a:p>
+            <a:pPr lvl="3"/>
+            <a:endParaRPr lang="fr-FR" dirty="0"/>
+          </a:p>
+          <a:p>
+            <a:pPr marL="0" indent="0">
+              <a:buNone/>
+            </a:pPr>
+            <a:endParaRPr lang="fr-FR" dirty="0"/>
+          </a:p>
+        </p:txBody>
+      </p:sp>
+      <p:sp>
+        <p:nvSpPr>
+          <p:cNvPr id="4" name="Espace réservé de la date 3">
+            <a:extLst>
+              <a:ext uri="{FF2B5EF4-FFF2-40B4-BE49-F238E27FC236}">
+                <a16:creationId xmlns:a16="http://schemas.microsoft.com/office/drawing/2014/main" id="{60BDC591-8D09-4D49-88A2-408CD1604F69}"/>
+              </a:ext>
+            </a:extLst>
+          </p:cNvPr>
+          <p:cNvSpPr>
+            <a:spLocks noGrp="1"/>
+          </p:cNvSpPr>
+          <p:nvPr>
+            <p:ph type="dt" sz="half" idx="10"/>
+          </p:nvPr>
+        </p:nvSpPr>
+        <p:spPr/>
+        <p:txBody>
+          <a:bodyPr/>
+          <a:lstStyle/>
+          <a:p>
+            <a:pPr rtl="0"/>
+            <a:fld id="{802FE938-1586-4780-B61A-DD3B60BAB93C}" type="datetime1">
+              <a:rPr lang="fr-FR" smtClean="0"/>
+              <a:t>22/06/2021</a:t>
+            </a:fld>
+            <a:endParaRPr lang="en-US"/>
+          </a:p>
+        </p:txBody>
+      </p:sp>
+    </p:spTree>
+    <p:extLst>
+      <p:ext uri="{BB962C8B-B14F-4D97-AF65-F5344CB8AC3E}">
+        <p14:creationId xmlns:p14="http://schemas.microsoft.com/office/powerpoint/2010/main" val="2168069617"/>
       </p:ext>
     </p:extLst>
   </p:cSld>
@@ -16246,6 +18708,1314 @@
     <p:extLst>
       <p:ext uri="{BB962C8B-B14F-4D97-AF65-F5344CB8AC3E}">
         <p14:creationId xmlns:p14="http://schemas.microsoft.com/office/powerpoint/2010/main" val="2418709357"/>
+      </p:ext>
+    </p:extLst>
+  </p:cSld>
+  <p:clrMapOvr>
+    <a:masterClrMapping/>
+  </p:clrMapOvr>
+</p:sld>
+</file>
+
+<file path=ppt/slides/slide40.xml><?xml version="1.0" encoding="utf-8"?>
+<p:sld xmlns:a="http://schemas.openxmlformats.org/drawingml/2006/main" xmlns:r="http://schemas.openxmlformats.org/officeDocument/2006/relationships" xmlns:p="http://schemas.openxmlformats.org/presentationml/2006/main">
+  <p:cSld>
+    <p:spTree>
+      <p:nvGrpSpPr>
+        <p:cNvPr id="1" name=""/>
+        <p:cNvGrpSpPr/>
+        <p:nvPr/>
+      </p:nvGrpSpPr>
+      <p:grpSpPr>
+        <a:xfrm>
+          <a:off x="0" y="0"/>
+          <a:ext cx="0" cy="0"/>
+          <a:chOff x="0" y="0"/>
+          <a:chExt cx="0" cy="0"/>
+        </a:xfrm>
+      </p:grpSpPr>
+      <p:sp>
+        <p:nvSpPr>
+          <p:cNvPr id="2" name="Titre 1">
+            <a:extLst>
+              <a:ext uri="{FF2B5EF4-FFF2-40B4-BE49-F238E27FC236}">
+                <a16:creationId xmlns:a16="http://schemas.microsoft.com/office/drawing/2014/main" id="{EA53D9FC-3044-40B7-A8EB-EAB80F26D6FE}"/>
+              </a:ext>
+            </a:extLst>
+          </p:cNvPr>
+          <p:cNvSpPr>
+            <a:spLocks noGrp="1"/>
+          </p:cNvSpPr>
+          <p:nvPr>
+            <p:ph type="title"/>
+          </p:nvPr>
+        </p:nvSpPr>
+        <p:spPr>
+          <a:xfrm>
+            <a:off x="1066800" y="642594"/>
+            <a:ext cx="10058400" cy="556814"/>
+          </a:xfrm>
+        </p:spPr>
+        <p:txBody>
+          <a:bodyPr>
+            <a:normAutofit fontScale="90000"/>
+          </a:bodyPr>
+          <a:lstStyle/>
+          <a:p>
+            <a:r>
+              <a:rPr lang="fr-FR" dirty="0"/>
+              <a:t>Conception du Serveur : 1 étape</a:t>
+            </a:r>
+          </a:p>
+        </p:txBody>
+      </p:sp>
+      <p:sp>
+        <p:nvSpPr>
+          <p:cNvPr id="3" name="Espace réservé du contenu 2">
+            <a:extLst>
+              <a:ext uri="{FF2B5EF4-FFF2-40B4-BE49-F238E27FC236}">
+                <a16:creationId xmlns:a16="http://schemas.microsoft.com/office/drawing/2014/main" id="{5837093E-200E-45C2-A38D-202DB399C72A}"/>
+              </a:ext>
+            </a:extLst>
+          </p:cNvPr>
+          <p:cNvSpPr>
+            <a:spLocks noGrp="1"/>
+          </p:cNvSpPr>
+          <p:nvPr>
+            <p:ph idx="1"/>
+          </p:nvPr>
+        </p:nvSpPr>
+        <p:spPr>
+          <a:xfrm>
+            <a:off x="1066800" y="1300348"/>
+            <a:ext cx="10058400" cy="4652396"/>
+          </a:xfrm>
+        </p:spPr>
+        <p:txBody>
+          <a:bodyPr>
+            <a:normAutofit/>
+          </a:bodyPr>
+          <a:lstStyle/>
+          <a:p>
+            <a:pPr lvl="2"/>
+            <a:r>
+              <a:rPr lang="fr-FR" dirty="0"/>
+              <a:t>Création d’un projet cross platform UNIX/WINDOWS avec CMAKE </a:t>
+            </a:r>
+          </a:p>
+          <a:p>
+            <a:pPr lvl="3"/>
+            <a:r>
+              <a:rPr lang="fr-FR" dirty="0"/>
+              <a:t>L’idée était de :</a:t>
+            </a:r>
+          </a:p>
+          <a:p>
+            <a:pPr lvl="4"/>
+            <a:r>
+              <a:rPr lang="fr-FR" dirty="0"/>
+              <a:t>faire le plus gros du projet sous </a:t>
+            </a:r>
+            <a:r>
+              <a:rPr lang="fr-FR" dirty="0" err="1"/>
+              <a:t>windows</a:t>
+            </a:r>
+            <a:endParaRPr lang="fr-FR" dirty="0"/>
+          </a:p>
+          <a:p>
+            <a:pPr lvl="4"/>
+            <a:r>
+              <a:rPr lang="fr-FR" dirty="0"/>
+              <a:t>Faire le déploiement, derniers test, et configuration serveurs sur la machine linux</a:t>
+            </a:r>
+          </a:p>
+          <a:p>
+            <a:pPr lvl="3"/>
+            <a:endParaRPr lang="fr-FR" dirty="0"/>
+          </a:p>
+          <a:p>
+            <a:pPr lvl="3"/>
+            <a:r>
+              <a:rPr lang="fr-FR" dirty="0"/>
+              <a:t>Les  + de développer sous Windows : </a:t>
+            </a:r>
+          </a:p>
+          <a:p>
+            <a:pPr lvl="4"/>
+            <a:r>
+              <a:rPr lang="fr-FR" dirty="0"/>
+              <a:t>Pouvoir faciliter la mise au point et le </a:t>
+            </a:r>
+            <a:r>
+              <a:rPr lang="fr-FR" dirty="0" err="1"/>
+              <a:t>debug</a:t>
+            </a:r>
+            <a:r>
+              <a:rPr lang="fr-FR" dirty="0"/>
+              <a:t> avec les outils visuel de </a:t>
+            </a:r>
+            <a:r>
+              <a:rPr lang="fr-FR" dirty="0" err="1"/>
+              <a:t>visual</a:t>
+            </a:r>
+            <a:r>
+              <a:rPr lang="fr-FR" dirty="0"/>
+              <a:t> studio 2019 :</a:t>
+            </a:r>
+          </a:p>
+          <a:p>
+            <a:pPr lvl="5"/>
+            <a:r>
+              <a:rPr lang="fr-FR" dirty="0"/>
+              <a:t>Debugger</a:t>
+            </a:r>
+          </a:p>
+          <a:p>
+            <a:pPr lvl="5"/>
+            <a:r>
+              <a:rPr lang="fr-FR" dirty="0"/>
+              <a:t>Profiler</a:t>
+            </a:r>
+          </a:p>
+          <a:p>
+            <a:pPr lvl="5"/>
+            <a:r>
+              <a:rPr lang="fr-FR" dirty="0"/>
+              <a:t>Analyseur de fuite mémoire</a:t>
+            </a:r>
+          </a:p>
+          <a:p>
+            <a:pPr lvl="5"/>
+            <a:r>
+              <a:rPr lang="fr-FR" dirty="0" err="1"/>
+              <a:t>Refactoring</a:t>
+            </a:r>
+            <a:endParaRPr lang="fr-FR" dirty="0"/>
+          </a:p>
+          <a:p>
+            <a:pPr lvl="5"/>
+            <a:r>
+              <a:rPr lang="fr-FR" dirty="0"/>
+              <a:t>Test du serveur avec Firefox/Chrome</a:t>
+            </a:r>
+          </a:p>
+          <a:p>
+            <a:pPr lvl="5"/>
+            <a:endParaRPr lang="fr-FR" dirty="0"/>
+          </a:p>
+          <a:p>
+            <a:pPr lvl="3"/>
+            <a:r>
+              <a:rPr lang="fr-FR" dirty="0"/>
+              <a:t>Les - de développer sous Windows :</a:t>
+            </a:r>
+          </a:p>
+          <a:p>
+            <a:pPr lvl="4"/>
+            <a:r>
+              <a:rPr lang="fr-FR" dirty="0"/>
+              <a:t>Pas accès au capteur BME280.</a:t>
+            </a:r>
+          </a:p>
+          <a:p>
+            <a:pPr marL="0" indent="0">
+              <a:buNone/>
+            </a:pPr>
+            <a:endParaRPr lang="fr-FR" dirty="0"/>
+          </a:p>
+          <a:p>
+            <a:pPr lvl="3"/>
+            <a:endParaRPr lang="fr-FR" dirty="0"/>
+          </a:p>
+          <a:p>
+            <a:pPr marL="0" indent="0">
+              <a:buNone/>
+            </a:pPr>
+            <a:endParaRPr lang="fr-FR" dirty="0"/>
+          </a:p>
+        </p:txBody>
+      </p:sp>
+      <p:sp>
+        <p:nvSpPr>
+          <p:cNvPr id="4" name="Espace réservé de la date 3">
+            <a:extLst>
+              <a:ext uri="{FF2B5EF4-FFF2-40B4-BE49-F238E27FC236}">
+                <a16:creationId xmlns:a16="http://schemas.microsoft.com/office/drawing/2014/main" id="{60BDC591-8D09-4D49-88A2-408CD1604F69}"/>
+              </a:ext>
+            </a:extLst>
+          </p:cNvPr>
+          <p:cNvSpPr>
+            <a:spLocks noGrp="1"/>
+          </p:cNvSpPr>
+          <p:nvPr>
+            <p:ph type="dt" sz="half" idx="10"/>
+          </p:nvPr>
+        </p:nvSpPr>
+        <p:spPr/>
+        <p:txBody>
+          <a:bodyPr/>
+          <a:lstStyle/>
+          <a:p>
+            <a:pPr rtl="0"/>
+            <a:fld id="{802FE938-1586-4780-B61A-DD3B60BAB93C}" type="datetime1">
+              <a:rPr lang="fr-FR" smtClean="0"/>
+              <a:t>22/06/2021</a:t>
+            </a:fld>
+            <a:endParaRPr lang="en-US"/>
+          </a:p>
+        </p:txBody>
+      </p:sp>
+    </p:spTree>
+    <p:extLst>
+      <p:ext uri="{BB962C8B-B14F-4D97-AF65-F5344CB8AC3E}">
+        <p14:creationId xmlns:p14="http://schemas.microsoft.com/office/powerpoint/2010/main" val="2089308026"/>
+      </p:ext>
+    </p:extLst>
+  </p:cSld>
+  <p:clrMapOvr>
+    <a:masterClrMapping/>
+  </p:clrMapOvr>
+</p:sld>
+</file>
+
+<file path=ppt/slides/slide41.xml><?xml version="1.0" encoding="utf-8"?>
+<p:sld xmlns:a="http://schemas.openxmlformats.org/drawingml/2006/main" xmlns:r="http://schemas.openxmlformats.org/officeDocument/2006/relationships" xmlns:p="http://schemas.openxmlformats.org/presentationml/2006/main">
+  <p:cSld>
+    <p:spTree>
+      <p:nvGrpSpPr>
+        <p:cNvPr id="1" name=""/>
+        <p:cNvGrpSpPr/>
+        <p:nvPr/>
+      </p:nvGrpSpPr>
+      <p:grpSpPr>
+        <a:xfrm>
+          <a:off x="0" y="0"/>
+          <a:ext cx="0" cy="0"/>
+          <a:chOff x="0" y="0"/>
+          <a:chExt cx="0" cy="0"/>
+        </a:xfrm>
+      </p:grpSpPr>
+      <p:sp>
+        <p:nvSpPr>
+          <p:cNvPr id="2" name="Titre 1">
+            <a:extLst>
+              <a:ext uri="{FF2B5EF4-FFF2-40B4-BE49-F238E27FC236}">
+                <a16:creationId xmlns:a16="http://schemas.microsoft.com/office/drawing/2014/main" id="{EA53D9FC-3044-40B7-A8EB-EAB80F26D6FE}"/>
+              </a:ext>
+            </a:extLst>
+          </p:cNvPr>
+          <p:cNvSpPr>
+            <a:spLocks noGrp="1"/>
+          </p:cNvSpPr>
+          <p:nvPr>
+            <p:ph type="title"/>
+          </p:nvPr>
+        </p:nvSpPr>
+        <p:spPr>
+          <a:xfrm>
+            <a:off x="1066800" y="642594"/>
+            <a:ext cx="10058400" cy="556814"/>
+          </a:xfrm>
+        </p:spPr>
+        <p:txBody>
+          <a:bodyPr>
+            <a:normAutofit fontScale="90000"/>
+          </a:bodyPr>
+          <a:lstStyle/>
+          <a:p>
+            <a:r>
+              <a:rPr lang="fr-FR" dirty="0"/>
+              <a:t>Conception du Serveur : 2eme étape</a:t>
+            </a:r>
+          </a:p>
+        </p:txBody>
+      </p:sp>
+      <p:sp>
+        <p:nvSpPr>
+          <p:cNvPr id="3" name="Espace réservé du contenu 2">
+            <a:extLst>
+              <a:ext uri="{FF2B5EF4-FFF2-40B4-BE49-F238E27FC236}">
+                <a16:creationId xmlns:a16="http://schemas.microsoft.com/office/drawing/2014/main" id="{5837093E-200E-45C2-A38D-202DB399C72A}"/>
+              </a:ext>
+            </a:extLst>
+          </p:cNvPr>
+          <p:cNvSpPr>
+            <a:spLocks noGrp="1"/>
+          </p:cNvSpPr>
+          <p:nvPr>
+            <p:ph idx="1"/>
+          </p:nvPr>
+        </p:nvSpPr>
+        <p:spPr>
+          <a:xfrm>
+            <a:off x="1066800" y="1300348"/>
+            <a:ext cx="10058400" cy="4652396"/>
+          </a:xfrm>
+        </p:spPr>
+        <p:txBody>
+          <a:bodyPr>
+            <a:normAutofit/>
+          </a:bodyPr>
+          <a:lstStyle/>
+          <a:p>
+            <a:pPr marL="0" indent="0">
+              <a:buNone/>
+            </a:pPr>
+            <a:r>
+              <a:rPr lang="fr-FR" dirty="0"/>
+              <a:t>Mise au point sous Windows avec Visual studio :</a:t>
+            </a:r>
+          </a:p>
+          <a:p>
+            <a:pPr lvl="1"/>
+            <a:r>
+              <a:rPr lang="fr-FR" dirty="0"/>
+              <a:t>Création d’un projet cross platform UNIX/WINDOWS avec CMAKE :</a:t>
+            </a:r>
+          </a:p>
+          <a:p>
+            <a:pPr lvl="2"/>
+            <a:r>
+              <a:rPr lang="fr-FR" dirty="0"/>
+              <a:t>Ajout dans le projet de tierce partie :</a:t>
+            </a:r>
+          </a:p>
+          <a:p>
+            <a:pPr lvl="3"/>
+            <a:r>
+              <a:rPr lang="fr-FR" dirty="0"/>
+              <a:t>Du code source du Driver BME 280</a:t>
+            </a:r>
+          </a:p>
+          <a:p>
+            <a:pPr lvl="3"/>
+            <a:r>
+              <a:rPr lang="fr-FR" dirty="0"/>
+              <a:t>Du code source de </a:t>
+            </a:r>
+            <a:r>
+              <a:rPr lang="fr-FR" dirty="0" err="1"/>
+              <a:t>BuildInc</a:t>
+            </a:r>
+            <a:r>
+              <a:rPr lang="fr-FR" dirty="0"/>
+              <a:t> : petit utilitaire qui permet d’</a:t>
+            </a:r>
+            <a:r>
+              <a:rPr lang="fr-FR" dirty="0" err="1"/>
+              <a:t>incrementer</a:t>
+            </a:r>
+            <a:r>
+              <a:rPr lang="fr-FR" dirty="0"/>
+              <a:t> un numéro de </a:t>
+            </a:r>
+            <a:r>
+              <a:rPr lang="fr-FR" dirty="0" err="1"/>
+              <a:t>build</a:t>
+            </a:r>
+            <a:r>
+              <a:rPr lang="fr-FR" dirty="0"/>
+              <a:t> a chaque </a:t>
+            </a:r>
+            <a:r>
+              <a:rPr lang="fr-FR" dirty="0" err="1"/>
+              <a:t>build</a:t>
+            </a:r>
+            <a:endParaRPr lang="fr-FR" dirty="0"/>
+          </a:p>
+          <a:p>
+            <a:pPr lvl="3"/>
+            <a:r>
+              <a:rPr lang="fr-FR" dirty="0"/>
+              <a:t>Du code source de </a:t>
+            </a:r>
+            <a:r>
+              <a:rPr lang="fr-FR" dirty="0" err="1"/>
+              <a:t>libuv</a:t>
+            </a:r>
+            <a:r>
+              <a:rPr lang="fr-FR" dirty="0"/>
+              <a:t> : la libraire de communication réseau</a:t>
+            </a:r>
+          </a:p>
+          <a:p>
+            <a:pPr lvl="3"/>
+            <a:r>
+              <a:rPr lang="fr-FR" dirty="0"/>
+              <a:t>Du code source de SQlite3</a:t>
+            </a:r>
+          </a:p>
+          <a:p>
+            <a:pPr lvl="3"/>
+            <a:r>
+              <a:rPr lang="fr-FR" dirty="0"/>
+              <a:t>Du code source de </a:t>
+            </a:r>
+            <a:r>
+              <a:rPr lang="fr-FR" dirty="0" err="1"/>
+              <a:t>uv_cpp</a:t>
+            </a:r>
+            <a:r>
+              <a:rPr lang="fr-FR" dirty="0"/>
+              <a:t> : le </a:t>
+            </a:r>
+            <a:r>
+              <a:rPr lang="fr-FR" dirty="0" err="1"/>
+              <a:t>wrapper</a:t>
+            </a:r>
+            <a:r>
+              <a:rPr lang="fr-FR" dirty="0"/>
+              <a:t> </a:t>
+            </a:r>
+            <a:r>
+              <a:rPr lang="fr-FR" dirty="0" err="1"/>
+              <a:t>cpp</a:t>
+            </a:r>
+            <a:r>
+              <a:rPr lang="fr-FR" dirty="0"/>
+              <a:t> pour </a:t>
+            </a:r>
+            <a:r>
+              <a:rPr lang="fr-FR" dirty="0" err="1"/>
+              <a:t>libuv</a:t>
+            </a:r>
+            <a:endParaRPr lang="fr-FR" dirty="0"/>
+          </a:p>
+          <a:p>
+            <a:pPr lvl="2"/>
+            <a:r>
+              <a:rPr lang="fr-FR" dirty="0"/>
+              <a:t>Ajout dans le projet du code utile reparti en module :</a:t>
+            </a:r>
+          </a:p>
+          <a:p>
+            <a:pPr lvl="3"/>
+            <a:r>
+              <a:rPr lang="fr-FR" dirty="0"/>
+              <a:t>Un module pour gérer le serveur HTTP : réception / traitement / envoi de requête HTTP</a:t>
+            </a:r>
+          </a:p>
+          <a:p>
+            <a:pPr lvl="3"/>
+            <a:r>
+              <a:rPr lang="fr-FR" dirty="0"/>
+              <a:t>Un module pour gérer le capteur : mesure du capteur et formatage des données mesurées</a:t>
+            </a:r>
+          </a:p>
+          <a:p>
+            <a:pPr lvl="3"/>
+            <a:r>
+              <a:rPr lang="fr-FR" dirty="0"/>
+              <a:t>Un module pour gérer la base de donnée : ajout de donnée / extraction sous forme JSON</a:t>
+            </a:r>
+          </a:p>
+          <a:p>
+            <a:pPr lvl="3"/>
+            <a:r>
+              <a:rPr lang="fr-FR" dirty="0"/>
+              <a:t>Un module pour piloter la mesure et l’inscription dans la base de donnée suivant un </a:t>
+            </a:r>
+            <a:r>
+              <a:rPr lang="fr-FR" dirty="0" err="1"/>
+              <a:t>timer</a:t>
+            </a:r>
+            <a:r>
+              <a:rPr lang="fr-FR" dirty="0"/>
+              <a:t>. Ici toute les heures</a:t>
+            </a:r>
+          </a:p>
+          <a:p>
+            <a:pPr lvl="3"/>
+            <a:r>
+              <a:rPr lang="fr-FR" dirty="0"/>
+              <a:t>Un module pour extraire les infos du serveur : </a:t>
+            </a:r>
+          </a:p>
+          <a:p>
+            <a:pPr lvl="4"/>
+            <a:r>
+              <a:rPr lang="fr-FR" dirty="0"/>
+              <a:t>Infos de l’os : version, </a:t>
+            </a:r>
+            <a:r>
+              <a:rPr lang="fr-FR" dirty="0" err="1"/>
+              <a:t>cpu</a:t>
+            </a:r>
+            <a:endParaRPr lang="fr-FR" dirty="0"/>
+          </a:p>
+          <a:p>
+            <a:pPr lvl="4"/>
+            <a:r>
+              <a:rPr lang="fr-FR" dirty="0"/>
+              <a:t>Infos sur la bd : nombre d’enregistrements, version de la bd, chemin de la bd</a:t>
+            </a:r>
+          </a:p>
+          <a:p>
+            <a:pPr lvl="4"/>
+            <a:r>
+              <a:rPr lang="fr-FR" dirty="0"/>
+              <a:t>Infos sur le serveur : version, ligne de commande utilisé</a:t>
+            </a:r>
+          </a:p>
+          <a:p>
+            <a:pPr lvl="3"/>
+            <a:r>
+              <a:rPr lang="fr-FR" dirty="0"/>
+              <a:t>Ajout de l’</a:t>
+            </a:r>
+            <a:r>
+              <a:rPr lang="fr-FR" dirty="0" err="1"/>
+              <a:t>nty</a:t>
+            </a:r>
+            <a:r>
+              <a:rPr lang="fr-FR" dirty="0"/>
+              <a:t> point du projet :</a:t>
+            </a:r>
+          </a:p>
+          <a:p>
+            <a:pPr lvl="3"/>
+            <a:endParaRPr lang="fr-FR" dirty="0"/>
+          </a:p>
+          <a:p>
+            <a:pPr marL="0" indent="0">
+              <a:buNone/>
+            </a:pPr>
+            <a:endParaRPr lang="fr-FR" dirty="0"/>
+          </a:p>
+        </p:txBody>
+      </p:sp>
+      <p:sp>
+        <p:nvSpPr>
+          <p:cNvPr id="4" name="Espace réservé de la date 3">
+            <a:extLst>
+              <a:ext uri="{FF2B5EF4-FFF2-40B4-BE49-F238E27FC236}">
+                <a16:creationId xmlns:a16="http://schemas.microsoft.com/office/drawing/2014/main" id="{60BDC591-8D09-4D49-88A2-408CD1604F69}"/>
+              </a:ext>
+            </a:extLst>
+          </p:cNvPr>
+          <p:cNvSpPr>
+            <a:spLocks noGrp="1"/>
+          </p:cNvSpPr>
+          <p:nvPr>
+            <p:ph type="dt" sz="half" idx="10"/>
+          </p:nvPr>
+        </p:nvSpPr>
+        <p:spPr/>
+        <p:txBody>
+          <a:bodyPr/>
+          <a:lstStyle/>
+          <a:p>
+            <a:pPr rtl="0"/>
+            <a:fld id="{802FE938-1586-4780-B61A-DD3B60BAB93C}" type="datetime1">
+              <a:rPr lang="fr-FR" smtClean="0"/>
+              <a:t>22/06/2021</a:t>
+            </a:fld>
+            <a:endParaRPr lang="en-US"/>
+          </a:p>
+        </p:txBody>
+      </p:sp>
+    </p:spTree>
+    <p:extLst>
+      <p:ext uri="{BB962C8B-B14F-4D97-AF65-F5344CB8AC3E}">
+        <p14:creationId xmlns:p14="http://schemas.microsoft.com/office/powerpoint/2010/main" val="1185517342"/>
+      </p:ext>
+    </p:extLst>
+  </p:cSld>
+  <p:clrMapOvr>
+    <a:masterClrMapping/>
+  </p:clrMapOvr>
+</p:sld>
+</file>
+
+<file path=ppt/slides/slide42.xml><?xml version="1.0" encoding="utf-8"?>
+<p:sld xmlns:a="http://schemas.openxmlformats.org/drawingml/2006/main" xmlns:r="http://schemas.openxmlformats.org/officeDocument/2006/relationships" xmlns:p="http://schemas.openxmlformats.org/presentationml/2006/main">
+  <p:cSld>
+    <p:spTree>
+      <p:nvGrpSpPr>
+        <p:cNvPr id="1" name=""/>
+        <p:cNvGrpSpPr/>
+        <p:nvPr/>
+      </p:nvGrpSpPr>
+      <p:grpSpPr>
+        <a:xfrm>
+          <a:off x="0" y="0"/>
+          <a:ext cx="0" cy="0"/>
+          <a:chOff x="0" y="0"/>
+          <a:chExt cx="0" cy="0"/>
+        </a:xfrm>
+      </p:grpSpPr>
+      <p:sp>
+        <p:nvSpPr>
+          <p:cNvPr id="2" name="Titre 1">
+            <a:extLst>
+              <a:ext uri="{FF2B5EF4-FFF2-40B4-BE49-F238E27FC236}">
+                <a16:creationId xmlns:a16="http://schemas.microsoft.com/office/drawing/2014/main" id="{EA53D9FC-3044-40B7-A8EB-EAB80F26D6FE}"/>
+              </a:ext>
+            </a:extLst>
+          </p:cNvPr>
+          <p:cNvSpPr>
+            <a:spLocks noGrp="1"/>
+          </p:cNvSpPr>
+          <p:nvPr>
+            <p:ph type="title"/>
+          </p:nvPr>
+        </p:nvSpPr>
+        <p:spPr>
+          <a:xfrm>
+            <a:off x="1066800" y="642594"/>
+            <a:ext cx="10058400" cy="556814"/>
+          </a:xfrm>
+        </p:spPr>
+        <p:txBody>
+          <a:bodyPr>
+            <a:normAutofit fontScale="90000"/>
+          </a:bodyPr>
+          <a:lstStyle/>
+          <a:p>
+            <a:r>
+              <a:rPr lang="fr-FR" dirty="0"/>
+              <a:t>Conception du Serveur</a:t>
+            </a:r>
+          </a:p>
+        </p:txBody>
+      </p:sp>
+      <p:sp>
+        <p:nvSpPr>
+          <p:cNvPr id="3" name="Espace réservé du contenu 2">
+            <a:extLst>
+              <a:ext uri="{FF2B5EF4-FFF2-40B4-BE49-F238E27FC236}">
+                <a16:creationId xmlns:a16="http://schemas.microsoft.com/office/drawing/2014/main" id="{5837093E-200E-45C2-A38D-202DB399C72A}"/>
+              </a:ext>
+            </a:extLst>
+          </p:cNvPr>
+          <p:cNvSpPr>
+            <a:spLocks noGrp="1"/>
+          </p:cNvSpPr>
+          <p:nvPr>
+            <p:ph idx="1"/>
+          </p:nvPr>
+        </p:nvSpPr>
+        <p:spPr>
+          <a:xfrm>
+            <a:off x="1066800" y="1300348"/>
+            <a:ext cx="10058400" cy="4652396"/>
+          </a:xfrm>
+        </p:spPr>
+        <p:txBody>
+          <a:bodyPr>
+            <a:normAutofit lnSpcReduction="10000"/>
+          </a:bodyPr>
+          <a:lstStyle/>
+          <a:p>
+            <a:pPr marL="0" indent="0">
+              <a:buNone/>
+            </a:pPr>
+            <a:r>
+              <a:rPr lang="fr-FR" dirty="0"/>
+              <a:t>Mise au point sous Windows avec Visual studio :</a:t>
+            </a:r>
+          </a:p>
+          <a:p>
+            <a:pPr lvl="1"/>
+            <a:r>
+              <a:rPr lang="fr-FR" dirty="0"/>
+              <a:t>Création d’un projet cross platform UNIX/WINDOWS avec CMAKE :</a:t>
+            </a:r>
+          </a:p>
+          <a:p>
+            <a:pPr lvl="2"/>
+            <a:r>
+              <a:rPr lang="fr-FR" dirty="0"/>
+              <a:t>Ajout dans le projet de tierce partie :</a:t>
+            </a:r>
+          </a:p>
+          <a:p>
+            <a:pPr lvl="3"/>
+            <a:r>
+              <a:rPr lang="fr-FR" dirty="0"/>
+              <a:t>Du code source du Driver BME 280</a:t>
+            </a:r>
+          </a:p>
+          <a:p>
+            <a:pPr lvl="3"/>
+            <a:r>
+              <a:rPr lang="fr-FR" dirty="0"/>
+              <a:t>Du code source de </a:t>
+            </a:r>
+            <a:r>
+              <a:rPr lang="fr-FR" dirty="0" err="1"/>
+              <a:t>BuildInc</a:t>
+            </a:r>
+            <a:r>
+              <a:rPr lang="fr-FR" dirty="0"/>
+              <a:t> : petit utilitaire qui permet d’</a:t>
+            </a:r>
+            <a:r>
+              <a:rPr lang="fr-FR" dirty="0" err="1"/>
+              <a:t>incrementer</a:t>
+            </a:r>
+            <a:r>
+              <a:rPr lang="fr-FR" dirty="0"/>
+              <a:t> un numéro de </a:t>
+            </a:r>
+            <a:r>
+              <a:rPr lang="fr-FR" dirty="0" err="1"/>
+              <a:t>build</a:t>
+            </a:r>
+            <a:r>
+              <a:rPr lang="fr-FR" dirty="0"/>
+              <a:t> a chaque </a:t>
+            </a:r>
+            <a:r>
+              <a:rPr lang="fr-FR" dirty="0" err="1"/>
+              <a:t>build</a:t>
+            </a:r>
+            <a:endParaRPr lang="fr-FR" dirty="0"/>
+          </a:p>
+          <a:p>
+            <a:pPr lvl="3"/>
+            <a:r>
+              <a:rPr lang="fr-FR" dirty="0"/>
+              <a:t>Du code source de </a:t>
+            </a:r>
+            <a:r>
+              <a:rPr lang="fr-FR" dirty="0" err="1"/>
+              <a:t>libuv</a:t>
+            </a:r>
+            <a:r>
+              <a:rPr lang="fr-FR" dirty="0"/>
+              <a:t> : la libraire de communication réseau</a:t>
+            </a:r>
+          </a:p>
+          <a:p>
+            <a:pPr lvl="3"/>
+            <a:r>
+              <a:rPr lang="fr-FR" dirty="0"/>
+              <a:t>Du code source de SQlite3</a:t>
+            </a:r>
+          </a:p>
+          <a:p>
+            <a:pPr lvl="3"/>
+            <a:r>
+              <a:rPr lang="fr-FR" dirty="0"/>
+              <a:t>Du code source de </a:t>
+            </a:r>
+            <a:r>
+              <a:rPr lang="fr-FR" dirty="0" err="1"/>
+              <a:t>uv_cpp</a:t>
+            </a:r>
+            <a:r>
+              <a:rPr lang="fr-FR" dirty="0"/>
+              <a:t> : le </a:t>
+            </a:r>
+            <a:r>
+              <a:rPr lang="fr-FR" dirty="0" err="1"/>
+              <a:t>wrapper</a:t>
+            </a:r>
+            <a:r>
+              <a:rPr lang="fr-FR" dirty="0"/>
+              <a:t> </a:t>
+            </a:r>
+            <a:r>
+              <a:rPr lang="fr-FR" dirty="0" err="1"/>
+              <a:t>cpp</a:t>
+            </a:r>
+            <a:r>
+              <a:rPr lang="fr-FR" dirty="0"/>
+              <a:t> pour </a:t>
+            </a:r>
+            <a:r>
+              <a:rPr lang="fr-FR" dirty="0" err="1"/>
+              <a:t>libuv</a:t>
+            </a:r>
+            <a:endParaRPr lang="fr-FR" dirty="0"/>
+          </a:p>
+          <a:p>
+            <a:pPr lvl="2"/>
+            <a:r>
+              <a:rPr lang="fr-FR" dirty="0"/>
+              <a:t>Ajout dans le projet du code utile reparti en module :</a:t>
+            </a:r>
+          </a:p>
+          <a:p>
+            <a:pPr lvl="3"/>
+            <a:r>
+              <a:rPr lang="fr-FR" dirty="0"/>
+              <a:t>Un module pour gérer le serveur HTTP : réception / traitement / envoi de requête HTTP</a:t>
+            </a:r>
+          </a:p>
+          <a:p>
+            <a:pPr lvl="3"/>
+            <a:r>
+              <a:rPr lang="fr-FR" dirty="0"/>
+              <a:t>Un module pour gérer le capteur : mesure du capteur et formatage des données mesurées</a:t>
+            </a:r>
+          </a:p>
+          <a:p>
+            <a:pPr lvl="3"/>
+            <a:r>
+              <a:rPr lang="fr-FR" dirty="0"/>
+              <a:t>Un module pour gérer la base de donnée : ajout de donnée / extraction sous forme JSON</a:t>
+            </a:r>
+          </a:p>
+          <a:p>
+            <a:pPr lvl="3"/>
+            <a:r>
+              <a:rPr lang="fr-FR" dirty="0"/>
+              <a:t>Un module pour piloter la mesure et l’inscription dans la base de donnée suivant un </a:t>
+            </a:r>
+            <a:r>
+              <a:rPr lang="fr-FR" dirty="0" err="1"/>
+              <a:t>timer</a:t>
+            </a:r>
+            <a:r>
+              <a:rPr lang="fr-FR" dirty="0"/>
+              <a:t>. Ici toute les heures</a:t>
+            </a:r>
+          </a:p>
+          <a:p>
+            <a:pPr lvl="3"/>
+            <a:r>
+              <a:rPr lang="fr-FR" dirty="0"/>
+              <a:t>Un module pour extraire les infos du serveur : </a:t>
+            </a:r>
+          </a:p>
+          <a:p>
+            <a:pPr lvl="4"/>
+            <a:r>
+              <a:rPr lang="fr-FR" dirty="0"/>
+              <a:t>Infos de l’os : version, </a:t>
+            </a:r>
+            <a:r>
+              <a:rPr lang="fr-FR" dirty="0" err="1"/>
+              <a:t>cpu</a:t>
+            </a:r>
+            <a:endParaRPr lang="fr-FR" dirty="0"/>
+          </a:p>
+          <a:p>
+            <a:pPr lvl="4"/>
+            <a:r>
+              <a:rPr lang="fr-FR" dirty="0"/>
+              <a:t>Infos sur la bd : nombre d’enregistrements, version de la bd, chemin de la bd</a:t>
+            </a:r>
+          </a:p>
+          <a:p>
+            <a:pPr lvl="4"/>
+            <a:r>
+              <a:rPr lang="fr-FR" dirty="0"/>
+              <a:t>Infos sur le serveur : version, ligne de commande utilisé</a:t>
+            </a:r>
+          </a:p>
+          <a:p>
+            <a:pPr lvl="3"/>
+            <a:r>
+              <a:rPr lang="fr-FR" dirty="0"/>
+              <a:t>Ajout du point d’entrée du projet :</a:t>
+            </a:r>
+          </a:p>
+          <a:p>
+            <a:pPr lvl="4"/>
+            <a:r>
+              <a:rPr lang="fr-FR" dirty="0"/>
+              <a:t>Ajout d’une interface de ligne de commande configurable dans la logique des commande UNIX</a:t>
+            </a:r>
+          </a:p>
+          <a:p>
+            <a:pPr lvl="3"/>
+            <a:endParaRPr lang="fr-FR" dirty="0"/>
+          </a:p>
+          <a:p>
+            <a:pPr marL="0" indent="0">
+              <a:buNone/>
+            </a:pPr>
+            <a:endParaRPr lang="fr-FR" dirty="0"/>
+          </a:p>
+        </p:txBody>
+      </p:sp>
+      <p:sp>
+        <p:nvSpPr>
+          <p:cNvPr id="4" name="Espace réservé de la date 3">
+            <a:extLst>
+              <a:ext uri="{FF2B5EF4-FFF2-40B4-BE49-F238E27FC236}">
+                <a16:creationId xmlns:a16="http://schemas.microsoft.com/office/drawing/2014/main" id="{60BDC591-8D09-4D49-88A2-408CD1604F69}"/>
+              </a:ext>
+            </a:extLst>
+          </p:cNvPr>
+          <p:cNvSpPr>
+            <a:spLocks noGrp="1"/>
+          </p:cNvSpPr>
+          <p:nvPr>
+            <p:ph type="dt" sz="half" idx="10"/>
+          </p:nvPr>
+        </p:nvSpPr>
+        <p:spPr/>
+        <p:txBody>
+          <a:bodyPr/>
+          <a:lstStyle/>
+          <a:p>
+            <a:pPr rtl="0"/>
+            <a:fld id="{802FE938-1586-4780-B61A-DD3B60BAB93C}" type="datetime1">
+              <a:rPr lang="fr-FR" smtClean="0"/>
+              <a:t>22/06/2021</a:t>
+            </a:fld>
+            <a:endParaRPr lang="en-US"/>
+          </a:p>
+        </p:txBody>
+      </p:sp>
+    </p:spTree>
+    <p:extLst>
+      <p:ext uri="{BB962C8B-B14F-4D97-AF65-F5344CB8AC3E}">
+        <p14:creationId xmlns:p14="http://schemas.microsoft.com/office/powerpoint/2010/main" val="3877532116"/>
+      </p:ext>
+    </p:extLst>
+  </p:cSld>
+  <p:clrMapOvr>
+    <a:masterClrMapping/>
+  </p:clrMapOvr>
+</p:sld>
+</file>
+
+<file path=ppt/slides/slide43.xml><?xml version="1.0" encoding="utf-8"?>
+<p:sld xmlns:a="http://schemas.openxmlformats.org/drawingml/2006/main" xmlns:r="http://schemas.openxmlformats.org/officeDocument/2006/relationships" xmlns:p="http://schemas.openxmlformats.org/presentationml/2006/main">
+  <p:cSld>
+    <p:spTree>
+      <p:nvGrpSpPr>
+        <p:cNvPr id="1" name=""/>
+        <p:cNvGrpSpPr/>
+        <p:nvPr/>
+      </p:nvGrpSpPr>
+      <p:grpSpPr>
+        <a:xfrm>
+          <a:off x="0" y="0"/>
+          <a:ext cx="0" cy="0"/>
+          <a:chOff x="0" y="0"/>
+          <a:chExt cx="0" cy="0"/>
+        </a:xfrm>
+      </p:grpSpPr>
+      <p:sp>
+        <p:nvSpPr>
+          <p:cNvPr id="5" name="Titre 4">
+            <a:extLst>
+              <a:ext uri="{FF2B5EF4-FFF2-40B4-BE49-F238E27FC236}">
+                <a16:creationId xmlns:a16="http://schemas.microsoft.com/office/drawing/2014/main" id="{B535D397-2E1B-4C1E-A392-E2A43916D949}"/>
+              </a:ext>
+            </a:extLst>
+          </p:cNvPr>
+          <p:cNvSpPr>
+            <a:spLocks noGrp="1"/>
+          </p:cNvSpPr>
+          <p:nvPr>
+            <p:ph type="ctrTitle"/>
+          </p:nvPr>
+        </p:nvSpPr>
+        <p:spPr/>
+        <p:txBody>
+          <a:bodyPr/>
+          <a:lstStyle/>
+          <a:p>
+            <a:r>
+              <a:rPr lang="fr-FR" dirty="0"/>
+              <a:t>LA FINITION</a:t>
+            </a:r>
+          </a:p>
+        </p:txBody>
+      </p:sp>
+      <p:sp>
+        <p:nvSpPr>
+          <p:cNvPr id="6" name="Sous-titre 5">
+            <a:extLst>
+              <a:ext uri="{FF2B5EF4-FFF2-40B4-BE49-F238E27FC236}">
+                <a16:creationId xmlns:a16="http://schemas.microsoft.com/office/drawing/2014/main" id="{42DF712F-84EC-48F3-B510-83E590DD97F0}"/>
+              </a:ext>
+            </a:extLst>
+          </p:cNvPr>
+          <p:cNvSpPr>
+            <a:spLocks noGrp="1"/>
+          </p:cNvSpPr>
+          <p:nvPr>
+            <p:ph type="subTitle" idx="1"/>
+          </p:nvPr>
+        </p:nvSpPr>
+        <p:spPr/>
+        <p:txBody>
+          <a:bodyPr/>
+          <a:lstStyle/>
+          <a:p>
+            <a:r>
+              <a:rPr lang="fr-FR" dirty="0"/>
+              <a:t>DESIGN / OPTIMISATION / SIMPLIFCATION</a:t>
+            </a:r>
+          </a:p>
+        </p:txBody>
+      </p:sp>
+      <p:sp>
+        <p:nvSpPr>
+          <p:cNvPr id="4" name="Espace réservé de la date 3">
+            <a:extLst>
+              <a:ext uri="{FF2B5EF4-FFF2-40B4-BE49-F238E27FC236}">
+                <a16:creationId xmlns:a16="http://schemas.microsoft.com/office/drawing/2014/main" id="{030B0D3A-6441-43DC-BDBC-2E9EE16205E9}"/>
+              </a:ext>
+            </a:extLst>
+          </p:cNvPr>
+          <p:cNvSpPr>
+            <a:spLocks noGrp="1"/>
+          </p:cNvSpPr>
+          <p:nvPr>
+            <p:ph type="dt" sz="half" idx="10"/>
+          </p:nvPr>
+        </p:nvSpPr>
+        <p:spPr/>
+        <p:txBody>
+          <a:bodyPr/>
+          <a:lstStyle/>
+          <a:p>
+            <a:pPr rtl="0"/>
+            <a:fld id="{802FE938-1586-4780-B61A-DD3B60BAB93C}" type="datetime1">
+              <a:rPr lang="fr-FR" smtClean="0"/>
+              <a:t>22/06/2021</a:t>
+            </a:fld>
+            <a:endParaRPr lang="en-US"/>
+          </a:p>
+        </p:txBody>
+      </p:sp>
+    </p:spTree>
+    <p:extLst>
+      <p:ext uri="{BB962C8B-B14F-4D97-AF65-F5344CB8AC3E}">
+        <p14:creationId xmlns:p14="http://schemas.microsoft.com/office/powerpoint/2010/main" val="1130815813"/>
+      </p:ext>
+    </p:extLst>
+  </p:cSld>
+  <p:clrMapOvr>
+    <a:masterClrMapping/>
+  </p:clrMapOvr>
+</p:sld>
+</file>
+
+<file path=ppt/slides/slide44.xml><?xml version="1.0" encoding="utf-8"?>
+<p:sld xmlns:a="http://schemas.openxmlformats.org/drawingml/2006/main" xmlns:r="http://schemas.openxmlformats.org/officeDocument/2006/relationships" xmlns:p="http://schemas.openxmlformats.org/presentationml/2006/main">
+  <p:cSld>
+    <p:spTree>
+      <p:nvGrpSpPr>
+        <p:cNvPr id="1" name=""/>
+        <p:cNvGrpSpPr/>
+        <p:nvPr/>
+      </p:nvGrpSpPr>
+      <p:grpSpPr>
+        <a:xfrm>
+          <a:off x="0" y="0"/>
+          <a:ext cx="0" cy="0"/>
+          <a:chOff x="0" y="0"/>
+          <a:chExt cx="0" cy="0"/>
+        </a:xfrm>
+      </p:grpSpPr>
+      <p:sp>
+        <p:nvSpPr>
+          <p:cNvPr id="5" name="Titre 4">
+            <a:extLst>
+              <a:ext uri="{FF2B5EF4-FFF2-40B4-BE49-F238E27FC236}">
+                <a16:creationId xmlns:a16="http://schemas.microsoft.com/office/drawing/2014/main" id="{B535D397-2E1B-4C1E-A392-E2A43916D949}"/>
+              </a:ext>
+            </a:extLst>
+          </p:cNvPr>
+          <p:cNvSpPr>
+            <a:spLocks noGrp="1"/>
+          </p:cNvSpPr>
+          <p:nvPr>
+            <p:ph type="ctrTitle"/>
+          </p:nvPr>
+        </p:nvSpPr>
+        <p:spPr/>
+        <p:txBody>
+          <a:bodyPr/>
+          <a:lstStyle/>
+          <a:p>
+            <a:r>
+              <a:rPr lang="fr-FR" dirty="0"/>
+              <a:t>DEMONSTRATION</a:t>
+            </a:r>
+          </a:p>
+        </p:txBody>
+      </p:sp>
+      <p:sp>
+        <p:nvSpPr>
+          <p:cNvPr id="6" name="Sous-titre 5">
+            <a:extLst>
+              <a:ext uri="{FF2B5EF4-FFF2-40B4-BE49-F238E27FC236}">
+                <a16:creationId xmlns:a16="http://schemas.microsoft.com/office/drawing/2014/main" id="{42DF712F-84EC-48F3-B510-83E590DD97F0}"/>
+              </a:ext>
+            </a:extLst>
+          </p:cNvPr>
+          <p:cNvSpPr>
+            <a:spLocks noGrp="1"/>
+          </p:cNvSpPr>
+          <p:nvPr>
+            <p:ph type="subTitle" idx="1"/>
+          </p:nvPr>
+        </p:nvSpPr>
+        <p:spPr/>
+        <p:txBody>
+          <a:bodyPr/>
+          <a:lstStyle/>
+          <a:p>
+            <a:r>
+              <a:rPr lang="fr-FR" dirty="0"/>
+              <a:t>DEMO DU LOGICIEL FINI</a:t>
+            </a:r>
+          </a:p>
+        </p:txBody>
+      </p:sp>
+      <p:sp>
+        <p:nvSpPr>
+          <p:cNvPr id="4" name="Espace réservé de la date 3">
+            <a:extLst>
+              <a:ext uri="{FF2B5EF4-FFF2-40B4-BE49-F238E27FC236}">
+                <a16:creationId xmlns:a16="http://schemas.microsoft.com/office/drawing/2014/main" id="{030B0D3A-6441-43DC-BDBC-2E9EE16205E9}"/>
+              </a:ext>
+            </a:extLst>
+          </p:cNvPr>
+          <p:cNvSpPr>
+            <a:spLocks noGrp="1"/>
+          </p:cNvSpPr>
+          <p:nvPr>
+            <p:ph type="dt" sz="half" idx="10"/>
+          </p:nvPr>
+        </p:nvSpPr>
+        <p:spPr/>
+        <p:txBody>
+          <a:bodyPr/>
+          <a:lstStyle/>
+          <a:p>
+            <a:pPr rtl="0"/>
+            <a:fld id="{802FE938-1586-4780-B61A-DD3B60BAB93C}" type="datetime1">
+              <a:rPr lang="fr-FR" smtClean="0"/>
+              <a:t>22/06/2021</a:t>
+            </a:fld>
+            <a:endParaRPr lang="en-US"/>
+          </a:p>
+        </p:txBody>
+      </p:sp>
+    </p:spTree>
+    <p:extLst>
+      <p:ext uri="{BB962C8B-B14F-4D97-AF65-F5344CB8AC3E}">
+        <p14:creationId xmlns:p14="http://schemas.microsoft.com/office/powerpoint/2010/main" val="962287830"/>
+      </p:ext>
+    </p:extLst>
+  </p:cSld>
+  <p:clrMapOvr>
+    <a:masterClrMapping/>
+  </p:clrMapOvr>
+</p:sld>
+</file>
+
+<file path=ppt/slides/slide45.xml><?xml version="1.0" encoding="utf-8"?>
+<p:sld xmlns:a="http://schemas.openxmlformats.org/drawingml/2006/main" xmlns:r="http://schemas.openxmlformats.org/officeDocument/2006/relationships" xmlns:p="http://schemas.openxmlformats.org/presentationml/2006/main">
+  <p:cSld>
+    <p:spTree>
+      <p:nvGrpSpPr>
+        <p:cNvPr id="1" name=""/>
+        <p:cNvGrpSpPr/>
+        <p:nvPr/>
+      </p:nvGrpSpPr>
+      <p:grpSpPr>
+        <a:xfrm>
+          <a:off x="0" y="0"/>
+          <a:ext cx="0" cy="0"/>
+          <a:chOff x="0" y="0"/>
+          <a:chExt cx="0" cy="0"/>
+        </a:xfrm>
+      </p:grpSpPr>
+      <p:sp>
+        <p:nvSpPr>
+          <p:cNvPr id="5" name="Titre 4">
+            <a:extLst>
+              <a:ext uri="{FF2B5EF4-FFF2-40B4-BE49-F238E27FC236}">
+                <a16:creationId xmlns:a16="http://schemas.microsoft.com/office/drawing/2014/main" id="{B535D397-2E1B-4C1E-A392-E2A43916D949}"/>
+              </a:ext>
+            </a:extLst>
+          </p:cNvPr>
+          <p:cNvSpPr>
+            <a:spLocks noGrp="1"/>
+          </p:cNvSpPr>
+          <p:nvPr>
+            <p:ph type="ctrTitle"/>
+          </p:nvPr>
+        </p:nvSpPr>
+        <p:spPr/>
+        <p:txBody>
+          <a:bodyPr/>
+          <a:lstStyle/>
+          <a:p>
+            <a:r>
+              <a:rPr lang="fr-FR" dirty="0"/>
+              <a:t>CONCLUSION</a:t>
+            </a:r>
+          </a:p>
+        </p:txBody>
+      </p:sp>
+      <p:sp>
+        <p:nvSpPr>
+          <p:cNvPr id="6" name="Sous-titre 5">
+            <a:extLst>
+              <a:ext uri="{FF2B5EF4-FFF2-40B4-BE49-F238E27FC236}">
+                <a16:creationId xmlns:a16="http://schemas.microsoft.com/office/drawing/2014/main" id="{42DF712F-84EC-48F3-B510-83E590DD97F0}"/>
+              </a:ext>
+            </a:extLst>
+          </p:cNvPr>
+          <p:cNvSpPr>
+            <a:spLocks noGrp="1"/>
+          </p:cNvSpPr>
+          <p:nvPr>
+            <p:ph type="subTitle" idx="1"/>
+          </p:nvPr>
+        </p:nvSpPr>
+        <p:spPr/>
+        <p:txBody>
+          <a:bodyPr>
+            <a:normAutofit fontScale="92500"/>
+          </a:bodyPr>
+          <a:lstStyle/>
+          <a:p>
+            <a:r>
+              <a:rPr lang="fr-FR" dirty="0"/>
+              <a:t>PROBLEMES RENCONTRES / EVOLUTIONS POSSIBLES / APPORTS PERSONNELS </a:t>
+            </a:r>
+          </a:p>
+        </p:txBody>
+      </p:sp>
+      <p:sp>
+        <p:nvSpPr>
+          <p:cNvPr id="4" name="Espace réservé de la date 3">
+            <a:extLst>
+              <a:ext uri="{FF2B5EF4-FFF2-40B4-BE49-F238E27FC236}">
+                <a16:creationId xmlns:a16="http://schemas.microsoft.com/office/drawing/2014/main" id="{030B0D3A-6441-43DC-BDBC-2E9EE16205E9}"/>
+              </a:ext>
+            </a:extLst>
+          </p:cNvPr>
+          <p:cNvSpPr>
+            <a:spLocks noGrp="1"/>
+          </p:cNvSpPr>
+          <p:nvPr>
+            <p:ph type="dt" sz="half" idx="10"/>
+          </p:nvPr>
+        </p:nvSpPr>
+        <p:spPr/>
+        <p:txBody>
+          <a:bodyPr/>
+          <a:lstStyle/>
+          <a:p>
+            <a:pPr rtl="0"/>
+            <a:fld id="{802FE938-1586-4780-B61A-DD3B60BAB93C}" type="datetime1">
+              <a:rPr lang="fr-FR" smtClean="0"/>
+              <a:t>22/06/2021</a:t>
+            </a:fld>
+            <a:endParaRPr lang="en-US"/>
+          </a:p>
+        </p:txBody>
+      </p:sp>
+    </p:spTree>
+    <p:extLst>
+      <p:ext uri="{BB962C8B-B14F-4D97-AF65-F5344CB8AC3E}">
+        <p14:creationId xmlns:p14="http://schemas.microsoft.com/office/powerpoint/2010/main" val="2085507041"/>
       </p:ext>
     </p:extLst>
   </p:cSld>

--- a/doc/StationMeteo_Soutenance_Mickael.pptx
+++ b/doc/StationMeteo_Soutenance_Mickael.pptx
@@ -5,10 +5,10 @@
     <p:sldMasterId id="2147483673" r:id="rId1"/>
   </p:sldMasterIdLst>
   <p:notesMasterIdLst>
-    <p:notesMasterId r:id="rId47"/>
+    <p:notesMasterId r:id="rId46"/>
   </p:notesMasterIdLst>
   <p:handoutMasterIdLst>
-    <p:handoutMasterId r:id="rId48"/>
+    <p:handoutMasterId r:id="rId47"/>
   </p:handoutMasterIdLst>
   <p:sldIdLst>
     <p:sldId id="257" r:id="rId2"/>
@@ -33,29 +33,28 @@
     <p:sldId id="299" r:id="rId21"/>
     <p:sldId id="301" r:id="rId22"/>
     <p:sldId id="300" r:id="rId23"/>
-    <p:sldId id="302" r:id="rId24"/>
-    <p:sldId id="280" r:id="rId25"/>
-    <p:sldId id="281" r:id="rId26"/>
-    <p:sldId id="282" r:id="rId27"/>
-    <p:sldId id="284" r:id="rId28"/>
-    <p:sldId id="283" r:id="rId29"/>
-    <p:sldId id="267" r:id="rId30"/>
-    <p:sldId id="294" r:id="rId31"/>
-    <p:sldId id="296" r:id="rId32"/>
-    <p:sldId id="297" r:id="rId33"/>
-    <p:sldId id="307" r:id="rId34"/>
-    <p:sldId id="303" r:id="rId35"/>
-    <p:sldId id="304" r:id="rId36"/>
-    <p:sldId id="305" r:id="rId37"/>
-    <p:sldId id="308" r:id="rId38"/>
-    <p:sldId id="306" r:id="rId39"/>
-    <p:sldId id="295" r:id="rId40"/>
-    <p:sldId id="291" r:id="rId41"/>
-    <p:sldId id="292" r:id="rId42"/>
-    <p:sldId id="293" r:id="rId43"/>
-    <p:sldId id="269" r:id="rId44"/>
-    <p:sldId id="271" r:id="rId45"/>
-    <p:sldId id="270" r:id="rId46"/>
+    <p:sldId id="280" r:id="rId24"/>
+    <p:sldId id="281" r:id="rId25"/>
+    <p:sldId id="282" r:id="rId26"/>
+    <p:sldId id="284" r:id="rId27"/>
+    <p:sldId id="283" r:id="rId28"/>
+    <p:sldId id="267" r:id="rId29"/>
+    <p:sldId id="294" r:id="rId30"/>
+    <p:sldId id="296" r:id="rId31"/>
+    <p:sldId id="297" r:id="rId32"/>
+    <p:sldId id="309" r:id="rId33"/>
+    <p:sldId id="310" r:id="rId34"/>
+    <p:sldId id="307" r:id="rId35"/>
+    <p:sldId id="303" r:id="rId36"/>
+    <p:sldId id="304" r:id="rId37"/>
+    <p:sldId id="306" r:id="rId38"/>
+    <p:sldId id="295" r:id="rId39"/>
+    <p:sldId id="291" r:id="rId40"/>
+    <p:sldId id="292" r:id="rId41"/>
+    <p:sldId id="293" r:id="rId42"/>
+    <p:sldId id="269" r:id="rId43"/>
+    <p:sldId id="271" r:id="rId44"/>
+    <p:sldId id="270" r:id="rId45"/>
   </p:sldIdLst>
   <p:sldSz cx="12192000" cy="6858000"/>
   <p:notesSz cx="6858000" cy="9144000"/>
@@ -249,7 +248,7 @@
             <a:pPr rtl="0"/>
             <a:fld id="{D541C455-0541-42CB-85F2-EF2EB726E407}" type="datetime1">
               <a:rPr lang="fr-FR" smtClean="0"/>
-              <a:t>22/06/2021</a:t>
+              <a:t>23/06/2021</a:t>
             </a:fld>
             <a:endParaRPr lang="en-US" dirty="0"/>
           </a:p>
@@ -419,7 +418,7 @@
             <a:pPr rtl="0"/>
             <a:fld id="{139F4AB6-716B-4E95-AAD2-DB349D9AC9BA}" type="datetime1">
               <a:rPr lang="fr-FR" smtClean="0"/>
-              <a:t>22/06/2021</a:t>
+              <a:t>23/06/2021</a:t>
             </a:fld>
             <a:endParaRPr lang="en-US"/>
           </a:p>
@@ -1164,7 +1163,7 @@
             <a:pPr rtl="0"/>
             <a:fld id="{43B6331D-8BD5-4AF5-97EE-8FB3C79FE924}" type="datetime1">
               <a:rPr lang="fr-FR" smtClean="0"/>
-              <a:t>22/06/2021</a:t>
+              <a:t>23/06/2021</a:t>
             </a:fld>
             <a:endParaRPr lang="en-US" dirty="0"/>
           </a:p>
@@ -1370,7 +1369,7 @@
             <a:pPr rtl="0"/>
             <a:fld id="{C09D1B91-EF9C-42FB-BBE2-597FDE1B14D7}" type="datetime1">
               <a:rPr lang="fr-FR" smtClean="0"/>
-              <a:t>22/06/2021</a:t>
+              <a:t>23/06/2021</a:t>
             </a:fld>
             <a:endParaRPr lang="en-US"/>
           </a:p>
@@ -1558,7 +1557,7 @@
             <a:pPr rtl="0"/>
             <a:fld id="{2F733226-97BF-4FE9-8F44-80542C0EB53C}" type="datetime1">
               <a:rPr lang="fr-FR" smtClean="0"/>
-              <a:t>22/06/2021</a:t>
+              <a:t>23/06/2021</a:t>
             </a:fld>
             <a:endParaRPr lang="en-US"/>
           </a:p>
@@ -1732,7 +1731,7 @@
             <a:pPr rtl="0"/>
             <a:fld id="{802FE938-1586-4780-B61A-DD3B60BAB93C}" type="datetime1">
               <a:rPr lang="fr-FR" smtClean="0"/>
-              <a:t>22/06/2021</a:t>
+              <a:t>23/06/2021</a:t>
             </a:fld>
             <a:endParaRPr lang="en-US"/>
           </a:p>
@@ -2335,7 +2334,7 @@
             <a:pPr rtl="0"/>
             <a:fld id="{57CE27EF-4081-4F92-AC85-8FD255C3955B}" type="datetime1">
               <a:rPr lang="fr-FR" smtClean="0"/>
-              <a:t>22/06/2021</a:t>
+              <a:t>23/06/2021</a:t>
             </a:fld>
             <a:endParaRPr lang="en-US" dirty="0"/>
           </a:p>
@@ -2659,7 +2658,7 @@
             <a:pPr rtl="0"/>
             <a:fld id="{22E52E25-1182-4E86-836C-7D703787597C}" type="datetime1">
               <a:rPr lang="fr-FR" smtClean="0"/>
-              <a:t>22/06/2021</a:t>
+              <a:t>23/06/2021</a:t>
             </a:fld>
             <a:endParaRPr lang="en-US"/>
           </a:p>
@@ -3100,7 +3099,7 @@
             <a:pPr rtl="0"/>
             <a:fld id="{007B49E2-AD49-4B10-A213-CF194D4A25A3}" type="datetime1">
               <a:rPr lang="fr-FR" smtClean="0"/>
-              <a:t>22/06/2021</a:t>
+              <a:t>23/06/2021</a:t>
             </a:fld>
             <a:endParaRPr lang="en-US"/>
           </a:p>
@@ -3222,7 +3221,7 @@
             <a:pPr rtl="0"/>
             <a:fld id="{25FB4F25-64BB-460E-8192-B4AC51BA66FC}" type="datetime1">
               <a:rPr lang="fr-FR" smtClean="0"/>
-              <a:t>22/06/2021</a:t>
+              <a:t>23/06/2021</a:t>
             </a:fld>
             <a:endParaRPr lang="en-US"/>
           </a:p>
@@ -3320,7 +3319,7 @@
             <a:pPr rtl="0"/>
             <a:fld id="{2BD66AC7-6890-4F0E-B000-A39D822B7C00}" type="datetime1">
               <a:rPr lang="fr-FR" smtClean="0"/>
-              <a:t>22/06/2021</a:t>
+              <a:t>23/06/2021</a:t>
             </a:fld>
             <a:endParaRPr lang="en-US"/>
           </a:p>
@@ -3741,7 +3740,7 @@
             <a:pPr rtl="0"/>
             <a:fld id="{F7B0F5FB-B743-44F1-84BA-99C248DB6023}" type="datetime1">
               <a:rPr lang="fr-FR" smtClean="0"/>
-              <a:t>22/06/2021</a:t>
+              <a:t>23/06/2021</a:t>
             </a:fld>
             <a:endParaRPr lang="en-US"/>
           </a:p>
@@ -4006,7 +4005,7 @@
             <a:pPr rtl="0"/>
             <a:fld id="{C80E5F3D-7A62-48B1-A43E-C6091B37429D}" type="datetime1">
               <a:rPr lang="fr-FR" smtClean="0"/>
-              <a:t>22/06/2021</a:t>
+              <a:t>23/06/2021</a:t>
             </a:fld>
             <a:endParaRPr lang="en-US" dirty="0"/>
           </a:p>
@@ -4526,7 +4525,7 @@
             <a:pPr rtl="0"/>
             <a:fld id="{020D9D58-8984-498B-A4DA-61EAC8A72DD8}" type="datetime1">
               <a:rPr lang="fr-FR" smtClean="0"/>
-              <a:t>22/06/2021</a:t>
+              <a:t>23/06/2021</a:t>
             </a:fld>
             <a:endParaRPr lang="en-US" dirty="0"/>
           </a:p>
@@ -5420,7 +5419,7 @@
             <a:pPr rtl="0"/>
             <a:fld id="{25FB4F25-64BB-460E-8192-B4AC51BA66FC}" type="datetime1">
               <a:rPr lang="fr-FR" smtClean="0"/>
-              <a:t>22/06/2021</a:t>
+              <a:t>23/06/2021</a:t>
             </a:fld>
             <a:endParaRPr lang="en-US"/>
           </a:p>
@@ -6324,7 +6323,7 @@
             <a:pPr rtl="0"/>
             <a:fld id="{25FB4F25-64BB-460E-8192-B4AC51BA66FC}" type="datetime1">
               <a:rPr lang="fr-FR" smtClean="0"/>
-              <a:t>22/06/2021</a:t>
+              <a:t>23/06/2021</a:t>
             </a:fld>
             <a:endParaRPr lang="en-US"/>
           </a:p>
@@ -8109,7 +8108,7 @@
             <a:pPr rtl="0"/>
             <a:fld id="{25FB4F25-64BB-460E-8192-B4AC51BA66FC}" type="datetime1">
               <a:rPr lang="fr-FR" smtClean="0"/>
-              <a:t>22/06/2021</a:t>
+              <a:t>23/06/2021</a:t>
             </a:fld>
             <a:endParaRPr lang="en-US"/>
           </a:p>
@@ -9644,7 +9643,7 @@
             <a:pPr rtl="0"/>
             <a:fld id="{25FB4F25-64BB-460E-8192-B4AC51BA66FC}" type="datetime1">
               <a:rPr lang="fr-FR" smtClean="0"/>
-              <a:t>22/06/2021</a:t>
+              <a:t>23/06/2021</a:t>
             </a:fld>
             <a:endParaRPr lang="en-US"/>
           </a:p>
@@ -10423,7 +10422,7 @@
             <a:pPr rtl="0"/>
             <a:fld id="{802FE938-1586-4780-B61A-DD3B60BAB93C}" type="datetime1">
               <a:rPr lang="fr-FR" smtClean="0"/>
-              <a:t>22/06/2021</a:t>
+              <a:t>23/06/2021</a:t>
             </a:fld>
             <a:endParaRPr lang="en-US"/>
           </a:p>
@@ -10576,7 +10575,7 @@
             <a:pPr rtl="0"/>
             <a:fld id="{802FE938-1586-4780-B61A-DD3B60BAB93C}" type="datetime1">
               <a:rPr lang="fr-FR" smtClean="0"/>
-              <a:t>22/06/2021</a:t>
+              <a:t>23/06/2021</a:t>
             </a:fld>
             <a:endParaRPr lang="en-US"/>
           </a:p>
@@ -10692,7 +10691,7 @@
             <a:pPr rtl="0"/>
             <a:fld id="{802FE938-1586-4780-B61A-DD3B60BAB93C}" type="datetime1">
               <a:rPr lang="fr-FR" smtClean="0"/>
-              <a:t>22/06/2021</a:t>
+              <a:t>23/06/2021</a:t>
             </a:fld>
             <a:endParaRPr lang="en-US"/>
           </a:p>
@@ -10780,7 +10779,7 @@
             <a:pPr rtl="0"/>
             <a:fld id="{802FE938-1586-4780-B61A-DD3B60BAB93C}" type="datetime1">
               <a:rPr lang="fr-FR" smtClean="0"/>
-              <a:t>22/06/2021</a:t>
+              <a:t>23/06/2021</a:t>
             </a:fld>
             <a:endParaRPr lang="en-US"/>
           </a:p>
@@ -11039,7 +11038,7 @@
             <a:pPr rtl="0"/>
             <a:fld id="{802FE938-1586-4780-B61A-DD3B60BAB93C}" type="datetime1">
               <a:rPr lang="fr-FR" smtClean="0"/>
-              <a:t>22/06/2021</a:t>
+              <a:t>23/06/2021</a:t>
             </a:fld>
             <a:endParaRPr lang="en-US"/>
           </a:p>
@@ -11225,7 +11224,7 @@
             <a:pPr rtl="0"/>
             <a:fld id="{802FE938-1586-4780-B61A-DD3B60BAB93C}" type="datetime1">
               <a:rPr lang="fr-FR" smtClean="0"/>
-              <a:t>22/06/2021</a:t>
+              <a:t>23/06/2021</a:t>
             </a:fld>
             <a:endParaRPr lang="en-US"/>
           </a:p>
@@ -11341,7 +11340,7 @@
             <a:pPr rtl="0"/>
             <a:fld id="{802FE938-1586-4780-B61A-DD3B60BAB93C}" type="datetime1">
               <a:rPr lang="fr-FR" smtClean="0"/>
-              <a:t>22/06/2021</a:t>
+              <a:t>23/06/2021</a:t>
             </a:fld>
             <a:endParaRPr lang="en-US" dirty="0"/>
           </a:p>
@@ -11401,7 +11400,7 @@
             <a:pPr rtl="0"/>
             <a:fld id="{2BD66AC7-6890-4F0E-B000-A39D822B7C00}" type="datetime1">
               <a:rPr lang="fr-FR" smtClean="0"/>
-              <a:t>22/06/2021</a:t>
+              <a:t>23/06/2021</a:t>
             </a:fld>
             <a:endParaRPr lang="en-US"/>
           </a:p>
@@ -12368,7 +12367,7 @@
             <a:pPr rtl="0"/>
             <a:fld id="{2BD66AC7-6890-4F0E-B000-A39D822B7C00}" type="datetime1">
               <a:rPr lang="fr-FR" smtClean="0"/>
-              <a:t>22/06/2021</a:t>
+              <a:t>23/06/2021</a:t>
             </a:fld>
             <a:endParaRPr lang="en-US"/>
           </a:p>
@@ -13335,7 +13334,7 @@
             <a:pPr rtl="0"/>
             <a:fld id="{2BD66AC7-6890-4F0E-B000-A39D822B7C00}" type="datetime1">
               <a:rPr lang="fr-FR" smtClean="0"/>
-              <a:t>22/06/2021</a:t>
+              <a:t>23/06/2021</a:t>
             </a:fld>
             <a:endParaRPr lang="en-US"/>
           </a:p>
@@ -13425,10 +13424,313 @@
       </p:grpSpPr>
       <p:sp>
         <p:nvSpPr>
-          <p:cNvPr id="2" name="Espace réservé de la date 1">
-            <a:extLst>
-              <a:ext uri="{FF2B5EF4-FFF2-40B4-BE49-F238E27FC236}">
-                <a16:creationId xmlns:a16="http://schemas.microsoft.com/office/drawing/2014/main" id="{605EC86D-8792-42C4-9427-1CD22ED2BFE6}"/>
+          <p:cNvPr id="2" name="Titre 1">
+            <a:extLst>
+              <a:ext uri="{FF2B5EF4-FFF2-40B4-BE49-F238E27FC236}">
+                <a16:creationId xmlns:a16="http://schemas.microsoft.com/office/drawing/2014/main" id="{CB54FB35-62CD-4DC9-A01D-686743CE13DF}"/>
+              </a:ext>
+            </a:extLst>
+          </p:cNvPr>
+          <p:cNvSpPr>
+            <a:spLocks noGrp="1"/>
+          </p:cNvSpPr>
+          <p:nvPr>
+            <p:ph type="title"/>
+          </p:nvPr>
+        </p:nvSpPr>
+        <p:spPr>
+          <a:xfrm>
+            <a:off x="1066800" y="642594"/>
+            <a:ext cx="10058400" cy="544938"/>
+          </a:xfrm>
+        </p:spPr>
+        <p:txBody>
+          <a:bodyPr>
+            <a:normAutofit fontScale="90000"/>
+          </a:bodyPr>
+          <a:lstStyle/>
+          <a:p>
+            <a:r>
+              <a:rPr lang="fr-FR" dirty="0"/>
+              <a:t>Serveur WEB</a:t>
+            </a:r>
+          </a:p>
+        </p:txBody>
+      </p:sp>
+      <p:sp>
+        <p:nvSpPr>
+          <p:cNvPr id="3" name="Espace réservé du contenu 2">
+            <a:extLst>
+              <a:ext uri="{FF2B5EF4-FFF2-40B4-BE49-F238E27FC236}">
+                <a16:creationId xmlns:a16="http://schemas.microsoft.com/office/drawing/2014/main" id="{D8B13C74-0011-4D4B-98AE-E79FD41F1CE1}"/>
+              </a:ext>
+            </a:extLst>
+          </p:cNvPr>
+          <p:cNvSpPr>
+            <a:spLocks noGrp="1"/>
+          </p:cNvSpPr>
+          <p:nvPr>
+            <p:ph idx="1"/>
+          </p:nvPr>
+        </p:nvSpPr>
+        <p:spPr>
+          <a:xfrm>
+            <a:off x="1066800" y="1187532"/>
+            <a:ext cx="10058400" cy="4765212"/>
+          </a:xfrm>
+        </p:spPr>
+        <p:txBody>
+          <a:bodyPr>
+            <a:normAutofit lnSpcReduction="10000"/>
+          </a:bodyPr>
+          <a:lstStyle/>
+          <a:p>
+            <a:r>
+              <a:rPr lang="fr-FR" dirty="0"/>
+              <a:t>Serveur NGINX/APACHE2 + App CGI : trop lourd pour ce qu’il y a faire, pas besoin du HTTPS</a:t>
+            </a:r>
+          </a:p>
+          <a:p>
+            <a:r>
+              <a:rPr lang="fr-FR" dirty="0"/>
+              <a:t>HTTP ou TCP</a:t>
+            </a:r>
+          </a:p>
+          <a:p>
+            <a:pPr lvl="1"/>
+            <a:r>
+              <a:rPr lang="fr-FR" dirty="0"/>
+              <a:t>TCP (</a:t>
+            </a:r>
+            <a:r>
+              <a:rPr lang="fr-FR" dirty="0" err="1"/>
+              <a:t>low</a:t>
+            </a:r>
+            <a:r>
+              <a:rPr lang="fr-FR" dirty="0"/>
+              <a:t> </a:t>
+            </a:r>
+            <a:r>
+              <a:rPr lang="fr-FR" dirty="0" err="1"/>
+              <a:t>level</a:t>
+            </a:r>
+            <a:r>
+              <a:rPr lang="fr-FR" dirty="0"/>
+              <a:t>) c’est plus pour une app temp réel : plus complexe coté serveur et client</a:t>
+            </a:r>
+          </a:p>
+          <a:p>
+            <a:pPr lvl="1"/>
+            <a:r>
+              <a:rPr lang="fr-FR" dirty="0"/>
+              <a:t>HTTP (high </a:t>
+            </a:r>
+            <a:r>
+              <a:rPr lang="fr-FR" dirty="0" err="1"/>
+              <a:t>level</a:t>
+            </a:r>
+            <a:r>
+              <a:rPr lang="fr-FR" dirty="0"/>
+              <a:t> surcouche du </a:t>
+            </a:r>
+            <a:r>
+              <a:rPr lang="fr-FR" dirty="0" err="1"/>
+              <a:t>tcp</a:t>
+            </a:r>
+            <a:r>
+              <a:rPr lang="fr-FR" dirty="0"/>
+              <a:t>) c’est pour un service sur requête : </a:t>
+            </a:r>
+          </a:p>
+          <a:p>
+            <a:pPr lvl="2"/>
+            <a:r>
+              <a:rPr lang="fr-FR" dirty="0"/>
+              <a:t>plus simple a mettre en place coté client et serveur</a:t>
+            </a:r>
+          </a:p>
+          <a:p>
+            <a:r>
+              <a:rPr lang="fr-FR" dirty="0"/>
+              <a:t>application autonome + Lib HTTP simple : </a:t>
+            </a:r>
+          </a:p>
+          <a:p>
+            <a:pPr lvl="1"/>
+            <a:r>
+              <a:rPr lang="fr-FR" dirty="0" err="1"/>
+              <a:t>Libuv</a:t>
+            </a:r>
+            <a:r>
+              <a:rPr lang="fr-FR" dirty="0"/>
+              <a:t> : </a:t>
+            </a:r>
+          </a:p>
+          <a:p>
+            <a:pPr lvl="2"/>
+            <a:r>
+              <a:rPr lang="fr-FR" dirty="0"/>
+              <a:t>forte communauté car fait pour </a:t>
+            </a:r>
+            <a:r>
+              <a:rPr lang="fr-FR" dirty="0" err="1"/>
+              <a:t>node-js</a:t>
+            </a:r>
+            <a:endParaRPr lang="fr-FR" dirty="0"/>
+          </a:p>
+          <a:p>
+            <a:pPr lvl="2"/>
+            <a:r>
+              <a:rPr lang="fr-FR" dirty="0"/>
+              <a:t>fait en C donc </a:t>
+            </a:r>
+            <a:r>
+              <a:rPr lang="fr-FR" dirty="0" err="1"/>
+              <a:t>tres</a:t>
+            </a:r>
+            <a:r>
+              <a:rPr lang="fr-FR" dirty="0"/>
+              <a:t> rapide</a:t>
+            </a:r>
+          </a:p>
+          <a:p>
+            <a:pPr lvl="2"/>
+            <a:r>
+              <a:rPr lang="fr-FR" dirty="0"/>
+              <a:t>disponibilité de package sur </a:t>
+            </a:r>
+            <a:r>
+              <a:rPr lang="fr-FR" dirty="0" err="1"/>
+              <a:t>debian</a:t>
+            </a:r>
+            <a:endParaRPr lang="fr-FR" dirty="0"/>
+          </a:p>
+          <a:p>
+            <a:pPr lvl="1"/>
+            <a:r>
+              <a:rPr lang="fr-FR" dirty="0" err="1"/>
+              <a:t>Uv-cpp</a:t>
+            </a:r>
+            <a:r>
+              <a:rPr lang="fr-FR" dirty="0"/>
+              <a:t> : </a:t>
+            </a:r>
+            <a:r>
+              <a:rPr lang="fr-FR" dirty="0" err="1"/>
+              <a:t>Wrapper</a:t>
+            </a:r>
+            <a:r>
+              <a:rPr lang="fr-FR" dirty="0"/>
+              <a:t> </a:t>
+            </a:r>
+            <a:r>
+              <a:rPr lang="fr-FR" dirty="0" err="1"/>
+              <a:t>cpp</a:t>
+            </a:r>
+            <a:r>
+              <a:rPr lang="fr-FR" dirty="0"/>
+              <a:t> pour </a:t>
+            </a:r>
+            <a:r>
+              <a:rPr lang="fr-FR" dirty="0" err="1"/>
+              <a:t>libuv</a:t>
+            </a:r>
+            <a:endParaRPr lang="fr-FR" dirty="0"/>
+          </a:p>
+          <a:p>
+            <a:pPr lvl="2"/>
+            <a:r>
+              <a:rPr lang="fr-FR" dirty="0" err="1"/>
+              <a:t>Disponbilité</a:t>
+            </a:r>
+            <a:r>
+              <a:rPr lang="fr-FR" dirty="0"/>
+              <a:t> d’exemple tout fait</a:t>
+            </a:r>
+          </a:p>
+          <a:p>
+            <a:pPr lvl="2"/>
+            <a:r>
+              <a:rPr lang="fr-FR" dirty="0"/>
+              <a:t>Fonctionnement moderne </a:t>
+            </a:r>
+            <a:r>
+              <a:rPr lang="fr-FR" dirty="0" err="1"/>
+              <a:t>asynchorne</a:t>
+            </a:r>
+            <a:endParaRPr lang="fr-FR" dirty="0"/>
+          </a:p>
+          <a:p>
+            <a:pPr lvl="2"/>
+            <a:r>
+              <a:rPr lang="fr-FR" dirty="0"/>
+              <a:t>Fonction lambda pour les callback</a:t>
+            </a:r>
+          </a:p>
+          <a:p>
+            <a:pPr lvl="1"/>
+            <a:r>
+              <a:rPr lang="fr-FR" dirty="0" err="1"/>
+              <a:t>Asio</a:t>
+            </a:r>
+            <a:r>
+              <a:rPr lang="fr-FR" dirty="0"/>
+              <a:t> : </a:t>
+            </a:r>
+          </a:p>
+          <a:p>
+            <a:pPr lvl="2"/>
+            <a:r>
+              <a:rPr lang="fr-FR" dirty="0" err="1"/>
+              <a:t>dependant</a:t>
+            </a:r>
+            <a:r>
+              <a:rPr lang="fr-FR" dirty="0"/>
+              <a:t> de boost</a:t>
+            </a:r>
+          </a:p>
+          <a:p>
+            <a:pPr lvl="2"/>
+            <a:r>
+              <a:rPr lang="fr-FR" dirty="0"/>
+              <a:t>Avantage : pas de lib</a:t>
+            </a:r>
+          </a:p>
+          <a:p>
+            <a:pPr lvl="2"/>
+            <a:r>
+              <a:rPr lang="fr-FR" dirty="0"/>
+              <a:t>Con : utilisation abusive des </a:t>
+            </a:r>
+            <a:r>
+              <a:rPr lang="fr-FR" dirty="0" err="1"/>
+              <a:t>templates</a:t>
+            </a:r>
+            <a:r>
+              <a:rPr lang="fr-FR" dirty="0"/>
+              <a:t>, temps de compilation rallongé, usine a gaz</a:t>
+            </a:r>
+          </a:p>
+          <a:p>
+            <a:pPr lvl="2"/>
+            <a:r>
+              <a:rPr lang="fr-FR" dirty="0"/>
+              <a:t>empreinte mémoire non </a:t>
+            </a:r>
+            <a:r>
+              <a:rPr lang="fr-FR" dirty="0" err="1"/>
+              <a:t>negligeable</a:t>
+            </a:r>
+            <a:endParaRPr lang="fr-FR" dirty="0"/>
+          </a:p>
+        </p:txBody>
+      </p:sp>
+      <p:sp>
+        <p:nvSpPr>
+          <p:cNvPr id="4" name="Espace réservé de la date 3">
+            <a:extLst>
+              <a:ext uri="{FF2B5EF4-FFF2-40B4-BE49-F238E27FC236}">
+                <a16:creationId xmlns:a16="http://schemas.microsoft.com/office/drawing/2014/main" id="{58AACB8E-9EE2-4177-AA39-C3CB77AEE466}"/>
               </a:ext>
             </a:extLst>
           </p:cNvPr>
@@ -13445,9 +13747,9 @@
           <a:lstStyle/>
           <a:p>
             <a:pPr rtl="0"/>
-            <a:fld id="{2BD66AC7-6890-4F0E-B000-A39D822B7C00}" type="datetime1">
+            <a:fld id="{802FE938-1586-4780-B61A-DD3B60BAB93C}" type="datetime1">
               <a:rPr lang="fr-FR" smtClean="0"/>
-              <a:t>22/06/2021</a:t>
+              <a:t>23/06/2021</a:t>
             </a:fld>
             <a:endParaRPr lang="en-US"/>
           </a:p>
@@ -13456,7 +13758,7 @@
     </p:spTree>
     <p:extLst>
       <p:ext uri="{BB962C8B-B14F-4D97-AF65-F5344CB8AC3E}">
-        <p14:creationId xmlns:p14="http://schemas.microsoft.com/office/powerpoint/2010/main" val="1067601400"/>
+        <p14:creationId xmlns:p14="http://schemas.microsoft.com/office/powerpoint/2010/main" val="1760529830"/>
       </p:ext>
     </p:extLst>
   </p:cSld>
@@ -13513,7 +13815,7 @@
           <a:p>
             <a:r>
               <a:rPr lang="fr-FR" dirty="0"/>
-              <a:t>Serveur WEB</a:t>
+              <a:t>Capteur BME280</a:t>
             </a:r>
           </a:p>
         </p:txBody>
@@ -13537,7 +13839,7 @@
         <p:spPr>
           <a:xfrm>
             <a:off x="1066800" y="1187532"/>
-            <a:ext cx="10058400" cy="4765212"/>
+            <a:ext cx="10058400" cy="1442852"/>
           </a:xfrm>
         </p:spPr>
         <p:txBody>
@@ -13548,24 +13850,45 @@
           <a:p>
             <a:r>
               <a:rPr lang="fr-FR" dirty="0"/>
-              <a:t>Serveur NGINX/APACHE2 + App CGI : trop lourd pour ce qu’il y a faire, pas besoin du HTTPS</a:t>
-            </a:r>
-          </a:p>
-          <a:p>
-            <a:r>
-              <a:rPr lang="fr-FR" dirty="0"/>
-              <a:t>HTTP ou TCP</a:t>
+              <a:t>Driver </a:t>
+            </a:r>
+            <a:r>
+              <a:rPr lang="fr-FR" dirty="0" err="1"/>
+              <a:t>bosch</a:t>
+            </a:r>
+            <a:r>
+              <a:rPr lang="fr-FR" dirty="0"/>
+              <a:t> officiel fait en C : </a:t>
             </a:r>
           </a:p>
           <a:p>
             <a:pPr lvl="1"/>
             <a:r>
               <a:rPr lang="fr-FR" dirty="0"/>
-              <a:t>TCP (</a:t>
+              <a:t>livré avec des </a:t>
             </a:r>
             <a:r>
               <a:rPr lang="fr-FR" dirty="0" err="1"/>
-              <a:t>low</a:t>
+              <a:t>examples</a:t>
+            </a:r>
+            <a:endParaRPr lang="fr-FR" dirty="0"/>
+          </a:p>
+          <a:p>
+            <a:pPr lvl="1"/>
+            <a:r>
+              <a:rPr lang="fr-FR" dirty="0" err="1"/>
+              <a:t>Fiabilté</a:t>
+            </a:r>
+            <a:r>
+              <a:rPr lang="fr-FR" dirty="0"/>
+              <a:t> maximale car driver officiel</a:t>
+            </a:r>
+          </a:p>
+          <a:p>
+            <a:pPr lvl="1"/>
+            <a:r>
+              <a:rPr lang="fr-FR" dirty="0" err="1"/>
+              <a:t>Facielment</a:t>
             </a:r>
             <a:r>
               <a:rPr lang="fr-FR" dirty="0"/>
@@ -13573,215 +13896,36 @@
             </a:r>
             <a:r>
               <a:rPr lang="fr-FR" dirty="0" err="1"/>
-              <a:t>level</a:t>
-            </a:r>
-            <a:r>
-              <a:rPr lang="fr-FR" dirty="0"/>
-              <a:t>) c’est plus pour une app temp réel : plus complexe coté serveur et client</a:t>
-            </a:r>
-          </a:p>
-          <a:p>
-            <a:pPr lvl="1"/>
-            <a:r>
-              <a:rPr lang="fr-FR" dirty="0"/>
-              <a:t>HTTP (high </a:t>
+              <a:t>integrable</a:t>
+            </a:r>
+            <a:r>
+              <a:rPr lang="fr-FR" dirty="0"/>
+              <a:t> dans app </a:t>
             </a:r>
             <a:r>
               <a:rPr lang="fr-FR" dirty="0" err="1"/>
-              <a:t>level</a:t>
-            </a:r>
-            <a:r>
-              <a:rPr lang="fr-FR" dirty="0"/>
-              <a:t> surcouche du </a:t>
+              <a:t>c++</a:t>
+            </a:r>
+            <a:endParaRPr lang="fr-FR" dirty="0"/>
+          </a:p>
+          <a:p>
+            <a:r>
+              <a:rPr lang="fr-FR" dirty="0"/>
+              <a:t>Script python livré par </a:t>
             </a:r>
             <a:r>
               <a:rPr lang="fr-FR" dirty="0" err="1"/>
-              <a:t>tcp</a:t>
-            </a:r>
-            <a:r>
-              <a:rPr lang="fr-FR" dirty="0"/>
-              <a:t>) c’est pour un service sur requête : </a:t>
-            </a:r>
-          </a:p>
-          <a:p>
-            <a:pPr lvl="2"/>
-            <a:r>
-              <a:rPr lang="fr-FR" dirty="0"/>
-              <a:t>plus simple a mettre en place coté client et serveur</a:t>
-            </a:r>
-          </a:p>
-          <a:p>
-            <a:r>
-              <a:rPr lang="fr-FR" dirty="0"/>
-              <a:t>application autonome + Lib HTTP simple : </a:t>
-            </a:r>
-          </a:p>
-          <a:p>
-            <a:pPr lvl="1"/>
-            <a:r>
-              <a:rPr lang="fr-FR" dirty="0" err="1"/>
-              <a:t>Libuv</a:t>
-            </a:r>
-            <a:r>
-              <a:rPr lang="fr-FR" dirty="0"/>
-              <a:t> : </a:t>
-            </a:r>
-          </a:p>
-          <a:p>
-            <a:pPr lvl="2"/>
-            <a:r>
-              <a:rPr lang="fr-FR" dirty="0"/>
-              <a:t>forte communauté car fait pour </a:t>
-            </a:r>
-            <a:r>
-              <a:rPr lang="fr-FR" dirty="0" err="1"/>
-              <a:t>node-js</a:t>
-            </a:r>
+              <a:t>ajc</a:t>
+            </a:r>
+            <a:r>
+              <a:rPr lang="fr-FR" dirty="0"/>
+              <a:t> pour tester le capteur</a:t>
+            </a:r>
+          </a:p>
+          <a:p>
             <a:endParaRPr lang="fr-FR" dirty="0"/>
           </a:p>
           <a:p>
-            <a:pPr lvl="2"/>
-            <a:r>
-              <a:rPr lang="fr-FR" dirty="0"/>
-              <a:t>fait en C donc </a:t>
-            </a:r>
-            <a:r>
-              <a:rPr lang="fr-FR" dirty="0" err="1"/>
-              <a:t>tres</a:t>
-            </a:r>
-            <a:r>
-              <a:rPr lang="fr-FR" dirty="0"/>
-              <a:t> rapide</a:t>
-            </a:r>
-          </a:p>
-          <a:p>
-            <a:pPr lvl="2"/>
-            <a:r>
-              <a:rPr lang="fr-FR" dirty="0"/>
-              <a:t>disponibilité de package sur </a:t>
-            </a:r>
-            <a:r>
-              <a:rPr lang="fr-FR" dirty="0" err="1"/>
-              <a:t>debian</a:t>
-            </a:r>
-            <a:endParaRPr lang="fr-FR" dirty="0"/>
-          </a:p>
-          <a:p>
-            <a:pPr lvl="1"/>
-            <a:r>
-              <a:rPr lang="fr-FR" dirty="0" err="1"/>
-              <a:t>Uv-cpp</a:t>
-            </a:r>
-            <a:r>
-              <a:rPr lang="fr-FR" dirty="0"/>
-              <a:t> : </a:t>
-            </a:r>
-            <a:r>
-              <a:rPr lang="fr-FR" dirty="0" err="1"/>
-              <a:t>Wrapper</a:t>
-            </a:r>
-            <a:r>
-              <a:rPr lang="fr-FR" dirty="0"/>
-              <a:t> </a:t>
-            </a:r>
-            <a:r>
-              <a:rPr lang="fr-FR" dirty="0" err="1"/>
-              <a:t>cpp</a:t>
-            </a:r>
-            <a:r>
-              <a:rPr lang="fr-FR" dirty="0"/>
-              <a:t> pour </a:t>
-            </a:r>
-            <a:r>
-              <a:rPr lang="fr-FR" dirty="0" err="1"/>
-              <a:t>libuv</a:t>
-            </a:r>
-            <a:endParaRPr lang="fr-FR" dirty="0"/>
-          </a:p>
-          <a:p>
-            <a:pPr lvl="2"/>
-            <a:r>
-              <a:rPr lang="fr-FR" dirty="0" err="1"/>
-              <a:t>Disponbilité</a:t>
-            </a:r>
-            <a:r>
-              <a:rPr lang="fr-FR" dirty="0"/>
-              <a:t> d’exemple tout fait</a:t>
-            </a:r>
-          </a:p>
-          <a:p>
-            <a:pPr lvl="2"/>
-            <a:r>
-              <a:rPr lang="fr-FR" dirty="0"/>
-              <a:t>Fonctionnement moderne </a:t>
-            </a:r>
-            <a:r>
-              <a:rPr lang="fr-FR" dirty="0" err="1"/>
-              <a:t>asynchorne</a:t>
-            </a:r>
-            <a:endParaRPr lang="fr-FR" dirty="0"/>
-          </a:p>
-          <a:p>
-            <a:pPr lvl="2"/>
-            <a:r>
-              <a:rPr lang="fr-FR" dirty="0"/>
-              <a:t>Fonction lambda pour les callback</a:t>
-            </a:r>
-          </a:p>
-          <a:p>
-            <a:pPr lvl="1"/>
-            <a:r>
-              <a:rPr lang="fr-FR" dirty="0" err="1"/>
-              <a:t>Asio</a:t>
-            </a:r>
-            <a:r>
-              <a:rPr lang="fr-FR" dirty="0"/>
-              <a:t> : </a:t>
-            </a:r>
-          </a:p>
-          <a:p>
-            <a:pPr lvl="2"/>
-            <a:r>
-              <a:rPr lang="fr-FR" dirty="0" err="1"/>
-              <a:t>dependant</a:t>
-            </a:r>
-            <a:r>
-              <a:rPr lang="fr-FR" dirty="0"/>
-              <a:t> de boost</a:t>
-            </a:r>
-          </a:p>
-          <a:p>
-            <a:pPr lvl="2"/>
-            <a:r>
-              <a:rPr lang="fr-FR" dirty="0"/>
-              <a:t>Avantage : pas de lib</a:t>
-            </a:r>
-          </a:p>
-          <a:p>
-            <a:pPr lvl="2"/>
-            <a:r>
-              <a:rPr lang="fr-FR" dirty="0"/>
-              <a:t>Con : utilisation abusive des </a:t>
-            </a:r>
-            <a:r>
-              <a:rPr lang="fr-FR" dirty="0" err="1"/>
-              <a:t>templates</a:t>
-            </a:r>
-            <a:r>
-              <a:rPr lang="fr-FR" dirty="0"/>
-              <a:t>, temps de compilation rallongé, usine a gaz</a:t>
-            </a:r>
-          </a:p>
-          <a:p>
-            <a:pPr lvl="2"/>
-            <a:r>
-              <a:rPr lang="fr-FR" dirty="0"/>
-              <a:t>empreinte mémoire non </a:t>
-            </a:r>
-            <a:r>
-              <a:rPr lang="fr-FR" dirty="0" err="1"/>
-              <a:t>negligeable</a:t>
-            </a:r>
             <a:endParaRPr lang="fr-FR" dirty="0"/>
           </a:p>
         </p:txBody>
@@ -13810,212 +13954,7 @@
             <a:pPr rtl="0"/>
             <a:fld id="{802FE938-1586-4780-B61A-DD3B60BAB93C}" type="datetime1">
               <a:rPr lang="fr-FR" smtClean="0"/>
-              <a:t>22/06/2021</a:t>
-            </a:fld>
-            <a:endParaRPr lang="en-US"/>
-          </a:p>
-        </p:txBody>
-      </p:sp>
-    </p:spTree>
-    <p:extLst>
-      <p:ext uri="{BB962C8B-B14F-4D97-AF65-F5344CB8AC3E}">
-        <p14:creationId xmlns:p14="http://schemas.microsoft.com/office/powerpoint/2010/main" val="1760529830"/>
-      </p:ext>
-    </p:extLst>
-  </p:cSld>
-  <p:clrMapOvr>
-    <a:masterClrMapping/>
-  </p:clrMapOvr>
-</p:sld>
-</file>
-
-<file path=ppt/slides/slide25.xml><?xml version="1.0" encoding="utf-8"?>
-<p:sld xmlns:a="http://schemas.openxmlformats.org/drawingml/2006/main" xmlns:r="http://schemas.openxmlformats.org/officeDocument/2006/relationships" xmlns:p="http://schemas.openxmlformats.org/presentationml/2006/main">
-  <p:cSld>
-    <p:spTree>
-      <p:nvGrpSpPr>
-        <p:cNvPr id="1" name=""/>
-        <p:cNvGrpSpPr/>
-        <p:nvPr/>
-      </p:nvGrpSpPr>
-      <p:grpSpPr>
-        <a:xfrm>
-          <a:off x="0" y="0"/>
-          <a:ext cx="0" cy="0"/>
-          <a:chOff x="0" y="0"/>
-          <a:chExt cx="0" cy="0"/>
-        </a:xfrm>
-      </p:grpSpPr>
-      <p:sp>
-        <p:nvSpPr>
-          <p:cNvPr id="2" name="Titre 1">
-            <a:extLst>
-              <a:ext uri="{FF2B5EF4-FFF2-40B4-BE49-F238E27FC236}">
-                <a16:creationId xmlns:a16="http://schemas.microsoft.com/office/drawing/2014/main" id="{CB54FB35-62CD-4DC9-A01D-686743CE13DF}"/>
-              </a:ext>
-            </a:extLst>
-          </p:cNvPr>
-          <p:cNvSpPr>
-            <a:spLocks noGrp="1"/>
-          </p:cNvSpPr>
-          <p:nvPr>
-            <p:ph type="title"/>
-          </p:nvPr>
-        </p:nvSpPr>
-        <p:spPr>
-          <a:xfrm>
-            <a:off x="1066800" y="642594"/>
-            <a:ext cx="10058400" cy="544938"/>
-          </a:xfrm>
-        </p:spPr>
-        <p:txBody>
-          <a:bodyPr>
-            <a:normAutofit fontScale="90000"/>
-          </a:bodyPr>
-          <a:lstStyle/>
-          <a:p>
-            <a:r>
-              <a:rPr lang="fr-FR" dirty="0"/>
-              <a:t>Capteur BME280</a:t>
-            </a:r>
-          </a:p>
-        </p:txBody>
-      </p:sp>
-      <p:sp>
-        <p:nvSpPr>
-          <p:cNvPr id="3" name="Espace réservé du contenu 2">
-            <a:extLst>
-              <a:ext uri="{FF2B5EF4-FFF2-40B4-BE49-F238E27FC236}">
-                <a16:creationId xmlns:a16="http://schemas.microsoft.com/office/drawing/2014/main" id="{D8B13C74-0011-4D4B-98AE-E79FD41F1CE1}"/>
-              </a:ext>
-            </a:extLst>
-          </p:cNvPr>
-          <p:cNvSpPr>
-            <a:spLocks noGrp="1"/>
-          </p:cNvSpPr>
-          <p:nvPr>
-            <p:ph idx="1"/>
-          </p:nvPr>
-        </p:nvSpPr>
-        <p:spPr>
-          <a:xfrm>
-            <a:off x="1066800" y="1187532"/>
-            <a:ext cx="10058400" cy="1442852"/>
-          </a:xfrm>
-        </p:spPr>
-        <p:txBody>
-          <a:bodyPr>
-            <a:normAutofit lnSpcReduction="10000"/>
-          </a:bodyPr>
-          <a:lstStyle/>
-          <a:p>
-            <a:r>
-              <a:rPr lang="fr-FR" dirty="0"/>
-              <a:t>Driver </a:t>
-            </a:r>
-            <a:r>
-              <a:rPr lang="fr-FR" dirty="0" err="1"/>
-              <a:t>bosch</a:t>
-            </a:r>
-            <a:r>
-              <a:rPr lang="fr-FR" dirty="0"/>
-              <a:t> officiel fait en C : </a:t>
-            </a:r>
-          </a:p>
-          <a:p>
-            <a:pPr lvl="1"/>
-            <a:r>
-              <a:rPr lang="fr-FR" dirty="0"/>
-              <a:t>livré avec des </a:t>
-            </a:r>
-            <a:r>
-              <a:rPr lang="fr-FR" dirty="0" err="1"/>
-              <a:t>examples</a:t>
-            </a:r>
-            <a:endParaRPr lang="fr-FR" dirty="0"/>
-          </a:p>
-          <a:p>
-            <a:pPr lvl="1"/>
-            <a:r>
-              <a:rPr lang="fr-FR" dirty="0" err="1"/>
-              <a:t>Fiabilté</a:t>
-            </a:r>
-            <a:r>
-              <a:rPr lang="fr-FR" dirty="0"/>
-              <a:t> maximale car driver officiel</a:t>
-            </a:r>
-          </a:p>
-          <a:p>
-            <a:pPr lvl="1"/>
-            <a:r>
-              <a:rPr lang="fr-FR" dirty="0" err="1"/>
-              <a:t>Facielment</a:t>
-            </a:r>
-            <a:r>
-              <a:rPr lang="fr-FR" dirty="0"/>
-              <a:t> </a:t>
-            </a:r>
-            <a:r>
-              <a:rPr lang="fr-FR" dirty="0" err="1"/>
-              <a:t>integrable</a:t>
-            </a:r>
-            <a:r>
-              <a:rPr lang="fr-FR" dirty="0"/>
-              <a:t> dans app </a:t>
-            </a:r>
-            <a:r>
-              <a:rPr lang="fr-FR" dirty="0" err="1"/>
-              <a:t>c++</a:t>
-            </a:r>
-            <a:endParaRPr lang="fr-FR" dirty="0"/>
-          </a:p>
-          <a:p>
-            <a:r>
-              <a:rPr lang="fr-FR" dirty="0"/>
-              <a:t>Script python livré par </a:t>
-            </a:r>
-            <a:r>
-              <a:rPr lang="fr-FR" dirty="0" err="1"/>
-              <a:t>ajc</a:t>
-            </a:r>
-            <a:r>
-              <a:rPr lang="fr-FR" dirty="0"/>
-              <a:t> pour tester le capteur</a:t>
-            </a:r>
-          </a:p>
-          <a:p>
-            <a:endParaRPr lang="fr-FR" dirty="0"/>
-          </a:p>
-          <a:p>
-            <a:endParaRPr lang="fr-FR" dirty="0"/>
-          </a:p>
-        </p:txBody>
-      </p:sp>
-      <p:sp>
-        <p:nvSpPr>
-          <p:cNvPr id="4" name="Espace réservé de la date 3">
-            <a:extLst>
-              <a:ext uri="{FF2B5EF4-FFF2-40B4-BE49-F238E27FC236}">
-                <a16:creationId xmlns:a16="http://schemas.microsoft.com/office/drawing/2014/main" id="{58AACB8E-9EE2-4177-AA39-C3CB77AEE466}"/>
-              </a:ext>
-            </a:extLst>
-          </p:cNvPr>
-          <p:cNvSpPr>
-            <a:spLocks noGrp="1"/>
-          </p:cNvSpPr>
-          <p:nvPr>
-            <p:ph type="dt" sz="half" idx="10"/>
-          </p:nvPr>
-        </p:nvSpPr>
-        <p:spPr/>
-        <p:txBody>
-          <a:bodyPr/>
-          <a:lstStyle/>
-          <a:p>
-            <a:pPr rtl="0"/>
-            <a:fld id="{802FE938-1586-4780-B61A-DD3B60BAB93C}" type="datetime1">
-              <a:rPr lang="fr-FR" smtClean="0"/>
-              <a:t>22/06/2021</a:t>
+              <a:t>23/06/2021</a:t>
             </a:fld>
             <a:endParaRPr lang="en-US"/>
           </a:p>
@@ -14485,6 +14424,356 @@
 </p:sld>
 </file>
 
+<file path=ppt/slides/slide25.xml><?xml version="1.0" encoding="utf-8"?>
+<p:sld xmlns:a="http://schemas.openxmlformats.org/drawingml/2006/main" xmlns:r="http://schemas.openxmlformats.org/officeDocument/2006/relationships" xmlns:p="http://schemas.openxmlformats.org/presentationml/2006/main">
+  <p:cSld>
+    <p:spTree>
+      <p:nvGrpSpPr>
+        <p:cNvPr id="1" name=""/>
+        <p:cNvGrpSpPr/>
+        <p:nvPr/>
+      </p:nvGrpSpPr>
+      <p:grpSpPr>
+        <a:xfrm>
+          <a:off x="0" y="0"/>
+          <a:ext cx="0" cy="0"/>
+          <a:chOff x="0" y="0"/>
+          <a:chExt cx="0" cy="0"/>
+        </a:xfrm>
+      </p:grpSpPr>
+      <p:sp>
+        <p:nvSpPr>
+          <p:cNvPr id="2" name="Titre 1">
+            <a:extLst>
+              <a:ext uri="{FF2B5EF4-FFF2-40B4-BE49-F238E27FC236}">
+                <a16:creationId xmlns:a16="http://schemas.microsoft.com/office/drawing/2014/main" id="{CB54FB35-62CD-4DC9-A01D-686743CE13DF}"/>
+              </a:ext>
+            </a:extLst>
+          </p:cNvPr>
+          <p:cNvSpPr>
+            <a:spLocks noGrp="1"/>
+          </p:cNvSpPr>
+          <p:nvPr>
+            <p:ph type="title"/>
+          </p:nvPr>
+        </p:nvSpPr>
+        <p:spPr>
+          <a:xfrm>
+            <a:off x="1066800" y="642594"/>
+            <a:ext cx="10058400" cy="544938"/>
+          </a:xfrm>
+        </p:spPr>
+        <p:txBody>
+          <a:bodyPr>
+            <a:normAutofit fontScale="90000"/>
+          </a:bodyPr>
+          <a:lstStyle/>
+          <a:p>
+            <a:r>
+              <a:rPr lang="fr-FR" dirty="0"/>
+              <a:t>Serveur WEB</a:t>
+            </a:r>
+          </a:p>
+        </p:txBody>
+      </p:sp>
+      <p:sp>
+        <p:nvSpPr>
+          <p:cNvPr id="3" name="Espace réservé du contenu 2">
+            <a:extLst>
+              <a:ext uri="{FF2B5EF4-FFF2-40B4-BE49-F238E27FC236}">
+                <a16:creationId xmlns:a16="http://schemas.microsoft.com/office/drawing/2014/main" id="{D8B13C74-0011-4D4B-98AE-E79FD41F1CE1}"/>
+              </a:ext>
+            </a:extLst>
+          </p:cNvPr>
+          <p:cNvSpPr>
+            <a:spLocks noGrp="1"/>
+          </p:cNvSpPr>
+          <p:nvPr>
+            <p:ph idx="1"/>
+          </p:nvPr>
+        </p:nvSpPr>
+        <p:spPr>
+          <a:xfrm>
+            <a:off x="1066800" y="1187532"/>
+            <a:ext cx="10058400" cy="4765212"/>
+          </a:xfrm>
+        </p:spPr>
+        <p:txBody>
+          <a:bodyPr>
+            <a:normAutofit lnSpcReduction="10000"/>
+          </a:bodyPr>
+          <a:lstStyle/>
+          <a:p>
+            <a:r>
+              <a:rPr lang="fr-FR" dirty="0"/>
+              <a:t>Serveur NGINX + App CGI : trop lourd pour ce qu’il y a faire, pas besoin du HTTPS</a:t>
+            </a:r>
+          </a:p>
+          <a:p>
+            <a:r>
+              <a:rPr lang="fr-FR" dirty="0"/>
+              <a:t>HTTP ou TCP</a:t>
+            </a:r>
+          </a:p>
+          <a:p>
+            <a:pPr lvl="1"/>
+            <a:r>
+              <a:rPr lang="fr-FR" dirty="0"/>
+              <a:t>TCP (</a:t>
+            </a:r>
+            <a:r>
+              <a:rPr lang="fr-FR" dirty="0" err="1"/>
+              <a:t>low</a:t>
+            </a:r>
+            <a:r>
+              <a:rPr lang="fr-FR" dirty="0"/>
+              <a:t> </a:t>
+            </a:r>
+            <a:r>
+              <a:rPr lang="fr-FR" dirty="0" err="1"/>
+              <a:t>level</a:t>
+            </a:r>
+            <a:r>
+              <a:rPr lang="fr-FR" dirty="0"/>
+              <a:t>) c’est plus pour une app temp réel : plus complexe coté serveur et client</a:t>
+            </a:r>
+          </a:p>
+          <a:p>
+            <a:pPr lvl="1"/>
+            <a:r>
+              <a:rPr lang="fr-FR" dirty="0"/>
+              <a:t>HTTP (high </a:t>
+            </a:r>
+            <a:r>
+              <a:rPr lang="fr-FR" dirty="0" err="1"/>
+              <a:t>level</a:t>
+            </a:r>
+            <a:r>
+              <a:rPr lang="fr-FR" dirty="0"/>
+              <a:t> surcouche du </a:t>
+            </a:r>
+            <a:r>
+              <a:rPr lang="fr-FR" dirty="0" err="1"/>
+              <a:t>tcp</a:t>
+            </a:r>
+            <a:r>
+              <a:rPr lang="fr-FR" dirty="0"/>
+              <a:t>) c’est pour un service sur requête : </a:t>
+            </a:r>
+          </a:p>
+          <a:p>
+            <a:pPr lvl="2"/>
+            <a:r>
+              <a:rPr lang="fr-FR" dirty="0"/>
+              <a:t>plus simple a mettre en place coté client et serveur</a:t>
+            </a:r>
+          </a:p>
+          <a:p>
+            <a:r>
+              <a:rPr lang="fr-FR" dirty="0"/>
+              <a:t>application autonome + Lib HTTP simple : </a:t>
+            </a:r>
+          </a:p>
+          <a:p>
+            <a:pPr lvl="1"/>
+            <a:r>
+              <a:rPr lang="fr-FR" dirty="0" err="1"/>
+              <a:t>Libuv</a:t>
+            </a:r>
+            <a:r>
+              <a:rPr lang="fr-FR" dirty="0"/>
+              <a:t> : </a:t>
+            </a:r>
+          </a:p>
+          <a:p>
+            <a:pPr lvl="2"/>
+            <a:r>
+              <a:rPr lang="fr-FR" dirty="0"/>
+              <a:t>forte communauté car fait pour </a:t>
+            </a:r>
+            <a:r>
+              <a:rPr lang="fr-FR" dirty="0" err="1"/>
+              <a:t>nodejs</a:t>
+            </a:r>
+            <a:endParaRPr lang="fr-FR" dirty="0"/>
+          </a:p>
+          <a:p>
+            <a:pPr lvl="2"/>
+            <a:r>
+              <a:rPr lang="fr-FR" dirty="0"/>
+              <a:t>fait en C donc </a:t>
+            </a:r>
+            <a:r>
+              <a:rPr lang="fr-FR" dirty="0" err="1"/>
+              <a:t>tres</a:t>
+            </a:r>
+            <a:r>
+              <a:rPr lang="fr-FR" dirty="0"/>
+              <a:t> rapide</a:t>
+            </a:r>
+          </a:p>
+          <a:p>
+            <a:pPr lvl="2"/>
+            <a:r>
+              <a:rPr lang="fr-FR" dirty="0"/>
+              <a:t>disponibilité de package sur </a:t>
+            </a:r>
+            <a:r>
+              <a:rPr lang="fr-FR" dirty="0" err="1"/>
+              <a:t>debian</a:t>
+            </a:r>
+            <a:endParaRPr lang="fr-FR" dirty="0"/>
+          </a:p>
+          <a:p>
+            <a:pPr lvl="1"/>
+            <a:r>
+              <a:rPr lang="fr-FR" dirty="0" err="1"/>
+              <a:t>Uv-cpp</a:t>
+            </a:r>
+            <a:r>
+              <a:rPr lang="fr-FR" dirty="0"/>
+              <a:t> : </a:t>
+            </a:r>
+            <a:r>
+              <a:rPr lang="fr-FR" dirty="0" err="1"/>
+              <a:t>Wrapper</a:t>
+            </a:r>
+            <a:r>
+              <a:rPr lang="fr-FR" dirty="0"/>
+              <a:t> </a:t>
+            </a:r>
+            <a:r>
+              <a:rPr lang="fr-FR" dirty="0" err="1"/>
+              <a:t>cpp</a:t>
+            </a:r>
+            <a:r>
+              <a:rPr lang="fr-FR" dirty="0"/>
+              <a:t> pour </a:t>
+            </a:r>
+            <a:r>
+              <a:rPr lang="fr-FR" dirty="0" err="1"/>
+              <a:t>libuv</a:t>
+            </a:r>
+            <a:endParaRPr lang="fr-FR" dirty="0"/>
+          </a:p>
+          <a:p>
+            <a:pPr lvl="2"/>
+            <a:r>
+              <a:rPr lang="fr-FR" dirty="0"/>
+              <a:t>Disponibilité </a:t>
+            </a:r>
+            <a:r>
+              <a:rPr lang="fr-FR" dirty="0" err="1"/>
+              <a:t>d’example</a:t>
+            </a:r>
+            <a:r>
+              <a:rPr lang="fr-FR" dirty="0"/>
+              <a:t> tout fait</a:t>
+            </a:r>
+          </a:p>
+          <a:p>
+            <a:pPr lvl="2"/>
+            <a:r>
+              <a:rPr lang="fr-FR" dirty="0"/>
+              <a:t>Fonctionnement moderne asynchrone (? Doit on mettre ces termes ou les expliquer)</a:t>
+            </a:r>
+          </a:p>
+          <a:p>
+            <a:pPr lvl="2"/>
+            <a:r>
+              <a:rPr lang="fr-FR" dirty="0"/>
+              <a:t>Fonction lambda pour les callback (? Doit on mettre ces termes ou les expliquer)</a:t>
+            </a:r>
+          </a:p>
+          <a:p>
+            <a:pPr lvl="1"/>
+            <a:r>
+              <a:rPr lang="fr-FR" dirty="0" err="1"/>
+              <a:t>Asio</a:t>
+            </a:r>
+            <a:r>
+              <a:rPr lang="fr-FR" dirty="0"/>
+              <a:t> : </a:t>
+            </a:r>
+          </a:p>
+          <a:p>
+            <a:pPr lvl="2"/>
+            <a:r>
+              <a:rPr lang="fr-FR" dirty="0"/>
+              <a:t>dépendant de boost</a:t>
+            </a:r>
+          </a:p>
+          <a:p>
+            <a:pPr lvl="2"/>
+            <a:r>
+              <a:rPr lang="fr-FR" dirty="0"/>
+              <a:t>Avantage : pas de lib</a:t>
+            </a:r>
+          </a:p>
+          <a:p>
+            <a:pPr lvl="2"/>
+            <a:r>
+              <a:rPr lang="fr-FR" dirty="0"/>
+              <a:t>Con : utilisation abusive des </a:t>
+            </a:r>
+            <a:r>
+              <a:rPr lang="fr-FR" dirty="0" err="1"/>
+              <a:t>templates</a:t>
+            </a:r>
+            <a:r>
+              <a:rPr lang="fr-FR" dirty="0"/>
+              <a:t>, temps de compilation rallongé, usine a gaz. (? Doit on mettre ces termes ou les expliquer, pas très objectif)</a:t>
+            </a:r>
+          </a:p>
+          <a:p>
+            <a:pPr lvl="2"/>
+            <a:endParaRPr lang="fr-FR" dirty="0"/>
+          </a:p>
+        </p:txBody>
+      </p:sp>
+      <p:sp>
+        <p:nvSpPr>
+          <p:cNvPr id="4" name="Espace réservé de la date 3">
+            <a:extLst>
+              <a:ext uri="{FF2B5EF4-FFF2-40B4-BE49-F238E27FC236}">
+                <a16:creationId xmlns:a16="http://schemas.microsoft.com/office/drawing/2014/main" id="{58AACB8E-9EE2-4177-AA39-C3CB77AEE466}"/>
+              </a:ext>
+            </a:extLst>
+          </p:cNvPr>
+          <p:cNvSpPr>
+            <a:spLocks noGrp="1"/>
+          </p:cNvSpPr>
+          <p:nvPr>
+            <p:ph type="dt" sz="half" idx="10"/>
+          </p:nvPr>
+        </p:nvSpPr>
+        <p:spPr/>
+        <p:txBody>
+          <a:bodyPr/>
+          <a:lstStyle/>
+          <a:p>
+            <a:pPr rtl="0"/>
+            <a:fld id="{802FE938-1586-4780-B61A-DD3B60BAB93C}" type="datetime1">
+              <a:rPr lang="fr-FR" smtClean="0"/>
+              <a:t>23/06/2021</a:t>
+            </a:fld>
+            <a:endParaRPr lang="en-US"/>
+          </a:p>
+        </p:txBody>
+      </p:sp>
+    </p:spTree>
+    <p:extLst>
+      <p:ext uri="{BB962C8B-B14F-4D97-AF65-F5344CB8AC3E}">
+        <p14:creationId xmlns:p14="http://schemas.microsoft.com/office/powerpoint/2010/main" val="1188826733"/>
+      </p:ext>
+    </p:extLst>
+  </p:cSld>
+  <p:clrMapOvr>
+    <a:masterClrMapping/>
+  </p:clrMapOvr>
+</p:sld>
+</file>
+
 <file path=ppt/slides/slide26.xml><?xml version="1.0" encoding="utf-8"?>
 <p:sld xmlns:a="http://schemas.openxmlformats.org/drawingml/2006/main" xmlns:r="http://schemas.openxmlformats.org/officeDocument/2006/relationships" xmlns:p="http://schemas.openxmlformats.org/presentationml/2006/main">
   <p:cSld>
@@ -14532,7 +14821,7 @@
           <a:p>
             <a:r>
               <a:rPr lang="fr-FR" dirty="0"/>
-              <a:t>Serveur WEB</a:t>
+              <a:t>Format de donnée d’échanges</a:t>
             </a:r>
           </a:p>
         </p:txBody>
@@ -14567,228 +14856,132 @@
           <a:p>
             <a:r>
               <a:rPr lang="fr-FR" dirty="0"/>
-              <a:t>Serveur NGINX + App CGI : trop lourd pour ce qu’il y a faire, pas besoin du HTTPS</a:t>
-            </a:r>
-          </a:p>
-          <a:p>
-            <a:r>
-              <a:rPr lang="fr-FR" dirty="0"/>
-              <a:t>HTTP ou TCP</a:t>
+              <a:t>Qt sait lire facilement du xml et du JSON</a:t>
+            </a:r>
+          </a:p>
+          <a:p>
+            <a:r>
+              <a:rPr lang="fr-FR" dirty="0"/>
+              <a:t>XML :</a:t>
             </a:r>
           </a:p>
           <a:p>
             <a:pPr lvl="1"/>
             <a:r>
               <a:rPr lang="fr-FR" dirty="0"/>
-              <a:t>TCP (</a:t>
+              <a:t>orienté document</a:t>
+            </a:r>
+          </a:p>
+          <a:p>
+            <a:pPr lvl="1"/>
+            <a:r>
+              <a:rPr lang="fr-FR" dirty="0"/>
+              <a:t>Plus Compliqué a </a:t>
             </a:r>
             <a:r>
               <a:rPr lang="fr-FR" dirty="0" err="1"/>
-              <a:t>low</a:t>
-            </a:r>
-            <a:r>
-              <a:rPr lang="fr-FR" dirty="0"/>
-              <a:t> </a:t>
-            </a:r>
-            <a:r>
-              <a:rPr lang="fr-FR" dirty="0" err="1"/>
-              <a:t>level</a:t>
-            </a:r>
-            <a:r>
-              <a:rPr lang="fr-FR" dirty="0"/>
-              <a:t>) c’est plus pour une app temp réel : plus complexe coté serveur et client</a:t>
+              <a:t>génèrer</a:t>
+            </a:r>
+            <a:r>
+              <a:rPr lang="fr-FR" dirty="0"/>
+              <a:t> et a analyser</a:t>
             </a:r>
           </a:p>
           <a:p>
             <a:pPr lvl="1"/>
             <a:r>
               <a:rPr lang="fr-FR" dirty="0"/>
-              <a:t>HTTP (high </a:t>
-            </a:r>
-            <a:r>
-              <a:rPr lang="fr-FR" dirty="0" err="1"/>
-              <a:t>level</a:t>
-            </a:r>
-            <a:r>
-              <a:rPr lang="fr-FR" dirty="0"/>
-              <a:t> surcouche du </a:t>
-            </a:r>
-            <a:r>
-              <a:rPr lang="fr-FR" dirty="0" err="1"/>
-              <a:t>tcp</a:t>
-            </a:r>
-            <a:r>
-              <a:rPr lang="fr-FR" dirty="0"/>
-              <a:t>) c’est pour un service sur requête : </a:t>
+              <a:t>Trop verbeux =&gt; plus de mémoire</a:t>
+            </a:r>
+          </a:p>
+          <a:p>
+            <a:pPr lvl="1"/>
+            <a:r>
+              <a:rPr lang="fr-FR" dirty="0"/>
+              <a:t>Format ASCII / Texte</a:t>
+            </a:r>
+          </a:p>
+          <a:p>
+            <a:r>
+              <a:rPr lang="fr-FR" dirty="0"/>
+              <a:t>JSON : </a:t>
+            </a:r>
+          </a:p>
+          <a:p>
+            <a:pPr lvl="1"/>
+            <a:r>
+              <a:rPr lang="fr-FR" dirty="0"/>
+              <a:t>Orienté données </a:t>
+            </a:r>
+          </a:p>
+          <a:p>
+            <a:pPr lvl="1"/>
+            <a:r>
+              <a:rPr lang="fr-FR" dirty="0"/>
+              <a:t>Plus facile a générer et a analyser</a:t>
+            </a:r>
+          </a:p>
+          <a:p>
+            <a:pPr lvl="1"/>
+            <a:r>
+              <a:rPr lang="fr-FR" dirty="0"/>
+              <a:t>Format ASCII / Texte</a:t>
+            </a:r>
+          </a:p>
+          <a:p>
+            <a:pPr lvl="1"/>
+            <a:r>
+              <a:rPr lang="fr-FR" dirty="0"/>
+              <a:t>Très peu verbeux, laisse plus la place aux donnée que XML : </a:t>
             </a:r>
           </a:p>
           <a:p>
             <a:pPr lvl="2"/>
             <a:r>
               <a:rPr lang="fr-FR" dirty="0"/>
-              <a:t>plus simple a mettre en place coté client et serveur</a:t>
-            </a:r>
-          </a:p>
-          <a:p>
-            <a:r>
-              <a:rPr lang="fr-FR" dirty="0"/>
-              <a:t>application autonome + Lib HTTP simple : </a:t>
+              <a:t>Beaucoup moins de mémoire pour plus de données</a:t>
+            </a:r>
+          </a:p>
+          <a:p>
+            <a:r>
+              <a:rPr lang="fr-FR" dirty="0"/>
+              <a:t>BSON :</a:t>
             </a:r>
           </a:p>
           <a:p>
             <a:pPr lvl="1"/>
             <a:r>
-              <a:rPr lang="fr-FR" dirty="0" err="1"/>
-              <a:t>Libuv</a:t>
-            </a:r>
-            <a:r>
-              <a:rPr lang="fr-FR" dirty="0"/>
-              <a:t> : </a:t>
+              <a:rPr lang="fr-FR" dirty="0"/>
+              <a:t>JSON formaté binaire</a:t>
+            </a:r>
+          </a:p>
+          <a:p>
+            <a:pPr lvl="1"/>
+            <a:r>
+              <a:rPr lang="fr-FR" dirty="0"/>
+              <a:t>Ratio « donnée/empreinte mémoire » maximum</a:t>
             </a:r>
           </a:p>
           <a:p>
             <a:pPr lvl="2"/>
             <a:r>
               <a:rPr lang="fr-FR" dirty="0"/>
-              <a:t>forte communauté car fait pour </a:t>
-            </a:r>
-            <a:r>
-              <a:rPr lang="fr-FR" dirty="0" err="1"/>
-              <a:t>nodejs</a:t>
-            </a:r>
-            <a:endParaRPr lang="fr-FR" dirty="0"/>
+              <a:t>Con : Qt ne sait pas le lire en natif</a:t>
+            </a:r>
           </a:p>
           <a:p>
             <a:pPr lvl="2"/>
             <a:r>
               <a:rPr lang="fr-FR" dirty="0"/>
-              <a:t>fait en C donc </a:t>
-            </a:r>
-            <a:r>
-              <a:rPr lang="fr-FR" dirty="0" err="1"/>
-              <a:t>tres</a:t>
-            </a:r>
-            <a:r>
-              <a:rPr lang="fr-FR" dirty="0"/>
-              <a:t> rapide</a:t>
+              <a:t>Pas vraiment utile vu la quantité de donnée a échanger par le réseau dans notre cas</a:t>
             </a:r>
           </a:p>
           <a:p>
             <a:pPr lvl="2"/>
             <a:r>
               <a:rPr lang="fr-FR" dirty="0"/>
-              <a:t>disponibilité de package sur </a:t>
-            </a:r>
-            <a:r>
-              <a:rPr lang="fr-FR" dirty="0" err="1"/>
-              <a:t>debian</a:t>
-            </a:r>
-            <a:endParaRPr lang="fr-FR" dirty="0"/>
-          </a:p>
-          <a:p>
-            <a:pPr lvl="1"/>
-            <a:r>
-              <a:rPr lang="fr-FR" dirty="0" err="1"/>
-              <a:t>Uv-cpp</a:t>
-            </a:r>
-            <a:r>
-              <a:rPr lang="fr-FR" dirty="0"/>
-              <a:t> : </a:t>
-            </a:r>
-            <a:r>
-              <a:rPr lang="fr-FR" dirty="0" err="1"/>
-              <a:t>Wrapper</a:t>
-            </a:r>
-            <a:r>
-              <a:rPr lang="fr-FR" dirty="0"/>
-              <a:t> </a:t>
-            </a:r>
-            <a:r>
-              <a:rPr lang="fr-FR" dirty="0" err="1"/>
-              <a:t>cpp</a:t>
-            </a:r>
-            <a:r>
-              <a:rPr lang="fr-FR" dirty="0"/>
-              <a:t> pour </a:t>
-            </a:r>
-            <a:r>
-              <a:rPr lang="fr-FR" dirty="0" err="1"/>
-              <a:t>libuv</a:t>
-            </a:r>
-            <a:endParaRPr lang="fr-FR" dirty="0"/>
-          </a:p>
-          <a:p>
-            <a:pPr lvl="2"/>
-            <a:r>
-              <a:rPr lang="fr-FR" dirty="0"/>
-              <a:t>Disponibilité </a:t>
-            </a:r>
-            <a:r>
-              <a:rPr lang="fr-FR" dirty="0" err="1"/>
-              <a:t>d’example</a:t>
-            </a:r>
-            <a:r>
-              <a:rPr lang="fr-FR" dirty="0"/>
-              <a:t> tout fait</a:t>
-            </a:r>
-          </a:p>
-          <a:p>
-            <a:pPr lvl="2"/>
-            <a:r>
-              <a:rPr lang="fr-FR" dirty="0"/>
-              <a:t>Fonctionnement moderne asynchrone (? Doit on mettre ces termes ou les expliquer)</a:t>
-            </a:r>
-          </a:p>
-          <a:p>
-            <a:pPr lvl="2"/>
-            <a:r>
-              <a:rPr lang="fr-FR" dirty="0"/>
-              <a:t>Fonction lambda pour les callback (? Doit on mettre ces termes ou les expliquer)</a:t>
-            </a:r>
-          </a:p>
-          <a:p>
-            <a:pPr lvl="1"/>
-            <a:r>
-              <a:rPr lang="fr-FR" dirty="0" err="1"/>
-              <a:t>Asio</a:t>
-            </a:r>
-            <a:r>
-              <a:rPr lang="fr-FR" dirty="0"/>
-              <a:t> : </a:t>
-            </a:r>
-          </a:p>
-          <a:p>
-            <a:pPr lvl="2"/>
-            <a:r>
-              <a:rPr lang="fr-FR" dirty="0"/>
-              <a:t>dépendant de boost</a:t>
-            </a:r>
-          </a:p>
-          <a:p>
-            <a:pPr lvl="2"/>
-            <a:r>
-              <a:rPr lang="fr-FR" dirty="0"/>
-              <a:t>Avantage : pas de lib</a:t>
-            </a:r>
-          </a:p>
-          <a:p>
-            <a:pPr lvl="2"/>
-            <a:r>
-              <a:rPr lang="fr-FR" dirty="0"/>
-              <a:t>Con : utilisation abusive des </a:t>
-            </a:r>
-            <a:r>
-              <a:rPr lang="fr-FR" dirty="0" err="1"/>
-              <a:t>templates</a:t>
-            </a:r>
-            <a:r>
-              <a:rPr lang="fr-FR" dirty="0"/>
-              <a:t>, temps de compilation rallongé, usine a gaz. (? Doit on mettre ces termes ou les expliquer, pas très objectif)</a:t>
-            </a:r>
-          </a:p>
-          <a:p>
-            <a:pPr lvl="2"/>
-            <a:endParaRPr lang="fr-FR" dirty="0"/>
+              <a:t>Peu être une voie d’amélioration future</a:t>
+            </a:r>
           </a:p>
         </p:txBody>
       </p:sp>
@@ -14816,7 +15009,7 @@
             <a:pPr rtl="0"/>
             <a:fld id="{802FE938-1586-4780-B61A-DD3B60BAB93C}" type="datetime1">
               <a:rPr lang="fr-FR" smtClean="0"/>
-              <a:t>22/06/2021</a:t>
+              <a:t>23/06/2021</a:t>
             </a:fld>
             <a:endParaRPr lang="en-US"/>
           </a:p>
@@ -14825,7 +15018,7 @@
     </p:spTree>
     <p:extLst>
       <p:ext uri="{BB962C8B-B14F-4D97-AF65-F5344CB8AC3E}">
-        <p14:creationId xmlns:p14="http://schemas.microsoft.com/office/powerpoint/2010/main" val="1188826733"/>
+        <p14:creationId xmlns:p14="http://schemas.microsoft.com/office/powerpoint/2010/main" val="1311477196"/>
       </p:ext>
     </p:extLst>
   </p:cSld>
@@ -14882,7 +15075,7 @@
           <a:p>
             <a:r>
               <a:rPr lang="fr-FR" dirty="0"/>
-              <a:t>Format de donnée d’échanges</a:t>
+              <a:t>App client</a:t>
             </a:r>
           </a:p>
         </p:txBody>
@@ -14911,137 +15104,188 @@
         </p:spPr>
         <p:txBody>
           <a:bodyPr>
-            <a:normAutofit lnSpcReduction="10000"/>
+            <a:normAutofit/>
           </a:bodyPr>
           <a:lstStyle/>
           <a:p>
             <a:r>
               <a:rPr lang="fr-FR" dirty="0"/>
-              <a:t>Qt sait lire facilement du xml et du JSON</a:t>
-            </a:r>
-          </a:p>
-          <a:p>
-            <a:r>
-              <a:rPr lang="fr-FR" dirty="0"/>
-              <a:t>XML :</a:t>
+              <a:t>Envoi/Réception requête a un serveur web :</a:t>
             </a:r>
           </a:p>
           <a:p>
             <a:pPr lvl="1"/>
             <a:r>
               <a:rPr lang="fr-FR" dirty="0"/>
-              <a:t>orienté document</a:t>
+              <a:t>Module QT Network : supporte la communication synchrone / asynchrone</a:t>
+            </a:r>
+          </a:p>
+          <a:p>
+            <a:r>
+              <a:rPr lang="fr-FR" dirty="0"/>
+              <a:t>Support de diffèrent langage français / anglais</a:t>
             </a:r>
           </a:p>
           <a:p>
             <a:pPr lvl="1"/>
             <a:r>
               <a:rPr lang="fr-FR" dirty="0"/>
-              <a:t>Plus Compliqué a </a:t>
+              <a:t>Module QT Translator : support facile via </a:t>
             </a:r>
             <a:r>
               <a:rPr lang="fr-FR" dirty="0" err="1"/>
-              <a:t>génèrer</a:t>
-            </a:r>
-            <a:r>
-              <a:rPr lang="fr-FR" dirty="0"/>
-              <a:t> et a analyser</a:t>
+              <a:t>QtLinguist</a:t>
+            </a:r>
+            <a:r>
+              <a:rPr lang="fr-FR" dirty="0"/>
+              <a:t> (logiciel pour gérer les traductions), très facile a mettre en place</a:t>
+            </a:r>
+          </a:p>
+          <a:p>
+            <a:r>
+              <a:rPr lang="fr-FR" dirty="0"/>
+              <a:t>Affichage de graphique :</a:t>
             </a:r>
           </a:p>
           <a:p>
             <a:pPr lvl="1"/>
             <a:r>
               <a:rPr lang="fr-FR" dirty="0"/>
-              <a:t>Trop verbeux =&gt; plus de mémoire</a:t>
+              <a:t>QT charts : plein de possibilité mais ne supporte pas tout les styles et après plusieurs test ne semble pas près a tout faire, ex, ne sait pas afficher de gradient, difficulté de placer les labels ou on veut</a:t>
             </a:r>
           </a:p>
           <a:p>
             <a:pPr lvl="1"/>
             <a:r>
               <a:rPr lang="fr-FR" dirty="0"/>
-              <a:t>Format ASCII / Texte</a:t>
-            </a:r>
-          </a:p>
-          <a:p>
-            <a:r>
-              <a:rPr lang="fr-FR" dirty="0"/>
-              <a:t>JSON : </a:t>
+              <a:t>Création d’un composant perso avec </a:t>
+            </a:r>
+            <a:r>
+              <a:rPr lang="fr-FR" dirty="0" err="1"/>
+              <a:t>QPainter</a:t>
+            </a:r>
+            <a:r>
+              <a:rPr lang="fr-FR" dirty="0"/>
+              <a:t> : avantage on pourra faire ce qu’on veut, peut être difficile a mettre en œuvre</a:t>
             </a:r>
           </a:p>
           <a:p>
             <a:pPr lvl="1"/>
             <a:r>
               <a:rPr lang="fr-FR" dirty="0"/>
-              <a:t>Orienté données </a:t>
+              <a:t>Autre lib a usage plus scientifique QWT : semble capable de tout faire, mais moins joli visuellement</a:t>
             </a:r>
           </a:p>
           <a:p>
             <a:pPr lvl="1"/>
             <a:r>
               <a:rPr lang="fr-FR" dirty="0"/>
-              <a:t>Plus facile a générer et a analyser</a:t>
+              <a:t>Via un </a:t>
+            </a:r>
+            <a:r>
+              <a:rPr lang="fr-FR" dirty="0" err="1"/>
+              <a:t>Shader</a:t>
+            </a:r>
+            <a:r>
+              <a:rPr lang="fr-FR" dirty="0"/>
+              <a:t>, </a:t>
+            </a:r>
+            <a:r>
+              <a:rPr lang="fr-FR" dirty="0" err="1"/>
+              <a:t>qvec</a:t>
+            </a:r>
+            <a:r>
+              <a:rPr lang="fr-FR" dirty="0"/>
+              <a:t> un </a:t>
+            </a:r>
+            <a:r>
+              <a:rPr lang="fr-FR" dirty="0" err="1"/>
+              <a:t>QOpenglWIdget</a:t>
+            </a:r>
+            <a:r>
+              <a:rPr lang="fr-FR" dirty="0"/>
+              <a:t> : </a:t>
+            </a:r>
+            <a:r>
+              <a:rPr lang="fr-FR" dirty="0" err="1"/>
+              <a:t>nécéssite</a:t>
+            </a:r>
+            <a:r>
+              <a:rPr lang="fr-FR" dirty="0"/>
+              <a:t> un </a:t>
+            </a:r>
+            <a:r>
+              <a:rPr lang="fr-FR" dirty="0" err="1"/>
+              <a:t>gpu</a:t>
+            </a:r>
+            <a:r>
+              <a:rPr lang="fr-FR" dirty="0"/>
+              <a:t> donc une carte 3d avec </a:t>
+            </a:r>
+            <a:r>
+              <a:rPr lang="fr-FR" dirty="0" err="1"/>
+              <a:t>opengl</a:t>
+            </a:r>
+            <a:r>
+              <a:rPr lang="fr-FR" dirty="0"/>
+              <a:t>, supporte les animations poussées temps réel, mais pas de </a:t>
+            </a:r>
+            <a:r>
+              <a:rPr lang="fr-FR" dirty="0" err="1"/>
+              <a:t>débug</a:t>
+            </a:r>
+            <a:r>
+              <a:rPr lang="fr-FR" dirty="0"/>
+              <a:t> pour l’écriture du </a:t>
+            </a:r>
+            <a:r>
+              <a:rPr lang="fr-FR" dirty="0" err="1"/>
+              <a:t>shader</a:t>
+            </a:r>
+            <a:r>
+              <a:rPr lang="fr-FR" dirty="0"/>
+              <a:t> et peut être difficile a mettre en place</a:t>
+            </a:r>
+          </a:p>
+          <a:p>
+            <a:r>
+              <a:rPr lang="fr-FR" dirty="0"/>
+              <a:t>Support des style visuel jour / nuit</a:t>
             </a:r>
           </a:p>
           <a:p>
             <a:pPr lvl="1"/>
             <a:r>
               <a:rPr lang="fr-FR" dirty="0"/>
-              <a:t>Format ASCII / Texte</a:t>
+              <a:t>QT Style </a:t>
+            </a:r>
+            <a:r>
+              <a:rPr lang="fr-FR" dirty="0" err="1"/>
+              <a:t>sheet</a:t>
+            </a:r>
+            <a:r>
+              <a:rPr lang="fr-FR" dirty="0"/>
+              <a:t> : affecte tout l’application avec une syntaxe similaire au CSS</a:t>
             </a:r>
           </a:p>
           <a:p>
             <a:pPr lvl="1"/>
             <a:r>
               <a:rPr lang="fr-FR" dirty="0"/>
-              <a:t>Très peu verbeux, laisse plus la place aux donnée que XML : </a:t>
-            </a:r>
-          </a:p>
-          <a:p>
-            <a:pPr lvl="2"/>
-            <a:r>
-              <a:rPr lang="fr-FR" dirty="0"/>
-              <a:t>Beaucoup moins de mémoire pour plus de données</a:t>
-            </a:r>
-          </a:p>
-          <a:p>
-            <a:r>
-              <a:rPr lang="fr-FR" dirty="0"/>
-              <a:t>BSON :</a:t>
+              <a:t>QT Palette : peut donner une couleur a chaque widget</a:t>
+            </a:r>
+          </a:p>
+          <a:p>
+            <a:r>
+              <a:rPr lang="fr-FR" dirty="0"/>
+              <a:t>Création d’une interface graphique :</a:t>
             </a:r>
           </a:p>
           <a:p>
             <a:pPr lvl="1"/>
             <a:r>
               <a:rPr lang="fr-FR" dirty="0"/>
-              <a:t>JSON formaté binaire</a:t>
-            </a:r>
-          </a:p>
-          <a:p>
-            <a:pPr lvl="1"/>
-            <a:r>
-              <a:rPr lang="fr-FR" dirty="0"/>
-              <a:t>Ratio « donnée/empreinte mémoire » maximum</a:t>
-            </a:r>
-          </a:p>
-          <a:p>
-            <a:pPr lvl="2"/>
-            <a:r>
-              <a:rPr lang="fr-FR" dirty="0"/>
-              <a:t>Con : Qt ne sait pas le lire en natif</a:t>
-            </a:r>
-          </a:p>
-          <a:p>
-            <a:pPr lvl="2"/>
-            <a:r>
-              <a:rPr lang="fr-FR" dirty="0"/>
-              <a:t>Pas vraiment utile vu la quantité de donnée a échanger par le réseau dans notre cas</a:t>
-            </a:r>
-          </a:p>
-          <a:p>
-            <a:pPr lvl="2"/>
-            <a:r>
-              <a:rPr lang="fr-FR" dirty="0"/>
-              <a:t>Peu être une voie d’amélioration future</a:t>
+              <a:t>Qt avec son designer de composant graphique intégré</a:t>
             </a:r>
           </a:p>
         </p:txBody>
@@ -15070,7 +15314,7 @@
             <a:pPr rtl="0"/>
             <a:fld id="{802FE938-1586-4780-B61A-DD3B60BAB93C}" type="datetime1">
               <a:rPr lang="fr-FR" smtClean="0"/>
-              <a:t>22/06/2021</a:t>
+              <a:t>23/06/2021</a:t>
             </a:fld>
             <a:endParaRPr lang="en-US"/>
           </a:p>
@@ -15079,7 +15323,7 @@
     </p:spTree>
     <p:extLst>
       <p:ext uri="{BB962C8B-B14F-4D97-AF65-F5344CB8AC3E}">
-        <p14:creationId xmlns:p14="http://schemas.microsoft.com/office/powerpoint/2010/main" val="1311477196"/>
+        <p14:creationId xmlns:p14="http://schemas.microsoft.com/office/powerpoint/2010/main" val="1062738418"/>
       </p:ext>
     </p:extLst>
   </p:cSld>
@@ -15108,10 +15352,10 @@
       </p:grpSpPr>
       <p:sp>
         <p:nvSpPr>
-          <p:cNvPr id="2" name="Titre 1">
-            <a:extLst>
-              <a:ext uri="{FF2B5EF4-FFF2-40B4-BE49-F238E27FC236}">
-                <a16:creationId xmlns:a16="http://schemas.microsoft.com/office/drawing/2014/main" id="{CB54FB35-62CD-4DC9-A01D-686743CE13DF}"/>
+          <p:cNvPr id="5" name="Titre 4">
+            <a:extLst>
+              <a:ext uri="{FF2B5EF4-FFF2-40B4-BE49-F238E27FC236}">
+                <a16:creationId xmlns:a16="http://schemas.microsoft.com/office/drawing/2014/main" id="{B535D397-2E1B-4C1E-A392-E2A43916D949}"/>
               </a:ext>
             </a:extLst>
           </p:cNvPr>
@@ -15119,34 +15363,34 @@
             <a:spLocks noGrp="1"/>
           </p:cNvSpPr>
           <p:nvPr>
-            <p:ph type="title"/>
+            <p:ph type="ctrTitle"/>
           </p:nvPr>
         </p:nvSpPr>
-        <p:spPr>
-          <a:xfrm>
-            <a:off x="1066800" y="642594"/>
-            <a:ext cx="10058400" cy="544938"/>
-          </a:xfrm>
-        </p:spPr>
-        <p:txBody>
-          <a:bodyPr>
-            <a:normAutofit fontScale="90000"/>
-          </a:bodyPr>
+        <p:spPr/>
+        <p:txBody>
+          <a:bodyPr/>
           <a:lstStyle/>
           <a:p>
             <a:r>
               <a:rPr lang="fr-FR" dirty="0"/>
-              <a:t>App client</a:t>
-            </a:r>
-          </a:p>
-        </p:txBody>
-      </p:sp>
-      <p:sp>
-        <p:nvSpPr>
-          <p:cNvPr id="3" name="Espace réservé du contenu 2">
-            <a:extLst>
-              <a:ext uri="{FF2B5EF4-FFF2-40B4-BE49-F238E27FC236}">
-                <a16:creationId xmlns:a16="http://schemas.microsoft.com/office/drawing/2014/main" id="{D8B13C74-0011-4D4B-98AE-E79FD41F1CE1}"/>
+              <a:t>CONCEPTION</a:t>
+            </a:r>
+            <a:br>
+              <a:rPr lang="fr-FR" dirty="0"/>
+            </a:br>
+            <a:r>
+              <a:rPr lang="fr-FR" dirty="0"/>
+              <a:t>MISE AU POINT</a:t>
+            </a:r>
+          </a:p>
+        </p:txBody>
+      </p:sp>
+      <p:sp>
+        <p:nvSpPr>
+          <p:cNvPr id="6" name="Sous-titre 5">
+            <a:extLst>
+              <a:ext uri="{FF2B5EF4-FFF2-40B4-BE49-F238E27FC236}">
+                <a16:creationId xmlns:a16="http://schemas.microsoft.com/office/drawing/2014/main" id="{42DF712F-84EC-48F3-B510-83E590DD97F0}"/>
               </a:ext>
             </a:extLst>
           </p:cNvPr>
@@ -15154,200 +15398,21 @@
             <a:spLocks noGrp="1"/>
           </p:cNvSpPr>
           <p:nvPr>
-            <p:ph idx="1"/>
+            <p:ph type="subTitle" idx="1"/>
           </p:nvPr>
         </p:nvSpPr>
-        <p:spPr>
-          <a:xfrm>
-            <a:off x="1066800" y="1187532"/>
-            <a:ext cx="10058400" cy="4765212"/>
-          </a:xfrm>
-        </p:spPr>
-        <p:txBody>
-          <a:bodyPr>
-            <a:normAutofit/>
-          </a:bodyPr>
+        <p:spPr/>
+        <p:txBody>
+          <a:bodyPr/>
           <a:lstStyle/>
           <a:p>
             <a:r>
               <a:rPr lang="fr-FR" dirty="0"/>
-              <a:t>Envoi/Réception requête a un serveur web :</a:t>
-            </a:r>
-          </a:p>
-          <a:p>
-            <a:pPr lvl="1"/>
-            <a:r>
-              <a:rPr lang="fr-FR" dirty="0"/>
-              <a:t>Module QT Network : supporte la communication synchrone / asynchrone</a:t>
-            </a:r>
-          </a:p>
-          <a:p>
-            <a:r>
-              <a:rPr lang="fr-FR" dirty="0"/>
-              <a:t>Support de diffèrent langage français / anglais</a:t>
-            </a:r>
-          </a:p>
-          <a:p>
-            <a:pPr lvl="1"/>
-            <a:r>
-              <a:rPr lang="fr-FR" dirty="0"/>
-              <a:t>Module QT Translator : support facile via </a:t>
-            </a:r>
-            <a:r>
-              <a:rPr lang="fr-FR" dirty="0" err="1"/>
-              <a:t>QtLinguist</a:t>
-            </a:r>
-            <a:r>
-              <a:rPr lang="fr-FR" dirty="0"/>
-              <a:t> (logiciel pour gérer les traductions), très facile a mettre en place</a:t>
-            </a:r>
-          </a:p>
-          <a:p>
-            <a:r>
-              <a:rPr lang="fr-FR" dirty="0"/>
-              <a:t>Affichage de graphique :</a:t>
-            </a:r>
-          </a:p>
-          <a:p>
-            <a:pPr lvl="1"/>
-            <a:r>
-              <a:rPr lang="fr-FR" dirty="0"/>
-              <a:t>QT charts : plein de possibilité mais ne supporte pas tout les styles et après plusieurs test ne semble pas près a tout faire, ex, ne sait pas afficher de gradient, difficulté de placer les labels ou on veut</a:t>
-            </a:r>
-          </a:p>
-          <a:p>
-            <a:pPr lvl="1"/>
-            <a:r>
-              <a:rPr lang="fr-FR" dirty="0"/>
-              <a:t>Création d’un composant perso avec </a:t>
-            </a:r>
-            <a:r>
-              <a:rPr lang="fr-FR" dirty="0" err="1"/>
-              <a:t>QPainter</a:t>
-            </a:r>
-            <a:r>
-              <a:rPr lang="fr-FR" dirty="0"/>
-              <a:t> : avantage on pourra faire ce qu’on veut, peut être difficile a mettre en œuvre</a:t>
-            </a:r>
-          </a:p>
-          <a:p>
-            <a:pPr lvl="1"/>
-            <a:r>
-              <a:rPr lang="fr-FR" dirty="0"/>
-              <a:t>Autre lib a usage plus scientifique QWT : semble capable de tout faire, mais moins joli visuellement</a:t>
-            </a:r>
-          </a:p>
-          <a:p>
-            <a:pPr lvl="1"/>
-            <a:r>
-              <a:rPr lang="fr-FR" dirty="0"/>
-              <a:t>Via un </a:t>
-            </a:r>
-            <a:r>
-              <a:rPr lang="fr-FR" dirty="0" err="1"/>
-              <a:t>Shader</a:t>
-            </a:r>
-            <a:r>
-              <a:rPr lang="fr-FR" dirty="0"/>
-              <a:t>, </a:t>
-            </a:r>
-            <a:r>
-              <a:rPr lang="fr-FR" dirty="0" err="1"/>
-              <a:t>qvec</a:t>
-            </a:r>
-            <a:r>
-              <a:rPr lang="fr-FR" dirty="0"/>
-              <a:t> un </a:t>
-            </a:r>
-            <a:r>
-              <a:rPr lang="fr-FR" dirty="0" err="1"/>
-              <a:t>QOpenglWIdget</a:t>
-            </a:r>
-            <a:r>
-              <a:rPr lang="fr-FR" dirty="0"/>
-              <a:t> : </a:t>
-            </a:r>
-            <a:r>
-              <a:rPr lang="fr-FR" dirty="0" err="1"/>
-              <a:t>nécéssite</a:t>
-            </a:r>
-            <a:r>
-              <a:rPr lang="fr-FR" dirty="0"/>
-              <a:t> un </a:t>
-            </a:r>
-            <a:r>
-              <a:rPr lang="fr-FR" dirty="0" err="1"/>
-              <a:t>gpu</a:t>
-            </a:r>
-            <a:r>
-              <a:rPr lang="fr-FR" dirty="0"/>
-              <a:t> donc une carte 3d avec </a:t>
-            </a:r>
-            <a:r>
-              <a:rPr lang="fr-FR" dirty="0" err="1"/>
-              <a:t>opengl</a:t>
-            </a:r>
-            <a:r>
-              <a:rPr lang="fr-FR" dirty="0"/>
-              <a:t>, supporte les animations poussées temps réel, mais pas de </a:t>
-            </a:r>
-            <a:r>
-              <a:rPr lang="fr-FR" dirty="0" err="1"/>
-              <a:t>débug</a:t>
-            </a:r>
-            <a:r>
-              <a:rPr lang="fr-FR" dirty="0"/>
-              <a:t> pour l’écriture du </a:t>
-            </a:r>
-            <a:r>
-              <a:rPr lang="fr-FR" dirty="0" err="1"/>
-              <a:t>shader</a:t>
-            </a:r>
-            <a:r>
-              <a:rPr lang="fr-FR" dirty="0"/>
-              <a:t> et peut être difficile a mettre en place</a:t>
-            </a:r>
-          </a:p>
-          <a:p>
-            <a:r>
-              <a:rPr lang="fr-FR" dirty="0"/>
-              <a:t>Support des style visuel jour / nuit</a:t>
-            </a:r>
-          </a:p>
-          <a:p>
-            <a:pPr lvl="1"/>
-            <a:r>
-              <a:rPr lang="fr-FR" dirty="0"/>
-              <a:t>QT Style </a:t>
-            </a:r>
-            <a:r>
-              <a:rPr lang="fr-FR" dirty="0" err="1"/>
-              <a:t>sheet</a:t>
-            </a:r>
-            <a:r>
-              <a:rPr lang="fr-FR" dirty="0"/>
-              <a:t> : affecte tout l’application avec une syntaxe similaire au CSS</a:t>
-            </a:r>
-          </a:p>
-          <a:p>
-            <a:pPr lvl="1"/>
-            <a:r>
-              <a:rPr lang="fr-FR" dirty="0"/>
-              <a:t>QT Palette : peut donner une couleur a chaque widget</a:t>
-            </a:r>
-          </a:p>
-          <a:p>
-            <a:r>
-              <a:rPr lang="fr-FR" dirty="0"/>
-              <a:t>Création d’une interface graphique :</a:t>
-            </a:r>
-          </a:p>
-          <a:p>
-            <a:pPr lvl="1"/>
-            <a:r>
-              <a:rPr lang="fr-FR" dirty="0"/>
-              <a:t>Qt avec son designer de composant graphique intégré</a:t>
-            </a:r>
+              <a:t>IMPLEMENTATION ITERATIVE / TESTS / DEBUG / AJOUT DE FONCTIONALITES</a:t>
+            </a:r>
+          </a:p>
+          <a:p>
+            <a:endParaRPr lang="fr-FR" dirty="0"/>
           </a:p>
         </p:txBody>
       </p:sp>
@@ -15356,7 +15421,7 @@
           <p:cNvPr id="4" name="Espace réservé de la date 3">
             <a:extLst>
               <a:ext uri="{FF2B5EF4-FFF2-40B4-BE49-F238E27FC236}">
-                <a16:creationId xmlns:a16="http://schemas.microsoft.com/office/drawing/2014/main" id="{58AACB8E-9EE2-4177-AA39-C3CB77AEE466}"/>
+                <a16:creationId xmlns:a16="http://schemas.microsoft.com/office/drawing/2014/main" id="{030B0D3A-6441-43DC-BDBC-2E9EE16205E9}"/>
               </a:ext>
             </a:extLst>
           </p:cNvPr>
@@ -15375,7 +15440,7 @@
             <a:pPr rtl="0"/>
             <a:fld id="{802FE938-1586-4780-B61A-DD3B60BAB93C}" type="datetime1">
               <a:rPr lang="fr-FR" smtClean="0"/>
-              <a:t>22/06/2021</a:t>
+              <a:t>23/06/2021</a:t>
             </a:fld>
             <a:endParaRPr lang="en-US"/>
           </a:p>
@@ -15384,7 +15449,7 @@
     </p:spTree>
     <p:extLst>
       <p:ext uri="{BB962C8B-B14F-4D97-AF65-F5344CB8AC3E}">
-        <p14:creationId xmlns:p14="http://schemas.microsoft.com/office/powerpoint/2010/main" val="1062738418"/>
+        <p14:creationId xmlns:p14="http://schemas.microsoft.com/office/powerpoint/2010/main" val="4081931665"/>
       </p:ext>
     </p:extLst>
   </p:cSld>
@@ -15413,10 +15478,10 @@
       </p:grpSpPr>
       <p:sp>
         <p:nvSpPr>
-          <p:cNvPr id="5" name="Titre 4">
-            <a:extLst>
-              <a:ext uri="{FF2B5EF4-FFF2-40B4-BE49-F238E27FC236}">
-                <a16:creationId xmlns:a16="http://schemas.microsoft.com/office/drawing/2014/main" id="{B535D397-2E1B-4C1E-A392-E2A43916D949}"/>
+          <p:cNvPr id="3" name="Espace réservé du contenu 2">
+            <a:extLst>
+              <a:ext uri="{FF2B5EF4-FFF2-40B4-BE49-F238E27FC236}">
+                <a16:creationId xmlns:a16="http://schemas.microsoft.com/office/drawing/2014/main" id="{5837093E-200E-45C2-A38D-202DB399C72A}"/>
               </a:ext>
             </a:extLst>
           </p:cNvPr>
@@ -15424,57 +15489,171 @@
             <a:spLocks noGrp="1"/>
           </p:cNvSpPr>
           <p:nvPr>
-            <p:ph type="ctrTitle"/>
+            <p:ph idx="1"/>
           </p:nvPr>
         </p:nvSpPr>
-        <p:spPr/>
-        <p:txBody>
-          <a:bodyPr/>
+        <p:spPr>
+          <a:xfrm>
+            <a:off x="1066800" y="1300348"/>
+            <a:ext cx="10058400" cy="4652396"/>
+          </a:xfrm>
+        </p:spPr>
+        <p:txBody>
+          <a:bodyPr>
+            <a:normAutofit/>
+          </a:bodyPr>
           <a:lstStyle/>
           <a:p>
-            <a:r>
-              <a:rPr lang="fr-FR" dirty="0"/>
-              <a:t>CONCEPTION</a:t>
-            </a:r>
-            <a:br>
-              <a:rPr lang="fr-FR" dirty="0"/>
-            </a:br>
-            <a:r>
-              <a:rPr lang="fr-FR" dirty="0"/>
-              <a:t>MISE AU POINT</a:t>
-            </a:r>
-          </a:p>
-        </p:txBody>
-      </p:sp>
-      <p:sp>
-        <p:nvSpPr>
-          <p:cNvPr id="6" name="Sous-titre 5">
-            <a:extLst>
-              <a:ext uri="{FF2B5EF4-FFF2-40B4-BE49-F238E27FC236}">
-                <a16:creationId xmlns:a16="http://schemas.microsoft.com/office/drawing/2014/main" id="{42DF712F-84EC-48F3-B510-83E590DD97F0}"/>
-              </a:ext>
-            </a:extLst>
-          </p:cNvPr>
-          <p:cNvSpPr>
-            <a:spLocks noGrp="1"/>
-          </p:cNvSpPr>
-          <p:nvPr>
-            <p:ph type="subTitle" idx="1"/>
-          </p:nvPr>
-        </p:nvSpPr>
-        <p:spPr/>
-        <p:txBody>
-          <a:bodyPr/>
-          <a:lstStyle/>
-          <a:p>
-            <a:r>
-              <a:rPr lang="fr-FR" dirty="0"/>
-              <a:t>IMPLEMENTATION ITERATIVE / TESTS / DEBUG / AJOUT DE FONCTIONALITES</a:t>
-            </a:r>
-          </a:p>
-          <a:p>
+            <a:pPr lvl="2"/>
             <a:endParaRPr lang="fr-FR" dirty="0"/>
           </a:p>
+          <a:p>
+            <a:pPr marL="777240" lvl="2" indent="-228600">
+              <a:buFont typeface="+mj-lt"/>
+              <a:buAutoNum type="arabicPeriod"/>
+            </a:pPr>
+            <a:r>
+              <a:rPr lang="fr-FR" dirty="0"/>
+              <a:t>Création d’un projet cross platform UNIX/WINDOWS</a:t>
+            </a:r>
+          </a:p>
+          <a:p>
+            <a:pPr marL="777240" lvl="2" indent="-228600">
+              <a:buFont typeface="+mj-lt"/>
+              <a:buAutoNum type="arabicPeriod"/>
+            </a:pPr>
+            <a:r>
+              <a:rPr lang="fr-FR" dirty="0"/>
+              <a:t>Tester le déploiement coté </a:t>
+            </a:r>
+            <a:r>
+              <a:rPr lang="fr-FR" dirty="0" err="1"/>
+              <a:t>Window</a:t>
+            </a:r>
+            <a:r>
+              <a:rPr lang="fr-FR" dirty="0"/>
+              <a:t> et Linux pour valider la viabilité projet</a:t>
+            </a:r>
+          </a:p>
+          <a:p>
+            <a:pPr marL="777240" lvl="2" indent="-228600">
+              <a:buFont typeface="+mj-lt"/>
+              <a:buAutoNum type="arabicPeriod"/>
+            </a:pPr>
+            <a:r>
+              <a:rPr lang="fr-FR" dirty="0"/>
+              <a:t>Sur Windows :</a:t>
+            </a:r>
+          </a:p>
+          <a:p>
+            <a:pPr marL="822960" lvl="3" indent="0">
+              <a:buNone/>
+            </a:pPr>
+            <a:r>
+              <a:rPr lang="fr-FR" dirty="0"/>
+              <a:t>3.1 Mettre en place les diffèrent modules </a:t>
+            </a:r>
+          </a:p>
+          <a:p>
+            <a:pPr marL="822960" lvl="3" indent="0">
+              <a:buNone/>
+            </a:pPr>
+            <a:r>
+              <a:rPr lang="fr-FR" dirty="0"/>
+              <a:t>3.2 Créer la logique d’interconnexion des différents modules</a:t>
+            </a:r>
+          </a:p>
+          <a:p>
+            <a:pPr marL="822960" lvl="3" indent="0">
+              <a:buNone/>
+            </a:pPr>
+            <a:r>
+              <a:rPr lang="fr-FR" dirty="0"/>
+              <a:t>3.3 Mettre au point les modules possible (le capteur n’est pas dispo sur Windows) avec navigateurs externe en IP locale</a:t>
+            </a:r>
+          </a:p>
+          <a:p>
+            <a:pPr marL="822960" lvl="3" indent="0">
+              <a:buNone/>
+            </a:pPr>
+            <a:r>
+              <a:rPr lang="fr-FR" dirty="0"/>
+              <a:t>3.4 Identifier les cas possible de mise en échec.</a:t>
+            </a:r>
+          </a:p>
+          <a:p>
+            <a:pPr marL="822960" lvl="3" indent="0">
+              <a:buNone/>
+            </a:pPr>
+            <a:r>
+              <a:rPr lang="fr-FR" dirty="0"/>
+              <a:t>3.5 Mettre en place les système de récupération/traitement d’erreurs</a:t>
+            </a:r>
+          </a:p>
+          <a:p>
+            <a:pPr marL="822960" lvl="3" indent="0">
+              <a:buNone/>
+            </a:pPr>
+            <a:r>
+              <a:rPr lang="fr-FR" dirty="0"/>
+              <a:t>3.6 Profilage / analyse des fuites mémoire</a:t>
+            </a:r>
+          </a:p>
+          <a:p>
+            <a:pPr marL="548640" lvl="2" indent="0">
+              <a:buNone/>
+            </a:pPr>
+            <a:r>
+              <a:rPr lang="fr-FR" dirty="0"/>
+              <a:t>4. Sur Linux :</a:t>
+            </a:r>
+          </a:p>
+          <a:p>
+            <a:pPr marL="822960" lvl="3" indent="0">
+              <a:buNone/>
+            </a:pPr>
+            <a:r>
+              <a:rPr lang="fr-FR" dirty="0"/>
+              <a:t>4.1 Mettre au point le module du capteur</a:t>
+            </a:r>
+          </a:p>
+          <a:p>
+            <a:pPr marL="822960" lvl="3" indent="0">
+              <a:buNone/>
+            </a:pPr>
+            <a:r>
+              <a:rPr lang="fr-FR" dirty="0"/>
+              <a:t>4.2 Tester l’accès au données depuis l’extérieur du Raspberry pi</a:t>
+            </a:r>
+          </a:p>
+          <a:p>
+            <a:pPr marL="822960" lvl="3" indent="0">
+              <a:buNone/>
+            </a:pPr>
+            <a:r>
+              <a:rPr lang="fr-FR" dirty="0"/>
+              <a:t>4.3 Tester l’utilisation du serveur via la ligne de commande</a:t>
+            </a:r>
+          </a:p>
+          <a:p>
+            <a:pPr marL="822960" lvl="3" indent="0">
+              <a:buNone/>
+            </a:pPr>
+            <a:r>
+              <a:rPr lang="fr-FR" dirty="0"/>
+              <a:t>4.4 Installer le serveur en tant que service</a:t>
+            </a:r>
+          </a:p>
+          <a:p>
+            <a:pPr lvl="3"/>
+            <a:endParaRPr lang="fr-FR" dirty="0"/>
+          </a:p>
+          <a:p>
+            <a:pPr marL="0" indent="0">
+              <a:buNone/>
+            </a:pPr>
+            <a:endParaRPr lang="fr-FR" dirty="0"/>
+          </a:p>
         </p:txBody>
       </p:sp>
       <p:sp>
@@ -15482,7 +15661,7 @@
           <p:cNvPr id="4" name="Espace réservé de la date 3">
             <a:extLst>
               <a:ext uri="{FF2B5EF4-FFF2-40B4-BE49-F238E27FC236}">
-                <a16:creationId xmlns:a16="http://schemas.microsoft.com/office/drawing/2014/main" id="{030B0D3A-6441-43DC-BDBC-2E9EE16205E9}"/>
+                <a16:creationId xmlns:a16="http://schemas.microsoft.com/office/drawing/2014/main" id="{60BDC591-8D09-4D49-88A2-408CD1604F69}"/>
               </a:ext>
             </a:extLst>
           </p:cNvPr>
@@ -15501,16 +15680,51 @@
             <a:pPr rtl="0"/>
             <a:fld id="{802FE938-1586-4780-B61A-DD3B60BAB93C}" type="datetime1">
               <a:rPr lang="fr-FR" smtClean="0"/>
-              <a:t>22/06/2021</a:t>
+              <a:t>23/06/2021</a:t>
             </a:fld>
             <a:endParaRPr lang="en-US"/>
+          </a:p>
+        </p:txBody>
+      </p:sp>
+      <p:sp>
+        <p:nvSpPr>
+          <p:cNvPr id="2" name="Titre 1">
+            <a:extLst>
+              <a:ext uri="{FF2B5EF4-FFF2-40B4-BE49-F238E27FC236}">
+                <a16:creationId xmlns:a16="http://schemas.microsoft.com/office/drawing/2014/main" id="{EA53D9FC-3044-40B7-A8EB-EAB80F26D6FE}"/>
+              </a:ext>
+            </a:extLst>
+          </p:cNvPr>
+          <p:cNvSpPr>
+            <a:spLocks noGrp="1"/>
+          </p:cNvSpPr>
+          <p:nvPr>
+            <p:ph type="title"/>
+          </p:nvPr>
+        </p:nvSpPr>
+        <p:spPr>
+          <a:xfrm>
+            <a:off x="1066800" y="642594"/>
+            <a:ext cx="10058400" cy="556814"/>
+          </a:xfrm>
+        </p:spPr>
+        <p:txBody>
+          <a:bodyPr>
+            <a:normAutofit fontScale="90000"/>
+          </a:bodyPr>
+          <a:lstStyle/>
+          <a:p>
+            <a:r>
+              <a:rPr lang="fr-FR" dirty="0"/>
+              <a:t>Conception du Serveur : les grande étapes</a:t>
+            </a:r>
           </a:p>
         </p:txBody>
       </p:sp>
     </p:spTree>
     <p:extLst>
       <p:ext uri="{BB962C8B-B14F-4D97-AF65-F5344CB8AC3E}">
-        <p14:creationId xmlns:p14="http://schemas.microsoft.com/office/powerpoint/2010/main" val="4081931665"/>
+        <p14:creationId xmlns:p14="http://schemas.microsoft.com/office/powerpoint/2010/main" val="2555099777"/>
       </p:ext>
     </p:extLst>
   </p:cSld>
@@ -15723,7 +15937,7 @@
             <a:pPr rtl="0"/>
             <a:fld id="{802FE938-1586-4780-B61A-DD3B60BAB93C}" type="datetime1">
               <a:rPr lang="fr-FR" smtClean="0"/>
-              <a:t>22/06/2021</a:t>
+              <a:t>23/06/2021</a:t>
             </a:fld>
             <a:endParaRPr lang="en-US"/>
           </a:p>
@@ -15761,6 +15975,41 @@
       </p:grpSpPr>
       <p:sp>
         <p:nvSpPr>
+          <p:cNvPr id="2" name="Titre 1">
+            <a:extLst>
+              <a:ext uri="{FF2B5EF4-FFF2-40B4-BE49-F238E27FC236}">
+                <a16:creationId xmlns:a16="http://schemas.microsoft.com/office/drawing/2014/main" id="{EA53D9FC-3044-40B7-A8EB-EAB80F26D6FE}"/>
+              </a:ext>
+            </a:extLst>
+          </p:cNvPr>
+          <p:cNvSpPr>
+            <a:spLocks noGrp="1"/>
+          </p:cNvSpPr>
+          <p:nvPr>
+            <p:ph type="title"/>
+          </p:nvPr>
+        </p:nvSpPr>
+        <p:spPr>
+          <a:xfrm>
+            <a:off x="1066800" y="642594"/>
+            <a:ext cx="10058400" cy="556814"/>
+          </a:xfrm>
+        </p:spPr>
+        <p:txBody>
+          <a:bodyPr>
+            <a:normAutofit/>
+          </a:bodyPr>
+          <a:lstStyle/>
+          <a:p>
+            <a:r>
+              <a:rPr lang="fr-FR" sz="2800" dirty="0"/>
+              <a:t>Création d’un projet cross platform UNIX/WINDOWS</a:t>
+            </a:r>
+          </a:p>
+        </p:txBody>
+      </p:sp>
+      <p:sp>
+        <p:nvSpPr>
           <p:cNvPr id="3" name="Espace réservé du contenu 2">
             <a:extLst>
               <a:ext uri="{FF2B5EF4-FFF2-40B4-BE49-F238E27FC236}">
@@ -15777,154 +16026,284 @@
         </p:nvSpPr>
         <p:spPr>
           <a:xfrm>
-            <a:off x="1066800" y="1300348"/>
-            <a:ext cx="10058400" cy="4652396"/>
+            <a:off x="1066800" y="1199408"/>
+            <a:ext cx="10058400" cy="5100452"/>
           </a:xfrm>
         </p:spPr>
         <p:txBody>
           <a:bodyPr>
-            <a:normAutofit/>
+            <a:normAutofit fontScale="92500" lnSpcReduction="10000"/>
           </a:bodyPr>
           <a:lstStyle/>
           <a:p>
-            <a:pPr lvl="2"/>
-            <a:endParaRPr lang="fr-FR" dirty="0"/>
-          </a:p>
-          <a:p>
-            <a:pPr marL="777240" lvl="2" indent="-228600">
-              <a:buFont typeface="+mj-lt"/>
-              <a:buAutoNum type="arabicPeriod"/>
-            </a:pPr>
-            <a:r>
-              <a:rPr lang="fr-FR" dirty="0"/>
-              <a:t>Création d’un projet cross platform UNIX/WINDOWS</a:t>
-            </a:r>
-          </a:p>
-          <a:p>
-            <a:pPr marL="777240" lvl="2" indent="-228600">
-              <a:buFont typeface="+mj-lt"/>
-              <a:buAutoNum type="arabicPeriod"/>
-            </a:pPr>
-            <a:r>
-              <a:rPr lang="fr-FR" dirty="0"/>
-              <a:t>Tester le déploiement coté </a:t>
-            </a:r>
-            <a:r>
-              <a:rPr lang="fr-FR" dirty="0" err="1"/>
-              <a:t>Window</a:t>
-            </a:r>
-            <a:r>
-              <a:rPr lang="fr-FR" dirty="0"/>
-              <a:t> et Linux pour valider la viabilité projet</a:t>
-            </a:r>
-          </a:p>
-          <a:p>
-            <a:pPr marL="777240" lvl="2" indent="-228600">
-              <a:buFont typeface="+mj-lt"/>
-              <a:buAutoNum type="arabicPeriod"/>
-            </a:pPr>
-            <a:r>
-              <a:rPr lang="fr-FR" dirty="0"/>
-              <a:t>Sur Windows :</a:t>
-            </a:r>
-          </a:p>
-          <a:p>
-            <a:pPr marL="822960" lvl="3" indent="0">
+            <a:pPr marL="0" indent="0">
               <a:buNone/>
             </a:pPr>
             <a:r>
               <a:rPr lang="fr-FR" dirty="0"/>
-              <a:t>3.1 Mettre en place les diffèrent modules </a:t>
-            </a:r>
-          </a:p>
-          <a:p>
-            <a:pPr marL="822960" lvl="3" indent="0">
-              <a:buNone/>
-            </a:pPr>
-            <a:r>
-              <a:rPr lang="fr-FR" dirty="0"/>
-              <a:t>3.2 Créer la logique d’interconnexion des différents modules</a:t>
-            </a:r>
-          </a:p>
-          <a:p>
-            <a:pPr marL="822960" lvl="3" indent="0">
-              <a:buNone/>
-            </a:pPr>
-            <a:r>
-              <a:rPr lang="fr-FR" dirty="0"/>
-              <a:t>3.3 Mettre au point les modules possible (le capteur n’est pas dispo sur Windows) avec navigateurs externe en IP locale</a:t>
-            </a:r>
-          </a:p>
-          <a:p>
-            <a:pPr marL="822960" lvl="3" indent="0">
-              <a:buNone/>
-            </a:pPr>
-            <a:r>
-              <a:rPr lang="fr-FR" dirty="0"/>
-              <a:t>3.4 Identifier les cas possible de mise en échec.</a:t>
-            </a:r>
-          </a:p>
-          <a:p>
-            <a:pPr marL="822960" lvl="3" indent="0">
-              <a:buNone/>
-            </a:pPr>
-            <a:r>
-              <a:rPr lang="fr-FR" dirty="0"/>
-              <a:t>3.5 Mettre en place les système de récupération/traitement d’erreurs</a:t>
-            </a:r>
-          </a:p>
-          <a:p>
-            <a:pPr marL="822960" lvl="3" indent="0">
-              <a:buNone/>
-            </a:pPr>
-            <a:r>
-              <a:rPr lang="fr-FR" dirty="0"/>
-              <a:t>3.6 Profilage / analyse des fuites mémoire</a:t>
-            </a:r>
-          </a:p>
-          <a:p>
-            <a:pPr marL="548640" lvl="2" indent="0">
-              <a:buNone/>
-            </a:pPr>
-            <a:r>
-              <a:rPr lang="fr-FR" dirty="0"/>
-              <a:t>4. Sur Linux :</a:t>
-            </a:r>
-          </a:p>
-          <a:p>
-            <a:pPr marL="822960" lvl="3" indent="0">
-              <a:buNone/>
-            </a:pPr>
-            <a:r>
-              <a:rPr lang="fr-FR" dirty="0"/>
-              <a:t>4.1 Mettre au point le module du capteur</a:t>
-            </a:r>
-          </a:p>
-          <a:p>
-            <a:pPr marL="822960" lvl="3" indent="0">
-              <a:buNone/>
-            </a:pPr>
-            <a:r>
-              <a:rPr lang="fr-FR" dirty="0"/>
-              <a:t>4.2 Tester l’accès au données depuis l’extérieur du Raspberry pi</a:t>
-            </a:r>
-          </a:p>
-          <a:p>
-            <a:pPr marL="822960" lvl="3" indent="0">
-              <a:buNone/>
-            </a:pPr>
-            <a:r>
-              <a:rPr lang="fr-FR" dirty="0"/>
-              <a:t>4.3 Tester l’utilisation du serveur via la ligne de commande</a:t>
-            </a:r>
-          </a:p>
-          <a:p>
-            <a:pPr marL="822960" lvl="3" indent="0">
-              <a:buNone/>
-            </a:pPr>
-            <a:r>
-              <a:rPr lang="fr-FR" dirty="0"/>
-              <a:t>4.4 Installer le serveur en tant que service</a:t>
+              <a:t>Utilisation du générateur de projet </a:t>
+            </a:r>
+            <a:r>
+              <a:rPr lang="fr-FR" dirty="0" err="1"/>
+              <a:t>Cmake</a:t>
+            </a:r>
+            <a:r>
+              <a:rPr lang="fr-FR" dirty="0"/>
+              <a:t>.</a:t>
+            </a:r>
+          </a:p>
+          <a:p>
+            <a:pPr lvl="1"/>
+            <a:r>
+              <a:rPr lang="fr-FR" dirty="0"/>
+              <a:t>Utilisation d’un fichier de configuration qui décrit les composant du projet</a:t>
+            </a:r>
+          </a:p>
+          <a:p>
+            <a:pPr lvl="1"/>
+            <a:r>
+              <a:rPr lang="fr-FR" dirty="0"/>
+              <a:t>Puis génération avec des fichier projet selon le system visé </a:t>
+            </a:r>
+          </a:p>
+          <a:p>
+            <a:pPr lvl="2"/>
+            <a:r>
+              <a:rPr lang="fr-FR" dirty="0"/>
+              <a:t>Ici : Projet VC++ sur Windows ou </a:t>
+            </a:r>
+            <a:r>
+              <a:rPr lang="fr-FR" dirty="0" err="1"/>
+              <a:t>Makefile</a:t>
+            </a:r>
+            <a:r>
+              <a:rPr lang="fr-FR" dirty="0"/>
+              <a:t> pour Unix</a:t>
+            </a:r>
+          </a:p>
+          <a:p>
+            <a:pPr lvl="1"/>
+            <a:endParaRPr lang="fr-FR" dirty="0"/>
+          </a:p>
+          <a:p>
+            <a:pPr lvl="1"/>
+            <a:r>
+              <a:rPr lang="fr-FR" dirty="0"/>
+              <a:t>Ajout dans le projet de tierces parties :</a:t>
+            </a:r>
+          </a:p>
+          <a:p>
+            <a:pPr lvl="2"/>
+            <a:r>
+              <a:rPr lang="fr-FR" dirty="0"/>
+              <a:t>Du code source du Driver BME 280</a:t>
+            </a:r>
+          </a:p>
+          <a:p>
+            <a:pPr lvl="2"/>
+            <a:r>
+              <a:rPr lang="fr-FR" dirty="0"/>
+              <a:t>Du code source de </a:t>
+            </a:r>
+            <a:r>
+              <a:rPr lang="fr-FR" dirty="0" err="1"/>
+              <a:t>BuildInc</a:t>
+            </a:r>
+            <a:r>
+              <a:rPr lang="fr-FR" dirty="0"/>
+              <a:t> : petit utilitaire perso qui permet d’</a:t>
+            </a:r>
+            <a:r>
+              <a:rPr lang="fr-FR" dirty="0" err="1"/>
+              <a:t>incrementer</a:t>
+            </a:r>
+            <a:r>
+              <a:rPr lang="fr-FR" dirty="0"/>
+              <a:t> un numéro de </a:t>
+            </a:r>
+            <a:r>
+              <a:rPr lang="fr-FR" dirty="0" err="1"/>
+              <a:t>build</a:t>
+            </a:r>
+            <a:r>
+              <a:rPr lang="fr-FR" dirty="0"/>
+              <a:t> a chaque </a:t>
+            </a:r>
+            <a:r>
+              <a:rPr lang="fr-FR" dirty="0" err="1"/>
+              <a:t>build</a:t>
+            </a:r>
+            <a:endParaRPr lang="fr-FR" dirty="0"/>
+          </a:p>
+          <a:p>
+            <a:pPr lvl="2"/>
+            <a:r>
+              <a:rPr lang="fr-FR" dirty="0"/>
+              <a:t>Du code source de </a:t>
+            </a:r>
+            <a:r>
+              <a:rPr lang="fr-FR" dirty="0" err="1"/>
+              <a:t>libuv</a:t>
+            </a:r>
+            <a:r>
+              <a:rPr lang="fr-FR" dirty="0"/>
+              <a:t> : la libraire de communication réseau</a:t>
+            </a:r>
+          </a:p>
+          <a:p>
+            <a:pPr lvl="2"/>
+            <a:r>
+              <a:rPr lang="fr-FR" dirty="0"/>
+              <a:t>Du code source de SQlite3 : </a:t>
+            </a:r>
+            <a:r>
+              <a:rPr lang="fr-FR" dirty="0" err="1"/>
+              <a:t>piltoe</a:t>
+            </a:r>
+            <a:r>
+              <a:rPr lang="fr-FR" dirty="0"/>
+              <a:t> de base de </a:t>
+            </a:r>
+            <a:r>
+              <a:rPr lang="fr-FR" dirty="0" err="1"/>
+              <a:t>donéne</a:t>
+            </a:r>
+            <a:r>
+              <a:rPr lang="fr-FR" dirty="0"/>
+              <a:t> embarquée</a:t>
+            </a:r>
+          </a:p>
+          <a:p>
+            <a:pPr lvl="2"/>
+            <a:r>
+              <a:rPr lang="fr-FR" dirty="0"/>
+              <a:t>Du code source de </a:t>
+            </a:r>
+            <a:r>
+              <a:rPr lang="fr-FR" dirty="0" err="1"/>
+              <a:t>uv_cpp</a:t>
+            </a:r>
+            <a:r>
+              <a:rPr lang="fr-FR" dirty="0"/>
+              <a:t> : le </a:t>
+            </a:r>
+            <a:r>
+              <a:rPr lang="fr-FR" dirty="0" err="1"/>
+              <a:t>wrapper</a:t>
+            </a:r>
+            <a:r>
+              <a:rPr lang="fr-FR" dirty="0"/>
+              <a:t> </a:t>
+            </a:r>
+            <a:r>
+              <a:rPr lang="fr-FR" dirty="0" err="1"/>
+              <a:t>cpp</a:t>
+            </a:r>
+            <a:r>
+              <a:rPr lang="fr-FR" dirty="0"/>
+              <a:t> pour </a:t>
+            </a:r>
+            <a:r>
+              <a:rPr lang="fr-FR" dirty="0" err="1"/>
+              <a:t>libuv</a:t>
+            </a:r>
+            <a:endParaRPr lang="fr-FR" dirty="0"/>
+          </a:p>
+          <a:p>
+            <a:pPr lvl="1"/>
+            <a:r>
+              <a:rPr lang="fr-FR" dirty="0"/>
+              <a:t>Ajout dans le projet du code utile reparti en module :</a:t>
+            </a:r>
+          </a:p>
+          <a:p>
+            <a:pPr lvl="2"/>
+            <a:r>
+              <a:rPr lang="fr-FR" dirty="0"/>
+              <a:t>Un module pour gérer le serveur HTTP : réception / traitement / envoi de requête HTTP</a:t>
+            </a:r>
+          </a:p>
+          <a:p>
+            <a:pPr lvl="2"/>
+            <a:r>
+              <a:rPr lang="fr-FR" dirty="0"/>
+              <a:t>Un module pour gérer le capteur : mesure du capteur et envoi des données mesurées</a:t>
+            </a:r>
+          </a:p>
+          <a:p>
+            <a:pPr lvl="2"/>
+            <a:r>
+              <a:rPr lang="fr-FR" dirty="0"/>
+              <a:t>Un module pour gérer la base de donnée : ajout de donnée / extraction sous forme JSON</a:t>
+            </a:r>
+          </a:p>
+          <a:p>
+            <a:pPr lvl="2"/>
+            <a:r>
+              <a:rPr lang="fr-FR" dirty="0"/>
+              <a:t>Un module pour piloter la mesure et l’inscription dans la base de donnée suivant un </a:t>
+            </a:r>
+            <a:r>
+              <a:rPr lang="fr-FR" dirty="0" err="1"/>
+              <a:t>timer</a:t>
+            </a:r>
+            <a:r>
+              <a:rPr lang="fr-FR" dirty="0"/>
+              <a:t>. Ici toute les heures</a:t>
+            </a:r>
+          </a:p>
+          <a:p>
+            <a:pPr lvl="2"/>
+            <a:r>
+              <a:rPr lang="fr-FR" dirty="0"/>
+              <a:t>Un module pour extraire les infos du serveur : </a:t>
+            </a:r>
+          </a:p>
+          <a:p>
+            <a:pPr lvl="3"/>
+            <a:r>
+              <a:rPr lang="fr-FR" dirty="0"/>
+              <a:t>Infos de l’os : version, </a:t>
+            </a:r>
+            <a:r>
+              <a:rPr lang="fr-FR" dirty="0" err="1"/>
+              <a:t>cpu</a:t>
+            </a:r>
+            <a:endParaRPr lang="fr-FR" dirty="0"/>
+          </a:p>
+          <a:p>
+            <a:pPr lvl="3"/>
+            <a:r>
+              <a:rPr lang="fr-FR" dirty="0"/>
+              <a:t>Infos sur la bd : nombre d’enregistrements, version de la bd, chemin de la bd</a:t>
+            </a:r>
+          </a:p>
+          <a:p>
+            <a:pPr lvl="3"/>
+            <a:r>
+              <a:rPr lang="fr-FR" dirty="0"/>
+              <a:t>Infos sur le serveur : version, ligne de commande utilisé</a:t>
+            </a:r>
+          </a:p>
+          <a:p>
+            <a:pPr lvl="2"/>
+            <a:r>
+              <a:rPr lang="fr-FR" dirty="0"/>
+              <a:t>Ajout du point d’entrée du projet :</a:t>
+            </a:r>
+          </a:p>
+          <a:p>
+            <a:pPr lvl="3"/>
+            <a:r>
+              <a:rPr lang="fr-FR" dirty="0"/>
+              <a:t>Ajout d’une interface de ligne de commande configurable dans la logique des commande UNIX</a:t>
+            </a:r>
+          </a:p>
+          <a:p>
+            <a:pPr lvl="3"/>
+            <a:r>
+              <a:rPr lang="fr-FR" dirty="0"/>
+              <a:t>Ajout du flux logique principal</a:t>
             </a:r>
           </a:p>
           <a:p>
@@ -15963,51 +16342,16 @@
             <a:pPr rtl="0"/>
             <a:fld id="{802FE938-1586-4780-B61A-DD3B60BAB93C}" type="datetime1">
               <a:rPr lang="fr-FR" smtClean="0"/>
-              <a:t>22/06/2021</a:t>
+              <a:t>23/06/2021</a:t>
             </a:fld>
-            <a:endParaRPr lang="en-US"/>
-          </a:p>
-        </p:txBody>
-      </p:sp>
-      <p:sp>
-        <p:nvSpPr>
-          <p:cNvPr id="2" name="Titre 1">
-            <a:extLst>
-              <a:ext uri="{FF2B5EF4-FFF2-40B4-BE49-F238E27FC236}">
-                <a16:creationId xmlns:a16="http://schemas.microsoft.com/office/drawing/2014/main" id="{EA53D9FC-3044-40B7-A8EB-EAB80F26D6FE}"/>
-              </a:ext>
-            </a:extLst>
-          </p:cNvPr>
-          <p:cNvSpPr>
-            <a:spLocks noGrp="1"/>
-          </p:cNvSpPr>
-          <p:nvPr>
-            <p:ph type="title"/>
-          </p:nvPr>
-        </p:nvSpPr>
-        <p:spPr>
-          <a:xfrm>
-            <a:off x="1066800" y="642594"/>
-            <a:ext cx="10058400" cy="556814"/>
-          </a:xfrm>
-        </p:spPr>
-        <p:txBody>
-          <a:bodyPr>
-            <a:normAutofit fontScale="90000"/>
-          </a:bodyPr>
-          <a:lstStyle/>
-          <a:p>
-            <a:r>
-              <a:rPr lang="fr-FR" dirty="0"/>
-              <a:t>Conception du Serveur : les grande étapes</a:t>
-            </a:r>
+            <a:endParaRPr lang="en-US" dirty="0"/>
           </a:p>
         </p:txBody>
       </p:sp>
     </p:spTree>
     <p:extLst>
       <p:ext uri="{BB962C8B-B14F-4D97-AF65-F5344CB8AC3E}">
-        <p14:creationId xmlns:p14="http://schemas.microsoft.com/office/powerpoint/2010/main" val="2555099777"/>
+        <p14:creationId xmlns:p14="http://schemas.microsoft.com/office/powerpoint/2010/main" val="2179627063"/>
       </p:ext>
     </p:extLst>
   </p:cSld>
@@ -16039,7 +16383,7 @@
           <p:cNvPr id="2" name="Titre 1">
             <a:extLst>
               <a:ext uri="{FF2B5EF4-FFF2-40B4-BE49-F238E27FC236}">
-                <a16:creationId xmlns:a16="http://schemas.microsoft.com/office/drawing/2014/main" id="{EA53D9FC-3044-40B7-A8EB-EAB80F26D6FE}"/>
+                <a16:creationId xmlns:a16="http://schemas.microsoft.com/office/drawing/2014/main" id="{7E66DA7D-18FF-43FA-9114-735D5287AF90}"/>
               </a:ext>
             </a:extLst>
           </p:cNvPr>
@@ -16052,19 +16396,17 @@
         </p:nvSpPr>
         <p:spPr>
           <a:xfrm>
-            <a:off x="1066800" y="642594"/>
-            <a:ext cx="10058400" cy="556814"/>
-          </a:xfrm>
-        </p:spPr>
-        <p:txBody>
-          <a:bodyPr>
-            <a:normAutofit/>
-          </a:bodyPr>
+            <a:off x="1442621" y="364713"/>
+            <a:ext cx="10058400" cy="839977"/>
+          </a:xfrm>
+        </p:spPr>
+        <p:txBody>
+          <a:bodyPr/>
           <a:lstStyle/>
           <a:p>
             <a:r>
-              <a:rPr lang="fr-FR" sz="2800" dirty="0"/>
-              <a:t>Création d’un projet cross platform UNIX/WINDOWS</a:t>
+              <a:rPr lang="fr-FR" dirty="0"/>
+              <a:t>	  Fonctionnalités partie ville :</a:t>
             </a:r>
           </a:p>
         </p:txBody>
@@ -16074,7 +16416,7 @@
           <p:cNvPr id="3" name="Espace réservé du contenu 2">
             <a:extLst>
               <a:ext uri="{FF2B5EF4-FFF2-40B4-BE49-F238E27FC236}">
-                <a16:creationId xmlns:a16="http://schemas.microsoft.com/office/drawing/2014/main" id="{5837093E-200E-45C2-A38D-202DB399C72A}"/>
+                <a16:creationId xmlns:a16="http://schemas.microsoft.com/office/drawing/2014/main" id="{6723A642-3FB2-484D-AF95-A8E825D7B1AB}"/>
               </a:ext>
             </a:extLst>
           </p:cNvPr>
@@ -16087,296 +16429,97 @@
         </p:nvSpPr>
         <p:spPr>
           <a:xfrm>
-            <a:off x="1066800" y="1199408"/>
-            <a:ext cx="10058400" cy="5100452"/>
-          </a:xfrm>
-        </p:spPr>
-        <p:txBody>
-          <a:bodyPr>
-            <a:normAutofit fontScale="92500" lnSpcReduction="10000"/>
-          </a:bodyPr>
+            <a:off x="1066800" y="2056115"/>
+            <a:ext cx="10058400" cy="3849624"/>
+          </a:xfrm>
+        </p:spPr>
+        <p:txBody>
+          <a:bodyPr/>
           <a:lstStyle/>
           <a:p>
-            <a:pPr marL="0" indent="0">
+            <a:pPr>
+              <a:lnSpc>
+                <a:spcPct val="100000"/>
+              </a:lnSpc>
+              <a:spcBef>
+                <a:spcPts val="0"/>
+              </a:spcBef>
+              <a:buClrTx/>
+            </a:pPr>
+            <a:endParaRPr lang="fr-FR" sz="1800" dirty="0">
+              <a:solidFill>
+                <a:prstClr val="black"/>
+              </a:solidFill>
+            </a:endParaRPr>
+          </a:p>
+          <a:p>
+            <a:pPr>
+              <a:lnSpc>
+                <a:spcPct val="100000"/>
+              </a:lnSpc>
+              <a:spcBef>
+                <a:spcPts val="0"/>
+              </a:spcBef>
+              <a:buClrTx/>
+            </a:pPr>
+            <a:endParaRPr lang="fr-FR" sz="1800" dirty="0">
+              <a:solidFill>
+                <a:prstClr val="black"/>
+              </a:solidFill>
+            </a:endParaRPr>
+          </a:p>
+          <a:p>
+            <a:pPr>
+              <a:lnSpc>
+                <a:spcPct val="100000"/>
+              </a:lnSpc>
+              <a:spcBef>
+                <a:spcPts val="0"/>
+              </a:spcBef>
+              <a:buClrTx/>
+            </a:pPr>
+            <a:endParaRPr lang="fr-FR" sz="1800" dirty="0">
+              <a:solidFill>
+                <a:prstClr val="black"/>
+              </a:solidFill>
+            </a:endParaRPr>
+          </a:p>
+          <a:p>
+            <a:pPr marL="0" lvl="0" indent="0">
+              <a:lnSpc>
+                <a:spcPct val="100000"/>
+              </a:lnSpc>
+              <a:spcBef>
+                <a:spcPts val="0"/>
+              </a:spcBef>
+              <a:buClrTx/>
               <a:buNone/>
             </a:pPr>
-            <a:r>
-              <a:rPr lang="fr-FR" dirty="0"/>
-              <a:t>Utilisation du générateur de projet </a:t>
-            </a:r>
-            <a:r>
-              <a:rPr lang="fr-FR" dirty="0" err="1"/>
-              <a:t>Cmake</a:t>
-            </a:r>
-            <a:r>
-              <a:rPr lang="fr-FR" dirty="0"/>
-              <a:t>.</a:t>
-            </a:r>
-          </a:p>
-          <a:p>
-            <a:pPr lvl="1"/>
-            <a:r>
-              <a:rPr lang="fr-FR" dirty="0"/>
-              <a:t>Utilisation d’un fichier de configuration qui décrit les composant du projet</a:t>
-            </a:r>
-          </a:p>
-          <a:p>
-            <a:pPr lvl="1"/>
-            <a:r>
-              <a:rPr lang="fr-FR" dirty="0"/>
-              <a:t>Puis génération avec des fichier projet selon le system visé </a:t>
-            </a:r>
-          </a:p>
-          <a:p>
-            <a:pPr lvl="2"/>
-            <a:r>
-              <a:rPr lang="fr-FR" dirty="0"/>
-              <a:t>Ici : Projet VC++ sur Windows ou </a:t>
-            </a:r>
-            <a:r>
-              <a:rPr lang="fr-FR" dirty="0" err="1"/>
-              <a:t>Makefile</a:t>
-            </a:r>
-            <a:r>
-              <a:rPr lang="fr-FR" dirty="0"/>
-              <a:t> pour Unix</a:t>
-            </a:r>
-          </a:p>
-          <a:p>
-            <a:pPr lvl="1"/>
+            <a:endParaRPr lang="fr-FR" sz="1800" dirty="0">
+              <a:solidFill>
+                <a:prstClr val="black"/>
+              </a:solidFill>
+            </a:endParaRPr>
+          </a:p>
+          <a:p>
+            <a:pPr>
+              <a:lnSpc>
+                <a:spcPct val="100000"/>
+              </a:lnSpc>
+              <a:spcBef>
+                <a:spcPts val="0"/>
+              </a:spcBef>
+              <a:buClrTx/>
+            </a:pPr>
+            <a:endParaRPr lang="fr-FR" sz="1800" dirty="0">
+              <a:solidFill>
+                <a:prstClr val="black"/>
+              </a:solidFill>
+            </a:endParaRPr>
+          </a:p>
+          <a:p>
             <a:endParaRPr lang="fr-FR" dirty="0"/>
           </a:p>
-          <a:p>
-            <a:pPr lvl="1"/>
-            <a:r>
-              <a:rPr lang="fr-FR" dirty="0"/>
-              <a:t>Ajout dans le projet de tierces parties :</a:t>
-            </a:r>
-          </a:p>
-          <a:p>
-            <a:pPr lvl="2"/>
-            <a:r>
-              <a:rPr lang="fr-FR" dirty="0"/>
-              <a:t>Du code source du Driver BME 280</a:t>
-            </a:r>
-          </a:p>
-          <a:p>
-            <a:pPr lvl="2"/>
-            <a:r>
-              <a:rPr lang="fr-FR" dirty="0"/>
-              <a:t>Du code source de </a:t>
-            </a:r>
-            <a:r>
-              <a:rPr lang="fr-FR" dirty="0" err="1"/>
-              <a:t>BuildInc</a:t>
-            </a:r>
-            <a:r>
-              <a:rPr lang="fr-FR" dirty="0"/>
-              <a:t> : petit utilitaire perso qui permet d’</a:t>
-            </a:r>
-            <a:r>
-              <a:rPr lang="fr-FR" dirty="0" err="1"/>
-              <a:t>incrementer</a:t>
-            </a:r>
-            <a:r>
-              <a:rPr lang="fr-FR" dirty="0"/>
-              <a:t> un numéro de </a:t>
-            </a:r>
-            <a:r>
-              <a:rPr lang="fr-FR" dirty="0" err="1"/>
-              <a:t>build</a:t>
-            </a:r>
-            <a:r>
-              <a:rPr lang="fr-FR" dirty="0"/>
-              <a:t> a chaque </a:t>
-            </a:r>
-            <a:r>
-              <a:rPr lang="fr-FR" dirty="0" err="1"/>
-              <a:t>build</a:t>
-            </a:r>
-            <a:endParaRPr lang="fr-FR" dirty="0"/>
-          </a:p>
-          <a:p>
-            <a:pPr lvl="2"/>
-            <a:r>
-              <a:rPr lang="fr-FR" dirty="0"/>
-              <a:t>Du code source de </a:t>
-            </a:r>
-            <a:r>
-              <a:rPr lang="fr-FR" dirty="0" err="1"/>
-              <a:t>libuv</a:t>
-            </a:r>
-            <a:r>
-              <a:rPr lang="fr-FR" dirty="0"/>
-              <a:t> : la libraire de communication réseau</a:t>
-            </a:r>
-          </a:p>
-          <a:p>
-            <a:pPr lvl="2"/>
-            <a:r>
-              <a:rPr lang="fr-FR" dirty="0"/>
-              <a:t>Du code source de SQlite3 : </a:t>
-            </a:r>
-            <a:r>
-              <a:rPr lang="fr-FR" dirty="0" err="1"/>
-              <a:t>piltoe</a:t>
-            </a:r>
-            <a:r>
-              <a:rPr lang="fr-FR" dirty="0"/>
-              <a:t> de base de </a:t>
-            </a:r>
-            <a:r>
-              <a:rPr lang="fr-FR" dirty="0" err="1"/>
-              <a:t>donéne</a:t>
-            </a:r>
-            <a:r>
-              <a:rPr lang="fr-FR" dirty="0"/>
-              <a:t> embarquée</a:t>
-            </a:r>
-          </a:p>
-          <a:p>
-            <a:pPr lvl="2"/>
-            <a:r>
-              <a:rPr lang="fr-FR" dirty="0"/>
-              <a:t>Du code source de </a:t>
-            </a:r>
-            <a:r>
-              <a:rPr lang="fr-FR" dirty="0" err="1"/>
-              <a:t>uv_cpp</a:t>
-            </a:r>
-            <a:r>
-              <a:rPr lang="fr-FR" dirty="0"/>
-              <a:t> : le </a:t>
-            </a:r>
-            <a:r>
-              <a:rPr lang="fr-FR" dirty="0" err="1"/>
-              <a:t>wrapper</a:t>
-            </a:r>
-            <a:r>
-              <a:rPr lang="fr-FR" dirty="0"/>
-              <a:t> </a:t>
-            </a:r>
-            <a:r>
-              <a:rPr lang="fr-FR" dirty="0" err="1"/>
-              <a:t>cpp</a:t>
-            </a:r>
-            <a:r>
-              <a:rPr lang="fr-FR" dirty="0"/>
-              <a:t> pour </a:t>
-            </a:r>
-            <a:r>
-              <a:rPr lang="fr-FR" dirty="0" err="1"/>
-              <a:t>libuv</a:t>
-            </a:r>
-            <a:endParaRPr lang="fr-FR" dirty="0"/>
-          </a:p>
-          <a:p>
-            <a:pPr lvl="1"/>
-            <a:r>
-              <a:rPr lang="fr-FR" dirty="0"/>
-              <a:t>Ajout dans le projet du code utile reparti en module :</a:t>
-            </a:r>
-          </a:p>
-          <a:p>
-            <a:pPr lvl="2"/>
-            <a:r>
-              <a:rPr lang="fr-FR" dirty="0"/>
-              <a:t>Un module pour gérer le serveur HTTP : réception / traitement / envoi de requête HTTP</a:t>
-            </a:r>
-          </a:p>
-          <a:p>
-            <a:pPr lvl="2"/>
-            <a:r>
-              <a:rPr lang="fr-FR" dirty="0"/>
-              <a:t>Un module pour gérer le capteur : mesure du capteur et envoi des données mesurées</a:t>
-            </a:r>
-          </a:p>
-          <a:p>
-            <a:pPr lvl="2"/>
-            <a:r>
-              <a:rPr lang="fr-FR" dirty="0"/>
-              <a:t>Un module pour gérer la base de donnée : ajout de donnée / extraction sous forme JSON</a:t>
-            </a:r>
-          </a:p>
-          <a:p>
-            <a:pPr lvl="2"/>
-            <a:r>
-              <a:rPr lang="fr-FR" dirty="0"/>
-              <a:t>Un module pour piloter la mesure et l’inscription dans la base de donnée suivant un </a:t>
-            </a:r>
-            <a:r>
-              <a:rPr lang="fr-FR" dirty="0" err="1"/>
-              <a:t>timer</a:t>
-            </a:r>
-            <a:r>
-              <a:rPr lang="fr-FR" dirty="0"/>
-              <a:t>. Ici toute les heures</a:t>
-            </a:r>
-          </a:p>
-          <a:p>
-            <a:pPr lvl="2"/>
-            <a:r>
-              <a:rPr lang="fr-FR" dirty="0"/>
-              <a:t>Un module pour extraire les infos du serveur : </a:t>
-            </a:r>
-          </a:p>
-          <a:p>
-            <a:pPr lvl="3"/>
-            <a:r>
-              <a:rPr lang="fr-FR" dirty="0"/>
-              <a:t>Infos de l’os : version, </a:t>
-            </a:r>
-            <a:r>
-              <a:rPr lang="fr-FR" dirty="0" err="1"/>
-              <a:t>cpu</a:t>
-            </a:r>
-            <a:endParaRPr lang="fr-FR" dirty="0"/>
-          </a:p>
-          <a:p>
-            <a:pPr lvl="3"/>
-            <a:r>
-              <a:rPr lang="fr-FR" dirty="0"/>
-              <a:t>Infos sur la bd : nombre d’enregistrements, version de la bd, chemin de la bd</a:t>
-            </a:r>
-          </a:p>
-          <a:p>
-            <a:pPr lvl="3"/>
-            <a:r>
-              <a:rPr lang="fr-FR" dirty="0"/>
-              <a:t>Infos sur le serveur : version, ligne de commande utilisé</a:t>
-            </a:r>
-          </a:p>
-          <a:p>
-            <a:pPr lvl="2"/>
-            <a:r>
-              <a:rPr lang="fr-FR" dirty="0"/>
-              <a:t>Ajout du point d’entrée du projet :</a:t>
-            </a:r>
-          </a:p>
-          <a:p>
-            <a:pPr lvl="3"/>
-            <a:r>
-              <a:rPr lang="fr-FR" dirty="0"/>
-              <a:t>Ajout d’une interface de ligne de commande configurable dans la logique des commande UNIX</a:t>
-            </a:r>
-          </a:p>
-          <a:p>
-            <a:pPr lvl="3"/>
-            <a:r>
-              <a:rPr lang="fr-FR" dirty="0"/>
-              <a:t>Ajout du flux logique principal</a:t>
-            </a:r>
-          </a:p>
-          <a:p>
-            <a:pPr lvl="3"/>
-            <a:endParaRPr lang="fr-FR" dirty="0"/>
-          </a:p>
-          <a:p>
-            <a:pPr marL="0" indent="0">
-              <a:buNone/>
-            </a:pPr>
-            <a:endParaRPr lang="fr-FR" dirty="0"/>
-          </a:p>
         </p:txBody>
       </p:sp>
       <p:sp>
@@ -16384,7 +16527,7 @@
           <p:cNvPr id="4" name="Espace réservé de la date 3">
             <a:extLst>
               <a:ext uri="{FF2B5EF4-FFF2-40B4-BE49-F238E27FC236}">
-                <a16:creationId xmlns:a16="http://schemas.microsoft.com/office/drawing/2014/main" id="{60BDC591-8D09-4D49-88A2-408CD1604F69}"/>
+                <a16:creationId xmlns:a16="http://schemas.microsoft.com/office/drawing/2014/main" id="{C69CF264-999B-4AE6-86E6-38F9278562E7}"/>
               </a:ext>
             </a:extLst>
           </p:cNvPr>
@@ -16403,8 +16546,276 @@
             <a:pPr rtl="0"/>
             <a:fld id="{802FE938-1586-4780-B61A-DD3B60BAB93C}" type="datetime1">
               <a:rPr lang="fr-FR" smtClean="0"/>
-              <a:t>22/06/2021</a:t>
+              <a:t>23/06/2021</a:t>
             </a:fld>
+            <a:endParaRPr lang="en-US"/>
+          </a:p>
+        </p:txBody>
+      </p:sp>
+      <p:sp>
+        <p:nvSpPr>
+          <p:cNvPr id="6" name="ZoneTexte 5">
+            <a:extLst>
+              <a:ext uri="{FF2B5EF4-FFF2-40B4-BE49-F238E27FC236}">
+                <a16:creationId xmlns:a16="http://schemas.microsoft.com/office/drawing/2014/main" id="{A5BC0ACF-C29E-41B2-A840-DE21FA9E6545}"/>
+              </a:ext>
+            </a:extLst>
+          </p:cNvPr>
+          <p:cNvSpPr txBox="1"/>
+          <p:nvPr/>
+        </p:nvSpPr>
+        <p:spPr>
+          <a:xfrm>
+            <a:off x="3235910" y="1071019"/>
+            <a:ext cx="8265111" cy="461665"/>
+          </a:xfrm>
+          <a:prstGeom prst="rect">
+            <a:avLst/>
+          </a:prstGeom>
+          <a:noFill/>
+        </p:spPr>
+        <p:txBody>
+          <a:bodyPr wrap="square" rtlCol="0">
+            <a:spAutoFit/>
+          </a:bodyPr>
+          <a:lstStyle/>
+          <a:p>
+            <a:r>
+              <a:rPr lang="fr-FR" sz="2400" dirty="0" err="1"/>
+              <a:t>Forecast</a:t>
+            </a:r>
+            <a:r>
+              <a:rPr lang="fr-FR" sz="2400" dirty="0"/>
+              <a:t> et mesures instantanées</a:t>
+            </a:r>
+            <a:r>
+              <a:rPr lang="fr-FR" sz="2400" b="1" dirty="0"/>
+              <a:t>:</a:t>
+            </a:r>
+            <a:r>
+              <a:rPr lang="fr-FR" sz="2400" dirty="0"/>
+              <a:t>	</a:t>
+            </a:r>
+            <a:endParaRPr lang="en-US" sz="2400" dirty="0"/>
+          </a:p>
+        </p:txBody>
+      </p:sp>
+      <p:pic>
+        <p:nvPicPr>
+          <p:cNvPr id="9" name="Image 8">
+            <a:extLst>
+              <a:ext uri="{FF2B5EF4-FFF2-40B4-BE49-F238E27FC236}">
+                <a16:creationId xmlns:a16="http://schemas.microsoft.com/office/drawing/2014/main" id="{85D06068-8202-4668-8C56-5F7B33600798}"/>
+              </a:ext>
+            </a:extLst>
+          </p:cNvPr>
+          <p:cNvPicPr>
+            <a:picLocks noChangeAspect="1"/>
+          </p:cNvPicPr>
+          <p:nvPr/>
+        </p:nvPicPr>
+        <p:blipFill>
+          <a:blip r:embed="rId2"/>
+          <a:stretch>
+            <a:fillRect/>
+          </a:stretch>
+        </p:blipFill>
+        <p:spPr>
+          <a:xfrm>
+            <a:off x="2054302" y="1805068"/>
+            <a:ext cx="4041698" cy="2949046"/>
+          </a:xfrm>
+          <a:prstGeom prst="rect">
+            <a:avLst/>
+          </a:prstGeom>
+        </p:spPr>
+      </p:pic>
+      <p:sp>
+        <p:nvSpPr>
+          <p:cNvPr id="10" name="ZoneTexte 9">
+            <a:extLst>
+              <a:ext uri="{FF2B5EF4-FFF2-40B4-BE49-F238E27FC236}">
+                <a16:creationId xmlns:a16="http://schemas.microsoft.com/office/drawing/2014/main" id="{DC509965-200A-4882-9F8A-69C5849F1892}"/>
+              </a:ext>
+            </a:extLst>
+          </p:cNvPr>
+          <p:cNvSpPr txBox="1"/>
+          <p:nvPr/>
+        </p:nvSpPr>
+        <p:spPr>
+          <a:xfrm>
+            <a:off x="6442228" y="1890151"/>
+            <a:ext cx="3258105" cy="369332"/>
+          </a:xfrm>
+          <a:prstGeom prst="rect">
+            <a:avLst/>
+          </a:prstGeom>
+          <a:noFill/>
+        </p:spPr>
+        <p:txBody>
+          <a:bodyPr wrap="square" rtlCol="0">
+            <a:spAutoFit/>
+          </a:bodyPr>
+          <a:lstStyle/>
+          <a:p>
+            <a:r>
+              <a:rPr lang="fr-FR" dirty="0"/>
+              <a:t>Mesures instantanées</a:t>
+            </a:r>
+            <a:endParaRPr lang="en-US" dirty="0"/>
+          </a:p>
+        </p:txBody>
+      </p:sp>
+      <p:sp>
+        <p:nvSpPr>
+          <p:cNvPr id="12" name="ZoneTexte 11">
+            <a:extLst>
+              <a:ext uri="{FF2B5EF4-FFF2-40B4-BE49-F238E27FC236}">
+                <a16:creationId xmlns:a16="http://schemas.microsoft.com/office/drawing/2014/main" id="{34CB8E99-0548-4CA3-A9C5-6FA023D17795}"/>
+              </a:ext>
+            </a:extLst>
+          </p:cNvPr>
+          <p:cNvSpPr txBox="1"/>
+          <p:nvPr/>
+        </p:nvSpPr>
+        <p:spPr>
+          <a:xfrm>
+            <a:off x="6914816" y="3393416"/>
+            <a:ext cx="2716567" cy="369332"/>
+          </a:xfrm>
+          <a:prstGeom prst="rect">
+            <a:avLst/>
+          </a:prstGeom>
+          <a:noFill/>
+        </p:spPr>
+        <p:txBody>
+          <a:bodyPr wrap="square" rtlCol="0">
+            <a:spAutoFit/>
+          </a:bodyPr>
+          <a:lstStyle/>
+          <a:p>
+            <a:r>
+              <a:rPr lang="fr-FR" dirty="0"/>
+              <a:t>  prévisionnel</a:t>
+            </a:r>
+            <a:endParaRPr lang="en-US" dirty="0"/>
+          </a:p>
+        </p:txBody>
+      </p:sp>
+      <p:cxnSp>
+        <p:nvCxnSpPr>
+          <p:cNvPr id="14" name="Connecteur droit avec flèche 13">
+            <a:extLst>
+              <a:ext uri="{FF2B5EF4-FFF2-40B4-BE49-F238E27FC236}">
+                <a16:creationId xmlns:a16="http://schemas.microsoft.com/office/drawing/2014/main" id="{8DE55405-0A71-401F-B98B-DBDD78778FE3}"/>
+              </a:ext>
+            </a:extLst>
+          </p:cNvPr>
+          <p:cNvCxnSpPr>
+            <a:stCxn id="12" idx="1"/>
+          </p:cNvCxnSpPr>
+          <p:nvPr/>
+        </p:nvCxnSpPr>
+        <p:spPr>
+          <a:xfrm flipH="1" flipV="1">
+            <a:off x="6096000" y="3573500"/>
+            <a:ext cx="818816" cy="4582"/>
+          </a:xfrm>
+          <a:prstGeom prst="straightConnector1">
+            <a:avLst/>
+          </a:prstGeom>
+          <a:ln>
+            <a:tailEnd type="triangle"/>
+          </a:ln>
+        </p:spPr>
+        <p:style>
+          <a:lnRef idx="1">
+            <a:schemeClr val="accent1"/>
+          </a:lnRef>
+          <a:fillRef idx="0">
+            <a:schemeClr val="accent1"/>
+          </a:fillRef>
+          <a:effectRef idx="0">
+            <a:schemeClr val="accent1"/>
+          </a:effectRef>
+          <a:fontRef idx="minor">
+            <a:schemeClr val="tx1"/>
+          </a:fontRef>
+        </p:style>
+      </p:cxnSp>
+      <p:cxnSp>
+        <p:nvCxnSpPr>
+          <p:cNvPr id="16" name="Connecteur droit avec flèche 15">
+            <a:extLst>
+              <a:ext uri="{FF2B5EF4-FFF2-40B4-BE49-F238E27FC236}">
+                <a16:creationId xmlns:a16="http://schemas.microsoft.com/office/drawing/2014/main" id="{C14501A8-052F-4DE4-B088-5C717D40249E}"/>
+              </a:ext>
+            </a:extLst>
+          </p:cNvPr>
+          <p:cNvCxnSpPr>
+            <a:cxnSpLocks/>
+          </p:cNvCxnSpPr>
+          <p:nvPr/>
+        </p:nvCxnSpPr>
+        <p:spPr>
+          <a:xfrm flipH="1">
+            <a:off x="6096000" y="2266717"/>
+            <a:ext cx="470515" cy="6342"/>
+          </a:xfrm>
+          <a:prstGeom prst="straightConnector1">
+            <a:avLst/>
+          </a:prstGeom>
+          <a:ln>
+            <a:tailEnd type="triangle"/>
+          </a:ln>
+        </p:spPr>
+        <p:style>
+          <a:lnRef idx="1">
+            <a:schemeClr val="accent1"/>
+          </a:lnRef>
+          <a:fillRef idx="0">
+            <a:schemeClr val="accent1"/>
+          </a:fillRef>
+          <a:effectRef idx="0">
+            <a:schemeClr val="accent1"/>
+          </a:effectRef>
+          <a:fontRef idx="minor">
+            <a:schemeClr val="tx1"/>
+          </a:fontRef>
+        </p:style>
+      </p:cxnSp>
+      <p:sp>
+        <p:nvSpPr>
+          <p:cNvPr id="17" name="ZoneTexte 16">
+            <a:extLst>
+              <a:ext uri="{FF2B5EF4-FFF2-40B4-BE49-F238E27FC236}">
+                <a16:creationId xmlns:a16="http://schemas.microsoft.com/office/drawing/2014/main" id="{8DE10CCD-6B4F-43A8-B46E-5442D1A0405B}"/>
+              </a:ext>
+            </a:extLst>
+          </p:cNvPr>
+          <p:cNvSpPr txBox="1"/>
+          <p:nvPr/>
+        </p:nvSpPr>
+        <p:spPr>
+          <a:xfrm>
+            <a:off x="1442621" y="5145260"/>
+            <a:ext cx="7633317" cy="369332"/>
+          </a:xfrm>
+          <a:prstGeom prst="rect">
+            <a:avLst/>
+          </a:prstGeom>
+          <a:noFill/>
+        </p:spPr>
+        <p:txBody>
+          <a:bodyPr wrap="square" rtlCol="0">
+            <a:spAutoFit/>
+          </a:bodyPr>
+          <a:lstStyle/>
+          <a:p>
+            <a:r>
+              <a:rPr lang="fr-FR" dirty="0"/>
+              <a:t>Nous utilisons un url par fonction</a:t>
+            </a:r>
             <a:endParaRPr lang="en-US" dirty="0"/>
           </a:p>
         </p:txBody>
@@ -16412,7 +16823,7 @@
     </p:spTree>
     <p:extLst>
       <p:ext uri="{BB962C8B-B14F-4D97-AF65-F5344CB8AC3E}">
-        <p14:creationId xmlns:p14="http://schemas.microsoft.com/office/powerpoint/2010/main" val="2179627063"/>
+        <p14:creationId xmlns:p14="http://schemas.microsoft.com/office/powerpoint/2010/main" val="3371592575"/>
       </p:ext>
     </p:extLst>
   </p:cSld>
@@ -16444,7 +16855,7 @@
           <p:cNvPr id="2" name="Titre 1">
             <a:extLst>
               <a:ext uri="{FF2B5EF4-FFF2-40B4-BE49-F238E27FC236}">
-                <a16:creationId xmlns:a16="http://schemas.microsoft.com/office/drawing/2014/main" id="{7E66DA7D-18FF-43FA-9114-735D5287AF90}"/>
+                <a16:creationId xmlns:a16="http://schemas.microsoft.com/office/drawing/2014/main" id="{47BDEF73-FC03-4836-B6D2-CFF480C8D9F4}"/>
               </a:ext>
             </a:extLst>
           </p:cNvPr>
@@ -16455,20 +16866,16 @@
             <p:ph type="title"/>
           </p:nvPr>
         </p:nvSpPr>
-        <p:spPr>
-          <a:xfrm>
-            <a:off x="1066800" y="642594"/>
-            <a:ext cx="10058400" cy="839977"/>
-          </a:xfrm>
-        </p:spPr>
+        <p:spPr/>
         <p:txBody>
           <a:bodyPr/>
           <a:lstStyle/>
           <a:p>
             <a:r>
               <a:rPr lang="fr-FR" dirty="0"/>
-              <a:t>	  Fonctionnalités partie ville :</a:t>
-            </a:r>
+              <a:t>			Descriptif url</a:t>
+            </a:r>
+            <a:endParaRPr lang="en-US" dirty="0"/>
           </a:p>
         </p:txBody>
       </p:sp>
@@ -16477,7 +16884,7 @@
           <p:cNvPr id="3" name="Espace réservé du contenu 2">
             <a:extLst>
               <a:ext uri="{FF2B5EF4-FFF2-40B4-BE49-F238E27FC236}">
-                <a16:creationId xmlns:a16="http://schemas.microsoft.com/office/drawing/2014/main" id="{6723A642-3FB2-484D-AF95-A8E825D7B1AB}"/>
+                <a16:creationId xmlns:a16="http://schemas.microsoft.com/office/drawing/2014/main" id="{DAA47BD6-78EE-4ED2-A6CE-3E625547DD75}"/>
               </a:ext>
             </a:extLst>
           </p:cNvPr>
@@ -16493,176 +16900,142 @@
           <a:bodyPr/>
           <a:lstStyle/>
           <a:p>
-            <a:pPr>
-              <a:lnSpc>
-                <a:spcPct val="100000"/>
-              </a:lnSpc>
-              <a:spcBef>
-                <a:spcPts val="0"/>
-              </a:spcBef>
-              <a:buClrTx/>
-            </a:pPr>
-            <a:endParaRPr lang="fr-FR" sz="1800" dirty="0">
-              <a:solidFill>
-                <a:prstClr val="black"/>
-              </a:solidFill>
-            </a:endParaRPr>
-          </a:p>
-          <a:p>
-            <a:pPr>
-              <a:lnSpc>
-                <a:spcPct val="100000"/>
-              </a:lnSpc>
-              <a:spcBef>
-                <a:spcPts val="0"/>
-              </a:spcBef>
-              <a:buClrTx/>
-            </a:pPr>
-            <a:endParaRPr lang="fr-FR" sz="1800" dirty="0">
-              <a:solidFill>
-                <a:prstClr val="black"/>
-              </a:solidFill>
-            </a:endParaRPr>
-          </a:p>
-          <a:p>
-            <a:pPr>
-              <a:lnSpc>
-                <a:spcPct val="100000"/>
-              </a:lnSpc>
-              <a:spcBef>
-                <a:spcPts val="0"/>
-              </a:spcBef>
-              <a:buClrTx/>
-            </a:pPr>
-            <a:endParaRPr lang="fr-FR" sz="1800" dirty="0">
-              <a:solidFill>
-                <a:prstClr val="black"/>
-              </a:solidFill>
-            </a:endParaRPr>
-          </a:p>
-          <a:p>
-            <a:pPr>
-              <a:lnSpc>
-                <a:spcPct val="100000"/>
-              </a:lnSpc>
-              <a:spcBef>
-                <a:spcPts val="0"/>
-              </a:spcBef>
-              <a:buClrTx/>
-            </a:pPr>
-            <a:r>
-              <a:rPr lang="fr-FR" sz="1800" dirty="0">
+            <a:r>
+              <a:rPr lang="en-US" sz="3000" dirty="0" err="1"/>
+              <a:t>url</a:t>
+            </a:r>
+            <a:r>
+              <a:rPr lang="en-US" sz="3000" dirty="0"/>
+              <a:t>  </a:t>
+            </a:r>
+            <a:r>
+              <a:rPr lang="en-US" sz="3000" dirty="0" err="1"/>
+              <a:t>mesures</a:t>
+            </a:r>
+            <a:r>
+              <a:rPr lang="en-US" sz="3000" dirty="0"/>
+              <a:t> </a:t>
+            </a:r>
+            <a:r>
+              <a:rPr lang="en-US" sz="3000" dirty="0" err="1"/>
+              <a:t>actuelles</a:t>
+            </a:r>
+            <a:r>
+              <a:rPr lang="en-US" sz="3000" dirty="0"/>
+              <a:t>:</a:t>
+            </a:r>
+          </a:p>
+          <a:p>
+            <a:r>
+              <a:rPr lang="en-US" dirty="0"/>
+              <a:t>https://api.openweathermap.org/data/2.5/</a:t>
+            </a:r>
+            <a:r>
+              <a:rPr lang="en-US" dirty="0">
                 <a:solidFill>
-                  <a:prstClr val="black"/>
+                  <a:srgbClr val="7030A0"/>
                 </a:solidFill>
               </a:rPr>
-              <a:t>Pour notre programme nous avons besoin d’ afficher des </a:t>
-            </a:r>
-            <a:r>
-              <a:rPr lang="fr-FR" sz="1800" dirty="0" err="1">
+              <a:t>weather?</a:t>
+            </a:r>
+            <a:r>
+              <a:rPr lang="en-US" dirty="0">
                 <a:solidFill>
-                  <a:prstClr val="black"/>
+                  <a:srgbClr val="FF0000"/>
                 </a:solidFill>
               </a:rPr>
-              <a:t>previsions</a:t>
-            </a:r>
-            <a:r>
-              <a:rPr lang="fr-FR" sz="1800" dirty="0">
+              <a:t>q=paris</a:t>
+            </a:r>
+            <a:r>
+              <a:rPr lang="en-US" dirty="0"/>
+              <a:t>,</a:t>
+            </a:r>
+            <a:r>
+              <a:rPr lang="en-US" dirty="0">
                 <a:solidFill>
-                  <a:prstClr val="black"/>
+                  <a:srgbClr val="FF0000"/>
                 </a:solidFill>
               </a:rPr>
-              <a:t> sur 5 jour ainsi que des mesures instantanées pour  le jour actuel nous avons  donc opte pour l'utilisation de deux  URLs différentes,</a:t>
-            </a:r>
-          </a:p>
-          <a:p>
-            <a:pPr marL="0" lvl="0" indent="0">
-              <a:lnSpc>
-                <a:spcPct val="100000"/>
-              </a:lnSpc>
-              <a:spcBef>
-                <a:spcPts val="0"/>
-              </a:spcBef>
-              <a:buClrTx/>
-              <a:buNone/>
-            </a:pPr>
-            <a:endParaRPr lang="fr-FR" sz="1800" dirty="0">
-              <a:solidFill>
-                <a:prstClr val="black"/>
-              </a:solidFill>
-            </a:endParaRPr>
-          </a:p>
-          <a:p>
-            <a:pPr marL="0" lvl="0" indent="0">
-              <a:lnSpc>
-                <a:spcPct val="100000"/>
-              </a:lnSpc>
-              <a:spcBef>
-                <a:spcPts val="0"/>
-              </a:spcBef>
-              <a:buClrTx/>
-              <a:buNone/>
-            </a:pPr>
-            <a:r>
-              <a:rPr lang="fr-FR" sz="1800" dirty="0">
+              <a:t>fr</a:t>
+            </a:r>
+            <a:r>
+              <a:rPr lang="en-US" dirty="0">
                 <a:solidFill>
-                  <a:prstClr val="black"/>
+                  <a:srgbClr val="00B050"/>
                 </a:solidFill>
               </a:rPr>
-              <a:t>Une qui nous donne  des mesures en temps </a:t>
-            </a:r>
-            <a:r>
-              <a:rPr lang="fr-FR" sz="1800" dirty="0" err="1">
+              <a:t>&amp;appid=58e08b52cadfc9c96fc8354666cec712</a:t>
+            </a:r>
+            <a:r>
+              <a:rPr lang="en-US" dirty="0">
                 <a:solidFill>
-                  <a:prstClr val="black"/>
+                  <a:srgbClr val="0070C0"/>
                 </a:solidFill>
               </a:rPr>
-              <a:t>reel</a:t>
-            </a:r>
-            <a:r>
-              <a:rPr lang="fr-FR" sz="1800" dirty="0">
+              <a:t>&amp;lang=fr</a:t>
+            </a:r>
+          </a:p>
+          <a:p>
+            <a:endParaRPr lang="en-US" dirty="0"/>
+          </a:p>
+          <a:p>
+            <a:endParaRPr lang="en-US" dirty="0"/>
+          </a:p>
+          <a:p>
+            <a:endParaRPr lang="en-US" dirty="0"/>
+          </a:p>
+          <a:p>
+            <a:r>
+              <a:rPr lang="en-US" sz="3000" dirty="0" err="1"/>
+              <a:t>url</a:t>
+            </a:r>
+            <a:r>
+              <a:rPr lang="en-US" sz="3000" dirty="0"/>
+              <a:t>  </a:t>
+            </a:r>
+            <a:r>
+              <a:rPr lang="en-US" sz="3000" dirty="0" err="1"/>
+              <a:t>previsionnel</a:t>
+            </a:r>
+            <a:endParaRPr lang="en-US" sz="3000" dirty="0"/>
+          </a:p>
+          <a:p>
+            <a:r>
+              <a:rPr lang="en-US" dirty="0"/>
+              <a:t>https://api.openweathermap.org/data/2.5/</a:t>
+            </a:r>
+            <a:r>
+              <a:rPr lang="en-US" dirty="0">
                 <a:solidFill>
-                  <a:prstClr val="black"/>
+                  <a:srgbClr val="7030A0"/>
                 </a:solidFill>
               </a:rPr>
-              <a:t>  et une des prévisions  sur  5 jours </a:t>
-            </a:r>
-          </a:p>
-          <a:p>
-            <a:pPr marL="0" lvl="0" indent="0">
-              <a:lnSpc>
-                <a:spcPct val="100000"/>
-              </a:lnSpc>
-              <a:spcBef>
-                <a:spcPts val="0"/>
-              </a:spcBef>
-              <a:buClrTx/>
-              <a:buNone/>
-            </a:pPr>
-            <a:endParaRPr lang="fr-FR" sz="1800" dirty="0">
-              <a:solidFill>
-                <a:prstClr val="black"/>
-              </a:solidFill>
-            </a:endParaRPr>
-          </a:p>
-          <a:p>
-            <a:pPr>
-              <a:lnSpc>
-                <a:spcPct val="100000"/>
-              </a:lnSpc>
-              <a:spcBef>
-                <a:spcPts val="0"/>
-              </a:spcBef>
-              <a:buClrTx/>
-            </a:pPr>
-            <a:endParaRPr lang="fr-FR" sz="1800" dirty="0">
-              <a:solidFill>
-                <a:prstClr val="black"/>
-              </a:solidFill>
-            </a:endParaRPr>
-          </a:p>
-          <a:p>
-            <a:endParaRPr lang="fr-FR" dirty="0"/>
+              <a:t>forecast?</a:t>
+            </a:r>
+            <a:r>
+              <a:rPr lang="en-US" dirty="0">
+                <a:solidFill>
+                  <a:srgbClr val="FF0000"/>
+                </a:solidFill>
+              </a:rPr>
+              <a:t>q=paris,fr</a:t>
+            </a:r>
+            <a:r>
+              <a:rPr lang="en-US" dirty="0">
+                <a:solidFill>
+                  <a:srgbClr val="00B050"/>
+                </a:solidFill>
+              </a:rPr>
+              <a:t>&amp;appid=58e08b52cadfc9c96fc8354666cec712</a:t>
+            </a:r>
+            <a:r>
+              <a:rPr lang="en-US" dirty="0">
+                <a:solidFill>
+                  <a:srgbClr val="0070C0"/>
+                </a:solidFill>
+              </a:rPr>
+              <a:t>&amp;lang=fr</a:t>
+            </a:r>
           </a:p>
         </p:txBody>
       </p:sp>
@@ -16671,7 +17044,7 @@
           <p:cNvPr id="4" name="Espace réservé de la date 3">
             <a:extLst>
               <a:ext uri="{FF2B5EF4-FFF2-40B4-BE49-F238E27FC236}">
-                <a16:creationId xmlns:a16="http://schemas.microsoft.com/office/drawing/2014/main" id="{C69CF264-999B-4AE6-86E6-38F9278562E7}"/>
+                <a16:creationId xmlns:a16="http://schemas.microsoft.com/office/drawing/2014/main" id="{09A1C0C1-9CC5-4752-9923-17075AAA778E}"/>
               </a:ext>
             </a:extLst>
           </p:cNvPr>
@@ -16690,64 +17063,16 @@
             <a:pPr rtl="0"/>
             <a:fld id="{802FE938-1586-4780-B61A-DD3B60BAB93C}" type="datetime1">
               <a:rPr lang="fr-FR" smtClean="0"/>
-              <a:t>22/06/2021</a:t>
+              <a:t>23/06/2021</a:t>
             </a:fld>
             <a:endParaRPr lang="en-US"/>
-          </a:p>
-        </p:txBody>
-      </p:sp>
-      <p:sp>
-        <p:nvSpPr>
-          <p:cNvPr id="6" name="ZoneTexte 5">
-            <a:extLst>
-              <a:ext uri="{FF2B5EF4-FFF2-40B4-BE49-F238E27FC236}">
-                <a16:creationId xmlns:a16="http://schemas.microsoft.com/office/drawing/2014/main" id="{A5BC0ACF-C29E-41B2-A840-DE21FA9E6545}"/>
-              </a:ext>
-            </a:extLst>
-          </p:cNvPr>
-          <p:cNvSpPr txBox="1"/>
-          <p:nvPr/>
-        </p:nvSpPr>
-        <p:spPr>
-          <a:xfrm>
-            <a:off x="3021070" y="1825361"/>
-            <a:ext cx="8265111" cy="461665"/>
-          </a:xfrm>
-          <a:prstGeom prst="rect">
-            <a:avLst/>
-          </a:prstGeom>
-          <a:noFill/>
-        </p:spPr>
-        <p:txBody>
-          <a:bodyPr wrap="square" rtlCol="0">
-            <a:spAutoFit/>
-          </a:bodyPr>
-          <a:lstStyle/>
-          <a:p>
-            <a:r>
-              <a:rPr lang="fr-FR" sz="2400" dirty="0" err="1"/>
-              <a:t>Forecast</a:t>
-            </a:r>
-            <a:r>
-              <a:rPr lang="fr-FR" sz="2400" dirty="0"/>
-              <a:t> et mesures instantanées</a:t>
-            </a:r>
-            <a:r>
-              <a:rPr lang="fr-FR" sz="2400" b="1" dirty="0"/>
-              <a:t>:</a:t>
-            </a:r>
-            <a:r>
-              <a:rPr lang="fr-FR" sz="2400" dirty="0"/>
-              <a:t>	</a:t>
-            </a:r>
-            <a:endParaRPr lang="en-US" sz="2400" dirty="0"/>
           </a:p>
         </p:txBody>
       </p:sp>
     </p:spTree>
     <p:extLst>
       <p:ext uri="{BB962C8B-B14F-4D97-AF65-F5344CB8AC3E}">
-        <p14:creationId xmlns:p14="http://schemas.microsoft.com/office/powerpoint/2010/main" val="3371592575"/>
+        <p14:creationId xmlns:p14="http://schemas.microsoft.com/office/powerpoint/2010/main" val="3400703984"/>
       </p:ext>
     </p:extLst>
   </p:cSld>
@@ -16779,7 +17104,7 @@
           <p:cNvPr id="2" name="Titre 1">
             <a:extLst>
               <a:ext uri="{FF2B5EF4-FFF2-40B4-BE49-F238E27FC236}">
-                <a16:creationId xmlns:a16="http://schemas.microsoft.com/office/drawing/2014/main" id="{FC06F74D-5B9E-4B54-867B-3886887367AA}"/>
+                <a16:creationId xmlns:a16="http://schemas.microsoft.com/office/drawing/2014/main" id="{33BB2168-D7FA-4331-A888-9959DAB2AD69}"/>
               </a:ext>
             </a:extLst>
           </p:cNvPr>
@@ -16790,14 +17115,30 @@
             <p:ph type="title"/>
           </p:nvPr>
         </p:nvSpPr>
-        <p:spPr/>
+        <p:spPr>
+          <a:xfrm>
+            <a:off x="1066800" y="457200"/>
+            <a:ext cx="10058400" cy="1015258"/>
+          </a:xfrm>
+          <a:ln>
+            <a:noFill/>
+          </a:ln>
+        </p:spPr>
         <p:txBody>
           <a:bodyPr/>
           <a:lstStyle/>
           <a:p>
             <a:r>
               <a:rPr lang="fr-FR" dirty="0"/>
-              <a:t>Fonctionnalité :changement de ville</a:t>
+              <a:t> 	descriptif fichier </a:t>
+            </a:r>
+            <a:r>
+              <a:rPr lang="fr-FR" dirty="0" err="1"/>
+              <a:t>json</a:t>
+            </a:r>
+            <a:r>
+              <a:rPr lang="fr-FR" dirty="0"/>
+              <a:t> de l’api</a:t>
             </a:r>
             <a:endParaRPr lang="en-US" dirty="0"/>
           </a:p>
@@ -16805,64 +17146,10 @@
       </p:sp>
       <p:sp>
         <p:nvSpPr>
-          <p:cNvPr id="3" name="Espace réservé du contenu 2">
-            <a:extLst>
-              <a:ext uri="{FF2B5EF4-FFF2-40B4-BE49-F238E27FC236}">
-                <a16:creationId xmlns:a16="http://schemas.microsoft.com/office/drawing/2014/main" id="{1682D351-0804-4D8E-9613-77DAD2AEF7BF}"/>
-              </a:ext>
-            </a:extLst>
-          </p:cNvPr>
-          <p:cNvSpPr>
-            <a:spLocks noGrp="1"/>
-          </p:cNvSpPr>
-          <p:nvPr>
-            <p:ph idx="1"/>
-          </p:nvPr>
-        </p:nvSpPr>
-        <p:spPr>
-          <a:xfrm>
-            <a:off x="1066800" y="2245995"/>
-            <a:ext cx="10058400" cy="3849624"/>
-          </a:xfrm>
-        </p:spPr>
-        <p:txBody>
-          <a:bodyPr/>
-          <a:lstStyle/>
-          <a:p>
-            <a:pPr marL="0" indent="0">
-              <a:buNone/>
-            </a:pPr>
-            <a:r>
-              <a:rPr lang="fr-FR" dirty="0"/>
-              <a:t>Grace  au paramètre de changement de ville disponible dans notre url .</a:t>
-            </a:r>
-          </a:p>
-          <a:p>
-            <a:pPr marL="0" indent="0">
-              <a:buNone/>
-            </a:pPr>
-            <a:r>
-              <a:rPr lang="fr-FR" dirty="0"/>
-              <a:t>Nous avons  rajoute une option de changement de  ville  dans notre programme qui </a:t>
-            </a:r>
-            <a:r>
-              <a:rPr lang="fr-FR" dirty="0" err="1"/>
-              <a:t>vienda</a:t>
-            </a:r>
-            <a:r>
-              <a:rPr lang="fr-FR" dirty="0"/>
-              <a:t> changer la ville recherche dans l’adresse url afin d’en afficher les mesures</a:t>
-            </a:r>
-            <a:endParaRPr lang="en-US" dirty="0"/>
-          </a:p>
-        </p:txBody>
-      </p:sp>
-      <p:sp>
-        <p:nvSpPr>
           <p:cNvPr id="4" name="Espace réservé de la date 3">
             <a:extLst>
               <a:ext uri="{FF2B5EF4-FFF2-40B4-BE49-F238E27FC236}">
-                <a16:creationId xmlns:a16="http://schemas.microsoft.com/office/drawing/2014/main" id="{6B3AD7D1-CE65-4130-9F16-4C48F896C6EB}"/>
+                <a16:creationId xmlns:a16="http://schemas.microsoft.com/office/drawing/2014/main" id="{2633B18D-4AFB-405F-BA6F-9F4DE6B1B8A5}"/>
               </a:ext>
             </a:extLst>
           </p:cNvPr>
@@ -16889,10 +17176,10 @@
       </p:sp>
       <p:pic>
         <p:nvPicPr>
-          <p:cNvPr id="5" name="Image 4">
-            <a:extLst>
-              <a:ext uri="{FF2B5EF4-FFF2-40B4-BE49-F238E27FC236}">
-                <a16:creationId xmlns:a16="http://schemas.microsoft.com/office/drawing/2014/main" id="{17DAF447-E8B7-409E-9509-B2EFA9555BE7}"/>
+          <p:cNvPr id="46" name="Image 45">
+            <a:extLst>
+              <a:ext uri="{FF2B5EF4-FFF2-40B4-BE49-F238E27FC236}">
+                <a16:creationId xmlns:a16="http://schemas.microsoft.com/office/drawing/2014/main" id="{EAD4F7D0-0F72-4A54-8FE5-B6475DCCAF64}"/>
               </a:ext>
             </a:extLst>
           </p:cNvPr>
@@ -16909,18 +17196,533 @@
         </p:blipFill>
         <p:spPr>
           <a:xfrm>
-            <a:off x="4257906" y="3885057"/>
-            <a:ext cx="3800475" cy="285750"/>
+            <a:off x="5423820" y="2602212"/>
+            <a:ext cx="3933302" cy="980778"/>
           </a:xfrm>
           <a:prstGeom prst="rect">
             <a:avLst/>
           </a:prstGeom>
         </p:spPr>
       </p:pic>
+      <p:pic>
+        <p:nvPicPr>
+          <p:cNvPr id="53" name="Espace réservé du contenu 52">
+            <a:extLst>
+              <a:ext uri="{FF2B5EF4-FFF2-40B4-BE49-F238E27FC236}">
+                <a16:creationId xmlns:a16="http://schemas.microsoft.com/office/drawing/2014/main" id="{670AB7E2-21C6-4C0E-A56C-102EE7A6FA63}"/>
+              </a:ext>
+            </a:extLst>
+          </p:cNvPr>
+          <p:cNvPicPr>
+            <a:picLocks noGrp="1" noChangeAspect="1"/>
+          </p:cNvPicPr>
+          <p:nvPr>
+            <p:ph idx="1"/>
+          </p:nvPr>
+        </p:nvPicPr>
+        <p:blipFill>
+          <a:blip r:embed="rId3"/>
+          <a:stretch>
+            <a:fillRect/>
+          </a:stretch>
+        </p:blipFill>
+        <p:spPr>
+          <a:xfrm>
+            <a:off x="571246" y="1429305"/>
+            <a:ext cx="1865247" cy="4900305"/>
+          </a:xfrm>
+          <a:prstGeom prst="rect">
+            <a:avLst/>
+          </a:prstGeom>
+        </p:spPr>
+      </p:pic>
+      <p:sp>
+        <p:nvSpPr>
+          <p:cNvPr id="10" name="Rectangle 9">
+            <a:extLst>
+              <a:ext uri="{FF2B5EF4-FFF2-40B4-BE49-F238E27FC236}">
+                <a16:creationId xmlns:a16="http://schemas.microsoft.com/office/drawing/2014/main" id="{351CB501-E5B0-45A9-9711-F84E32D8D77A}"/>
+              </a:ext>
+            </a:extLst>
+          </p:cNvPr>
+          <p:cNvSpPr/>
+          <p:nvPr/>
+        </p:nvSpPr>
+        <p:spPr>
+          <a:xfrm>
+            <a:off x="953428" y="2627790"/>
+            <a:ext cx="630315" cy="195310"/>
+          </a:xfrm>
+          <a:prstGeom prst="rect">
+            <a:avLst/>
+          </a:prstGeom>
+          <a:noFill/>
+          <a:ln>
+            <a:solidFill>
+              <a:srgbClr val="FF0000"/>
+            </a:solidFill>
+          </a:ln>
+        </p:spPr>
+        <p:style>
+          <a:lnRef idx="2">
+            <a:schemeClr val="accent6"/>
+          </a:lnRef>
+          <a:fillRef idx="1">
+            <a:schemeClr val="lt1"/>
+          </a:fillRef>
+          <a:effectRef idx="0">
+            <a:schemeClr val="accent6"/>
+          </a:effectRef>
+          <a:fontRef idx="minor">
+            <a:schemeClr val="dk1"/>
+          </a:fontRef>
+        </p:style>
+        <p:txBody>
+          <a:bodyPr rtlCol="0" anchor="ctr"/>
+          <a:lstStyle/>
+          <a:p>
+            <a:pPr algn="ctr"/>
+            <a:endParaRPr lang="en-US"/>
+          </a:p>
+        </p:txBody>
+      </p:sp>
+      <p:sp>
+        <p:nvSpPr>
+          <p:cNvPr id="17" name="Rectangle 16">
+            <a:extLst>
+              <a:ext uri="{FF2B5EF4-FFF2-40B4-BE49-F238E27FC236}">
+                <a16:creationId xmlns:a16="http://schemas.microsoft.com/office/drawing/2014/main" id="{494D9C02-5842-4C10-B51F-80DB6155D422}"/>
+              </a:ext>
+            </a:extLst>
+          </p:cNvPr>
+          <p:cNvSpPr/>
+          <p:nvPr/>
+        </p:nvSpPr>
+        <p:spPr>
+          <a:xfrm>
+            <a:off x="751642" y="3922432"/>
+            <a:ext cx="630315" cy="152538"/>
+          </a:xfrm>
+          <a:prstGeom prst="rect">
+            <a:avLst/>
+          </a:prstGeom>
+          <a:noFill/>
+          <a:ln>
+            <a:solidFill>
+              <a:srgbClr val="00B050"/>
+            </a:solidFill>
+          </a:ln>
+        </p:spPr>
+        <p:style>
+          <a:lnRef idx="2">
+            <a:schemeClr val="accent6"/>
+          </a:lnRef>
+          <a:fillRef idx="1">
+            <a:schemeClr val="lt1"/>
+          </a:fillRef>
+          <a:effectRef idx="0">
+            <a:schemeClr val="accent6"/>
+          </a:effectRef>
+          <a:fontRef idx="minor">
+            <a:schemeClr val="dk1"/>
+          </a:fontRef>
+        </p:style>
+        <p:txBody>
+          <a:bodyPr rtlCol="0" anchor="ctr"/>
+          <a:lstStyle/>
+          <a:p>
+            <a:pPr algn="ctr"/>
+            <a:endParaRPr lang="en-US"/>
+          </a:p>
+        </p:txBody>
+      </p:sp>
+      <p:sp>
+        <p:nvSpPr>
+          <p:cNvPr id="20" name="Rectangle 19">
+            <a:extLst>
+              <a:ext uri="{FF2B5EF4-FFF2-40B4-BE49-F238E27FC236}">
+                <a16:creationId xmlns:a16="http://schemas.microsoft.com/office/drawing/2014/main" id="{77E39CF3-1361-4660-B3E6-8E0BAD9D1515}"/>
+              </a:ext>
+            </a:extLst>
+          </p:cNvPr>
+          <p:cNvSpPr/>
+          <p:nvPr/>
+        </p:nvSpPr>
+        <p:spPr>
+          <a:xfrm>
+            <a:off x="718970" y="4074970"/>
+            <a:ext cx="695658" cy="184978"/>
+          </a:xfrm>
+          <a:prstGeom prst="rect">
+            <a:avLst/>
+          </a:prstGeom>
+          <a:noFill/>
+          <a:ln>
+            <a:solidFill>
+              <a:srgbClr val="0070C0"/>
+            </a:solidFill>
+          </a:ln>
+        </p:spPr>
+        <p:style>
+          <a:lnRef idx="2">
+            <a:schemeClr val="accent2"/>
+          </a:lnRef>
+          <a:fillRef idx="1">
+            <a:schemeClr val="lt1"/>
+          </a:fillRef>
+          <a:effectRef idx="0">
+            <a:schemeClr val="accent2"/>
+          </a:effectRef>
+          <a:fontRef idx="minor">
+            <a:schemeClr val="dk1"/>
+          </a:fontRef>
+        </p:style>
+        <p:txBody>
+          <a:bodyPr rtlCol="0" anchor="ctr"/>
+          <a:lstStyle/>
+          <a:p>
+            <a:pPr algn="ctr"/>
+            <a:endParaRPr lang="en-US" dirty="0"/>
+          </a:p>
+        </p:txBody>
+      </p:sp>
+      <p:sp>
+        <p:nvSpPr>
+          <p:cNvPr id="23" name="Rectangle 22">
+            <a:extLst>
+              <a:ext uri="{FF2B5EF4-FFF2-40B4-BE49-F238E27FC236}">
+                <a16:creationId xmlns:a16="http://schemas.microsoft.com/office/drawing/2014/main" id="{B1D3C8F0-C9BE-4D9A-ADB9-CF70DA2E77ED}"/>
+              </a:ext>
+            </a:extLst>
+          </p:cNvPr>
+          <p:cNvSpPr/>
+          <p:nvPr/>
+        </p:nvSpPr>
+        <p:spPr>
+          <a:xfrm>
+            <a:off x="638270" y="5816992"/>
+            <a:ext cx="630315" cy="176174"/>
+          </a:xfrm>
+          <a:prstGeom prst="rect">
+            <a:avLst/>
+          </a:prstGeom>
+          <a:noFill/>
+          <a:ln>
+            <a:solidFill>
+              <a:srgbClr val="7030A0"/>
+            </a:solidFill>
+          </a:ln>
+        </p:spPr>
+        <p:style>
+          <a:lnRef idx="2">
+            <a:schemeClr val="accent6"/>
+          </a:lnRef>
+          <a:fillRef idx="1">
+            <a:schemeClr val="lt1"/>
+          </a:fillRef>
+          <a:effectRef idx="0">
+            <a:schemeClr val="accent6"/>
+          </a:effectRef>
+          <a:fontRef idx="minor">
+            <a:schemeClr val="dk1"/>
+          </a:fontRef>
+        </p:style>
+        <p:txBody>
+          <a:bodyPr rtlCol="0" anchor="ctr"/>
+          <a:lstStyle/>
+          <a:p>
+            <a:pPr algn="ctr"/>
+            <a:endParaRPr lang="en-US"/>
+          </a:p>
+        </p:txBody>
+      </p:sp>
+      <p:cxnSp>
+        <p:nvCxnSpPr>
+          <p:cNvPr id="14" name="Connecteur droit avec flèche 13">
+            <a:extLst>
+              <a:ext uri="{FF2B5EF4-FFF2-40B4-BE49-F238E27FC236}">
+                <a16:creationId xmlns:a16="http://schemas.microsoft.com/office/drawing/2014/main" id="{B759803A-01B7-46CE-832B-DC63AD35496C}"/>
+              </a:ext>
+            </a:extLst>
+          </p:cNvPr>
+          <p:cNvCxnSpPr>
+            <a:cxnSpLocks/>
+          </p:cNvCxnSpPr>
+          <p:nvPr/>
+        </p:nvCxnSpPr>
+        <p:spPr>
+          <a:xfrm flipH="1" flipV="1">
+            <a:off x="1583744" y="2707924"/>
+            <a:ext cx="5882376" cy="610252"/>
+          </a:xfrm>
+          <a:prstGeom prst="straightConnector1">
+            <a:avLst/>
+          </a:prstGeom>
+          <a:ln>
+            <a:tailEnd type="triangle"/>
+          </a:ln>
+        </p:spPr>
+        <p:style>
+          <a:lnRef idx="2">
+            <a:schemeClr val="accent2"/>
+          </a:lnRef>
+          <a:fillRef idx="0">
+            <a:schemeClr val="accent2"/>
+          </a:fillRef>
+          <a:effectRef idx="1">
+            <a:schemeClr val="accent2"/>
+          </a:effectRef>
+          <a:fontRef idx="minor">
+            <a:schemeClr val="tx1"/>
+          </a:fontRef>
+        </p:style>
+      </p:cxnSp>
+      <p:cxnSp>
+        <p:nvCxnSpPr>
+          <p:cNvPr id="19" name="Connecteur droit avec flèche 18">
+            <a:extLst>
+              <a:ext uri="{FF2B5EF4-FFF2-40B4-BE49-F238E27FC236}">
+                <a16:creationId xmlns:a16="http://schemas.microsoft.com/office/drawing/2014/main" id="{D03DFD54-F4C8-460E-A8A6-8C063E7C7F63}"/>
+              </a:ext>
+            </a:extLst>
+          </p:cNvPr>
+          <p:cNvCxnSpPr>
+            <a:cxnSpLocks/>
+          </p:cNvCxnSpPr>
+          <p:nvPr/>
+        </p:nvCxnSpPr>
+        <p:spPr>
+          <a:xfrm flipH="1">
+            <a:off x="1503870" y="3092601"/>
+            <a:ext cx="6104293" cy="919306"/>
+          </a:xfrm>
+          <a:prstGeom prst="straightConnector1">
+            <a:avLst/>
+          </a:prstGeom>
+          <a:ln>
+            <a:solidFill>
+              <a:srgbClr val="00B050"/>
+            </a:solidFill>
+            <a:tailEnd type="triangle"/>
+          </a:ln>
+        </p:spPr>
+        <p:style>
+          <a:lnRef idx="1">
+            <a:schemeClr val="accent1"/>
+          </a:lnRef>
+          <a:fillRef idx="0">
+            <a:schemeClr val="accent1"/>
+          </a:fillRef>
+          <a:effectRef idx="0">
+            <a:schemeClr val="accent1"/>
+          </a:effectRef>
+          <a:fontRef idx="minor">
+            <a:schemeClr val="tx1"/>
+          </a:fontRef>
+        </p:style>
+      </p:cxnSp>
+      <p:cxnSp>
+        <p:nvCxnSpPr>
+          <p:cNvPr id="22" name="Connecteur droit avec flèche 21">
+            <a:extLst>
+              <a:ext uri="{FF2B5EF4-FFF2-40B4-BE49-F238E27FC236}">
+                <a16:creationId xmlns:a16="http://schemas.microsoft.com/office/drawing/2014/main" id="{3F65D1B8-174F-4F43-AB97-BA4768ED78A7}"/>
+              </a:ext>
+            </a:extLst>
+          </p:cNvPr>
+          <p:cNvCxnSpPr>
+            <a:cxnSpLocks/>
+          </p:cNvCxnSpPr>
+          <p:nvPr/>
+        </p:nvCxnSpPr>
+        <p:spPr>
+          <a:xfrm flipH="1">
+            <a:off x="1460316" y="2928812"/>
+            <a:ext cx="6147847" cy="1245214"/>
+          </a:xfrm>
+          <a:prstGeom prst="straightConnector1">
+            <a:avLst/>
+          </a:prstGeom>
+          <a:ln>
+            <a:solidFill>
+              <a:srgbClr val="0070C0"/>
+            </a:solidFill>
+            <a:tailEnd type="triangle"/>
+          </a:ln>
+        </p:spPr>
+        <p:style>
+          <a:lnRef idx="1">
+            <a:schemeClr val="accent1"/>
+          </a:lnRef>
+          <a:fillRef idx="0">
+            <a:schemeClr val="accent1"/>
+          </a:fillRef>
+          <a:effectRef idx="0">
+            <a:schemeClr val="accent1"/>
+          </a:effectRef>
+          <a:fontRef idx="minor">
+            <a:schemeClr val="tx1"/>
+          </a:fontRef>
+        </p:style>
+      </p:cxnSp>
+      <p:cxnSp>
+        <p:nvCxnSpPr>
+          <p:cNvPr id="25" name="Connecteur droit avec flèche 24">
+            <a:extLst>
+              <a:ext uri="{FF2B5EF4-FFF2-40B4-BE49-F238E27FC236}">
+                <a16:creationId xmlns:a16="http://schemas.microsoft.com/office/drawing/2014/main" id="{203753A8-07B7-4911-A5D7-A98A7001E98F}"/>
+              </a:ext>
+            </a:extLst>
+          </p:cNvPr>
+          <p:cNvCxnSpPr>
+            <a:cxnSpLocks/>
+            <a:endCxn id="23" idx="3"/>
+          </p:cNvCxnSpPr>
+          <p:nvPr/>
+        </p:nvCxnSpPr>
+        <p:spPr>
+          <a:xfrm flipH="1">
+            <a:off x="1268585" y="2733613"/>
+            <a:ext cx="6339578" cy="3171466"/>
+          </a:xfrm>
+          <a:prstGeom prst="straightConnector1">
+            <a:avLst/>
+          </a:prstGeom>
+          <a:ln>
+            <a:solidFill>
+              <a:srgbClr val="7030A0"/>
+            </a:solidFill>
+            <a:tailEnd type="triangle"/>
+          </a:ln>
+        </p:spPr>
+        <p:style>
+          <a:lnRef idx="1">
+            <a:schemeClr val="accent1"/>
+          </a:lnRef>
+          <a:fillRef idx="0">
+            <a:schemeClr val="accent1"/>
+          </a:fillRef>
+          <a:effectRef idx="0">
+            <a:schemeClr val="accent1"/>
+          </a:effectRef>
+          <a:fontRef idx="minor">
+            <a:schemeClr val="tx1"/>
+          </a:fontRef>
+        </p:style>
+      </p:cxnSp>
+      <p:sp>
+        <p:nvSpPr>
+          <p:cNvPr id="66" name="Rectangle 65">
+            <a:extLst>
+              <a:ext uri="{FF2B5EF4-FFF2-40B4-BE49-F238E27FC236}">
+                <a16:creationId xmlns:a16="http://schemas.microsoft.com/office/drawing/2014/main" id="{8312612C-B465-443B-BA84-70B711B2E065}"/>
+              </a:ext>
+            </a:extLst>
+          </p:cNvPr>
+          <p:cNvSpPr/>
+          <p:nvPr/>
+        </p:nvSpPr>
+        <p:spPr>
+          <a:xfrm>
+            <a:off x="825623" y="3273828"/>
+            <a:ext cx="300919" cy="152537"/>
+          </a:xfrm>
+          <a:prstGeom prst="rect">
+            <a:avLst/>
+          </a:prstGeom>
+          <a:noFill/>
+          <a:ln>
+            <a:solidFill>
+              <a:schemeClr val="tx1"/>
+            </a:solidFill>
+          </a:ln>
+        </p:spPr>
+        <p:style>
+          <a:lnRef idx="2">
+            <a:schemeClr val="accent6"/>
+          </a:lnRef>
+          <a:fillRef idx="1">
+            <a:schemeClr val="lt1"/>
+          </a:fillRef>
+          <a:effectRef idx="0">
+            <a:schemeClr val="accent6"/>
+          </a:effectRef>
+          <a:fontRef idx="minor">
+            <a:schemeClr val="dk1"/>
+          </a:fontRef>
+        </p:style>
+        <p:txBody>
+          <a:bodyPr rot="0" spcFirstLastPara="0" vertOverflow="overflow" horzOverflow="overflow" vert="horz" wrap="square" lIns="91440" tIns="45720" rIns="91440" bIns="45720" numCol="1" spcCol="0" rtlCol="0" fromWordArt="0" anchor="ctr" anchorCtr="0" forceAA="0" compatLnSpc="1">
+            <a:prstTxWarp prst="textNoShape">
+              <a:avLst/>
+            </a:prstTxWarp>
+            <a:noAutofit/>
+          </a:bodyPr>
+          <a:lstStyle/>
+          <a:p>
+            <a:pPr algn="ctr"/>
+            <a:endParaRPr lang="en-US">
+              <a:ln w="0"/>
+              <a:solidFill>
+                <a:schemeClr val="tx1"/>
+              </a:solidFill>
+              <a:effectLst>
+                <a:outerShdw blurRad="38100" dist="19050" dir="2700000" algn="tl" rotWithShape="0">
+                  <a:schemeClr val="dk1">
+                    <a:alpha val="40000"/>
+                  </a:schemeClr>
+                </a:outerShdw>
+              </a:effectLst>
+            </a:endParaRPr>
+          </a:p>
+        </p:txBody>
+      </p:sp>
+      <p:cxnSp>
+        <p:nvCxnSpPr>
+          <p:cNvPr id="68" name="Connecteur droit avec flèche 67">
+            <a:extLst>
+              <a:ext uri="{FF2B5EF4-FFF2-40B4-BE49-F238E27FC236}">
+                <a16:creationId xmlns:a16="http://schemas.microsoft.com/office/drawing/2014/main" id="{57C521A6-C095-40DB-84B0-30671F58FFBE}"/>
+              </a:ext>
+            </a:extLst>
+          </p:cNvPr>
+          <p:cNvCxnSpPr>
+            <a:cxnSpLocks/>
+            <a:endCxn id="66" idx="3"/>
+          </p:cNvCxnSpPr>
+          <p:nvPr/>
+        </p:nvCxnSpPr>
+        <p:spPr>
+          <a:xfrm flipH="1">
+            <a:off x="1126542" y="3048254"/>
+            <a:ext cx="5061194" cy="301843"/>
+          </a:xfrm>
+          <a:prstGeom prst="straightConnector1">
+            <a:avLst/>
+          </a:prstGeom>
+          <a:ln>
+            <a:tailEnd type="triangle"/>
+          </a:ln>
+        </p:spPr>
+        <p:style>
+          <a:lnRef idx="1">
+            <a:schemeClr val="dk1"/>
+          </a:lnRef>
+          <a:fillRef idx="0">
+            <a:schemeClr val="dk1"/>
+          </a:fillRef>
+          <a:effectRef idx="0">
+            <a:schemeClr val="dk1"/>
+          </a:effectRef>
+          <a:fontRef idx="minor">
+            <a:schemeClr val="tx1"/>
+          </a:fontRef>
+        </p:style>
+      </p:cxnSp>
     </p:spTree>
     <p:extLst>
       <p:ext uri="{BB962C8B-B14F-4D97-AF65-F5344CB8AC3E}">
-        <p14:creationId xmlns:p14="http://schemas.microsoft.com/office/powerpoint/2010/main" val="2019531240"/>
+        <p14:creationId xmlns:p14="http://schemas.microsoft.com/office/powerpoint/2010/main" val="837315693"/>
       </p:ext>
     </p:extLst>
   </p:cSld>
@@ -16952,7 +17754,7 @@
           <p:cNvPr id="2" name="Titre 1">
             <a:extLst>
               <a:ext uri="{FF2B5EF4-FFF2-40B4-BE49-F238E27FC236}">
-                <a16:creationId xmlns:a16="http://schemas.microsoft.com/office/drawing/2014/main" id="{5C705894-634C-4D43-86CC-728BE73B0FCF}"/>
+                <a16:creationId xmlns:a16="http://schemas.microsoft.com/office/drawing/2014/main" id="{FC06F74D-5B9E-4B54-867B-3886887367AA}"/>
               </a:ext>
             </a:extLst>
           </p:cNvPr>
@@ -16970,7 +17772,7 @@
           <a:p>
             <a:r>
               <a:rPr lang="fr-FR" dirty="0"/>
-              <a:t>			</a:t>
+              <a:t>Fonctionnalité :changement de ville</a:t>
             </a:r>
             <a:endParaRPr lang="en-US" dirty="0"/>
           </a:p>
@@ -16981,7 +17783,7 @@
           <p:cNvPr id="3" name="Espace réservé du contenu 2">
             <a:extLst>
               <a:ext uri="{FF2B5EF4-FFF2-40B4-BE49-F238E27FC236}">
-                <a16:creationId xmlns:a16="http://schemas.microsoft.com/office/drawing/2014/main" id="{A92C99E3-2AE4-4202-B09D-98788D698EE2}"/>
+                <a16:creationId xmlns:a16="http://schemas.microsoft.com/office/drawing/2014/main" id="{1682D351-0804-4D8E-9613-77DAD2AEF7BF}"/>
               </a:ext>
             </a:extLst>
           </p:cNvPr>
@@ -16994,7 +17796,7 @@
         </p:nvSpPr>
         <p:spPr>
           <a:xfrm>
-            <a:off x="1066800" y="1750688"/>
+            <a:off x="2034466" y="1661163"/>
             <a:ext cx="10058400" cy="3849624"/>
           </a:xfrm>
         </p:spPr>
@@ -17002,184 +17804,41 @@
           <a:bodyPr/>
           <a:lstStyle/>
           <a:p>
-            <a:pPr>
-              <a:lnSpc>
-                <a:spcPct val="100000"/>
-              </a:lnSpc>
-              <a:spcBef>
-                <a:spcPts val="0"/>
-              </a:spcBef>
-              <a:buClrTx/>
-            </a:pPr>
-            <a:endParaRPr lang="fr-FR" sz="1600" dirty="0">
-              <a:solidFill>
-                <a:prstClr val="black"/>
-              </a:solidFill>
-            </a:endParaRPr>
-          </a:p>
-          <a:p>
-            <a:pPr>
-              <a:lnSpc>
-                <a:spcPct val="100000"/>
-              </a:lnSpc>
-              <a:spcBef>
-                <a:spcPts val="0"/>
-              </a:spcBef>
-              <a:buClrTx/>
-            </a:pPr>
-            <a:endParaRPr lang="fr-FR" sz="1600" dirty="0">
-              <a:solidFill>
-                <a:prstClr val="black"/>
-              </a:solidFill>
-            </a:endParaRPr>
-          </a:p>
-          <a:p>
-            <a:pPr algn="ctr">
-              <a:lnSpc>
-                <a:spcPct val="100000"/>
-              </a:lnSpc>
-              <a:spcBef>
-                <a:spcPts val="0"/>
-              </a:spcBef>
-              <a:buClrTx/>
-            </a:pPr>
-            <a:endParaRPr lang="fr-FR" sz="1600" dirty="0">
-              <a:solidFill>
-                <a:prstClr val="black"/>
-              </a:solidFill>
-            </a:endParaRPr>
-          </a:p>
-          <a:p>
-            <a:pPr marL="0" indent="0" algn="ctr">
-              <a:lnSpc>
-                <a:spcPct val="100000"/>
-              </a:lnSpc>
-              <a:spcBef>
-                <a:spcPts val="0"/>
-              </a:spcBef>
-              <a:buClrTx/>
+            <a:pPr marL="0" indent="0">
               <a:buNone/>
             </a:pPr>
             <a:r>
-              <a:rPr lang="fr-FR" sz="1600" dirty="0">
-                <a:solidFill>
-                  <a:prstClr val="black"/>
-                </a:solidFill>
-              </a:rPr>
-              <a:t>L’api que nous avons choisi  nous renvoie des codes icones</a:t>
-            </a:r>
-          </a:p>
-          <a:p>
-            <a:pPr marL="0" indent="0" algn="ctr">
-              <a:lnSpc>
-                <a:spcPct val="100000"/>
-              </a:lnSpc>
-              <a:spcBef>
-                <a:spcPts val="0"/>
-              </a:spcBef>
-              <a:buClrTx/>
+              <a:rPr lang="fr-FR" dirty="0"/>
+              <a:t>Grace  au paramètre de changement de ville disponible dans notre url .</a:t>
+            </a:r>
+          </a:p>
+          <a:p>
+            <a:pPr marL="0" indent="0">
               <a:buNone/>
             </a:pPr>
             <a:r>
-              <a:rPr lang="fr-FR" sz="1600" dirty="0">
-                <a:solidFill>
-                  <a:prstClr val="black"/>
-                </a:solidFill>
-              </a:rPr>
-              <a:t> et des descriptions afin  de connaitre le temps  </a:t>
-            </a:r>
-            <a:r>
-              <a:rPr lang="fr-FR" sz="1600" dirty="0" err="1">
-                <a:solidFill>
-                  <a:prstClr val="black"/>
-                </a:solidFill>
-              </a:rPr>
-              <a:t>quil</a:t>
-            </a:r>
-            <a:r>
-              <a:rPr lang="fr-FR" sz="1600" dirty="0">
-                <a:solidFill>
-                  <a:prstClr val="black"/>
-                </a:solidFill>
-              </a:rPr>
-              <a:t> fait </a:t>
-            </a:r>
-          </a:p>
-          <a:p>
-            <a:pPr marL="0" indent="0" algn="ctr">
-              <a:lnSpc>
-                <a:spcPct val="100000"/>
-              </a:lnSpc>
-              <a:spcBef>
-                <a:spcPts val="0"/>
-              </a:spcBef>
-              <a:buClrTx/>
+              <a:rPr lang="fr-FR" dirty="0"/>
+              <a:t>Nous avons  rajoute une option de changement de  ville</a:t>
+            </a:r>
+          </a:p>
+          <a:p>
+            <a:pPr marL="0" indent="0">
               <a:buNone/>
             </a:pPr>
             <a:r>
-              <a:rPr lang="fr-FR" sz="1600" dirty="0">
-                <a:solidFill>
-                  <a:prstClr val="black"/>
-                </a:solidFill>
-              </a:rPr>
-              <a:t>	durant chacune de ses mesures (couvert ensoleillé…)</a:t>
-            </a:r>
-          </a:p>
-          <a:p>
-            <a:pPr marL="0" indent="0" algn="ctr">
-              <a:lnSpc>
-                <a:spcPct val="100000"/>
-              </a:lnSpc>
-              <a:spcBef>
-                <a:spcPts val="0"/>
-              </a:spcBef>
-              <a:buClrTx/>
+              <a:rPr lang="fr-FR" dirty="0"/>
+              <a:t>dans notre menu paramètre qui viendra changer la ville recherche </a:t>
+            </a:r>
+          </a:p>
+          <a:p>
+            <a:pPr marL="0" indent="0">
               <a:buNone/>
             </a:pPr>
             <a:r>
-              <a:rPr lang="fr-FR" sz="1600" dirty="0">
-                <a:solidFill>
-                  <a:prstClr val="black"/>
-                </a:solidFill>
-              </a:rPr>
-              <a:t>Nous avons donc </a:t>
-            </a:r>
-            <a:r>
-              <a:rPr lang="fr-FR" sz="1600" dirty="0" err="1">
-                <a:solidFill>
-                  <a:prstClr val="black"/>
-                </a:solidFill>
-              </a:rPr>
-              <a:t>recuperer</a:t>
-            </a:r>
-            <a:r>
-              <a:rPr lang="fr-FR" sz="1600" dirty="0">
-                <a:solidFill>
-                  <a:prstClr val="black"/>
-                </a:solidFill>
-              </a:rPr>
-              <a:t> des icones</a:t>
-            </a:r>
-          </a:p>
-          <a:p>
-            <a:pPr marL="0" indent="0" algn="ctr">
-              <a:lnSpc>
-                <a:spcPct val="100000"/>
-              </a:lnSpc>
-              <a:spcBef>
-                <a:spcPts val="0"/>
-              </a:spcBef>
-              <a:buClrTx/>
-              <a:buNone/>
-            </a:pPr>
-            <a:r>
-              <a:rPr lang="fr-FR" sz="1600" dirty="0">
-                <a:solidFill>
-                  <a:prstClr val="black"/>
-                </a:solidFill>
-              </a:rPr>
-              <a:t> puis les avons lie a ces codes au niveau du  programme  afin  de le utiliser .</a:t>
-            </a:r>
+              <a:rPr lang="fr-FR" dirty="0"/>
+              <a:t>dans l’adresse url afin d’en afficher les mesures,</a:t>
+            </a:r>
+            <a:endParaRPr lang="en-US" dirty="0"/>
           </a:p>
         </p:txBody>
       </p:sp>
@@ -17188,7 +17847,7 @@
           <p:cNvPr id="4" name="Espace réservé de la date 3">
             <a:extLst>
               <a:ext uri="{FF2B5EF4-FFF2-40B4-BE49-F238E27FC236}">
-                <a16:creationId xmlns:a16="http://schemas.microsoft.com/office/drawing/2014/main" id="{1C1A01F6-5CA0-498E-A66C-7A000DB6567A}"/>
+                <a16:creationId xmlns:a16="http://schemas.microsoft.com/office/drawing/2014/main" id="{6B3AD7D1-CE65-4130-9F16-4C48F896C6EB}"/>
               </a:ext>
             </a:extLst>
           </p:cNvPr>
@@ -17207,7 +17866,7 @@
             <a:pPr rtl="0"/>
             <a:fld id="{802FE938-1586-4780-B61A-DD3B60BAB93C}" type="datetime1">
               <a:rPr lang="fr-FR" smtClean="0"/>
-              <a:t>22/06/2021</a:t>
+              <a:t>23/06/2021</a:t>
             </a:fld>
             <a:endParaRPr lang="en-US"/>
           </a:p>
@@ -17218,7 +17877,7 @@
           <p:cNvPr id="6" name="Image 5">
             <a:extLst>
               <a:ext uri="{FF2B5EF4-FFF2-40B4-BE49-F238E27FC236}">
-                <a16:creationId xmlns:a16="http://schemas.microsoft.com/office/drawing/2014/main" id="{35C8FCAA-DABB-4D65-874E-303855DFEF2C}"/>
+                <a16:creationId xmlns:a16="http://schemas.microsoft.com/office/drawing/2014/main" id="{14706B24-C03E-400B-9485-CB66A3BA9314}"/>
               </a:ext>
             </a:extLst>
           </p:cNvPr>
@@ -17229,11 +17888,7 @@
         </p:nvPicPr>
         <p:blipFill>
           <a:blip r:embed="rId2">
-            <a:extLst>
-              <a:ext uri="{28A0092B-C50C-407E-A947-70E740481C1C}">
-                <a14:useLocalDpi xmlns:a14="http://schemas.microsoft.com/office/drawing/2010/main" val="0"/>
-              </a:ext>
-            </a:extLst>
+            <a:alphaModFix amt="50000"/>
           </a:blip>
           <a:stretch>
             <a:fillRect/>
@@ -17241,20 +17896,50 @@
         </p:blipFill>
         <p:spPr>
           <a:xfrm>
-            <a:off x="9510631" y="1466725"/>
-            <a:ext cx="1609843" cy="1609843"/>
+            <a:off x="4737748" y="3099153"/>
+            <a:ext cx="2685176" cy="3119462"/>
           </a:xfrm>
           <a:prstGeom prst="rect">
             <a:avLst/>
           </a:prstGeom>
+          <a:solidFill>
+            <a:srgbClr val="FFFFFF">
+              <a:shade val="85000"/>
+            </a:srgbClr>
+          </a:solidFill>
+          <a:ln w="88900" cap="sq">
+            <a:solidFill>
+              <a:srgbClr val="FFFFFF"/>
+            </a:solidFill>
+            <a:miter lim="800000"/>
+          </a:ln>
+          <a:effectLst>
+            <a:outerShdw blurRad="55000" dist="18000" dir="5400000" algn="tl" rotWithShape="0">
+              <a:srgbClr val="000000">
+                <a:alpha val="40000"/>
+              </a:srgbClr>
+            </a:outerShdw>
+          </a:effectLst>
+          <a:scene3d>
+            <a:camera prst="orthographicFront"/>
+            <a:lightRig rig="twoPt" dir="t">
+              <a:rot lat="0" lon="0" rev="7200000"/>
+            </a:lightRig>
+          </a:scene3d>
+          <a:sp3d>
+            <a:bevelT w="25400" h="19050"/>
+            <a:contourClr>
+              <a:srgbClr val="FFFFFF"/>
+            </a:contourClr>
+          </a:sp3d>
         </p:spPr>
       </p:pic>
       <p:pic>
         <p:nvPicPr>
-          <p:cNvPr id="8" name="Image 7" descr="Une image contenant texte, signe, graphiques vectoriels&#10;&#10;Description générée automatiquement">
-            <a:extLst>
-              <a:ext uri="{FF2B5EF4-FFF2-40B4-BE49-F238E27FC236}">
-                <a16:creationId xmlns:a16="http://schemas.microsoft.com/office/drawing/2014/main" id="{2954B670-1432-4971-878C-1614247F1569}"/>
+          <p:cNvPr id="5" name="Image 4">
+            <a:extLst>
+              <a:ext uri="{FF2B5EF4-FFF2-40B4-BE49-F238E27FC236}">
+                <a16:creationId xmlns:a16="http://schemas.microsoft.com/office/drawing/2014/main" id="{17DAF447-E8B7-409E-9509-B2EFA9555BE7}"/>
               </a:ext>
             </a:extLst>
           </p:cNvPr>
@@ -17264,21 +17949,15 @@
           <p:nvPr/>
         </p:nvPicPr>
         <p:blipFill>
-          <a:blip r:embed="rId3">
-            <a:extLst>
-              <a:ext uri="{28A0092B-C50C-407E-A947-70E740481C1C}">
-                <a14:useLocalDpi xmlns:a14="http://schemas.microsoft.com/office/drawing/2010/main" val="0"/>
-              </a:ext>
-            </a:extLst>
-          </a:blip>
+          <a:blip r:embed="rId3"/>
           <a:stretch>
             <a:fillRect/>
           </a:stretch>
         </p:blipFill>
         <p:spPr>
           <a:xfrm>
-            <a:off x="896357" y="4104036"/>
-            <a:ext cx="1772575" cy="1780239"/>
+            <a:off x="4751275" y="5410857"/>
+            <a:ext cx="2658122" cy="199859"/>
           </a:xfrm>
           <a:prstGeom prst="rect">
             <a:avLst/>
@@ -17287,10 +17966,10 @@
       </p:pic>
       <p:pic>
         <p:nvPicPr>
-          <p:cNvPr id="10" name="Image 9">
-            <a:extLst>
-              <a:ext uri="{FF2B5EF4-FFF2-40B4-BE49-F238E27FC236}">
-                <a16:creationId xmlns:a16="http://schemas.microsoft.com/office/drawing/2014/main" id="{EA16224B-6756-4CB4-B934-5116C998389D}"/>
+          <p:cNvPr id="7" name="Image 6">
+            <a:extLst>
+              <a:ext uri="{FF2B5EF4-FFF2-40B4-BE49-F238E27FC236}">
+                <a16:creationId xmlns:a16="http://schemas.microsoft.com/office/drawing/2014/main" id="{5EC131D1-38E5-43B4-AE5A-AF449371260B}"/>
               </a:ext>
             </a:extLst>
           </p:cNvPr>
@@ -17300,33 +17979,73 @@
           <p:nvPr/>
         </p:nvPicPr>
         <p:blipFill>
-          <a:blip r:embed="rId4">
-            <a:extLst>
-              <a:ext uri="{28A0092B-C50C-407E-A947-70E740481C1C}">
-                <a14:useLocalDpi xmlns:a14="http://schemas.microsoft.com/office/drawing/2010/main" val="0"/>
-              </a:ext>
-            </a:extLst>
-          </a:blip>
+          <a:blip r:embed="rId4"/>
           <a:stretch>
             <a:fillRect/>
           </a:stretch>
         </p:blipFill>
         <p:spPr>
           <a:xfrm>
-            <a:off x="1151425" y="1577284"/>
-            <a:ext cx="1588528" cy="1588528"/>
+            <a:off x="718583" y="3289870"/>
+            <a:ext cx="3140763" cy="2788959"/>
           </a:xfrm>
           <a:prstGeom prst="rect">
             <a:avLst/>
           </a:prstGeom>
         </p:spPr>
       </p:pic>
+      <p:sp>
+        <p:nvSpPr>
+          <p:cNvPr id="8" name="Flèche : droite 7">
+            <a:extLst>
+              <a:ext uri="{FF2B5EF4-FFF2-40B4-BE49-F238E27FC236}">
+                <a16:creationId xmlns:a16="http://schemas.microsoft.com/office/drawing/2014/main" id="{4096C5C2-8FB1-4F06-AF49-4E772E5753FB}"/>
+              </a:ext>
+            </a:extLst>
+          </p:cNvPr>
+          <p:cNvSpPr/>
+          <p:nvPr/>
+        </p:nvSpPr>
+        <p:spPr>
+          <a:xfrm>
+            <a:off x="3914092" y="4439942"/>
+            <a:ext cx="758712" cy="638085"/>
+          </a:xfrm>
+          <a:prstGeom prst="rightArrow">
+            <a:avLst/>
+          </a:prstGeom>
+        </p:spPr>
+        <p:style>
+          <a:lnRef idx="2">
+            <a:schemeClr val="accent1">
+              <a:shade val="50000"/>
+            </a:schemeClr>
+          </a:lnRef>
+          <a:fillRef idx="1">
+            <a:schemeClr val="accent1"/>
+          </a:fillRef>
+          <a:effectRef idx="0">
+            <a:schemeClr val="accent1"/>
+          </a:effectRef>
+          <a:fontRef idx="minor">
+            <a:schemeClr val="lt1"/>
+          </a:fontRef>
+        </p:style>
+        <p:txBody>
+          <a:bodyPr rtlCol="0" anchor="ctr"/>
+          <a:lstStyle/>
+          <a:p>
+            <a:pPr algn="ctr"/>
+            <a:endParaRPr lang="en-US"/>
+          </a:p>
+        </p:txBody>
+      </p:sp>
       <p:pic>
         <p:nvPicPr>
-          <p:cNvPr id="12" name="Image 11">
-            <a:extLst>
-              <a:ext uri="{FF2B5EF4-FFF2-40B4-BE49-F238E27FC236}">
-                <a16:creationId xmlns:a16="http://schemas.microsoft.com/office/drawing/2014/main" id="{D69845D6-7C16-402B-8D4C-8DD5E232276C}"/>
+          <p:cNvPr id="9" name="Image 8">
+            <a:extLst>
+              <a:ext uri="{FF2B5EF4-FFF2-40B4-BE49-F238E27FC236}">
+                <a16:creationId xmlns:a16="http://schemas.microsoft.com/office/drawing/2014/main" id="{CB40A3F1-4C2F-4F9B-BCA6-761EF04D7384}"/>
               </a:ext>
             </a:extLst>
           </p:cNvPr>
@@ -17336,21 +18055,15 @@
           <p:nvPr/>
         </p:nvPicPr>
         <p:blipFill>
-          <a:blip r:embed="rId5">
-            <a:extLst>
-              <a:ext uri="{28A0092B-C50C-407E-A947-70E740481C1C}">
-                <a14:useLocalDpi xmlns:a14="http://schemas.microsoft.com/office/drawing/2010/main" val="0"/>
-              </a:ext>
-            </a:extLst>
-          </a:blip>
+          <a:blip r:embed="rId5"/>
           <a:stretch>
             <a:fillRect/>
           </a:stretch>
         </p:blipFill>
         <p:spPr>
           <a:xfrm>
-            <a:off x="9429264" y="3956673"/>
-            <a:ext cx="1772575" cy="1772575"/>
+            <a:off x="8234751" y="3235730"/>
+            <a:ext cx="3212422" cy="2846309"/>
           </a:xfrm>
           <a:prstGeom prst="rect">
             <a:avLst/>
@@ -17359,44 +18072,54 @@
       </p:pic>
       <p:sp>
         <p:nvSpPr>
-          <p:cNvPr id="15" name="ZoneTexte 14">
-            <a:extLst>
-              <a:ext uri="{FF2B5EF4-FFF2-40B4-BE49-F238E27FC236}">
-                <a16:creationId xmlns:a16="http://schemas.microsoft.com/office/drawing/2014/main" id="{F6B3B7BF-59B2-4236-8F00-00463E4A86D1}"/>
-              </a:ext>
-            </a:extLst>
-          </p:cNvPr>
-          <p:cNvSpPr txBox="1"/>
+          <p:cNvPr id="10" name="Flèche : droite 9">
+            <a:extLst>
+              <a:ext uri="{FF2B5EF4-FFF2-40B4-BE49-F238E27FC236}">
+                <a16:creationId xmlns:a16="http://schemas.microsoft.com/office/drawing/2014/main" id="{78B3B687-1E20-4403-B03C-1C2ECDCB6984}"/>
+              </a:ext>
+            </a:extLst>
+          </p:cNvPr>
+          <p:cNvSpPr/>
           <p:nvPr/>
         </p:nvSpPr>
         <p:spPr>
           <a:xfrm>
-            <a:off x="3045041" y="642594"/>
-            <a:ext cx="5948039" cy="523220"/>
-          </a:xfrm>
-          <a:prstGeom prst="rect">
+            <a:off x="7487868" y="4431879"/>
+            <a:ext cx="746883" cy="646148"/>
+          </a:xfrm>
+          <a:prstGeom prst="rightArrow">
             <a:avLst/>
           </a:prstGeom>
-          <a:noFill/>
-        </p:spPr>
-        <p:txBody>
-          <a:bodyPr wrap="square" rtlCol="0">
-            <a:spAutoFit/>
-          </a:bodyPr>
+        </p:spPr>
+        <p:style>
+          <a:lnRef idx="2">
+            <a:schemeClr val="accent1">
+              <a:shade val="50000"/>
+            </a:schemeClr>
+          </a:lnRef>
+          <a:fillRef idx="1">
+            <a:schemeClr val="accent1"/>
+          </a:fillRef>
+          <a:effectRef idx="0">
+            <a:schemeClr val="accent1"/>
+          </a:effectRef>
+          <a:fontRef idx="minor">
+            <a:schemeClr val="lt1"/>
+          </a:fontRef>
+        </p:style>
+        <p:txBody>
+          <a:bodyPr rtlCol="0" anchor="ctr"/>
           <a:lstStyle/>
           <a:p>
-            <a:r>
-              <a:rPr lang="fr-FR" sz="2800" dirty="0"/>
-              <a:t>     Fonctionnalité : logos/icones </a:t>
-            </a:r>
-            <a:endParaRPr lang="en-US" sz="2800" dirty="0"/>
+            <a:pPr algn="ctr"/>
+            <a:endParaRPr lang="en-US" dirty="0"/>
           </a:p>
         </p:txBody>
       </p:sp>
     </p:spTree>
     <p:extLst>
       <p:ext uri="{BB962C8B-B14F-4D97-AF65-F5344CB8AC3E}">
-        <p14:creationId xmlns:p14="http://schemas.microsoft.com/office/powerpoint/2010/main" val="2464873674"/>
+        <p14:creationId xmlns:p14="http://schemas.microsoft.com/office/powerpoint/2010/main" val="2019531240"/>
       </p:ext>
     </p:extLst>
   </p:cSld>
@@ -17425,10 +18148,246 @@
       </p:grpSpPr>
       <p:sp>
         <p:nvSpPr>
-          <p:cNvPr id="2" name="Espace réservé de la date 1">
-            <a:extLst>
-              <a:ext uri="{FF2B5EF4-FFF2-40B4-BE49-F238E27FC236}">
-                <a16:creationId xmlns:a16="http://schemas.microsoft.com/office/drawing/2014/main" id="{23A383CC-876A-4EAD-BD24-7812EFEF61D1}"/>
+          <p:cNvPr id="2" name="Titre 1">
+            <a:extLst>
+              <a:ext uri="{FF2B5EF4-FFF2-40B4-BE49-F238E27FC236}">
+                <a16:creationId xmlns:a16="http://schemas.microsoft.com/office/drawing/2014/main" id="{5C705894-634C-4D43-86CC-728BE73B0FCF}"/>
+              </a:ext>
+            </a:extLst>
+          </p:cNvPr>
+          <p:cNvSpPr>
+            <a:spLocks noGrp="1"/>
+          </p:cNvSpPr>
+          <p:nvPr>
+            <p:ph type="title"/>
+          </p:nvPr>
+        </p:nvSpPr>
+        <p:spPr/>
+        <p:txBody>
+          <a:bodyPr/>
+          <a:lstStyle/>
+          <a:p>
+            <a:r>
+              <a:rPr lang="fr-FR" dirty="0"/>
+              <a:t>			</a:t>
+            </a:r>
+            <a:endParaRPr lang="en-US" dirty="0"/>
+          </a:p>
+        </p:txBody>
+      </p:sp>
+      <p:sp>
+        <p:nvSpPr>
+          <p:cNvPr id="3" name="Espace réservé du contenu 2">
+            <a:extLst>
+              <a:ext uri="{FF2B5EF4-FFF2-40B4-BE49-F238E27FC236}">
+                <a16:creationId xmlns:a16="http://schemas.microsoft.com/office/drawing/2014/main" id="{A92C99E3-2AE4-4202-B09D-98788D698EE2}"/>
+              </a:ext>
+            </a:extLst>
+          </p:cNvPr>
+          <p:cNvSpPr>
+            <a:spLocks noGrp="1"/>
+          </p:cNvSpPr>
+          <p:nvPr>
+            <p:ph idx="1"/>
+          </p:nvPr>
+        </p:nvSpPr>
+        <p:spPr>
+          <a:xfrm>
+            <a:off x="1066800" y="1750688"/>
+            <a:ext cx="10058400" cy="3849624"/>
+          </a:xfrm>
+        </p:spPr>
+        <p:txBody>
+          <a:bodyPr/>
+          <a:lstStyle/>
+          <a:p>
+            <a:pPr>
+              <a:lnSpc>
+                <a:spcPct val="100000"/>
+              </a:lnSpc>
+              <a:spcBef>
+                <a:spcPts val="0"/>
+              </a:spcBef>
+              <a:buClrTx/>
+            </a:pPr>
+            <a:endParaRPr lang="fr-FR" sz="1600" dirty="0">
+              <a:solidFill>
+                <a:prstClr val="black"/>
+              </a:solidFill>
+            </a:endParaRPr>
+          </a:p>
+          <a:p>
+            <a:pPr>
+              <a:lnSpc>
+                <a:spcPct val="100000"/>
+              </a:lnSpc>
+              <a:spcBef>
+                <a:spcPts val="0"/>
+              </a:spcBef>
+              <a:buClrTx/>
+            </a:pPr>
+            <a:endParaRPr lang="fr-FR" sz="1600" dirty="0">
+              <a:solidFill>
+                <a:prstClr val="black"/>
+              </a:solidFill>
+            </a:endParaRPr>
+          </a:p>
+          <a:p>
+            <a:pPr algn="ctr">
+              <a:lnSpc>
+                <a:spcPct val="100000"/>
+              </a:lnSpc>
+              <a:spcBef>
+                <a:spcPts val="0"/>
+              </a:spcBef>
+              <a:buClrTx/>
+            </a:pPr>
+            <a:endParaRPr lang="fr-FR" sz="1600" dirty="0">
+              <a:solidFill>
+                <a:prstClr val="black"/>
+              </a:solidFill>
+            </a:endParaRPr>
+          </a:p>
+          <a:p>
+            <a:pPr marL="0" indent="0" algn="ctr">
+              <a:lnSpc>
+                <a:spcPct val="100000"/>
+              </a:lnSpc>
+              <a:spcBef>
+                <a:spcPts val="0"/>
+              </a:spcBef>
+              <a:buClrTx/>
+              <a:buNone/>
+            </a:pPr>
+            <a:r>
+              <a:rPr lang="fr-FR" sz="1600" dirty="0">
+                <a:solidFill>
+                  <a:prstClr val="black"/>
+                </a:solidFill>
+              </a:rPr>
+              <a:t>L’api que nous avons choisi  nous renvoie des codes icones</a:t>
+            </a:r>
+          </a:p>
+          <a:p>
+            <a:pPr marL="0" indent="0" algn="ctr">
+              <a:lnSpc>
+                <a:spcPct val="100000"/>
+              </a:lnSpc>
+              <a:spcBef>
+                <a:spcPts val="0"/>
+              </a:spcBef>
+              <a:buClrTx/>
+              <a:buNone/>
+            </a:pPr>
+            <a:r>
+              <a:rPr lang="fr-FR" sz="1600" dirty="0">
+                <a:solidFill>
+                  <a:prstClr val="black"/>
+                </a:solidFill>
+              </a:rPr>
+              <a:t> et des descriptions afin  de connaitre le temps  </a:t>
+            </a:r>
+            <a:r>
+              <a:rPr lang="fr-FR" sz="1600" dirty="0" err="1">
+                <a:solidFill>
+                  <a:prstClr val="black"/>
+                </a:solidFill>
+              </a:rPr>
+              <a:t>quil</a:t>
+            </a:r>
+            <a:r>
+              <a:rPr lang="fr-FR" sz="1600" dirty="0">
+                <a:solidFill>
+                  <a:prstClr val="black"/>
+                </a:solidFill>
+              </a:rPr>
+              <a:t> fait </a:t>
+            </a:r>
+          </a:p>
+          <a:p>
+            <a:pPr marL="0" indent="0" algn="ctr">
+              <a:lnSpc>
+                <a:spcPct val="100000"/>
+              </a:lnSpc>
+              <a:spcBef>
+                <a:spcPts val="0"/>
+              </a:spcBef>
+              <a:buClrTx/>
+              <a:buNone/>
+            </a:pPr>
+            <a:r>
+              <a:rPr lang="fr-FR" sz="1600" dirty="0">
+                <a:solidFill>
+                  <a:prstClr val="black"/>
+                </a:solidFill>
+              </a:rPr>
+              <a:t>	durant chacune de ses mesures (couvert ensoleillé…)</a:t>
+            </a:r>
+          </a:p>
+          <a:p>
+            <a:pPr marL="0" indent="0" algn="ctr">
+              <a:lnSpc>
+                <a:spcPct val="100000"/>
+              </a:lnSpc>
+              <a:spcBef>
+                <a:spcPts val="0"/>
+              </a:spcBef>
+              <a:buClrTx/>
+              <a:buNone/>
+            </a:pPr>
+            <a:r>
+              <a:rPr lang="fr-FR" sz="1600" dirty="0">
+                <a:solidFill>
+                  <a:prstClr val="black"/>
+                </a:solidFill>
+              </a:rPr>
+              <a:t>Nous avons donc </a:t>
+            </a:r>
+            <a:r>
+              <a:rPr lang="fr-FR" sz="1600" dirty="0" err="1">
+                <a:solidFill>
+                  <a:prstClr val="black"/>
+                </a:solidFill>
+              </a:rPr>
+              <a:t>recuperer</a:t>
+            </a:r>
+            <a:r>
+              <a:rPr lang="fr-FR" sz="1600" dirty="0">
+                <a:solidFill>
+                  <a:prstClr val="black"/>
+                </a:solidFill>
+              </a:rPr>
+              <a:t> des icones</a:t>
+            </a:r>
+          </a:p>
+          <a:p>
+            <a:pPr marL="0" indent="0" algn="ctr">
+              <a:lnSpc>
+                <a:spcPct val="100000"/>
+              </a:lnSpc>
+              <a:spcBef>
+                <a:spcPts val="0"/>
+              </a:spcBef>
+              <a:buClrTx/>
+              <a:buNone/>
+            </a:pPr>
+            <a:r>
+              <a:rPr lang="fr-FR" sz="1600" dirty="0">
+                <a:solidFill>
+                  <a:prstClr val="black"/>
+                </a:solidFill>
+              </a:rPr>
+              <a:t> puis les avons lie a ces codes au niveau du  programme  afin  de le utiliser .</a:t>
+            </a:r>
+          </a:p>
+        </p:txBody>
+      </p:sp>
+      <p:sp>
+        <p:nvSpPr>
+          <p:cNvPr id="4" name="Espace réservé de la date 3">
+            <a:extLst>
+              <a:ext uri="{FF2B5EF4-FFF2-40B4-BE49-F238E27FC236}">
+                <a16:creationId xmlns:a16="http://schemas.microsoft.com/office/drawing/2014/main" id="{1C1A01F6-5CA0-498E-A66C-7A000DB6567A}"/>
               </a:ext>
             </a:extLst>
           </p:cNvPr>
@@ -17445,71 +18404,11 @@
           <a:lstStyle/>
           <a:p>
             <a:pPr rtl="0"/>
-            <a:fld id="{2BD66AC7-6890-4F0E-B000-A39D822B7C00}" type="datetime1">
+            <a:fld id="{802FE938-1586-4780-B61A-DD3B60BAB93C}" type="datetime1">
               <a:rPr lang="fr-FR" smtClean="0"/>
-              <a:t>22/06/2021</a:t>
+              <a:t>23/06/2021</a:t>
             </a:fld>
             <a:endParaRPr lang="en-US"/>
-          </a:p>
-        </p:txBody>
-      </p:sp>
-      <p:sp>
-        <p:nvSpPr>
-          <p:cNvPr id="5" name="ZoneTexte 4">
-            <a:extLst>
-              <a:ext uri="{FF2B5EF4-FFF2-40B4-BE49-F238E27FC236}">
-                <a16:creationId xmlns:a16="http://schemas.microsoft.com/office/drawing/2014/main" id="{630A75B3-2574-4629-BADA-7580092F65B0}"/>
-              </a:ext>
-            </a:extLst>
-          </p:cNvPr>
-          <p:cNvSpPr txBox="1"/>
-          <p:nvPr/>
-        </p:nvSpPr>
-        <p:spPr>
-          <a:xfrm>
-            <a:off x="1740023" y="2405848"/>
-            <a:ext cx="9792070" cy="923330"/>
-          </a:xfrm>
-          <a:prstGeom prst="rect">
-            <a:avLst/>
-          </a:prstGeom>
-          <a:noFill/>
-        </p:spPr>
-        <p:txBody>
-          <a:bodyPr wrap="square" rtlCol="0">
-            <a:spAutoFit/>
-          </a:bodyPr>
-          <a:lstStyle/>
-          <a:p>
-            <a:r>
-              <a:rPr lang="fr-FR" dirty="0"/>
-              <a:t>Notre API nous permet de modifier la langue des descriptions </a:t>
-            </a:r>
-            <a:r>
-              <a:rPr lang="fr-FR" dirty="0" err="1"/>
-              <a:t>meteo</a:t>
-            </a:r>
-            <a:r>
-              <a:rPr lang="fr-FR" dirty="0"/>
-              <a:t>  reçues,</a:t>
-            </a:r>
-          </a:p>
-          <a:p>
-            <a:r>
-              <a:rPr lang="fr-FR" dirty="0"/>
-              <a:t>Nous avons donc utilisé cette fonction dans notre  programme </a:t>
-            </a:r>
-          </a:p>
-          <a:p>
-            <a:r>
-              <a:rPr lang="fr-FR" dirty="0"/>
-              <a:t>Cette fonction sera utilise lorsque nous modifierons la langue dans les </a:t>
-            </a:r>
-            <a:r>
-              <a:rPr lang="fr-FR" dirty="0" err="1"/>
-              <a:t>parametre</a:t>
-            </a:r>
-            <a:endParaRPr lang="en-US" dirty="0"/>
           </a:p>
         </p:txBody>
       </p:sp>
@@ -17518,7 +18417,7 @@
           <p:cNvPr id="6" name="Image 5">
             <a:extLst>
               <a:ext uri="{FF2B5EF4-FFF2-40B4-BE49-F238E27FC236}">
-                <a16:creationId xmlns:a16="http://schemas.microsoft.com/office/drawing/2014/main" id="{CC62729A-65EB-412F-82FB-BCA41BAB654F}"/>
+                <a16:creationId xmlns:a16="http://schemas.microsoft.com/office/drawing/2014/main" id="{35C8FCAA-DABB-4D65-874E-303855DFEF2C}"/>
               </a:ext>
             </a:extLst>
           </p:cNvPr>
@@ -17528,15 +18427,21 @@
           <p:nvPr/>
         </p:nvPicPr>
         <p:blipFill>
-          <a:blip r:embed="rId2"/>
+          <a:blip r:embed="rId2">
+            <a:extLst>
+              <a:ext uri="{28A0092B-C50C-407E-A947-70E740481C1C}">
+                <a14:useLocalDpi xmlns:a14="http://schemas.microsoft.com/office/drawing/2010/main" val="0"/>
+              </a:ext>
+            </a:extLst>
+          </a:blip>
           <a:stretch>
             <a:fillRect/>
           </a:stretch>
         </p:blipFill>
         <p:spPr>
           <a:xfrm>
-            <a:off x="3420124" y="3371480"/>
-            <a:ext cx="965446" cy="1238250"/>
+            <a:off x="9510631" y="1466725"/>
+            <a:ext cx="1609843" cy="1609843"/>
           </a:xfrm>
           <a:prstGeom prst="rect">
             <a:avLst/>
@@ -17545,10 +18450,10 @@
       </p:pic>
       <p:pic>
         <p:nvPicPr>
-          <p:cNvPr id="8" name="Image 7">
-            <a:extLst>
-              <a:ext uri="{FF2B5EF4-FFF2-40B4-BE49-F238E27FC236}">
-                <a16:creationId xmlns:a16="http://schemas.microsoft.com/office/drawing/2014/main" id="{5E202826-23EB-4106-B8AE-9A6C7EB4486C}"/>
+          <p:cNvPr id="8" name="Image 7" descr="Une image contenant texte, signe, graphiques vectoriels&#10;&#10;Description générée automatiquement">
+            <a:extLst>
+              <a:ext uri="{FF2B5EF4-FFF2-40B4-BE49-F238E27FC236}">
+                <a16:creationId xmlns:a16="http://schemas.microsoft.com/office/drawing/2014/main" id="{2954B670-1432-4971-878C-1614247F1569}"/>
               </a:ext>
             </a:extLst>
           </p:cNvPr>
@@ -17558,63 +18463,33 @@
           <p:nvPr/>
         </p:nvPicPr>
         <p:blipFill>
-          <a:blip r:embed="rId3"/>
+          <a:blip r:embed="rId3">
+            <a:extLst>
+              <a:ext uri="{28A0092B-C50C-407E-A947-70E740481C1C}">
+                <a14:useLocalDpi xmlns:a14="http://schemas.microsoft.com/office/drawing/2010/main" val="0"/>
+              </a:ext>
+            </a:extLst>
+          </a:blip>
           <a:stretch>
             <a:fillRect/>
           </a:stretch>
         </p:blipFill>
         <p:spPr>
           <a:xfrm>
-            <a:off x="7148003" y="3352430"/>
-            <a:ext cx="914400" cy="1257300"/>
+            <a:off x="896357" y="4104036"/>
+            <a:ext cx="1772575" cy="1780239"/>
           </a:xfrm>
           <a:prstGeom prst="rect">
             <a:avLst/>
           </a:prstGeom>
         </p:spPr>
       </p:pic>
-      <p:sp>
-        <p:nvSpPr>
-          <p:cNvPr id="9" name="ZoneTexte 8">
-            <a:extLst>
-              <a:ext uri="{FF2B5EF4-FFF2-40B4-BE49-F238E27FC236}">
-                <a16:creationId xmlns:a16="http://schemas.microsoft.com/office/drawing/2014/main" id="{4FB499BC-08FA-4DB4-9EAB-674B335050A5}"/>
-              </a:ext>
-            </a:extLst>
-          </p:cNvPr>
-          <p:cNvSpPr txBox="1"/>
-          <p:nvPr/>
-        </p:nvSpPr>
-        <p:spPr>
-          <a:xfrm>
-            <a:off x="2414726" y="843379"/>
-            <a:ext cx="7253056" cy="553998"/>
-          </a:xfrm>
-          <a:prstGeom prst="rect">
-            <a:avLst/>
-          </a:prstGeom>
-          <a:noFill/>
-        </p:spPr>
-        <p:txBody>
-          <a:bodyPr wrap="square" rtlCol="0">
-            <a:spAutoFit/>
-          </a:bodyPr>
-          <a:lstStyle/>
-          <a:p>
-            <a:r>
-              <a:rPr lang="fr-FR" sz="3000" dirty="0"/>
-              <a:t>Fonction changement de langue:</a:t>
-            </a:r>
-            <a:endParaRPr lang="en-US" sz="3000" dirty="0"/>
-          </a:p>
-        </p:txBody>
-      </p:sp>
       <p:pic>
         <p:nvPicPr>
-          <p:cNvPr id="11" name="Image 10">
-            <a:extLst>
-              <a:ext uri="{FF2B5EF4-FFF2-40B4-BE49-F238E27FC236}">
-                <a16:creationId xmlns:a16="http://schemas.microsoft.com/office/drawing/2014/main" id="{2C2E19F8-4D5B-46B4-AE0A-60A11DA6D9FE}"/>
+          <p:cNvPr id="10" name="Image 9">
+            <a:extLst>
+              <a:ext uri="{FF2B5EF4-FFF2-40B4-BE49-F238E27FC236}">
+                <a16:creationId xmlns:a16="http://schemas.microsoft.com/office/drawing/2014/main" id="{EA16224B-6756-4CB4-B934-5116C998389D}"/>
               </a:ext>
             </a:extLst>
           </p:cNvPr>
@@ -17624,15 +18499,21 @@
           <p:nvPr/>
         </p:nvPicPr>
         <p:blipFill>
-          <a:blip r:embed="rId4"/>
+          <a:blip r:embed="rId4">
+            <a:extLst>
+              <a:ext uri="{28A0092B-C50C-407E-A947-70E740481C1C}">
+                <a14:useLocalDpi xmlns:a14="http://schemas.microsoft.com/office/drawing/2010/main" val="0"/>
+              </a:ext>
+            </a:extLst>
+          </a:blip>
           <a:stretch>
             <a:fillRect/>
           </a:stretch>
         </p:blipFill>
         <p:spPr>
           <a:xfrm>
-            <a:off x="4300537" y="5519168"/>
-            <a:ext cx="3590925" cy="228600"/>
+            <a:off x="1151425" y="1577284"/>
+            <a:ext cx="1588528" cy="1588528"/>
           </a:xfrm>
           <a:prstGeom prst="rect">
             <a:avLst/>
@@ -17644,7 +18525,7 @@
           <p:cNvPr id="12" name="Image 11">
             <a:extLst>
               <a:ext uri="{FF2B5EF4-FFF2-40B4-BE49-F238E27FC236}">
-                <a16:creationId xmlns:a16="http://schemas.microsoft.com/office/drawing/2014/main" id="{95B0ABB3-8A77-45A4-97C9-8C3D01966524}"/>
+                <a16:creationId xmlns:a16="http://schemas.microsoft.com/office/drawing/2014/main" id="{D69845D6-7C16-402B-8D4C-8DD5E232276C}"/>
               </a:ext>
             </a:extLst>
           </p:cNvPr>
@@ -17654,25 +18535,67 @@
           <p:nvPr/>
         </p:nvPicPr>
         <p:blipFill>
-          <a:blip r:embed="rId5"/>
+          <a:blip r:embed="rId5">
+            <a:extLst>
+              <a:ext uri="{28A0092B-C50C-407E-A947-70E740481C1C}">
+                <a14:useLocalDpi xmlns:a14="http://schemas.microsoft.com/office/drawing/2010/main" val="0"/>
+              </a:ext>
+            </a:extLst>
+          </a:blip>
           <a:stretch>
             <a:fillRect/>
           </a:stretch>
         </p:blipFill>
         <p:spPr>
           <a:xfrm>
-            <a:off x="4293138" y="5795852"/>
-            <a:ext cx="3590925" cy="218770"/>
+            <a:off x="9429264" y="3956673"/>
+            <a:ext cx="1772575" cy="1772575"/>
           </a:xfrm>
           <a:prstGeom prst="rect">
             <a:avLst/>
           </a:prstGeom>
         </p:spPr>
       </p:pic>
+      <p:sp>
+        <p:nvSpPr>
+          <p:cNvPr id="15" name="ZoneTexte 14">
+            <a:extLst>
+              <a:ext uri="{FF2B5EF4-FFF2-40B4-BE49-F238E27FC236}">
+                <a16:creationId xmlns:a16="http://schemas.microsoft.com/office/drawing/2014/main" id="{F6B3B7BF-59B2-4236-8F00-00463E4A86D1}"/>
+              </a:ext>
+            </a:extLst>
+          </p:cNvPr>
+          <p:cNvSpPr txBox="1"/>
+          <p:nvPr/>
+        </p:nvSpPr>
+        <p:spPr>
+          <a:xfrm>
+            <a:off x="3045041" y="642594"/>
+            <a:ext cx="5948039" cy="523220"/>
+          </a:xfrm>
+          <a:prstGeom prst="rect">
+            <a:avLst/>
+          </a:prstGeom>
+          <a:noFill/>
+        </p:spPr>
+        <p:txBody>
+          <a:bodyPr wrap="square" rtlCol="0">
+            <a:spAutoFit/>
+          </a:bodyPr>
+          <a:lstStyle/>
+          <a:p>
+            <a:r>
+              <a:rPr lang="fr-FR" sz="2800" dirty="0"/>
+              <a:t>     Fonctionnalité : logos/icones </a:t>
+            </a:r>
+            <a:endParaRPr lang="en-US" sz="2800" dirty="0"/>
+          </a:p>
+        </p:txBody>
+      </p:sp>
     </p:spTree>
     <p:extLst>
       <p:ext uri="{BB962C8B-B14F-4D97-AF65-F5344CB8AC3E}">
-        <p14:creationId xmlns:p14="http://schemas.microsoft.com/office/powerpoint/2010/main" val="1430933934"/>
+        <p14:creationId xmlns:p14="http://schemas.microsoft.com/office/powerpoint/2010/main" val="2464873674"/>
       </p:ext>
     </p:extLst>
   </p:cSld>
@@ -17701,76 +18624,10 @@
       </p:grpSpPr>
       <p:sp>
         <p:nvSpPr>
-          <p:cNvPr id="2" name="Titre 1">
-            <a:extLst>
-              <a:ext uri="{FF2B5EF4-FFF2-40B4-BE49-F238E27FC236}">
-                <a16:creationId xmlns:a16="http://schemas.microsoft.com/office/drawing/2014/main" id="{474F9FEC-3988-4850-8F94-B78D74427A79}"/>
-              </a:ext>
-            </a:extLst>
-          </p:cNvPr>
-          <p:cNvSpPr>
-            <a:spLocks noGrp="1"/>
-          </p:cNvSpPr>
-          <p:nvPr>
-            <p:ph type="title"/>
-          </p:nvPr>
-        </p:nvSpPr>
-        <p:spPr/>
-        <p:txBody>
-          <a:bodyPr/>
-          <a:lstStyle/>
-          <a:p>
-            <a:r>
-              <a:rPr lang="fr-FR" dirty="0"/>
-              <a:t> 		</a:t>
-            </a:r>
-            <a:r>
-              <a:rPr lang="fr-FR" dirty="0" err="1"/>
-              <a:t>temperatures</a:t>
-            </a:r>
-            <a:r>
-              <a:rPr lang="fr-FR" dirty="0"/>
-              <a:t> min/max:</a:t>
-            </a:r>
-            <a:endParaRPr lang="en-US" dirty="0"/>
-          </a:p>
-        </p:txBody>
-      </p:sp>
-      <p:sp>
-        <p:nvSpPr>
-          <p:cNvPr id="3" name="Espace réservé du contenu 2">
-            <a:extLst>
-              <a:ext uri="{FF2B5EF4-FFF2-40B4-BE49-F238E27FC236}">
-                <a16:creationId xmlns:a16="http://schemas.microsoft.com/office/drawing/2014/main" id="{27A2D316-F71D-4E30-94F2-5A70458CC373}"/>
-              </a:ext>
-            </a:extLst>
-          </p:cNvPr>
-          <p:cNvSpPr>
-            <a:spLocks noGrp="1"/>
-          </p:cNvSpPr>
-          <p:nvPr>
-            <p:ph idx="1"/>
-          </p:nvPr>
-        </p:nvSpPr>
-        <p:spPr/>
-        <p:txBody>
-          <a:bodyPr/>
-          <a:lstStyle/>
-          <a:p>
-            <a:r>
-              <a:rPr lang="fr-FR" dirty="0"/>
-              <a:t>Afin d’afficher des mesures  les plus précises au niveau des prévisions nous avons optes pour l’affichage de la température minimale et de la maximale plutôt qu’une moyenne journalière</a:t>
-            </a:r>
-            <a:endParaRPr lang="en-US" dirty="0"/>
-          </a:p>
-        </p:txBody>
-      </p:sp>
-      <p:sp>
-        <p:nvSpPr>
-          <p:cNvPr id="4" name="Espace réservé de la date 3">
-            <a:extLst>
-              <a:ext uri="{FF2B5EF4-FFF2-40B4-BE49-F238E27FC236}">
-                <a16:creationId xmlns:a16="http://schemas.microsoft.com/office/drawing/2014/main" id="{7C3E9339-A82B-41AF-AC50-A6CB9A65C8A7}"/>
+          <p:cNvPr id="2" name="Espace réservé de la date 1">
+            <a:extLst>
+              <a:ext uri="{FF2B5EF4-FFF2-40B4-BE49-F238E27FC236}">
+                <a16:creationId xmlns:a16="http://schemas.microsoft.com/office/drawing/2014/main" id="{23A383CC-876A-4EAD-BD24-7812EFEF61D1}"/>
               </a:ext>
             </a:extLst>
           </p:cNvPr>
@@ -17787,11 +18644,93 @@
           <a:lstStyle/>
           <a:p>
             <a:pPr rtl="0"/>
-            <a:fld id="{802FE938-1586-4780-B61A-DD3B60BAB93C}" type="datetime1">
+            <a:fld id="{2BD66AC7-6890-4F0E-B000-A39D822B7C00}" type="datetime1">
               <a:rPr lang="fr-FR" smtClean="0"/>
-              <a:t>22/06/2021</a:t>
+              <a:t>23/06/2021</a:t>
             </a:fld>
             <a:endParaRPr lang="en-US"/>
+          </a:p>
+        </p:txBody>
+      </p:sp>
+      <p:sp>
+        <p:nvSpPr>
+          <p:cNvPr id="5" name="ZoneTexte 4">
+            <a:extLst>
+              <a:ext uri="{FF2B5EF4-FFF2-40B4-BE49-F238E27FC236}">
+                <a16:creationId xmlns:a16="http://schemas.microsoft.com/office/drawing/2014/main" id="{630A75B3-2574-4629-BADA-7580092F65B0}"/>
+              </a:ext>
+            </a:extLst>
+          </p:cNvPr>
+          <p:cNvSpPr txBox="1"/>
+          <p:nvPr/>
+        </p:nvSpPr>
+        <p:spPr>
+          <a:xfrm>
+            <a:off x="1464815" y="1745020"/>
+            <a:ext cx="9792070" cy="1200329"/>
+          </a:xfrm>
+          <a:prstGeom prst="rect">
+            <a:avLst/>
+          </a:prstGeom>
+          <a:noFill/>
+        </p:spPr>
+        <p:txBody>
+          <a:bodyPr wrap="square" rtlCol="0">
+            <a:spAutoFit/>
+          </a:bodyPr>
+          <a:lstStyle/>
+          <a:p>
+            <a:pPr algn="ctr"/>
+            <a:r>
+              <a:rPr lang="fr-FR" dirty="0"/>
+              <a:t>Notre API nous permet de modifier la langue (par </a:t>
+            </a:r>
+            <a:r>
+              <a:rPr lang="fr-FR" dirty="0" err="1"/>
+              <a:t>defaut</a:t>
+            </a:r>
+            <a:r>
+              <a:rPr lang="fr-FR"/>
+              <a:t> anglaise)</a:t>
+            </a:r>
+          </a:p>
+          <a:p>
+            <a:pPr algn="ctr"/>
+            <a:r>
+              <a:rPr lang="fr-FR"/>
+              <a:t>des </a:t>
+            </a:r>
+            <a:r>
+              <a:rPr lang="fr-FR" dirty="0"/>
+              <a:t>descriptions </a:t>
+            </a:r>
+            <a:r>
+              <a:rPr lang="fr-FR" dirty="0" err="1"/>
+              <a:t>meteo</a:t>
+            </a:r>
+            <a:r>
+              <a:rPr lang="fr-FR" dirty="0"/>
+              <a:t>  reçues,</a:t>
+            </a:r>
+          </a:p>
+          <a:p>
+            <a:pPr algn="ctr"/>
+            <a:r>
+              <a:rPr lang="fr-FR" dirty="0"/>
+              <a:t>Nous avons donc utilisé cette fonction dans notre  programme </a:t>
+            </a:r>
+          </a:p>
+          <a:p>
+            <a:pPr algn="ctr"/>
+            <a:r>
+              <a:rPr lang="fr-FR" dirty="0"/>
+              <a:t>Cette fonction sera utilise lorsque nous modifierons la langue dans le menu  </a:t>
+            </a:r>
+            <a:r>
+              <a:rPr lang="fr-FR" dirty="0" err="1"/>
+              <a:t>parametre</a:t>
+            </a:r>
+            <a:endParaRPr lang="en-US" dirty="0"/>
           </a:p>
         </p:txBody>
       </p:sp>
@@ -17800,7 +18739,7 @@
           <p:cNvPr id="6" name="Image 5">
             <a:extLst>
               <a:ext uri="{FF2B5EF4-FFF2-40B4-BE49-F238E27FC236}">
-                <a16:creationId xmlns:a16="http://schemas.microsoft.com/office/drawing/2014/main" id="{E364F912-67F5-49B5-9BF9-E2C1E8582034}"/>
+                <a16:creationId xmlns:a16="http://schemas.microsoft.com/office/drawing/2014/main" id="{CC62729A-65EB-412F-82FB-BCA41BAB654F}"/>
               </a:ext>
             </a:extLst>
           </p:cNvPr>
@@ -17817,20 +18756,50 @@
         </p:blipFill>
         <p:spPr>
           <a:xfrm>
-            <a:off x="5068502" y="3017714"/>
-            <a:ext cx="1238250" cy="2828925"/>
+            <a:off x="9016314" y="3120829"/>
+            <a:ext cx="965446" cy="1200329"/>
           </a:xfrm>
           <a:prstGeom prst="rect">
             <a:avLst/>
           </a:prstGeom>
         </p:spPr>
       </p:pic>
-      <p:sp>
-        <p:nvSpPr>
-          <p:cNvPr id="7" name="ZoneTexte 6">
-            <a:extLst>
-              <a:ext uri="{FF2B5EF4-FFF2-40B4-BE49-F238E27FC236}">
-                <a16:creationId xmlns:a16="http://schemas.microsoft.com/office/drawing/2014/main" id="{D245B6F6-6D13-415A-AB73-94DAC14A56EB}"/>
+      <p:pic>
+        <p:nvPicPr>
+          <p:cNvPr id="8" name="Image 7">
+            <a:extLst>
+              <a:ext uri="{FF2B5EF4-FFF2-40B4-BE49-F238E27FC236}">
+                <a16:creationId xmlns:a16="http://schemas.microsoft.com/office/drawing/2014/main" id="{5E202826-23EB-4106-B8AE-9A6C7EB4486C}"/>
+              </a:ext>
+            </a:extLst>
+          </p:cNvPr>
+          <p:cNvPicPr>
+            <a:picLocks noChangeAspect="1"/>
+          </p:cNvPicPr>
+          <p:nvPr/>
+        </p:nvPicPr>
+        <p:blipFill>
+          <a:blip r:embed="rId3"/>
+          <a:stretch>
+            <a:fillRect/>
+          </a:stretch>
+        </p:blipFill>
+        <p:spPr>
+          <a:xfrm>
+            <a:off x="2185457" y="3124737"/>
+            <a:ext cx="914400" cy="1196421"/>
+          </a:xfrm>
+          <a:prstGeom prst="rect">
+            <a:avLst/>
+          </a:prstGeom>
+        </p:spPr>
+      </p:pic>
+      <p:sp>
+        <p:nvSpPr>
+          <p:cNvPr id="9" name="ZoneTexte 8">
+            <a:extLst>
+              <a:ext uri="{FF2B5EF4-FFF2-40B4-BE49-F238E27FC236}">
+                <a16:creationId xmlns:a16="http://schemas.microsoft.com/office/drawing/2014/main" id="{4FB499BC-08FA-4DB4-9EAB-674B335050A5}"/>
               </a:ext>
             </a:extLst>
           </p:cNvPr>
@@ -17839,8 +18808,8 @@
         </p:nvSpPr>
         <p:spPr>
           <a:xfrm>
-            <a:off x="3657600" y="3017714"/>
-            <a:ext cx="1410902" cy="646331"/>
+            <a:off x="2414726" y="843379"/>
+            <a:ext cx="7253056" cy="553998"/>
           </a:xfrm>
           <a:prstGeom prst="rect">
             <a:avLst/>
@@ -17854,23 +18823,79 @@
           <a:lstStyle/>
           <a:p>
             <a:r>
-              <a:rPr lang="fr-FR" dirty="0"/>
-              <a:t>Minimale:</a:t>
-            </a:r>
-          </a:p>
-          <a:p>
-            <a:r>
-              <a:rPr lang="fr-FR" dirty="0"/>
-              <a:t>Maximale:</a:t>
-            </a:r>
-            <a:endParaRPr lang="en-US" dirty="0"/>
-          </a:p>
-        </p:txBody>
-      </p:sp>
+              <a:rPr lang="fr-FR" sz="3000" dirty="0"/>
+              <a:t>Fonction changement de langue:</a:t>
+            </a:r>
+            <a:endParaRPr lang="en-US" sz="3000" dirty="0"/>
+          </a:p>
+        </p:txBody>
+      </p:sp>
+      <p:pic>
+        <p:nvPicPr>
+          <p:cNvPr id="3" name="Image 2">
+            <a:extLst>
+              <a:ext uri="{FF2B5EF4-FFF2-40B4-BE49-F238E27FC236}">
+                <a16:creationId xmlns:a16="http://schemas.microsoft.com/office/drawing/2014/main" id="{06BD29C2-9588-4867-97F3-FDF18B230947}"/>
+              </a:ext>
+            </a:extLst>
+          </p:cNvPr>
+          <p:cNvPicPr>
+            <a:picLocks noChangeAspect="1"/>
+          </p:cNvPicPr>
+          <p:nvPr/>
+        </p:nvPicPr>
+        <p:blipFill>
+          <a:blip r:embed="rId4">
+            <a:alphaModFix amt="70000"/>
+          </a:blip>
+          <a:stretch>
+            <a:fillRect/>
+          </a:stretch>
+        </p:blipFill>
+        <p:spPr>
+          <a:xfrm>
+            <a:off x="5059232" y="3124737"/>
+            <a:ext cx="2480430" cy="2985810"/>
+          </a:xfrm>
+          <a:prstGeom prst="rect">
+            <a:avLst/>
+          </a:prstGeom>
+        </p:spPr>
+      </p:pic>
+      <p:pic>
+        <p:nvPicPr>
+          <p:cNvPr id="12" name="Image 11">
+            <a:extLst>
+              <a:ext uri="{FF2B5EF4-FFF2-40B4-BE49-F238E27FC236}">
+                <a16:creationId xmlns:a16="http://schemas.microsoft.com/office/drawing/2014/main" id="{95B0ABB3-8A77-45A4-97C9-8C3D01966524}"/>
+              </a:ext>
+            </a:extLst>
+          </p:cNvPr>
+          <p:cNvPicPr>
+            <a:picLocks noChangeAspect="1"/>
+          </p:cNvPicPr>
+          <p:nvPr/>
+        </p:nvPicPr>
+        <p:blipFill>
+          <a:blip r:embed="rId5"/>
+          <a:stretch>
+            <a:fillRect/>
+          </a:stretch>
+        </p:blipFill>
+        <p:spPr>
+          <a:xfrm>
+            <a:off x="5416860" y="4114045"/>
+            <a:ext cx="2002463" cy="129481"/>
+          </a:xfrm>
+          <a:prstGeom prst="rect">
+            <a:avLst/>
+          </a:prstGeom>
+        </p:spPr>
+      </p:pic>
     </p:spTree>
     <p:extLst>
       <p:ext uri="{BB962C8B-B14F-4D97-AF65-F5344CB8AC3E}">
-        <p14:creationId xmlns:p14="http://schemas.microsoft.com/office/powerpoint/2010/main" val="2941854841"/>
+        <p14:creationId xmlns:p14="http://schemas.microsoft.com/office/powerpoint/2010/main" val="1430933934"/>
       </p:ext>
     </p:extLst>
   </p:cSld>
@@ -17902,7 +18927,7 @@
           <p:cNvPr id="2" name="Titre 1">
             <a:extLst>
               <a:ext uri="{FF2B5EF4-FFF2-40B4-BE49-F238E27FC236}">
-                <a16:creationId xmlns:a16="http://schemas.microsoft.com/office/drawing/2014/main" id="{BFA6ACC6-2C7F-47F6-B26A-F09E26834664}"/>
+                <a16:creationId xmlns:a16="http://schemas.microsoft.com/office/drawing/2014/main" id="{3ADA377F-A30B-44CB-8261-D5D5F3BA2FB4}"/>
               </a:ext>
             </a:extLst>
           </p:cNvPr>
@@ -17913,14 +18938,19 @@
             <p:ph type="title"/>
           </p:nvPr>
         </p:nvSpPr>
-        <p:spPr/>
+        <p:spPr>
+          <a:xfrm>
+            <a:off x="960268" y="340132"/>
+            <a:ext cx="10058400" cy="1371600"/>
+          </a:xfrm>
+        </p:spPr>
         <p:txBody>
           <a:bodyPr/>
           <a:lstStyle/>
           <a:p>
             <a:r>
               <a:rPr lang="fr-FR" dirty="0"/>
-              <a:t>    </a:t>
+              <a:t>			Affichage jour:</a:t>
             </a:r>
             <a:endParaRPr lang="en-US" dirty="0"/>
           </a:p>
@@ -17931,7 +18961,7 @@
           <p:cNvPr id="3" name="Espace réservé du contenu 2">
             <a:extLst>
               <a:ext uri="{FF2B5EF4-FFF2-40B4-BE49-F238E27FC236}">
-                <a16:creationId xmlns:a16="http://schemas.microsoft.com/office/drawing/2014/main" id="{A268363A-8835-46D0-9E25-A5A6E7BED0AC}"/>
+                <a16:creationId xmlns:a16="http://schemas.microsoft.com/office/drawing/2014/main" id="{121191D1-0818-4113-8C4B-77075C31981F}"/>
               </a:ext>
             </a:extLst>
           </p:cNvPr>
@@ -17942,13 +18972,57 @@
             <p:ph idx="1"/>
           </p:nvPr>
         </p:nvSpPr>
-        <p:spPr/>
+        <p:spPr>
+          <a:xfrm>
+            <a:off x="1066800" y="1504188"/>
+            <a:ext cx="10058400" cy="3849624"/>
+          </a:xfrm>
+        </p:spPr>
         <p:txBody>
           <a:bodyPr/>
           <a:lstStyle/>
           <a:p>
+            <a:pPr marL="0" indent="0">
+              <a:buNone/>
+            </a:pPr>
+            <a:r>
+              <a:rPr lang="fr-FR" dirty="0"/>
+              <a:t> Dans les infos renvoyées par l’api nous avons bien sur la date de chaque mesures qui nous est transmise</a:t>
+            </a:r>
+          </a:p>
+          <a:p>
+            <a:pPr marL="0" indent="0">
+              <a:buNone/>
+            </a:pPr>
+            <a:r>
+              <a:rPr lang="fr-FR" dirty="0"/>
+              <a:t>Grace a elles ci et a la fonction </a:t>
+            </a:r>
+            <a:r>
+              <a:rPr lang="fr-FR" dirty="0" err="1"/>
+              <a:t>Qdate</a:t>
+            </a:r>
+            <a:r>
+              <a:rPr lang="fr-FR" dirty="0"/>
+              <a:t> nous avons eu la possibilité d’afficher le jour correspondant et a le traduire selon la langue sélectionnée</a:t>
+            </a:r>
+          </a:p>
+          <a:p>
+            <a:pPr marL="0" indent="0">
+              <a:buNone/>
+            </a:pPr>
+            <a:r>
+              <a:rPr lang="fr-FR" dirty="0"/>
+              <a:t>Afin d’afficher des mesures  les plus précises au niveau des prévisions nous avons optes pour l’affichage de la température minimale et de la maximale plutôt qu’une moyenne journalière</a:t>
+            </a:r>
             <a:endParaRPr lang="en-US" dirty="0"/>
           </a:p>
+          <a:p>
+            <a:pPr marL="0" indent="0">
+              <a:buNone/>
+            </a:pPr>
+            <a:endParaRPr lang="en-US" dirty="0"/>
+          </a:p>
         </p:txBody>
       </p:sp>
       <p:sp>
@@ -17956,7 +19030,7 @@
           <p:cNvPr id="4" name="Espace réservé de la date 3">
             <a:extLst>
               <a:ext uri="{FF2B5EF4-FFF2-40B4-BE49-F238E27FC236}">
-                <a16:creationId xmlns:a16="http://schemas.microsoft.com/office/drawing/2014/main" id="{F55E3828-2F95-4D98-A2A9-3D58FDE4383C}"/>
+                <a16:creationId xmlns:a16="http://schemas.microsoft.com/office/drawing/2014/main" id="{81B96284-0688-44A3-B2A8-8843A7A4F3F3}"/>
               </a:ext>
             </a:extLst>
           </p:cNvPr>
@@ -17981,10 +19055,82 @@
           </a:p>
         </p:txBody>
       </p:sp>
+      <p:pic>
+        <p:nvPicPr>
+          <p:cNvPr id="8" name="Image 7">
+            <a:extLst>
+              <a:ext uri="{FF2B5EF4-FFF2-40B4-BE49-F238E27FC236}">
+                <a16:creationId xmlns:a16="http://schemas.microsoft.com/office/drawing/2014/main" id="{4A4796EC-B2EC-42FF-BA60-72E3822FA8A9}"/>
+              </a:ext>
+            </a:extLst>
+          </p:cNvPr>
+          <p:cNvPicPr>
+            <a:picLocks noChangeAspect="1"/>
+          </p:cNvPicPr>
+          <p:nvPr/>
+        </p:nvPicPr>
+        <p:blipFill>
+          <a:blip r:embed="rId2"/>
+          <a:stretch>
+            <a:fillRect/>
+          </a:stretch>
+        </p:blipFill>
+        <p:spPr>
+          <a:xfrm>
+            <a:off x="5989468" y="3429000"/>
+            <a:ext cx="4722135" cy="2536376"/>
+          </a:xfrm>
+          <a:prstGeom prst="rect">
+            <a:avLst/>
+          </a:prstGeom>
+        </p:spPr>
+      </p:pic>
+      <p:sp>
+        <p:nvSpPr>
+          <p:cNvPr id="5" name="ZoneTexte 4">
+            <a:extLst>
+              <a:ext uri="{FF2B5EF4-FFF2-40B4-BE49-F238E27FC236}">
+                <a16:creationId xmlns:a16="http://schemas.microsoft.com/office/drawing/2014/main" id="{036F8D21-4D35-4658-ABCA-BFDD2B26B69E}"/>
+              </a:ext>
+            </a:extLst>
+          </p:cNvPr>
+          <p:cNvSpPr txBox="1"/>
+          <p:nvPr/>
+        </p:nvSpPr>
+        <p:spPr>
+          <a:xfrm>
+            <a:off x="4465469" y="3622089"/>
+            <a:ext cx="1447060" cy="646331"/>
+          </a:xfrm>
+          <a:prstGeom prst="rect">
+            <a:avLst/>
+          </a:prstGeom>
+          <a:noFill/>
+        </p:spPr>
+        <p:txBody>
+          <a:bodyPr wrap="square" rtlCol="0">
+            <a:spAutoFit/>
+          </a:bodyPr>
+          <a:lstStyle/>
+          <a:p>
+            <a:r>
+              <a:rPr lang="fr-FR"/>
+              <a:t>Minimale:</a:t>
+            </a:r>
+          </a:p>
+          <a:p>
+            <a:r>
+              <a:rPr lang="fr-FR"/>
+              <a:t>Maximale:</a:t>
+            </a:r>
+            <a:endParaRPr lang="en-US" dirty="0"/>
+          </a:p>
+        </p:txBody>
+      </p:sp>
     </p:spTree>
     <p:extLst>
       <p:ext uri="{BB962C8B-B14F-4D97-AF65-F5344CB8AC3E}">
-        <p14:creationId xmlns:p14="http://schemas.microsoft.com/office/powerpoint/2010/main" val="3816100659"/>
+        <p14:creationId xmlns:p14="http://schemas.microsoft.com/office/powerpoint/2010/main" val="2909718973"/>
       </p:ext>
     </p:extLst>
   </p:cSld>
@@ -18016,7 +19162,7 @@
           <p:cNvPr id="2" name="Titre 1">
             <a:extLst>
               <a:ext uri="{FF2B5EF4-FFF2-40B4-BE49-F238E27FC236}">
-                <a16:creationId xmlns:a16="http://schemas.microsoft.com/office/drawing/2014/main" id="{3ADA377F-A30B-44CB-8261-D5D5F3BA2FB4}"/>
+                <a16:creationId xmlns:a16="http://schemas.microsoft.com/office/drawing/2014/main" id="{EA53D9FC-3044-40B7-A8EB-EAB80F26D6FE}"/>
               </a:ext>
             </a:extLst>
           </p:cNvPr>
@@ -18027,16 +19173,22 @@
             <p:ph type="title"/>
           </p:nvPr>
         </p:nvSpPr>
-        <p:spPr/>
-        <p:txBody>
-          <a:bodyPr/>
+        <p:spPr>
+          <a:xfrm>
+            <a:off x="1066800" y="642594"/>
+            <a:ext cx="10058400" cy="556814"/>
+          </a:xfrm>
+        </p:spPr>
+        <p:txBody>
+          <a:bodyPr>
+            <a:normAutofit fontScale="90000"/>
+          </a:bodyPr>
           <a:lstStyle/>
           <a:p>
             <a:r>
               <a:rPr lang="fr-FR" dirty="0"/>
-              <a:t>			Affichage jour:</a:t>
-            </a:r>
-            <a:endParaRPr lang="en-US" dirty="0"/>
+              <a:t>Conception du Serveur : les grande étapes</a:t>
+            </a:r>
           </a:p>
         </p:txBody>
       </p:sp>
@@ -18045,7 +19197,7 @@
           <p:cNvPr id="3" name="Espace réservé du contenu 2">
             <a:extLst>
               <a:ext uri="{FF2B5EF4-FFF2-40B4-BE49-F238E27FC236}">
-                <a16:creationId xmlns:a16="http://schemas.microsoft.com/office/drawing/2014/main" id="{121191D1-0818-4113-8C4B-77075C31981F}"/>
+                <a16:creationId xmlns:a16="http://schemas.microsoft.com/office/drawing/2014/main" id="{5837093E-200E-45C2-A38D-202DB399C72A}"/>
               </a:ext>
             </a:extLst>
           </p:cNvPr>
@@ -18056,36 +19208,177 @@
             <p:ph idx="1"/>
           </p:nvPr>
         </p:nvSpPr>
-        <p:spPr/>
-        <p:txBody>
-          <a:bodyPr/>
+        <p:spPr>
+          <a:xfrm>
+            <a:off x="1066800" y="1300348"/>
+            <a:ext cx="10058400" cy="4652396"/>
+          </a:xfrm>
+        </p:spPr>
+        <p:txBody>
+          <a:bodyPr>
+            <a:normAutofit/>
+          </a:bodyPr>
           <a:lstStyle/>
+          <a:p>
+            <a:pPr lvl="2"/>
+            <a:endParaRPr lang="fr-FR" dirty="0"/>
+          </a:p>
+          <a:p>
+            <a:pPr lvl="2"/>
+            <a:r>
+              <a:rPr lang="fr-FR" dirty="0"/>
+              <a:t>Création d’un projet cross platform UNIX/WINDOWS</a:t>
+            </a:r>
+          </a:p>
+          <a:p>
+            <a:pPr lvl="2"/>
+            <a:r>
+              <a:rPr lang="fr-FR" dirty="0"/>
+              <a:t>Mettre en place les diffèrent modules </a:t>
+            </a:r>
+          </a:p>
+          <a:p>
+            <a:pPr lvl="3"/>
+            <a:r>
+              <a:rPr lang="fr-FR" dirty="0"/>
+              <a:t>Serveur HTTP</a:t>
+            </a:r>
+          </a:p>
+          <a:p>
+            <a:pPr lvl="3"/>
+            <a:r>
+              <a:rPr lang="fr-FR" dirty="0"/>
+              <a:t>Base de donnée</a:t>
+            </a:r>
+          </a:p>
+          <a:p>
+            <a:pPr lvl="3"/>
+            <a:r>
+              <a:rPr lang="fr-FR" dirty="0"/>
+              <a:t>Mesure capteur</a:t>
+            </a:r>
+          </a:p>
+          <a:p>
+            <a:pPr lvl="3"/>
+            <a:r>
+              <a:rPr lang="fr-FR" dirty="0"/>
+              <a:t>Historique des mesures</a:t>
+            </a:r>
+          </a:p>
+          <a:p>
+            <a:pPr lvl="3"/>
+            <a:r>
+              <a:rPr lang="fr-FR" dirty="0"/>
+              <a:t>Infos serveur</a:t>
+            </a:r>
+          </a:p>
+          <a:p>
+            <a:pPr lvl="2"/>
+            <a:r>
+              <a:rPr lang="fr-FR" dirty="0"/>
+              <a:t>Créer la logique d’interconnexion des différents modules</a:t>
+            </a:r>
+          </a:p>
+          <a:p>
+            <a:pPr lvl="2"/>
+            <a:r>
+              <a:rPr lang="fr-FR" dirty="0"/>
+              <a:t>Mettre au point les modules possible sous Windows :</a:t>
+            </a:r>
+          </a:p>
+          <a:p>
+            <a:pPr lvl="3"/>
+            <a:r>
+              <a:rPr lang="fr-FR" dirty="0"/>
+              <a:t>Serveur HTTP</a:t>
+            </a:r>
+          </a:p>
+          <a:p>
+            <a:pPr lvl="3"/>
+            <a:r>
+              <a:rPr lang="fr-FR" dirty="0" err="1"/>
+              <a:t>Pilotega</a:t>
+            </a:r>
+            <a:r>
+              <a:rPr lang="fr-FR" dirty="0"/>
+              <a:t> de la </a:t>
+            </a:r>
+            <a:r>
+              <a:rPr lang="fr-FR" dirty="0" err="1"/>
+              <a:t>abse</a:t>
+            </a:r>
+            <a:r>
+              <a:rPr lang="fr-FR" dirty="0"/>
+              <a:t> de donnée</a:t>
+            </a:r>
+          </a:p>
+          <a:p>
+            <a:pPr lvl="3"/>
+            <a:endParaRPr lang="fr-FR" dirty="0"/>
+          </a:p>
+          <a:p>
+            <a:pPr lvl="3"/>
+            <a:endParaRPr lang="fr-FR" dirty="0"/>
+          </a:p>
+          <a:p>
+            <a:pPr lvl="2"/>
+            <a:r>
+              <a:rPr lang="fr-FR" dirty="0"/>
+              <a:t> </a:t>
+            </a:r>
+            <a:r>
+              <a:rPr lang="fr-FR" dirty="0" err="1"/>
+              <a:t>etau</a:t>
+            </a:r>
+            <a:r>
+              <a:rPr lang="fr-FR" dirty="0"/>
+              <a:t> point et </a:t>
+            </a:r>
+            <a:r>
+              <a:rPr lang="fr-FR" dirty="0" err="1"/>
+              <a:t>tetser</a:t>
+            </a:r>
+            <a:r>
+              <a:rPr lang="fr-FR" dirty="0"/>
+              <a:t> les </a:t>
+            </a:r>
+            <a:r>
+              <a:rPr lang="fr-FR" dirty="0" err="1"/>
+              <a:t>different</a:t>
+            </a:r>
+            <a:r>
+              <a:rPr lang="fr-FR" dirty="0"/>
+              <a:t> composant possible </a:t>
+            </a:r>
+            <a:r>
+              <a:rPr lang="fr-FR" dirty="0" err="1"/>
+              <a:t>ctoé</a:t>
+            </a:r>
+            <a:r>
+              <a:rPr lang="fr-FR" dirty="0"/>
+              <a:t> </a:t>
+            </a:r>
+            <a:r>
+              <a:rPr lang="fr-FR" dirty="0" err="1"/>
+              <a:t>window</a:t>
+            </a:r>
+            <a:endParaRPr lang="fr-FR" dirty="0"/>
+          </a:p>
           <a:p>
             <a:pPr marL="0" indent="0">
               <a:buNone/>
             </a:pPr>
-            <a:r>
-              <a:rPr lang="fr-FR" dirty="0"/>
-              <a:t> Dans les infos renvoyées par l’api nous avons bien sur la date de chaque mesures qui nous est transmise</a:t>
-            </a:r>
+            <a:endParaRPr lang="fr-FR" dirty="0"/>
+          </a:p>
+          <a:p>
+            <a:pPr lvl="3"/>
+            <a:endParaRPr lang="fr-FR" dirty="0"/>
           </a:p>
           <a:p>
             <a:pPr marL="0" indent="0">
               <a:buNone/>
             </a:pPr>
-            <a:r>
-              <a:rPr lang="fr-FR" dirty="0"/>
-              <a:t>Grace a elles ci et a la fonction </a:t>
-            </a:r>
-            <a:r>
-              <a:rPr lang="fr-FR" dirty="0" err="1"/>
-              <a:t>Qdate</a:t>
-            </a:r>
-            <a:r>
-              <a:rPr lang="fr-FR" dirty="0"/>
-              <a:t> nous avons eu la possibilité d’afficher le jour correspondant et a le traduire selon la langue sélectionnée</a:t>
-            </a:r>
-            <a:endParaRPr lang="en-US" dirty="0"/>
+            <a:endParaRPr lang="fr-FR" dirty="0"/>
           </a:p>
         </p:txBody>
       </p:sp>
@@ -18094,7 +19387,7 @@
           <p:cNvPr id="4" name="Espace réservé de la date 3">
             <a:extLst>
               <a:ext uri="{FF2B5EF4-FFF2-40B4-BE49-F238E27FC236}">
-                <a16:creationId xmlns:a16="http://schemas.microsoft.com/office/drawing/2014/main" id="{81B96284-0688-44A3-B2A8-8843A7A4F3F3}"/>
+                <a16:creationId xmlns:a16="http://schemas.microsoft.com/office/drawing/2014/main" id="{60BDC591-8D09-4D49-88A2-408CD1604F69}"/>
               </a:ext>
             </a:extLst>
           </p:cNvPr>
@@ -18119,40 +19412,10 @@
           </a:p>
         </p:txBody>
       </p:sp>
-      <p:pic>
-        <p:nvPicPr>
-          <p:cNvPr id="8" name="Image 7">
-            <a:extLst>
-              <a:ext uri="{FF2B5EF4-FFF2-40B4-BE49-F238E27FC236}">
-                <a16:creationId xmlns:a16="http://schemas.microsoft.com/office/drawing/2014/main" id="{4A4796EC-B2EC-42FF-BA60-72E3822FA8A9}"/>
-              </a:ext>
-            </a:extLst>
-          </p:cNvPr>
-          <p:cNvPicPr>
-            <a:picLocks noChangeAspect="1"/>
-          </p:cNvPicPr>
-          <p:nvPr/>
-        </p:nvPicPr>
-        <p:blipFill>
-          <a:blip r:embed="rId2"/>
-          <a:stretch>
-            <a:fillRect/>
-          </a:stretch>
-        </p:blipFill>
-        <p:spPr>
-          <a:xfrm>
-            <a:off x="3081337" y="3082309"/>
-            <a:ext cx="6029325" cy="3238500"/>
-          </a:xfrm>
-          <a:prstGeom prst="rect">
-            <a:avLst/>
-          </a:prstGeom>
-        </p:spPr>
-      </p:pic>
     </p:spTree>
     <p:extLst>
       <p:ext uri="{BB962C8B-B14F-4D97-AF65-F5344CB8AC3E}">
-        <p14:creationId xmlns:p14="http://schemas.microsoft.com/office/powerpoint/2010/main" val="2909718973"/>
+        <p14:creationId xmlns:p14="http://schemas.microsoft.com/office/powerpoint/2010/main" val="2168069617"/>
       </p:ext>
     </p:extLst>
   </p:cSld>
@@ -18209,7 +19472,7 @@
           <a:p>
             <a:r>
               <a:rPr lang="fr-FR" dirty="0"/>
-              <a:t>Conception du Serveur : les grande étapes</a:t>
+              <a:t>Conception du Serveur : 1 étape</a:t>
             </a:r>
           </a:p>
         </p:txBody>
@@ -18243,95 +19506,35 @@
           <a:lstStyle/>
           <a:p>
             <a:pPr lvl="2"/>
+            <a:r>
+              <a:rPr lang="fr-FR" dirty="0"/>
+              <a:t>Création d’un projet cross platform UNIX/WINDOWS avec CMAKE </a:t>
+            </a:r>
+          </a:p>
+          <a:p>
+            <a:pPr lvl="3"/>
+            <a:r>
+              <a:rPr lang="fr-FR" dirty="0"/>
+              <a:t>L’idée était de :</a:t>
+            </a:r>
+          </a:p>
+          <a:p>
+            <a:pPr lvl="4"/>
+            <a:r>
+              <a:rPr lang="fr-FR" dirty="0"/>
+              <a:t>faire le plus gros du projet sous </a:t>
+            </a:r>
+            <a:r>
+              <a:rPr lang="fr-FR" dirty="0" err="1"/>
+              <a:t>windows</a:t>
+            </a:r>
             <a:endParaRPr lang="fr-FR" dirty="0"/>
           </a:p>
           <a:p>
-            <a:pPr lvl="2"/>
-            <a:r>
-              <a:rPr lang="fr-FR" dirty="0"/>
-              <a:t>Création d’un projet cross platform UNIX/WINDOWS</a:t>
-            </a:r>
-          </a:p>
-          <a:p>
-            <a:pPr lvl="2"/>
-            <a:r>
-              <a:rPr lang="fr-FR" dirty="0"/>
-              <a:t>Mettre en place les diffèrent modules </a:t>
-            </a:r>
-          </a:p>
-          <a:p>
-            <a:pPr lvl="3"/>
-            <a:r>
-              <a:rPr lang="fr-FR" dirty="0"/>
-              <a:t>Serveur HTTP</a:t>
-            </a:r>
-          </a:p>
-          <a:p>
-            <a:pPr lvl="3"/>
-            <a:r>
-              <a:rPr lang="fr-FR" dirty="0"/>
-              <a:t>Base de donnée</a:t>
-            </a:r>
-          </a:p>
-          <a:p>
-            <a:pPr lvl="3"/>
-            <a:r>
-              <a:rPr lang="fr-FR" dirty="0"/>
-              <a:t>Mesure capteur</a:t>
-            </a:r>
-          </a:p>
-          <a:p>
-            <a:pPr lvl="3"/>
-            <a:r>
-              <a:rPr lang="fr-FR" dirty="0"/>
-              <a:t>Historique des mesures</a:t>
-            </a:r>
-          </a:p>
-          <a:p>
-            <a:pPr lvl="3"/>
-            <a:r>
-              <a:rPr lang="fr-FR" dirty="0"/>
-              <a:t>Infos serveur</a:t>
-            </a:r>
-          </a:p>
-          <a:p>
-            <a:pPr lvl="2"/>
-            <a:r>
-              <a:rPr lang="fr-FR" dirty="0"/>
-              <a:t>Créer la logique d’interconnexion des différents modules</a:t>
-            </a:r>
-          </a:p>
-          <a:p>
-            <a:pPr lvl="2"/>
-            <a:r>
-              <a:rPr lang="fr-FR" dirty="0"/>
-              <a:t>Mettre au point les modules possible sous Windows :</a:t>
-            </a:r>
-          </a:p>
-          <a:p>
-            <a:pPr lvl="3"/>
-            <a:r>
-              <a:rPr lang="fr-FR" dirty="0"/>
-              <a:t>Serveur HTTP</a:t>
-            </a:r>
-          </a:p>
-          <a:p>
-            <a:pPr lvl="3"/>
-            <a:r>
-              <a:rPr lang="fr-FR" dirty="0" err="1"/>
-              <a:t>Pilotega</a:t>
-            </a:r>
-            <a:r>
-              <a:rPr lang="fr-FR" dirty="0"/>
-              <a:t> de la </a:t>
-            </a:r>
-            <a:r>
-              <a:rPr lang="fr-FR" dirty="0" err="1"/>
-              <a:t>abse</a:t>
-            </a:r>
-            <a:r>
-              <a:rPr lang="fr-FR" dirty="0"/>
-              <a:t> de donnée</a:t>
+            <a:pPr lvl="4"/>
+            <a:r>
+              <a:rPr lang="fr-FR" dirty="0"/>
+              <a:t>Faire le déploiement, derniers test, et configuration serveurs sur la machine linux</a:t>
             </a:r>
           </a:p>
           <a:p>
@@ -18340,51 +19543,87 @@
           </a:p>
           <a:p>
             <a:pPr lvl="3"/>
+            <a:r>
+              <a:rPr lang="fr-FR" dirty="0"/>
+              <a:t>Les  + de développer sous Windows : </a:t>
+            </a:r>
+          </a:p>
+          <a:p>
+            <a:pPr lvl="4"/>
+            <a:r>
+              <a:rPr lang="fr-FR" dirty="0"/>
+              <a:t>Pouvoir faciliter la mise au point et le </a:t>
+            </a:r>
+            <a:r>
+              <a:rPr lang="fr-FR" dirty="0" err="1"/>
+              <a:t>debug</a:t>
+            </a:r>
+            <a:r>
+              <a:rPr lang="fr-FR" dirty="0"/>
+              <a:t> avec les outils visuel de </a:t>
+            </a:r>
+            <a:r>
+              <a:rPr lang="fr-FR" dirty="0" err="1"/>
+              <a:t>visual</a:t>
+            </a:r>
+            <a:r>
+              <a:rPr lang="fr-FR" dirty="0"/>
+              <a:t> studio 2019 :</a:t>
+            </a:r>
+          </a:p>
+          <a:p>
+            <a:pPr lvl="5"/>
+            <a:r>
+              <a:rPr lang="fr-FR" dirty="0"/>
+              <a:t>Debugger</a:t>
+            </a:r>
+          </a:p>
+          <a:p>
+            <a:pPr lvl="5"/>
+            <a:r>
+              <a:rPr lang="fr-FR" dirty="0"/>
+              <a:t>Profiler</a:t>
+            </a:r>
+          </a:p>
+          <a:p>
+            <a:pPr lvl="5"/>
+            <a:r>
+              <a:rPr lang="fr-FR" dirty="0"/>
+              <a:t>Analyseur de fuite mémoire</a:t>
+            </a:r>
+          </a:p>
+          <a:p>
+            <a:pPr lvl="5"/>
+            <a:r>
+              <a:rPr lang="fr-FR" dirty="0" err="1"/>
+              <a:t>Refactoring</a:t>
+            </a:r>
             <a:endParaRPr lang="fr-FR" dirty="0"/>
           </a:p>
           <a:p>
-            <a:pPr lvl="2"/>
-            <a:r>
-              <a:rPr lang="fr-FR" dirty="0"/>
-              <a:t> </a:t>
-            </a:r>
-            <a:r>
-              <a:rPr lang="fr-FR" dirty="0" err="1"/>
-              <a:t>etau</a:t>
-            </a:r>
-            <a:r>
-              <a:rPr lang="fr-FR" dirty="0"/>
-              <a:t> point et </a:t>
-            </a:r>
-            <a:r>
-              <a:rPr lang="fr-FR" dirty="0" err="1"/>
-              <a:t>tetser</a:t>
-            </a:r>
-            <a:r>
-              <a:rPr lang="fr-FR" dirty="0"/>
-              <a:t> les </a:t>
-            </a:r>
-            <a:r>
-              <a:rPr lang="fr-FR" dirty="0" err="1"/>
-              <a:t>different</a:t>
-            </a:r>
-            <a:r>
-              <a:rPr lang="fr-FR" dirty="0"/>
-              <a:t> composant possible </a:t>
-            </a:r>
-            <a:r>
-              <a:rPr lang="fr-FR" dirty="0" err="1"/>
-              <a:t>ctoé</a:t>
-            </a:r>
-            <a:r>
-              <a:rPr lang="fr-FR" dirty="0"/>
-              <a:t> </a:t>
-            </a:r>
-            <a:r>
-              <a:rPr lang="fr-FR" dirty="0" err="1"/>
-              <a:t>window</a:t>
-            </a:r>
+            <a:pPr lvl="5"/>
+            <a:r>
+              <a:rPr lang="fr-FR" dirty="0"/>
+              <a:t>Test du serveur avec Firefox/Chrome</a:t>
+            </a:r>
+          </a:p>
+          <a:p>
+            <a:pPr lvl="5"/>
             <a:endParaRPr lang="fr-FR" dirty="0"/>
+          </a:p>
+          <a:p>
+            <a:pPr lvl="3"/>
+            <a:r>
+              <a:rPr lang="fr-FR" dirty="0"/>
+              <a:t>Les - de développer sous Windows :</a:t>
+            </a:r>
+          </a:p>
+          <a:p>
+            <a:pPr lvl="4"/>
+            <a:r>
+              <a:rPr lang="fr-FR" dirty="0"/>
+              <a:t>Pas accès au capteur BME280.</a:t>
+            </a:r>
           </a:p>
           <a:p>
             <a:pPr marL="0" indent="0">
@@ -18428,7 +19667,7 @@
             <a:pPr rtl="0"/>
             <a:fld id="{802FE938-1586-4780-B61A-DD3B60BAB93C}" type="datetime1">
               <a:rPr lang="fr-FR" smtClean="0"/>
-              <a:t>22/06/2021</a:t>
+              <a:t>23/06/2021</a:t>
             </a:fld>
             <a:endParaRPr lang="en-US"/>
           </a:p>
@@ -18437,7 +19676,7 @@
     </p:spTree>
     <p:extLst>
       <p:ext uri="{BB962C8B-B14F-4D97-AF65-F5344CB8AC3E}">
-        <p14:creationId xmlns:p14="http://schemas.microsoft.com/office/powerpoint/2010/main" val="2168069617"/>
+        <p14:creationId xmlns:p14="http://schemas.microsoft.com/office/powerpoint/2010/main" val="2089308026"/>
       </p:ext>
     </p:extLst>
   </p:cSld>
@@ -18668,7 +19907,7 @@
             <a:pPr rtl="0"/>
             <a:fld id="{802FE938-1586-4780-B61A-DD3B60BAB93C}" type="datetime1">
               <a:rPr lang="fr-FR" smtClean="0"/>
-              <a:t>22/06/2021</a:t>
+              <a:t>23/06/2021</a:t>
             </a:fld>
             <a:endParaRPr lang="en-US"/>
           </a:p>
@@ -18764,7 +20003,7 @@
           <a:p>
             <a:r>
               <a:rPr lang="fr-FR" dirty="0"/>
-              <a:t>Conception du Serveur : 1 étape</a:t>
+              <a:t>Conception du Serveur : 2eme étape</a:t>
             </a:r>
           </a:p>
         </p:txBody>
@@ -18797,131 +20036,219 @@
           </a:bodyPr>
           <a:lstStyle/>
           <a:p>
-            <a:pPr lvl="2"/>
-            <a:r>
-              <a:rPr lang="fr-FR" dirty="0"/>
-              <a:t>Création d’un projet cross platform UNIX/WINDOWS avec CMAKE </a:t>
-            </a:r>
-          </a:p>
-          <a:p>
-            <a:pPr lvl="3"/>
-            <a:r>
-              <a:rPr lang="fr-FR" dirty="0"/>
-              <a:t>L’idée était de :</a:t>
-            </a:r>
-          </a:p>
-          <a:p>
-            <a:pPr lvl="4"/>
-            <a:r>
-              <a:rPr lang="fr-FR" dirty="0"/>
-              <a:t>faire le plus gros du projet sous </a:t>
-            </a:r>
-            <a:r>
-              <a:rPr lang="fr-FR" dirty="0" err="1"/>
-              <a:t>windows</a:t>
-            </a:r>
-            <a:endParaRPr lang="fr-FR" dirty="0"/>
-          </a:p>
-          <a:p>
-            <a:pPr lvl="4"/>
-            <a:r>
-              <a:rPr lang="fr-FR" dirty="0"/>
-              <a:t>Faire le déploiement, derniers test, et configuration serveurs sur la machine linux</a:t>
-            </a:r>
-          </a:p>
-          <a:p>
-            <a:pPr lvl="3"/>
-            <a:endParaRPr lang="fr-FR" dirty="0"/>
-          </a:p>
-          <a:p>
-            <a:pPr lvl="3"/>
-            <a:r>
-              <a:rPr lang="fr-FR" dirty="0"/>
-              <a:t>Les  + de développer sous Windows : </a:t>
-            </a:r>
-          </a:p>
-          <a:p>
-            <a:pPr lvl="4"/>
-            <a:r>
-              <a:rPr lang="fr-FR" dirty="0"/>
-              <a:t>Pouvoir faciliter la mise au point et le </a:t>
-            </a:r>
-            <a:r>
-              <a:rPr lang="fr-FR" dirty="0" err="1"/>
-              <a:t>debug</a:t>
-            </a:r>
-            <a:r>
-              <a:rPr lang="fr-FR" dirty="0"/>
-              <a:t> avec les outils visuel de </a:t>
-            </a:r>
-            <a:r>
-              <a:rPr lang="fr-FR" dirty="0" err="1"/>
-              <a:t>visual</a:t>
-            </a:r>
-            <a:r>
-              <a:rPr lang="fr-FR" dirty="0"/>
-              <a:t> studio 2019 :</a:t>
-            </a:r>
-          </a:p>
-          <a:p>
-            <a:pPr lvl="5"/>
-            <a:r>
-              <a:rPr lang="fr-FR" dirty="0"/>
-              <a:t>Debugger</a:t>
-            </a:r>
-          </a:p>
-          <a:p>
-            <a:pPr lvl="5"/>
-            <a:r>
-              <a:rPr lang="fr-FR" dirty="0"/>
-              <a:t>Profiler</a:t>
-            </a:r>
-          </a:p>
-          <a:p>
-            <a:pPr lvl="5"/>
-            <a:r>
-              <a:rPr lang="fr-FR" dirty="0"/>
-              <a:t>Analyseur de fuite mémoire</a:t>
-            </a:r>
-          </a:p>
-          <a:p>
-            <a:pPr lvl="5"/>
-            <a:r>
-              <a:rPr lang="fr-FR" dirty="0" err="1"/>
-              <a:t>Refactoring</a:t>
-            </a:r>
-            <a:endParaRPr lang="fr-FR" dirty="0"/>
-          </a:p>
-          <a:p>
-            <a:pPr lvl="5"/>
-            <a:r>
-              <a:rPr lang="fr-FR" dirty="0"/>
-              <a:t>Test du serveur avec Firefox/Chrome</a:t>
-            </a:r>
-          </a:p>
-          <a:p>
-            <a:pPr lvl="5"/>
-            <a:endParaRPr lang="fr-FR" dirty="0"/>
-          </a:p>
-          <a:p>
-            <a:pPr lvl="3"/>
-            <a:r>
-              <a:rPr lang="fr-FR" dirty="0"/>
-              <a:t>Les - de développer sous Windows :</a:t>
-            </a:r>
-          </a:p>
-          <a:p>
-            <a:pPr lvl="4"/>
-            <a:r>
-              <a:rPr lang="fr-FR" dirty="0"/>
-              <a:t>Pas accès au capteur BME280.</a:t>
-            </a:r>
-          </a:p>
-          <a:p>
             <a:pPr marL="0" indent="0">
               <a:buNone/>
             </a:pPr>
+            <a:r>
+              <a:rPr lang="fr-FR" dirty="0"/>
+              <a:t>Mise au point sous Windows avec Visual studio :</a:t>
+            </a:r>
+          </a:p>
+          <a:p>
+            <a:pPr lvl="1"/>
+            <a:r>
+              <a:rPr lang="fr-FR" dirty="0"/>
+              <a:t>Création d’un projet cross platform UNIX/WINDOWS avec CMAKE :</a:t>
+            </a:r>
+          </a:p>
+          <a:p>
+            <a:pPr lvl="2"/>
+            <a:r>
+              <a:rPr lang="fr-FR" dirty="0"/>
+              <a:t>Ajout dans le projet de tierce partie :</a:t>
+            </a:r>
+          </a:p>
+          <a:p>
+            <a:pPr lvl="3"/>
+            <a:r>
+              <a:rPr lang="fr-FR" dirty="0"/>
+              <a:t>Du code source du Driver BME 280</a:t>
+            </a:r>
+          </a:p>
+          <a:p>
+            <a:pPr lvl="3"/>
+            <a:r>
+              <a:rPr lang="fr-FR" dirty="0"/>
+              <a:t>Du code source de </a:t>
+            </a:r>
+            <a:r>
+              <a:rPr lang="fr-FR" dirty="0" err="1"/>
+              <a:t>BuildInc</a:t>
+            </a:r>
+            <a:r>
+              <a:rPr lang="fr-FR" dirty="0"/>
+              <a:t> : petit utilitaire qui permet d’</a:t>
+            </a:r>
+            <a:r>
+              <a:rPr lang="fr-FR" dirty="0" err="1"/>
+              <a:t>incrementer</a:t>
+            </a:r>
+            <a:r>
+              <a:rPr lang="fr-FR" dirty="0"/>
+              <a:t> un numéro de </a:t>
+            </a:r>
+            <a:r>
+              <a:rPr lang="fr-FR" dirty="0" err="1"/>
+              <a:t>build</a:t>
+            </a:r>
+            <a:r>
+              <a:rPr lang="fr-FR" dirty="0"/>
+              <a:t> a chaque </a:t>
+            </a:r>
+            <a:r>
+              <a:rPr lang="fr-FR" dirty="0" err="1"/>
+              <a:t>build</a:t>
+            </a:r>
             <a:endParaRPr lang="fr-FR" dirty="0"/>
+          </a:p>
+          <a:p>
+            <a:pPr lvl="3"/>
+            <a:r>
+              <a:rPr lang="fr-FR" dirty="0"/>
+              <a:t>Du code source de </a:t>
+            </a:r>
+            <a:r>
+              <a:rPr lang="fr-FR" dirty="0" err="1"/>
+              <a:t>libuv</a:t>
+            </a:r>
+            <a:r>
+              <a:rPr lang="fr-FR" dirty="0"/>
+              <a:t> : la libraire de communication réseau</a:t>
+            </a:r>
+          </a:p>
+          <a:p>
+            <a:pPr lvl="3"/>
+            <a:r>
+              <a:rPr lang="fr-FR" dirty="0"/>
+              <a:t>Du code source de SQlite3</a:t>
+            </a:r>
+          </a:p>
+          <a:p>
+            <a:pPr lvl="3"/>
+            <a:r>
+              <a:rPr lang="fr-FR" dirty="0"/>
+              <a:t>Du code source de </a:t>
+            </a:r>
+            <a:r>
+              <a:rPr lang="fr-FR" dirty="0" err="1"/>
+              <a:t>uv_cpp</a:t>
+            </a:r>
+            <a:r>
+              <a:rPr lang="fr-FR" dirty="0"/>
+              <a:t> : le </a:t>
+            </a:r>
+            <a:r>
+              <a:rPr lang="fr-FR" dirty="0" err="1"/>
+              <a:t>wrapper</a:t>
+            </a:r>
+            <a:r>
+              <a:rPr lang="fr-FR" dirty="0"/>
+              <a:t> </a:t>
+            </a:r>
+            <a:r>
+              <a:rPr lang="fr-FR" dirty="0" err="1"/>
+              <a:t>cpp</a:t>
+            </a:r>
+            <a:r>
+              <a:rPr lang="fr-FR" dirty="0"/>
+              <a:t> pour </a:t>
+            </a:r>
+            <a:r>
+              <a:rPr lang="fr-FR" dirty="0" err="1"/>
+              <a:t>libuv</a:t>
+            </a:r>
+            <a:endParaRPr lang="fr-FR" dirty="0"/>
+          </a:p>
+          <a:p>
+            <a:pPr lvl="2"/>
+            <a:r>
+              <a:rPr lang="fr-FR" dirty="0"/>
+              <a:t>Ajout dans le projet du code utile reparti en module :</a:t>
+            </a:r>
+          </a:p>
+          <a:p>
+            <a:pPr lvl="3"/>
+            <a:r>
+              <a:rPr lang="fr-FR" dirty="0"/>
+              <a:t>Un module pour gérer le serveur HTTP : réception / traitement / envoi de requête HTTP</a:t>
+            </a:r>
+          </a:p>
+          <a:p>
+            <a:pPr lvl="3"/>
+            <a:r>
+              <a:rPr lang="fr-FR" dirty="0"/>
+              <a:t>Un module pour gérer le capteur : mesure du capteur et formatage des données mesurées</a:t>
+            </a:r>
+          </a:p>
+          <a:p>
+            <a:pPr lvl="3"/>
+            <a:r>
+              <a:rPr lang="fr-FR" dirty="0"/>
+              <a:t>Un module pour gérer la base de donnée : ajout de donnée / extraction sous forme JSON</a:t>
+            </a:r>
+          </a:p>
+          <a:p>
+            <a:pPr lvl="3"/>
+            <a:r>
+              <a:rPr lang="fr-FR" dirty="0"/>
+              <a:t>Un module pour piloter la mesure et l’inscription dans la base de donnée suivant un </a:t>
+            </a:r>
+            <a:r>
+              <a:rPr lang="fr-FR" dirty="0" err="1"/>
+              <a:t>timer</a:t>
+            </a:r>
+            <a:r>
+              <a:rPr lang="fr-FR" dirty="0"/>
+              <a:t>. Ici toute les heures</a:t>
+            </a:r>
+          </a:p>
+          <a:p>
+            <a:pPr lvl="3"/>
+            <a:r>
+              <a:rPr lang="fr-FR" dirty="0"/>
+              <a:t>Un module pour extraire les infos du serveur : </a:t>
+            </a:r>
+          </a:p>
+          <a:p>
+            <a:pPr lvl="4"/>
+            <a:r>
+              <a:rPr lang="fr-FR" dirty="0"/>
+              <a:t>Infos de l’os : version, </a:t>
+            </a:r>
+            <a:r>
+              <a:rPr lang="fr-FR" dirty="0" err="1"/>
+              <a:t>cpu</a:t>
+            </a:r>
+            <a:endParaRPr lang="fr-FR" dirty="0"/>
+          </a:p>
+          <a:p>
+            <a:pPr lvl="4"/>
+            <a:r>
+              <a:rPr lang="fr-FR" dirty="0"/>
+              <a:t>Infos sur la bd : nombre d’enregistrements, version de la bd, chemin de la bd</a:t>
+            </a:r>
+          </a:p>
+          <a:p>
+            <a:pPr lvl="4"/>
+            <a:r>
+              <a:rPr lang="fr-FR" dirty="0"/>
+              <a:t>Infos sur le serveur : version, ligne de commande utilisé</a:t>
+            </a:r>
+          </a:p>
+          <a:p>
+            <a:pPr lvl="3"/>
+            <a:r>
+              <a:rPr lang="fr-FR" dirty="0"/>
+              <a:t>Ajout de l’</a:t>
+            </a:r>
+            <a:r>
+              <a:rPr lang="fr-FR" dirty="0" err="1"/>
+              <a:t>nty</a:t>
+            </a:r>
+            <a:r>
+              <a:rPr lang="fr-FR" dirty="0"/>
+              <a:t> point du projet :</a:t>
+            </a:r>
           </a:p>
           <a:p>
             <a:pPr lvl="3"/>
@@ -18959,7 +20286,7 @@
             <a:pPr rtl="0"/>
             <a:fld id="{802FE938-1586-4780-B61A-DD3B60BAB93C}" type="datetime1">
               <a:rPr lang="fr-FR" smtClean="0"/>
-              <a:t>22/06/2021</a:t>
+              <a:t>23/06/2021</a:t>
             </a:fld>
             <a:endParaRPr lang="en-US"/>
           </a:p>
@@ -18968,7 +20295,7 @@
     </p:spTree>
     <p:extLst>
       <p:ext uri="{BB962C8B-B14F-4D97-AF65-F5344CB8AC3E}">
-        <p14:creationId xmlns:p14="http://schemas.microsoft.com/office/powerpoint/2010/main" val="2089308026"/>
+        <p14:creationId xmlns:p14="http://schemas.microsoft.com/office/powerpoint/2010/main" val="1185517342"/>
       </p:ext>
     </p:extLst>
   </p:cSld>
@@ -19025,7 +20352,7 @@
           <a:p>
             <a:r>
               <a:rPr lang="fr-FR" dirty="0"/>
-              <a:t>Conception du Serveur : 2eme étape</a:t>
+              <a:t>Conception du Serveur</a:t>
             </a:r>
           </a:p>
         </p:txBody>
@@ -19054,7 +20381,7 @@
         </p:spPr>
         <p:txBody>
           <a:bodyPr>
-            <a:normAutofit/>
+            <a:normAutofit lnSpcReduction="10000"/>
           </a:bodyPr>
           <a:lstStyle/>
           <a:p>
@@ -19261,15 +20588,14 @@
             <a:pPr lvl="3"/>
             <a:r>
               <a:rPr lang="fr-FR" dirty="0"/>
-              <a:t>Ajout de l’</a:t>
-            </a:r>
-            <a:r>
-              <a:rPr lang="fr-FR" dirty="0" err="1"/>
-              <a:t>nty</a:t>
-            </a:r>
-            <a:r>
-              <a:rPr lang="fr-FR" dirty="0"/>
-              <a:t> point du projet :</a:t>
+              <a:t>Ajout du point d’entrée du projet :</a:t>
+            </a:r>
+          </a:p>
+          <a:p>
+            <a:pPr lvl="4"/>
+            <a:r>
+              <a:rPr lang="fr-FR" dirty="0"/>
+              <a:t>Ajout d’une interface de ligne de commande configurable dans la logique des commande UNIX</a:t>
             </a:r>
           </a:p>
           <a:p>
@@ -19308,7 +20634,7 @@
             <a:pPr rtl="0"/>
             <a:fld id="{802FE938-1586-4780-B61A-DD3B60BAB93C}" type="datetime1">
               <a:rPr lang="fr-FR" smtClean="0"/>
-              <a:t>22/06/2021</a:t>
+              <a:t>23/06/2021</a:t>
             </a:fld>
             <a:endParaRPr lang="en-US"/>
           </a:p>
@@ -19317,7 +20643,7 @@
     </p:spTree>
     <p:extLst>
       <p:ext uri="{BB962C8B-B14F-4D97-AF65-F5344CB8AC3E}">
-        <p14:creationId xmlns:p14="http://schemas.microsoft.com/office/powerpoint/2010/main" val="1185517342"/>
+        <p14:creationId xmlns:p14="http://schemas.microsoft.com/office/powerpoint/2010/main" val="3877532116"/>
       </p:ext>
     </p:extLst>
   </p:cSld>
@@ -19346,10 +20672,10 @@
       </p:grpSpPr>
       <p:sp>
         <p:nvSpPr>
-          <p:cNvPr id="2" name="Titre 1">
-            <a:extLst>
-              <a:ext uri="{FF2B5EF4-FFF2-40B4-BE49-F238E27FC236}">
-                <a16:creationId xmlns:a16="http://schemas.microsoft.com/office/drawing/2014/main" id="{EA53D9FC-3044-40B7-A8EB-EAB80F26D6FE}"/>
+          <p:cNvPr id="5" name="Titre 4">
+            <a:extLst>
+              <a:ext uri="{FF2B5EF4-FFF2-40B4-BE49-F238E27FC236}">
+                <a16:creationId xmlns:a16="http://schemas.microsoft.com/office/drawing/2014/main" id="{B535D397-2E1B-4C1E-A392-E2A43916D949}"/>
               </a:ext>
             </a:extLst>
           </p:cNvPr>
@@ -19357,34 +20683,27 @@
             <a:spLocks noGrp="1"/>
           </p:cNvSpPr>
           <p:nvPr>
-            <p:ph type="title"/>
+            <p:ph type="ctrTitle"/>
           </p:nvPr>
         </p:nvSpPr>
-        <p:spPr>
-          <a:xfrm>
-            <a:off x="1066800" y="642594"/>
-            <a:ext cx="10058400" cy="556814"/>
-          </a:xfrm>
-        </p:spPr>
-        <p:txBody>
-          <a:bodyPr>
-            <a:normAutofit fontScale="90000"/>
-          </a:bodyPr>
+        <p:spPr/>
+        <p:txBody>
+          <a:bodyPr/>
           <a:lstStyle/>
           <a:p>
             <a:r>
               <a:rPr lang="fr-FR" dirty="0"/>
-              <a:t>Conception du Serveur</a:t>
-            </a:r>
-          </a:p>
-        </p:txBody>
-      </p:sp>
-      <p:sp>
-        <p:nvSpPr>
-          <p:cNvPr id="3" name="Espace réservé du contenu 2">
-            <a:extLst>
-              <a:ext uri="{FF2B5EF4-FFF2-40B4-BE49-F238E27FC236}">
-                <a16:creationId xmlns:a16="http://schemas.microsoft.com/office/drawing/2014/main" id="{5837093E-200E-45C2-A38D-202DB399C72A}"/>
+              <a:t>LA FINITION</a:t>
+            </a:r>
+          </a:p>
+        </p:txBody>
+      </p:sp>
+      <p:sp>
+        <p:nvSpPr>
+          <p:cNvPr id="6" name="Sous-titre 5">
+            <a:extLst>
+              <a:ext uri="{FF2B5EF4-FFF2-40B4-BE49-F238E27FC236}">
+                <a16:creationId xmlns:a16="http://schemas.microsoft.com/office/drawing/2014/main" id="{42DF712F-84EC-48F3-B510-83E590DD97F0}"/>
               </a:ext>
             </a:extLst>
           </p:cNvPr>
@@ -19392,243 +20711,18 @@
             <a:spLocks noGrp="1"/>
           </p:cNvSpPr>
           <p:nvPr>
-            <p:ph idx="1"/>
+            <p:ph type="subTitle" idx="1"/>
           </p:nvPr>
         </p:nvSpPr>
-        <p:spPr>
-          <a:xfrm>
-            <a:off x="1066800" y="1300348"/>
-            <a:ext cx="10058400" cy="4652396"/>
-          </a:xfrm>
-        </p:spPr>
-        <p:txBody>
-          <a:bodyPr>
-            <a:normAutofit lnSpcReduction="10000"/>
-          </a:bodyPr>
+        <p:spPr/>
+        <p:txBody>
+          <a:bodyPr/>
           <a:lstStyle/>
           <a:p>
-            <a:pPr marL="0" indent="0">
-              <a:buNone/>
-            </a:pPr>
-            <a:r>
-              <a:rPr lang="fr-FR" dirty="0"/>
-              <a:t>Mise au point sous Windows avec Visual studio :</a:t>
-            </a:r>
-          </a:p>
-          <a:p>
-            <a:pPr lvl="1"/>
-            <a:r>
-              <a:rPr lang="fr-FR" dirty="0"/>
-              <a:t>Création d’un projet cross platform UNIX/WINDOWS avec CMAKE :</a:t>
-            </a:r>
-          </a:p>
-          <a:p>
-            <a:pPr lvl="2"/>
-            <a:r>
-              <a:rPr lang="fr-FR" dirty="0"/>
-              <a:t>Ajout dans le projet de tierce partie :</a:t>
-            </a:r>
-          </a:p>
-          <a:p>
-            <a:pPr lvl="3"/>
-            <a:r>
-              <a:rPr lang="fr-FR" dirty="0"/>
-              <a:t>Du code source du Driver BME 280</a:t>
-            </a:r>
-          </a:p>
-          <a:p>
-            <a:pPr lvl="3"/>
-            <a:r>
-              <a:rPr lang="fr-FR" dirty="0"/>
-              <a:t>Du code source de </a:t>
-            </a:r>
-            <a:r>
-              <a:rPr lang="fr-FR" dirty="0" err="1"/>
-              <a:t>BuildInc</a:t>
-            </a:r>
-            <a:r>
-              <a:rPr lang="fr-FR" dirty="0"/>
-              <a:t> : petit utilitaire qui permet d’</a:t>
-            </a:r>
-            <a:r>
-              <a:rPr lang="fr-FR" dirty="0" err="1"/>
-              <a:t>incrementer</a:t>
-            </a:r>
-            <a:r>
-              <a:rPr lang="fr-FR" dirty="0"/>
-              <a:t> un numéro de </a:t>
-            </a:r>
-            <a:r>
-              <a:rPr lang="fr-FR" dirty="0" err="1"/>
-              <a:t>build</a:t>
-            </a:r>
-            <a:r>
-              <a:rPr lang="fr-FR" dirty="0"/>
-              <a:t> a chaque </a:t>
-            </a:r>
-            <a:r>
-              <a:rPr lang="fr-FR" dirty="0" err="1"/>
-              <a:t>build</a:t>
-            </a:r>
-            <a:endParaRPr lang="fr-FR" dirty="0"/>
-          </a:p>
-          <a:p>
-            <a:pPr lvl="3"/>
-            <a:r>
-              <a:rPr lang="fr-FR" dirty="0"/>
-              <a:t>Du code source de </a:t>
-            </a:r>
-            <a:r>
-              <a:rPr lang="fr-FR" dirty="0" err="1"/>
-              <a:t>libuv</a:t>
-            </a:r>
-            <a:r>
-              <a:rPr lang="fr-FR" dirty="0"/>
-              <a:t> : la libraire de communication réseau</a:t>
-            </a:r>
-          </a:p>
-          <a:p>
-            <a:pPr lvl="3"/>
-            <a:r>
-              <a:rPr lang="fr-FR" dirty="0"/>
-              <a:t>Du code source de SQlite3</a:t>
-            </a:r>
-          </a:p>
-          <a:p>
-            <a:pPr lvl="3"/>
-            <a:r>
-              <a:rPr lang="fr-FR" dirty="0"/>
-              <a:t>Du code source de </a:t>
-            </a:r>
-            <a:r>
-              <a:rPr lang="fr-FR" dirty="0" err="1"/>
-              <a:t>uv_cpp</a:t>
-            </a:r>
-            <a:r>
-              <a:rPr lang="fr-FR" dirty="0"/>
-              <a:t> : le </a:t>
-            </a:r>
-            <a:r>
-              <a:rPr lang="fr-FR" dirty="0" err="1"/>
-              <a:t>wrapper</a:t>
-            </a:r>
-            <a:r>
-              <a:rPr lang="fr-FR" dirty="0"/>
-              <a:t> </a:t>
-            </a:r>
-            <a:r>
-              <a:rPr lang="fr-FR" dirty="0" err="1"/>
-              <a:t>cpp</a:t>
-            </a:r>
-            <a:r>
-              <a:rPr lang="fr-FR" dirty="0"/>
-              <a:t> pour </a:t>
-            </a:r>
-            <a:r>
-              <a:rPr lang="fr-FR" dirty="0" err="1"/>
-              <a:t>libuv</a:t>
-            </a:r>
-            <a:endParaRPr lang="fr-FR" dirty="0"/>
-          </a:p>
-          <a:p>
-            <a:pPr lvl="2"/>
-            <a:r>
-              <a:rPr lang="fr-FR" dirty="0"/>
-              <a:t>Ajout dans le projet du code utile reparti en module :</a:t>
-            </a:r>
-          </a:p>
-          <a:p>
-            <a:pPr lvl="3"/>
-            <a:r>
-              <a:rPr lang="fr-FR" dirty="0"/>
-              <a:t>Un module pour gérer le serveur HTTP : réception / traitement / envoi de requête HTTP</a:t>
-            </a:r>
-          </a:p>
-          <a:p>
-            <a:pPr lvl="3"/>
-            <a:r>
-              <a:rPr lang="fr-FR" dirty="0"/>
-              <a:t>Un module pour gérer le capteur : mesure du capteur et formatage des données mesurées</a:t>
-            </a:r>
-          </a:p>
-          <a:p>
-            <a:pPr lvl="3"/>
-            <a:r>
-              <a:rPr lang="fr-FR" dirty="0"/>
-              <a:t>Un module pour gérer la base de donnée : ajout de donnée / extraction sous forme JSON</a:t>
-            </a:r>
-          </a:p>
-          <a:p>
-            <a:pPr lvl="3"/>
-            <a:r>
-              <a:rPr lang="fr-FR" dirty="0"/>
-              <a:t>Un module pour piloter la mesure et l’inscription dans la base de donnée suivant un </a:t>
-            </a:r>
-            <a:r>
-              <a:rPr lang="fr-FR" dirty="0" err="1"/>
-              <a:t>timer</a:t>
-            </a:r>
-            <a:r>
-              <a:rPr lang="fr-FR" dirty="0"/>
-              <a:t>. Ici toute les heures</a:t>
-            </a:r>
-          </a:p>
-          <a:p>
-            <a:pPr lvl="3"/>
-            <a:r>
-              <a:rPr lang="fr-FR" dirty="0"/>
-              <a:t>Un module pour extraire les infos du serveur : </a:t>
-            </a:r>
-          </a:p>
-          <a:p>
-            <a:pPr lvl="4"/>
-            <a:r>
-              <a:rPr lang="fr-FR" dirty="0"/>
-              <a:t>Infos de l’os : version, </a:t>
-            </a:r>
-            <a:r>
-              <a:rPr lang="fr-FR" dirty="0" err="1"/>
-              <a:t>cpu</a:t>
-            </a:r>
-            <a:endParaRPr lang="fr-FR" dirty="0"/>
-          </a:p>
-          <a:p>
-            <a:pPr lvl="4"/>
-            <a:r>
-              <a:rPr lang="fr-FR" dirty="0"/>
-              <a:t>Infos sur la bd : nombre d’enregistrements, version de la bd, chemin de la bd</a:t>
-            </a:r>
-          </a:p>
-          <a:p>
-            <a:pPr lvl="4"/>
-            <a:r>
-              <a:rPr lang="fr-FR" dirty="0"/>
-              <a:t>Infos sur le serveur : version, ligne de commande utilisé</a:t>
-            </a:r>
-          </a:p>
-          <a:p>
-            <a:pPr lvl="3"/>
-            <a:r>
-              <a:rPr lang="fr-FR" dirty="0"/>
-              <a:t>Ajout du point d’entrée du projet :</a:t>
-            </a:r>
-          </a:p>
-          <a:p>
-            <a:pPr lvl="4"/>
-            <a:r>
-              <a:rPr lang="fr-FR" dirty="0"/>
-              <a:t>Ajout d’une interface de ligne de commande configurable dans la logique des commande UNIX</a:t>
-            </a:r>
-          </a:p>
-          <a:p>
-            <a:pPr lvl="3"/>
-            <a:endParaRPr lang="fr-FR" dirty="0"/>
-          </a:p>
-          <a:p>
-            <a:pPr marL="0" indent="0">
-              <a:buNone/>
-            </a:pPr>
-            <a:endParaRPr lang="fr-FR" dirty="0"/>
+            <a:r>
+              <a:rPr lang="fr-FR" dirty="0"/>
+              <a:t>DESIGN / OPTIMISATION / SIMPLIFCATION</a:t>
+            </a:r>
           </a:p>
         </p:txBody>
       </p:sp>
@@ -19637,7 +20731,7 @@
           <p:cNvPr id="4" name="Espace réservé de la date 3">
             <a:extLst>
               <a:ext uri="{FF2B5EF4-FFF2-40B4-BE49-F238E27FC236}">
-                <a16:creationId xmlns:a16="http://schemas.microsoft.com/office/drawing/2014/main" id="{60BDC591-8D09-4D49-88A2-408CD1604F69}"/>
+                <a16:creationId xmlns:a16="http://schemas.microsoft.com/office/drawing/2014/main" id="{030B0D3A-6441-43DC-BDBC-2E9EE16205E9}"/>
               </a:ext>
             </a:extLst>
           </p:cNvPr>
@@ -19656,7 +20750,7 @@
             <a:pPr rtl="0"/>
             <a:fld id="{802FE938-1586-4780-B61A-DD3B60BAB93C}" type="datetime1">
               <a:rPr lang="fr-FR" smtClean="0"/>
-              <a:t>22/06/2021</a:t>
+              <a:t>23/06/2021</a:t>
             </a:fld>
             <a:endParaRPr lang="en-US"/>
           </a:p>
@@ -19665,7 +20759,7 @@
     </p:spTree>
     <p:extLst>
       <p:ext uri="{BB962C8B-B14F-4D97-AF65-F5344CB8AC3E}">
-        <p14:creationId xmlns:p14="http://schemas.microsoft.com/office/powerpoint/2010/main" val="3877532116"/>
+        <p14:creationId xmlns:p14="http://schemas.microsoft.com/office/powerpoint/2010/main" val="1130815813"/>
       </p:ext>
     </p:extLst>
   </p:cSld>
@@ -19715,7 +20809,7 @@
           <a:p>
             <a:r>
               <a:rPr lang="fr-FR" dirty="0"/>
-              <a:t>LA FINITION</a:t>
+              <a:t>DEMONSTRATION</a:t>
             </a:r>
           </a:p>
         </p:txBody>
@@ -19743,7 +20837,7 @@
           <a:p>
             <a:r>
               <a:rPr lang="fr-FR" dirty="0"/>
-              <a:t>DESIGN / OPTIMISATION / SIMPLIFCATION</a:t>
+              <a:t>DEMO DU LOGICIEL FINI</a:t>
             </a:r>
           </a:p>
         </p:txBody>
@@ -19772,7 +20866,7 @@
             <a:pPr rtl="0"/>
             <a:fld id="{802FE938-1586-4780-B61A-DD3B60BAB93C}" type="datetime1">
               <a:rPr lang="fr-FR" smtClean="0"/>
-              <a:t>22/06/2021</a:t>
+              <a:t>23/06/2021</a:t>
             </a:fld>
             <a:endParaRPr lang="en-US"/>
           </a:p>
@@ -19781,7 +20875,7 @@
     </p:spTree>
     <p:extLst>
       <p:ext uri="{BB962C8B-B14F-4D97-AF65-F5344CB8AC3E}">
-        <p14:creationId xmlns:p14="http://schemas.microsoft.com/office/powerpoint/2010/main" val="1130815813"/>
+        <p14:creationId xmlns:p14="http://schemas.microsoft.com/office/powerpoint/2010/main" val="962287830"/>
       </p:ext>
     </p:extLst>
   </p:cSld>
@@ -19831,7 +20925,7 @@
           <a:p>
             <a:r>
               <a:rPr lang="fr-FR" dirty="0"/>
-              <a:t>DEMONSTRATION</a:t>
+              <a:t>CONCLUSION</a:t>
             </a:r>
           </a:p>
         </p:txBody>
@@ -19854,12 +20948,14 @@
         </p:nvSpPr>
         <p:spPr/>
         <p:txBody>
-          <a:bodyPr/>
+          <a:bodyPr>
+            <a:normAutofit fontScale="92500"/>
+          </a:bodyPr>
           <a:lstStyle/>
           <a:p>
             <a:r>
               <a:rPr lang="fr-FR" dirty="0"/>
-              <a:t>DEMO DU LOGICIEL FINI</a:t>
+              <a:t>PROBLEMES RENCONTRES / EVOLUTIONS POSSIBLES / APPORTS PERSONNELS </a:t>
             </a:r>
           </a:p>
         </p:txBody>
@@ -19888,125 +20984,7 @@
             <a:pPr rtl="0"/>
             <a:fld id="{802FE938-1586-4780-B61A-DD3B60BAB93C}" type="datetime1">
               <a:rPr lang="fr-FR" smtClean="0"/>
-              <a:t>22/06/2021</a:t>
-            </a:fld>
-            <a:endParaRPr lang="en-US"/>
-          </a:p>
-        </p:txBody>
-      </p:sp>
-    </p:spTree>
-    <p:extLst>
-      <p:ext uri="{BB962C8B-B14F-4D97-AF65-F5344CB8AC3E}">
-        <p14:creationId xmlns:p14="http://schemas.microsoft.com/office/powerpoint/2010/main" val="962287830"/>
-      </p:ext>
-    </p:extLst>
-  </p:cSld>
-  <p:clrMapOvr>
-    <a:masterClrMapping/>
-  </p:clrMapOvr>
-</p:sld>
-</file>
-
-<file path=ppt/slides/slide45.xml><?xml version="1.0" encoding="utf-8"?>
-<p:sld xmlns:a="http://schemas.openxmlformats.org/drawingml/2006/main" xmlns:r="http://schemas.openxmlformats.org/officeDocument/2006/relationships" xmlns:p="http://schemas.openxmlformats.org/presentationml/2006/main">
-  <p:cSld>
-    <p:spTree>
-      <p:nvGrpSpPr>
-        <p:cNvPr id="1" name=""/>
-        <p:cNvGrpSpPr/>
-        <p:nvPr/>
-      </p:nvGrpSpPr>
-      <p:grpSpPr>
-        <a:xfrm>
-          <a:off x="0" y="0"/>
-          <a:ext cx="0" cy="0"/>
-          <a:chOff x="0" y="0"/>
-          <a:chExt cx="0" cy="0"/>
-        </a:xfrm>
-      </p:grpSpPr>
-      <p:sp>
-        <p:nvSpPr>
-          <p:cNvPr id="5" name="Titre 4">
-            <a:extLst>
-              <a:ext uri="{FF2B5EF4-FFF2-40B4-BE49-F238E27FC236}">
-                <a16:creationId xmlns:a16="http://schemas.microsoft.com/office/drawing/2014/main" id="{B535D397-2E1B-4C1E-A392-E2A43916D949}"/>
-              </a:ext>
-            </a:extLst>
-          </p:cNvPr>
-          <p:cNvSpPr>
-            <a:spLocks noGrp="1"/>
-          </p:cNvSpPr>
-          <p:nvPr>
-            <p:ph type="ctrTitle"/>
-          </p:nvPr>
-        </p:nvSpPr>
-        <p:spPr/>
-        <p:txBody>
-          <a:bodyPr/>
-          <a:lstStyle/>
-          <a:p>
-            <a:r>
-              <a:rPr lang="fr-FR" dirty="0"/>
-              <a:t>CONCLUSION</a:t>
-            </a:r>
-          </a:p>
-        </p:txBody>
-      </p:sp>
-      <p:sp>
-        <p:nvSpPr>
-          <p:cNvPr id="6" name="Sous-titre 5">
-            <a:extLst>
-              <a:ext uri="{FF2B5EF4-FFF2-40B4-BE49-F238E27FC236}">
-                <a16:creationId xmlns:a16="http://schemas.microsoft.com/office/drawing/2014/main" id="{42DF712F-84EC-48F3-B510-83E590DD97F0}"/>
-              </a:ext>
-            </a:extLst>
-          </p:cNvPr>
-          <p:cNvSpPr>
-            <a:spLocks noGrp="1"/>
-          </p:cNvSpPr>
-          <p:nvPr>
-            <p:ph type="subTitle" idx="1"/>
-          </p:nvPr>
-        </p:nvSpPr>
-        <p:spPr/>
-        <p:txBody>
-          <a:bodyPr>
-            <a:normAutofit fontScale="92500"/>
-          </a:bodyPr>
-          <a:lstStyle/>
-          <a:p>
-            <a:r>
-              <a:rPr lang="fr-FR" dirty="0"/>
-              <a:t>PROBLEMES RENCONTRES / EVOLUTIONS POSSIBLES / APPORTS PERSONNELS </a:t>
-            </a:r>
-          </a:p>
-        </p:txBody>
-      </p:sp>
-      <p:sp>
-        <p:nvSpPr>
-          <p:cNvPr id="4" name="Espace réservé de la date 3">
-            <a:extLst>
-              <a:ext uri="{FF2B5EF4-FFF2-40B4-BE49-F238E27FC236}">
-                <a16:creationId xmlns:a16="http://schemas.microsoft.com/office/drawing/2014/main" id="{030B0D3A-6441-43DC-BDBC-2E9EE16205E9}"/>
-              </a:ext>
-            </a:extLst>
-          </p:cNvPr>
-          <p:cNvSpPr>
-            <a:spLocks noGrp="1"/>
-          </p:cNvSpPr>
-          <p:nvPr>
-            <p:ph type="dt" sz="half" idx="10"/>
-          </p:nvPr>
-        </p:nvSpPr>
-        <p:spPr/>
-        <p:txBody>
-          <a:bodyPr/>
-          <a:lstStyle/>
-          <a:p>
-            <a:pPr rtl="0"/>
-            <a:fld id="{802FE938-1586-4780-B61A-DD3B60BAB93C}" type="datetime1">
-              <a:rPr lang="fr-FR" smtClean="0"/>
-              <a:t>22/06/2021</a:t>
+              <a:t>23/06/2021</a:t>
             </a:fld>
             <a:endParaRPr lang="en-US"/>
           </a:p>
@@ -20297,7 +21275,7 @@
             <a:pPr rtl="0"/>
             <a:fld id="{802FE938-1586-4780-B61A-DD3B60BAB93C}" type="datetime1">
               <a:rPr lang="fr-FR" smtClean="0"/>
-              <a:t>22/06/2021</a:t>
+              <a:t>23/06/2021</a:t>
             </a:fld>
             <a:endParaRPr lang="en-US"/>
           </a:p>
@@ -20630,7 +21608,7 @@
             <a:pPr rtl="0"/>
             <a:fld id="{802FE938-1586-4780-B61A-DD3B60BAB93C}" type="datetime1">
               <a:rPr lang="fr-FR" smtClean="0"/>
-              <a:t>22/06/2021</a:t>
+              <a:t>23/06/2021</a:t>
             </a:fld>
             <a:endParaRPr lang="en-US"/>
           </a:p>
@@ -20951,7 +21929,7 @@
             <a:pPr rtl="0"/>
             <a:fld id="{802FE938-1586-4780-B61A-DD3B60BAB93C}" type="datetime1">
               <a:rPr lang="fr-FR" smtClean="0"/>
-              <a:t>22/06/2021</a:t>
+              <a:t>23/06/2021</a:t>
             </a:fld>
             <a:endParaRPr lang="en-US"/>
           </a:p>
@@ -21074,7 +22052,7 @@
             <a:pPr rtl="0"/>
             <a:fld id="{802FE938-1586-4780-B61A-DD3B60BAB93C}" type="datetime1">
               <a:rPr lang="fr-FR" smtClean="0"/>
-              <a:t>22/06/2021</a:t>
+              <a:t>23/06/2021</a:t>
             </a:fld>
             <a:endParaRPr lang="en-US"/>
           </a:p>
@@ -21229,7 +22207,7 @@
             <a:pPr rtl="0"/>
             <a:fld id="{802FE938-1586-4780-B61A-DD3B60BAB93C}" type="datetime1">
               <a:rPr lang="fr-FR" smtClean="0"/>
-              <a:t>22/06/2021</a:t>
+              <a:t>23/06/2021</a:t>
             </a:fld>
             <a:endParaRPr lang="en-US"/>
           </a:p>
